--- a/Tesis/Presentaciones/FINAL_Examen.pptx
+++ b/Tesis/Presentaciones/FINAL_Examen.pptx
@@ -180,7 +180,18 @@
   </p:defaultTextStyle>
   <p:extLst>
     <p:ext uri="{EFAFB233-063F-42B5-8137-9DF3F51BA10A}">
-      <p15:sldGuideLst xmlns:p15="http://schemas.microsoft.com/office/powerpoint/2012/main" xmlns=""/>
+      <p15:sldGuideLst xmlns:p15="http://schemas.microsoft.com/office/powerpoint/2012/main">
+        <p15:guide id="1" orient="horz" pos="2160">
+          <p15:clr>
+            <a:srgbClr val="A4A3A4"/>
+          </p15:clr>
+        </p15:guide>
+        <p15:guide id="2" pos="3840">
+          <p15:clr>
+            <a:srgbClr val="A4A3A4"/>
+          </p15:clr>
+        </p15:guide>
+      </p15:sldGuideLst>
     </p:ext>
   </p:extLst>
 </p:presentation>
@@ -317,7 +328,7 @@
           <a:p>
             <a:fld id="{CFA7C8EE-915B-494D-892E-1894E2A93FCC}" type="datetimeFigureOut">
               <a:rPr lang="es-MX" smtClean="0"/>
-              <a:t>10/03/2018</a:t>
+              <a:t>12/03/2018</a:t>
             </a:fld>
             <a:endParaRPr lang="es-MX"/>
           </a:p>
@@ -487,7 +498,7 @@
           <a:p>
             <a:fld id="{CFA7C8EE-915B-494D-892E-1894E2A93FCC}" type="datetimeFigureOut">
               <a:rPr lang="es-MX" smtClean="0"/>
-              <a:t>10/03/2018</a:t>
+              <a:t>12/03/2018</a:t>
             </a:fld>
             <a:endParaRPr lang="es-MX"/>
           </a:p>
@@ -667,7 +678,7 @@
           <a:p>
             <a:fld id="{CFA7C8EE-915B-494D-892E-1894E2A93FCC}" type="datetimeFigureOut">
               <a:rPr lang="es-MX" smtClean="0"/>
-              <a:t>10/03/2018</a:t>
+              <a:t>12/03/2018</a:t>
             </a:fld>
             <a:endParaRPr lang="es-MX"/>
           </a:p>
@@ -837,7 +848,7 @@
           <a:p>
             <a:fld id="{CFA7C8EE-915B-494D-892E-1894E2A93FCC}" type="datetimeFigureOut">
               <a:rPr lang="es-MX" smtClean="0"/>
-              <a:t>10/03/2018</a:t>
+              <a:t>12/03/2018</a:t>
             </a:fld>
             <a:endParaRPr lang="es-MX"/>
           </a:p>
@@ -1083,7 +1094,7 @@
           <a:p>
             <a:fld id="{CFA7C8EE-915B-494D-892E-1894E2A93FCC}" type="datetimeFigureOut">
               <a:rPr lang="es-MX" smtClean="0"/>
-              <a:t>10/03/2018</a:t>
+              <a:t>12/03/2018</a:t>
             </a:fld>
             <a:endParaRPr lang="es-MX"/>
           </a:p>
@@ -1315,7 +1326,7 @@
           <a:p>
             <a:fld id="{CFA7C8EE-915B-494D-892E-1894E2A93FCC}" type="datetimeFigureOut">
               <a:rPr lang="es-MX" smtClean="0"/>
-              <a:t>10/03/2018</a:t>
+              <a:t>12/03/2018</a:t>
             </a:fld>
             <a:endParaRPr lang="es-MX"/>
           </a:p>
@@ -1682,7 +1693,7 @@
           <a:p>
             <a:fld id="{CFA7C8EE-915B-494D-892E-1894E2A93FCC}" type="datetimeFigureOut">
               <a:rPr lang="es-MX" smtClean="0"/>
-              <a:t>10/03/2018</a:t>
+              <a:t>12/03/2018</a:t>
             </a:fld>
             <a:endParaRPr lang="es-MX"/>
           </a:p>
@@ -1800,7 +1811,7 @@
           <a:p>
             <a:fld id="{CFA7C8EE-915B-494D-892E-1894E2A93FCC}" type="datetimeFigureOut">
               <a:rPr lang="es-MX" smtClean="0"/>
-              <a:t>10/03/2018</a:t>
+              <a:t>12/03/2018</a:t>
             </a:fld>
             <a:endParaRPr lang="es-MX"/>
           </a:p>
@@ -1895,7 +1906,7 @@
           <a:p>
             <a:fld id="{CFA7C8EE-915B-494D-892E-1894E2A93FCC}" type="datetimeFigureOut">
               <a:rPr lang="es-MX" smtClean="0"/>
-              <a:t>10/03/2018</a:t>
+              <a:t>12/03/2018</a:t>
             </a:fld>
             <a:endParaRPr lang="es-MX"/>
           </a:p>
@@ -2172,7 +2183,7 @@
           <a:p>
             <a:fld id="{CFA7C8EE-915B-494D-892E-1894E2A93FCC}" type="datetimeFigureOut">
               <a:rPr lang="es-MX" smtClean="0"/>
-              <a:t>10/03/2018</a:t>
+              <a:t>12/03/2018</a:t>
             </a:fld>
             <a:endParaRPr lang="es-MX"/>
           </a:p>
@@ -2425,7 +2436,7 @@
           <a:p>
             <a:fld id="{CFA7C8EE-915B-494D-892E-1894E2A93FCC}" type="datetimeFigureOut">
               <a:rPr lang="es-MX" smtClean="0"/>
-              <a:t>10/03/2018</a:t>
+              <a:t>12/03/2018</a:t>
             </a:fld>
             <a:endParaRPr lang="es-MX"/>
           </a:p>
@@ -2638,7 +2649,7 @@
           <a:p>
             <a:fld id="{CFA7C8EE-915B-494D-892E-1894E2A93FCC}" type="datetimeFigureOut">
               <a:rPr lang="es-MX" smtClean="0"/>
-              <a:t>10/03/2018</a:t>
+              <a:t>12/03/2018</a:t>
             </a:fld>
             <a:endParaRPr lang="es-MX"/>
           </a:p>
@@ -4208,22 +4219,7 @@
                   </a:outerShdw>
                 </a:effectLst>
               </a:rPr>
-              <a:t>la Teor</a:t>
-            </a:r>
-            <a:r>
-              <a:rPr lang="es-MX" sz="4000" b="1" dirty="0" smtClean="0">
-                <a:solidFill>
-                  <a:schemeClr val="tx1"/>
-                </a:solidFill>
-                <a:effectLst>
-                  <a:outerShdw blurRad="38100" dist="38100" dir="2700000" algn="tl">
-                    <a:srgbClr val="000000">
-                      <a:alpha val="43137"/>
-                    </a:srgbClr>
-                  </a:outerShdw>
-                </a:effectLst>
-              </a:rPr>
-              <a:t>ía de Detección de Señales </a:t>
+              <a:t>la Teoría de Detección de Señales </a:t>
             </a:r>
             <a:r>
               <a:rPr lang="es-MX" sz="4000" dirty="0" smtClean="0">
@@ -4240,18 +4236,6 @@
               </a:rPr>
               <a:t>es aplicada para analizar los datos obtenidos experimentalmente</a:t>
             </a:r>
-            <a:endParaRPr lang="es-MX" sz="4000" dirty="0" smtClean="0">
-              <a:solidFill>
-                <a:schemeClr val="tx1"/>
-              </a:solidFill>
-              <a:effectLst>
-                <a:outerShdw blurRad="38100" dist="38100" dir="2700000" algn="tl">
-                  <a:srgbClr val="000000">
-                    <a:alpha val="43137"/>
-                  </a:srgbClr>
-                </a:outerShdw>
-              </a:effectLst>
-            </a:endParaRPr>
           </a:p>
         </p:txBody>
       </p:sp>
@@ -5395,7 +5379,15 @@
                   </a:outerShdw>
                 </a:effectLst>
               </a:rPr>
-              <a:t>Patrón </a:t>
+              <a:t>Patrón de respuestas </a:t>
+            </a:r>
+            <a:r>
+              <a:rPr lang="es-MX" sz="4000" dirty="0" smtClean="0">
+                <a:solidFill>
+                  <a:schemeClr val="tx1"/>
+                </a:solidFill>
+              </a:rPr>
+              <a:t>que consistentemente señala que, al comparar el desempeño de los participantes entre una clase A y B, </a:t>
             </a:r>
             <a:r>
               <a:rPr lang="es-MX" sz="4000" b="1" dirty="0" smtClean="0">
@@ -5410,45 +5402,7 @@
                   </a:outerShdw>
                 </a:effectLst>
               </a:rPr>
-              <a:t>de respuestas </a:t>
-            </a:r>
-            <a:r>
-              <a:rPr lang="es-MX" sz="4000" dirty="0" smtClean="0">
-                <a:solidFill>
-                  <a:schemeClr val="tx1"/>
-                </a:solidFill>
-              </a:rPr>
-              <a:t>que consistentemente señala que, al comparar el desempeño de los participantes entre una clase A y B, </a:t>
-            </a:r>
-            <a:r>
-              <a:rPr lang="es-MX" sz="4000" b="1" dirty="0" smtClean="0">
-                <a:solidFill>
-                  <a:schemeClr val="tx1"/>
-                </a:solidFill>
-                <a:effectLst>
-                  <a:outerShdw blurRad="38100" dist="38100" dir="2700000" algn="tl">
-                    <a:srgbClr val="000000">
-                      <a:alpha val="43137"/>
-                    </a:srgbClr>
-                  </a:outerShdw>
-                </a:effectLst>
-              </a:rPr>
-              <a:t>no </a:t>
-            </a:r>
-            <a:r>
-              <a:rPr lang="es-MX" sz="4000" b="1" dirty="0" smtClean="0">
-                <a:solidFill>
-                  <a:schemeClr val="tx1"/>
-                </a:solidFill>
-                <a:effectLst>
-                  <a:outerShdw blurRad="38100" dist="38100" dir="2700000" algn="tl">
-                    <a:srgbClr val="000000">
-                      <a:alpha val="43137"/>
-                    </a:srgbClr>
-                  </a:outerShdw>
-                </a:effectLst>
-              </a:rPr>
-              <a:t>sólo aciertan más en la clase con mayor </a:t>
+              <a:t>no sólo aciertan más en la clase con mayor </a:t>
             </a:r>
             <a:r>
               <a:rPr lang="es-MX" sz="4000" b="1" dirty="0" err="1" smtClean="0">
@@ -8854,11 +8808,7 @@
             </a:pPr>
             <a:r>
               <a:rPr lang="es-MX" sz="3200" b="1" dirty="0" smtClean="0"/>
-              <a:t>TAREA</a:t>
-            </a:r>
-            <a:r>
-              <a:rPr lang="es-MX" sz="3200" b="1" dirty="0" smtClean="0"/>
-              <a:t>:</a:t>
+              <a:t>TAREA:</a:t>
             </a:r>
           </a:p>
           <a:p>
@@ -8878,7 +8828,6 @@
               <a:rPr lang="es-MX" sz="3200" b="1" dirty="0" smtClean="0"/>
               <a:t>Sí (señal)    No (Ruido)</a:t>
             </a:r>
-            <a:endParaRPr lang="es-MX" sz="3200" b="1" dirty="0" smtClean="0"/>
           </a:p>
         </p:txBody>
       </p:sp>
@@ -17280,25 +17229,12 @@
                   </a:outerShdw>
                 </a:effectLst>
               </a:rPr>
-              <a:t>el Efecto Espejo no es un fenómeno exclusivo de la Memoria de </a:t>
-            </a:r>
-            <a:r>
-              <a:rPr lang="es-MX" sz="3200" b="1" dirty="0" smtClean="0">
-                <a:effectLst>
-                  <a:outerShdw blurRad="38100" dist="38100" dir="2700000" algn="tl">
-                    <a:srgbClr val="000000">
-                      <a:alpha val="43137"/>
-                    </a:srgbClr>
-                  </a:outerShdw>
-                </a:effectLst>
-              </a:rPr>
-              <a:t>Reconocimiento sino de la aplicación de la Teoría de Detección de Señales</a:t>
+              <a:t>el Efecto Espejo no es un fenómeno exclusivo de la Memoria de Reconocimiento sino de la aplicación de la Teoría de Detección de Señales</a:t>
             </a:r>
             <a:r>
               <a:rPr lang="es-MX" sz="3200" dirty="0" smtClean="0"/>
               <a:t> al estudio de tareas con más de un nivel de d’. </a:t>
             </a:r>
-            <a:endParaRPr lang="es-MX" sz="3200" dirty="0" smtClean="0"/>
           </a:p>
         </p:txBody>
       </p:sp>
@@ -20020,7 +19956,7 @@
   <a:extraClrSchemeLst/>
   <a:extLst>
     <a:ext uri="{05A4C25C-085E-4340-85A3-A5531E510DB2}">
-      <thm15:themeFamily xmlns:thm15="http://schemas.microsoft.com/office/thememl/2012/main" xmlns="" name="Office Theme" id="{62F939B6-93AF-4DB8-9C6B-D6C7DFDC589F}" vid="{4A3C46E8-61CC-4603-A589-7422A47A8E4A}"/>
+      <thm15:themeFamily xmlns:thm15="http://schemas.microsoft.com/office/thememl/2012/main" name="Office Theme" id="{62F939B6-93AF-4DB8-9C6B-D6C7DFDC589F}" vid="{4A3C46E8-61CC-4603-A589-7422A47A8E4A}"/>
     </a:ext>
   </a:extLst>
 </a:theme>

--- a/Tesis/Presentaciones/FINAL_Examen.pptx
+++ b/Tesis/Presentaciones/FINAL_Examen.pptx
@@ -28,58 +28,59 @@
     <p:sldId id="340" r:id="rId22"/>
     <p:sldId id="362" r:id="rId23"/>
     <p:sldId id="308" r:id="rId24"/>
-    <p:sldId id="312" r:id="rId25"/>
-    <p:sldId id="286" r:id="rId26"/>
-    <p:sldId id="313" r:id="rId27"/>
-    <p:sldId id="359" r:id="rId28"/>
-    <p:sldId id="360" r:id="rId29"/>
-    <p:sldId id="287" r:id="rId30"/>
-    <p:sldId id="314" r:id="rId31"/>
-    <p:sldId id="305" r:id="rId32"/>
-    <p:sldId id="288" r:id="rId33"/>
-    <p:sldId id="289" r:id="rId34"/>
-    <p:sldId id="290" r:id="rId35"/>
-    <p:sldId id="332" r:id="rId36"/>
-    <p:sldId id="333" r:id="rId37"/>
-    <p:sldId id="335" r:id="rId38"/>
-    <p:sldId id="331" r:id="rId39"/>
-    <p:sldId id="291" r:id="rId40"/>
-    <p:sldId id="292" r:id="rId41"/>
-    <p:sldId id="306" r:id="rId42"/>
-    <p:sldId id="336" r:id="rId43"/>
-    <p:sldId id="337" r:id="rId44"/>
-    <p:sldId id="293" r:id="rId45"/>
-    <p:sldId id="343" r:id="rId46"/>
-    <p:sldId id="349" r:id="rId47"/>
-    <p:sldId id="294" r:id="rId48"/>
-    <p:sldId id="295" r:id="rId49"/>
-    <p:sldId id="296" r:id="rId50"/>
-    <p:sldId id="350" r:id="rId51"/>
-    <p:sldId id="297" r:id="rId52"/>
-    <p:sldId id="298" r:id="rId53"/>
-    <p:sldId id="299" r:id="rId54"/>
-    <p:sldId id="300" r:id="rId55"/>
-    <p:sldId id="351" r:id="rId56"/>
-    <p:sldId id="353" r:id="rId57"/>
-    <p:sldId id="355" r:id="rId58"/>
-    <p:sldId id="309" r:id="rId59"/>
-    <p:sldId id="320" r:id="rId60"/>
-    <p:sldId id="322" r:id="rId61"/>
-    <p:sldId id="323" r:id="rId62"/>
-    <p:sldId id="325" r:id="rId63"/>
-    <p:sldId id="363" r:id="rId64"/>
-    <p:sldId id="364" r:id="rId65"/>
-    <p:sldId id="365" r:id="rId66"/>
-    <p:sldId id="366" r:id="rId67"/>
-    <p:sldId id="367" r:id="rId68"/>
-    <p:sldId id="310" r:id="rId69"/>
-    <p:sldId id="302" r:id="rId70"/>
-    <p:sldId id="318" r:id="rId71"/>
-    <p:sldId id="303" r:id="rId72"/>
-    <p:sldId id="347" r:id="rId73"/>
-    <p:sldId id="348" r:id="rId74"/>
-    <p:sldId id="358" r:id="rId75"/>
-    <p:sldId id="361" r:id="rId76"/>
+    <p:sldId id="368" r:id="rId25"/>
+    <p:sldId id="369" r:id="rId26"/>
+    <p:sldId id="286" r:id="rId27"/>
+    <p:sldId id="313" r:id="rId28"/>
+    <p:sldId id="359" r:id="rId29"/>
+    <p:sldId id="360" r:id="rId30"/>
+    <p:sldId id="287" r:id="rId31"/>
+    <p:sldId id="314" r:id="rId32"/>
+    <p:sldId id="305" r:id="rId33"/>
+    <p:sldId id="288" r:id="rId34"/>
+    <p:sldId id="289" r:id="rId35"/>
+    <p:sldId id="290" r:id="rId36"/>
+    <p:sldId id="332" r:id="rId37"/>
+    <p:sldId id="333" r:id="rId38"/>
+    <p:sldId id="335" r:id="rId39"/>
+    <p:sldId id="331" r:id="rId40"/>
+    <p:sldId id="291" r:id="rId41"/>
+    <p:sldId id="292" r:id="rId42"/>
+    <p:sldId id="306" r:id="rId43"/>
+    <p:sldId id="336" r:id="rId44"/>
+    <p:sldId id="337" r:id="rId45"/>
+    <p:sldId id="293" r:id="rId46"/>
+    <p:sldId id="343" r:id="rId47"/>
+    <p:sldId id="349" r:id="rId48"/>
+    <p:sldId id="294" r:id="rId49"/>
+    <p:sldId id="295" r:id="rId50"/>
+    <p:sldId id="296" r:id="rId51"/>
+    <p:sldId id="350" r:id="rId52"/>
+    <p:sldId id="297" r:id="rId53"/>
+    <p:sldId id="298" r:id="rId54"/>
+    <p:sldId id="299" r:id="rId55"/>
+    <p:sldId id="300" r:id="rId56"/>
+    <p:sldId id="351" r:id="rId57"/>
+    <p:sldId id="353" r:id="rId58"/>
+    <p:sldId id="355" r:id="rId59"/>
+    <p:sldId id="309" r:id="rId60"/>
+    <p:sldId id="320" r:id="rId61"/>
+    <p:sldId id="322" r:id="rId62"/>
+    <p:sldId id="323" r:id="rId63"/>
+    <p:sldId id="372" r:id="rId64"/>
+    <p:sldId id="373" r:id="rId65"/>
+    <p:sldId id="374" r:id="rId66"/>
+    <p:sldId id="375" r:id="rId67"/>
+    <p:sldId id="376" r:id="rId68"/>
+    <p:sldId id="377" r:id="rId69"/>
+    <p:sldId id="310" r:id="rId70"/>
+    <p:sldId id="302" r:id="rId71"/>
+    <p:sldId id="318" r:id="rId72"/>
+    <p:sldId id="303" r:id="rId73"/>
+    <p:sldId id="347" r:id="rId74"/>
+    <p:sldId id="348" r:id="rId75"/>
+    <p:sldId id="358" r:id="rId76"/>
+    <p:sldId id="361" r:id="rId77"/>
   </p:sldIdLst>
   <p:sldSz cx="12192000" cy="6858000"/>
   <p:notesSz cx="6858000" cy="9144000"/>
@@ -4512,8 +4513,8 @@
               <a:t>&lt;&lt;palabras poco </a:t>
             </a:r>
             <a:r>
-              <a:rPr lang="es-MX" dirty="0" err="1" smtClean="0"/>
-              <a:t>comúnes</a:t>
+              <a:rPr lang="es-MX" dirty="0" smtClean="0"/>
+              <a:t>comunes</a:t>
             </a:r>
             <a:r>
               <a:rPr lang="es-MX" dirty="0" smtClean="0"/>
@@ -4574,8 +4575,8 @@
               <a:t>&lt;&lt;palabras muy </a:t>
             </a:r>
             <a:r>
-              <a:rPr lang="es-MX" dirty="0" err="1" smtClean="0"/>
-              <a:t>comúnes</a:t>
+              <a:rPr lang="es-MX" dirty="0" smtClean="0"/>
+              <a:t>comunes</a:t>
             </a:r>
             <a:r>
               <a:rPr lang="es-MX" dirty="0" smtClean="0"/>
@@ -4858,8 +4859,8 @@
               <a:t>&lt;&lt;palabras poco </a:t>
             </a:r>
             <a:r>
-              <a:rPr lang="es-MX" dirty="0" err="1" smtClean="0"/>
-              <a:t>comúnes</a:t>
+              <a:rPr lang="es-MX" dirty="0" smtClean="0"/>
+              <a:t>comunes</a:t>
             </a:r>
             <a:r>
               <a:rPr lang="es-MX" dirty="0" smtClean="0"/>
@@ -4920,8 +4921,8 @@
               <a:t>&lt;&lt;palabras muy </a:t>
             </a:r>
             <a:r>
-              <a:rPr lang="es-MX" dirty="0" err="1" smtClean="0"/>
-              <a:t>comúnes</a:t>
+              <a:rPr lang="es-MX" dirty="0" smtClean="0"/>
+              <a:t>comunes</a:t>
             </a:r>
             <a:r>
               <a:rPr lang="es-MX" dirty="0" smtClean="0"/>
@@ -6733,7 +6734,7 @@
       </p:sp>
       <p:pic>
         <p:nvPicPr>
-          <p:cNvPr id="6" name="Imagen 5"/>
+          <p:cNvPr id="7" name="Imagen 6"/>
           <p:cNvPicPr>
             <a:picLocks noChangeAspect="1"/>
           </p:cNvPicPr>
@@ -6747,31 +6748,7 @@
         </p:blipFill>
         <p:spPr>
           <a:xfrm>
-            <a:off x="131899" y="3084033"/>
-            <a:ext cx="5873521" cy="1470722"/>
-          </a:xfrm>
-          <a:prstGeom prst="rect">
-            <a:avLst/>
-          </a:prstGeom>
-        </p:spPr>
-      </p:pic>
-      <p:pic>
-        <p:nvPicPr>
-          <p:cNvPr id="7" name="Imagen 6"/>
-          <p:cNvPicPr>
-            <a:picLocks noChangeAspect="1"/>
-          </p:cNvPicPr>
-          <p:nvPr/>
-        </p:nvPicPr>
-        <p:blipFill>
-          <a:blip r:embed="rId3"/>
-          <a:stretch>
-            <a:fillRect/>
-          </a:stretch>
-        </p:blipFill>
-        <p:spPr>
-          <a:xfrm>
-            <a:off x="6632192" y="2059009"/>
+            <a:off x="2965261" y="2942887"/>
             <a:ext cx="5395090" cy="3915113"/>
           </a:xfrm>
           <a:prstGeom prst="rect">
@@ -6818,6 +6795,34 @@
       </p:grpSpPr>
       <p:sp>
         <p:nvSpPr>
+          <p:cNvPr id="2" name="Título 1"/>
+          <p:cNvSpPr>
+            <a:spLocks noGrp="1"/>
+          </p:cNvSpPr>
+          <p:nvPr>
+            <p:ph type="title"/>
+          </p:nvPr>
+        </p:nvSpPr>
+        <p:spPr>
+          <a:xfrm>
+            <a:off x="297287" y="111113"/>
+            <a:ext cx="10515600" cy="1325563"/>
+          </a:xfrm>
+        </p:spPr>
+        <p:txBody>
+          <a:bodyPr/>
+          <a:lstStyle/>
+          <a:p>
+            <a:r>
+              <a:rPr lang="es-MX" b="1" dirty="0" smtClean="0"/>
+              <a:t>Tareas con Escala de confianza</a:t>
+            </a:r>
+            <a:endParaRPr lang="es-MX" b="1" dirty="0"/>
+          </a:p>
+        </p:txBody>
+      </p:sp>
+      <p:sp>
+        <p:nvSpPr>
           <p:cNvPr id="3" name="Marcador de contenido 2"/>
           <p:cNvSpPr>
             <a:spLocks noGrp="1"/>
@@ -6830,9 +6835,6 @@
         <p:txBody>
           <a:bodyPr/>
           <a:lstStyle/>
-          <a:p>
-            <a:endParaRPr lang="es-MX" dirty="0" smtClean="0"/>
-          </a:p>
           <a:p>
             <a:endParaRPr lang="es-MX" dirty="0"/>
           </a:p>
@@ -6840,7 +6842,7 @@
       </p:sp>
       <p:pic>
         <p:nvPicPr>
-          <p:cNvPr id="4" name="Imagen 3"/>
+          <p:cNvPr id="7" name="Imagen 6"/>
           <p:cNvPicPr>
             <a:picLocks noChangeAspect="1"/>
           </p:cNvPicPr>
@@ -6854,8 +6856,8 @@
         </p:blipFill>
         <p:spPr>
           <a:xfrm>
-            <a:off x="2862262" y="1154202"/>
-            <a:ext cx="6467475" cy="1819275"/>
+            <a:off x="2965261" y="2942887"/>
+            <a:ext cx="5395090" cy="3915113"/>
           </a:xfrm>
           <a:prstGeom prst="rect">
             <a:avLst/>
@@ -6878,93 +6880,18 @@
         </p:blipFill>
         <p:spPr>
           <a:xfrm>
-            <a:off x="3209053" y="2842282"/>
-            <a:ext cx="5316761" cy="4015718"/>
+            <a:off x="2677208" y="2565556"/>
+            <a:ext cx="5683143" cy="4292444"/>
           </a:xfrm>
           <a:prstGeom prst="rect">
             <a:avLst/>
           </a:prstGeom>
         </p:spPr>
       </p:pic>
-      <p:sp>
-        <p:nvSpPr>
-          <p:cNvPr id="6" name="Título 5"/>
-          <p:cNvSpPr>
-            <a:spLocks noGrp="1"/>
-          </p:cNvSpPr>
-          <p:nvPr>
-            <p:ph type="title"/>
-          </p:nvPr>
-        </p:nvSpPr>
-        <p:spPr/>
-        <p:txBody>
-          <a:bodyPr/>
-          <a:lstStyle/>
-          <a:p>
-            <a:r>
-              <a:rPr lang="es-MX" dirty="0" smtClean="0"/>
-              <a:t/>
-            </a:r>
-            <a:br>
-              <a:rPr lang="es-MX" dirty="0" smtClean="0"/>
-            </a:br>
-            <a:endParaRPr lang="es-MX" dirty="0"/>
-          </a:p>
-        </p:txBody>
-      </p:sp>
-      <p:sp>
-        <p:nvSpPr>
-          <p:cNvPr id="7" name="Título 1"/>
-          <p:cNvSpPr txBox="1">
-            <a:spLocks/>
-          </p:cNvSpPr>
-          <p:nvPr/>
-        </p:nvSpPr>
-        <p:spPr>
-          <a:xfrm>
-            <a:off x="297287" y="111113"/>
-            <a:ext cx="10515600" cy="1325563"/>
-          </a:xfrm>
-          <a:prstGeom prst="rect">
-            <a:avLst/>
-          </a:prstGeom>
-        </p:spPr>
-        <p:txBody>
-          <a:bodyPr vert="horz" lIns="91440" tIns="45720" rIns="91440" bIns="45720" rtlCol="0" anchor="ctr">
-            <a:normAutofit/>
-          </a:bodyPr>
-          <a:lstStyle>
-            <a:lvl1pPr algn="l" defTabSz="914400" rtl="0" eaLnBrk="1" latinLnBrk="0" hangingPunct="1">
-              <a:lnSpc>
-                <a:spcPct val="90000"/>
-              </a:lnSpc>
-              <a:spcBef>
-                <a:spcPct val="0"/>
-              </a:spcBef>
-              <a:buNone/>
-              <a:defRPr sz="4400" kern="1200">
-                <a:solidFill>
-                  <a:schemeClr val="tx1"/>
-                </a:solidFill>
-                <a:latin typeface="+mj-lt"/>
-                <a:ea typeface="+mj-ea"/>
-                <a:cs typeface="+mj-cs"/>
-              </a:defRPr>
-            </a:lvl1pPr>
-          </a:lstStyle>
-          <a:p>
-            <a:r>
-              <a:rPr lang="es-MX" b="1" smtClean="0"/>
-              <a:t>Tareas con Escala de confianza</a:t>
-            </a:r>
-            <a:endParaRPr lang="es-MX" b="1" dirty="0"/>
-          </a:p>
-        </p:txBody>
-      </p:sp>
     </p:spTree>
     <p:extLst>
       <p:ext uri="{BB962C8B-B14F-4D97-AF65-F5344CB8AC3E}">
-        <p14:creationId xmlns:p14="http://schemas.microsoft.com/office/powerpoint/2010/main" val="3272955557"/>
+        <p14:creationId xmlns:p14="http://schemas.microsoft.com/office/powerpoint/2010/main" val="3011350234"/>
       </p:ext>
     </p:extLst>
   </p:cSld>
@@ -7008,6 +6935,162 @@
             <p:ph type="title"/>
           </p:nvPr>
         </p:nvSpPr>
+        <p:spPr>
+          <a:xfrm>
+            <a:off x="297287" y="111113"/>
+            <a:ext cx="10515600" cy="1325563"/>
+          </a:xfrm>
+        </p:spPr>
+        <p:txBody>
+          <a:bodyPr/>
+          <a:lstStyle/>
+          <a:p>
+            <a:r>
+              <a:rPr lang="es-MX" b="1" dirty="0" smtClean="0"/>
+              <a:t>Tareas con Escala de confianza</a:t>
+            </a:r>
+            <a:endParaRPr lang="es-MX" b="1" dirty="0"/>
+          </a:p>
+        </p:txBody>
+      </p:sp>
+      <p:sp>
+        <p:nvSpPr>
+          <p:cNvPr id="3" name="Marcador de contenido 2"/>
+          <p:cNvSpPr>
+            <a:spLocks noGrp="1"/>
+          </p:cNvSpPr>
+          <p:nvPr>
+            <p:ph idx="1"/>
+          </p:nvPr>
+        </p:nvSpPr>
+        <p:spPr/>
+        <p:txBody>
+          <a:bodyPr/>
+          <a:lstStyle/>
+          <a:p>
+            <a:endParaRPr lang="es-MX" dirty="0"/>
+          </a:p>
+        </p:txBody>
+      </p:sp>
+      <p:pic>
+        <p:nvPicPr>
+          <p:cNvPr id="7" name="Imagen 6"/>
+          <p:cNvPicPr>
+            <a:picLocks noChangeAspect="1"/>
+          </p:cNvPicPr>
+          <p:nvPr/>
+        </p:nvPicPr>
+        <p:blipFill>
+          <a:blip r:embed="rId2"/>
+          <a:stretch>
+            <a:fillRect/>
+          </a:stretch>
+        </p:blipFill>
+        <p:spPr>
+          <a:xfrm>
+            <a:off x="2965261" y="2942887"/>
+            <a:ext cx="5395090" cy="3915113"/>
+          </a:xfrm>
+          <a:prstGeom prst="rect">
+            <a:avLst/>
+          </a:prstGeom>
+        </p:spPr>
+      </p:pic>
+      <p:pic>
+        <p:nvPicPr>
+          <p:cNvPr id="5" name="Imagen 4"/>
+          <p:cNvPicPr>
+            <a:picLocks noChangeAspect="1"/>
+          </p:cNvPicPr>
+          <p:nvPr/>
+        </p:nvPicPr>
+        <p:blipFill>
+          <a:blip r:embed="rId3"/>
+          <a:stretch>
+            <a:fillRect/>
+          </a:stretch>
+        </p:blipFill>
+        <p:spPr>
+          <a:xfrm>
+            <a:off x="2677208" y="2565556"/>
+            <a:ext cx="5683143" cy="4292444"/>
+          </a:xfrm>
+          <a:prstGeom prst="rect">
+            <a:avLst/>
+          </a:prstGeom>
+        </p:spPr>
+      </p:pic>
+      <p:pic>
+        <p:nvPicPr>
+          <p:cNvPr id="6" name="Imagen 5"/>
+          <p:cNvPicPr>
+            <a:picLocks noChangeAspect="1"/>
+          </p:cNvPicPr>
+          <p:nvPr/>
+        </p:nvPicPr>
+        <p:blipFill>
+          <a:blip r:embed="rId4"/>
+          <a:stretch>
+            <a:fillRect/>
+          </a:stretch>
+        </p:blipFill>
+        <p:spPr>
+          <a:xfrm>
+            <a:off x="2862262" y="1154202"/>
+            <a:ext cx="6467475" cy="1819275"/>
+          </a:xfrm>
+          <a:prstGeom prst="rect">
+            <a:avLst/>
+          </a:prstGeom>
+        </p:spPr>
+      </p:pic>
+    </p:spTree>
+    <p:extLst>
+      <p:ext uri="{BB962C8B-B14F-4D97-AF65-F5344CB8AC3E}">
+        <p14:creationId xmlns:p14="http://schemas.microsoft.com/office/powerpoint/2010/main" val="2076658594"/>
+      </p:ext>
+    </p:extLst>
+  </p:cSld>
+  <p:clrMapOvr>
+    <a:masterClrMapping/>
+  </p:clrMapOvr>
+  <p:timing>
+    <p:tnLst>
+      <p:par>
+        <p:cTn id="1" dur="indefinite" restart="never" nodeType="tmRoot"/>
+      </p:par>
+    </p:tnLst>
+  </p:timing>
+</p:sld>
+</file>
+
+<file path=ppt/slides/slide26.xml><?xml version="1.0" encoding="utf-8"?>
+<p:sld xmlns:a="http://schemas.openxmlformats.org/drawingml/2006/main" xmlns:r="http://schemas.openxmlformats.org/officeDocument/2006/relationships" xmlns:p="http://schemas.openxmlformats.org/presentationml/2006/main">
+  <p:cSld>
+    <p:spTree>
+      <p:nvGrpSpPr>
+        <p:cNvPr id="1" name=""/>
+        <p:cNvGrpSpPr/>
+        <p:nvPr/>
+      </p:nvGrpSpPr>
+      <p:grpSpPr>
+        <a:xfrm>
+          <a:off x="0" y="0"/>
+          <a:ext cx="0" cy="0"/>
+          <a:chOff x="0" y="0"/>
+          <a:chExt cx="0" cy="0"/>
+        </a:xfrm>
+      </p:grpSpPr>
+      <p:sp>
+        <p:nvSpPr>
+          <p:cNvPr id="2" name="Título 1"/>
+          <p:cNvSpPr>
+            <a:spLocks noGrp="1"/>
+          </p:cNvSpPr>
+          <p:nvPr>
+            <p:ph type="title"/>
+          </p:nvPr>
+        </p:nvSpPr>
         <p:spPr/>
         <p:txBody>
           <a:bodyPr/>
@@ -7110,7 +7193,7 @@
 </p:sld>
 </file>
 
-<file path=ppt/slides/slide26.xml><?xml version="1.0" encoding="utf-8"?>
+<file path=ppt/slides/slide27.xml><?xml version="1.0" encoding="utf-8"?>
 <p:sld xmlns:a="http://schemas.openxmlformats.org/drawingml/2006/main" xmlns:r="http://schemas.openxmlformats.org/officeDocument/2006/relationships" xmlns:p="http://schemas.openxmlformats.org/presentationml/2006/main">
   <p:cSld>
     <p:spTree>
@@ -7422,7 +7505,15 @@
           <a:p>
             <a:r>
               <a:rPr lang="es-MX" dirty="0" smtClean="0"/>
-              <a:t>¿Qué sugiere le Efecto Espejo sobre las tareas de reconocimiento?</a:t>
+              <a:t>¿Qué sugiere </a:t>
+            </a:r>
+            <a:r>
+              <a:rPr lang="es-MX" dirty="0" smtClean="0"/>
+              <a:t>el </a:t>
+            </a:r>
+            <a:r>
+              <a:rPr lang="es-MX" dirty="0" smtClean="0"/>
+              <a:t>Efecto Espejo sobre las tareas de reconocimiento?</a:t>
             </a:r>
             <a:endParaRPr lang="es-MX" dirty="0"/>
           </a:p>
@@ -7432,124 +7523,6 @@
     <p:extLst>
       <p:ext uri="{BB962C8B-B14F-4D97-AF65-F5344CB8AC3E}">
         <p14:creationId xmlns:p14="http://schemas.microsoft.com/office/powerpoint/2010/main" val="3798604733"/>
-      </p:ext>
-    </p:extLst>
-  </p:cSld>
-  <p:clrMapOvr>
-    <a:masterClrMapping/>
-  </p:clrMapOvr>
-  <p:timing>
-    <p:tnLst>
-      <p:par>
-        <p:cTn id="1" dur="indefinite" restart="never" nodeType="tmRoot"/>
-      </p:par>
-    </p:tnLst>
-  </p:timing>
-</p:sld>
-</file>
-
-<file path=ppt/slides/slide27.xml><?xml version="1.0" encoding="utf-8"?>
-<p:sld xmlns:a="http://schemas.openxmlformats.org/drawingml/2006/main" xmlns:r="http://schemas.openxmlformats.org/officeDocument/2006/relationships" xmlns:p="http://schemas.openxmlformats.org/presentationml/2006/main">
-  <p:cSld>
-    <p:spTree>
-      <p:nvGrpSpPr>
-        <p:cNvPr id="1" name=""/>
-        <p:cNvGrpSpPr/>
-        <p:nvPr/>
-      </p:nvGrpSpPr>
-      <p:grpSpPr>
-        <a:xfrm>
-          <a:off x="0" y="0"/>
-          <a:ext cx="0" cy="0"/>
-          <a:chOff x="0" y="0"/>
-          <a:chExt cx="0" cy="0"/>
-        </a:xfrm>
-      </p:grpSpPr>
-      <p:sp>
-        <p:nvSpPr>
-          <p:cNvPr id="2" name="Título 1"/>
-          <p:cNvSpPr>
-            <a:spLocks noGrp="1"/>
-          </p:cNvSpPr>
-          <p:nvPr>
-            <p:ph type="title"/>
-          </p:nvPr>
-        </p:nvSpPr>
-        <p:spPr/>
-        <p:txBody>
-          <a:bodyPr/>
-          <a:lstStyle/>
-          <a:p>
-            <a:r>
-              <a:rPr lang="es-MX" dirty="0" smtClean="0"/>
-              <a:t/>
-            </a:r>
-            <a:br>
-              <a:rPr lang="es-MX" dirty="0" smtClean="0"/>
-            </a:br>
-            <a:endParaRPr lang="es-MX" dirty="0"/>
-          </a:p>
-        </p:txBody>
-      </p:sp>
-      <p:sp>
-        <p:nvSpPr>
-          <p:cNvPr id="3" name="Marcador de contenido 2"/>
-          <p:cNvSpPr>
-            <a:spLocks noGrp="1"/>
-          </p:cNvSpPr>
-          <p:nvPr>
-            <p:ph idx="1"/>
-          </p:nvPr>
-        </p:nvSpPr>
-        <p:spPr>
-          <a:xfrm>
-            <a:off x="7876309" y="1539071"/>
-            <a:ext cx="3656038" cy="4351338"/>
-          </a:xfrm>
-        </p:spPr>
-        <p:txBody>
-          <a:bodyPr/>
-          <a:lstStyle/>
-          <a:p>
-            <a:pPr marL="0" indent="0" algn="ctr">
-              <a:buNone/>
-            </a:pPr>
-            <a:r>
-              <a:rPr lang="es-MX" b="1" dirty="0" smtClean="0"/>
-              <a:t>Efecto de la Frecuencia de uso en las palabras</a:t>
-            </a:r>
-            <a:endParaRPr lang="es-MX" b="1" dirty="0"/>
-          </a:p>
-        </p:txBody>
-      </p:sp>
-      <p:pic>
-        <p:nvPicPr>
-          <p:cNvPr id="4" name="Imagen 3"/>
-          <p:cNvPicPr>
-            <a:picLocks noChangeAspect="1"/>
-          </p:cNvPicPr>
-          <p:nvPr/>
-        </p:nvPicPr>
-        <p:blipFill>
-          <a:blip r:embed="rId2"/>
-          <a:stretch>
-            <a:fillRect/>
-          </a:stretch>
-        </p:blipFill>
-        <p:spPr>
-          <a:xfrm>
-            <a:off x="334851" y="847601"/>
-            <a:ext cx="7431110" cy="5540612"/>
-          </a:xfrm>
-          <a:prstGeom prst="rect">
-            <a:avLst/>
-          </a:prstGeom>
-        </p:spPr>
-      </p:pic>
-    </p:spTree>
-    <p:extLst>
-      <p:ext uri="{BB962C8B-B14F-4D97-AF65-F5344CB8AC3E}">
-        <p14:creationId xmlns:p14="http://schemas.microsoft.com/office/powerpoint/2010/main" val="1047482687"/>
       </p:ext>
     </p:extLst>
   </p:cSld>
@@ -7621,8 +7594,8 @@
         </p:nvSpPr>
         <p:spPr>
           <a:xfrm>
-            <a:off x="6800044" y="2370343"/>
-            <a:ext cx="4940121" cy="4351338"/>
+            <a:off x="7876309" y="1539071"/>
+            <a:ext cx="3656038" cy="4351338"/>
           </a:xfrm>
         </p:spPr>
         <p:txBody>
@@ -7634,7 +7607,7 @@
             </a:pPr>
             <a:r>
               <a:rPr lang="es-MX" b="1" dirty="0" smtClean="0"/>
-              <a:t>Teoría de Atención / Verosimilitud</a:t>
+              <a:t>Efecto de la Frecuencia de uso en las palabras</a:t>
             </a:r>
             <a:endParaRPr lang="es-MX" b="1" dirty="0"/>
           </a:p>
@@ -7667,7 +7640,7 @@
     </p:spTree>
     <p:extLst>
       <p:ext uri="{BB962C8B-B14F-4D97-AF65-F5344CB8AC3E}">
-        <p14:creationId xmlns:p14="http://schemas.microsoft.com/office/powerpoint/2010/main" val="828682486"/>
+        <p14:creationId xmlns:p14="http://schemas.microsoft.com/office/powerpoint/2010/main" val="1047482687"/>
       </p:ext>
     </p:extLst>
   </p:cSld>
@@ -7716,28 +7689,14 @@
           <a:bodyPr/>
           <a:lstStyle/>
           <a:p>
-            <a:pPr algn="ctr"/>
-            <a:r>
-              <a:rPr lang="es-MX" dirty="0" smtClean="0">
-                <a:effectLst>
-                  <a:outerShdw blurRad="38100" dist="38100" dir="2700000" algn="tl">
-                    <a:srgbClr val="000000">
-                      <a:alpha val="43137"/>
-                    </a:srgbClr>
-                  </a:outerShdw>
-                </a:effectLst>
-              </a:rPr>
-              <a:t>Planteamiento del Problema</a:t>
-            </a:r>
-            <a:endParaRPr lang="es-MX" dirty="0">
-              <a:effectLst>
-                <a:outerShdw blurRad="38100" dist="38100" dir="2700000" algn="tl">
-                  <a:srgbClr val="000000">
-                    <a:alpha val="43137"/>
-                  </a:srgbClr>
-                </a:outerShdw>
-              </a:effectLst>
-            </a:endParaRPr>
+            <a:r>
+              <a:rPr lang="es-MX" dirty="0" smtClean="0"/>
+              <a:t/>
+            </a:r>
+            <a:br>
+              <a:rPr lang="es-MX" dirty="0" smtClean="0"/>
+            </a:br>
+            <a:endParaRPr lang="es-MX" dirty="0"/>
           </a:p>
         </p:txBody>
       </p:sp>
@@ -7753,44 +7712,53 @@
         </p:nvSpPr>
         <p:spPr>
           <a:xfrm>
-            <a:off x="838200" y="1561574"/>
-            <a:ext cx="10515600" cy="4351338"/>
+            <a:off x="6800044" y="2370343"/>
+            <a:ext cx="4940121" cy="4351338"/>
           </a:xfrm>
         </p:spPr>
         <p:txBody>
           <a:bodyPr/>
           <a:lstStyle/>
           <a:p>
-            <a:pPr marL="0" indent="0">
+            <a:pPr marL="0" indent="0" algn="ctr">
               <a:buNone/>
             </a:pPr>
             <a:r>
               <a:rPr lang="es-MX" b="1" dirty="0" smtClean="0"/>
-              <a:t>El Efecto Espejo sólo ha sido reportado en estudios de Memoria de Reconocimiento </a:t>
-            </a:r>
-            <a:r>
-              <a:rPr lang="es-MX" dirty="0" smtClean="0"/>
-              <a:t>que aplican la TDS para comparar el desempeño de los participantes entre las clases A y B.</a:t>
-            </a:r>
-          </a:p>
-          <a:p>
-            <a:pPr marL="0" indent="0">
-              <a:buNone/>
-            </a:pPr>
-            <a:endParaRPr lang="es-MX" dirty="0"/>
-          </a:p>
-          <a:p>
-            <a:pPr marL="0" indent="0">
-              <a:buNone/>
-            </a:pPr>
-            <a:endParaRPr lang="es-MX" dirty="0" smtClean="0"/>
-          </a:p>
-        </p:txBody>
-      </p:sp>
+              <a:t>Teoría de Atención / Verosimilitud</a:t>
+            </a:r>
+            <a:endParaRPr lang="es-MX" b="1" dirty="0"/>
+          </a:p>
+        </p:txBody>
+      </p:sp>
+      <p:pic>
+        <p:nvPicPr>
+          <p:cNvPr id="4" name="Imagen 3"/>
+          <p:cNvPicPr>
+            <a:picLocks noChangeAspect="1"/>
+          </p:cNvPicPr>
+          <p:nvPr/>
+        </p:nvPicPr>
+        <p:blipFill>
+          <a:blip r:embed="rId2"/>
+          <a:stretch>
+            <a:fillRect/>
+          </a:stretch>
+        </p:blipFill>
+        <p:spPr>
+          <a:xfrm>
+            <a:off x="334851" y="847601"/>
+            <a:ext cx="7431110" cy="5540612"/>
+          </a:xfrm>
+          <a:prstGeom prst="rect">
+            <a:avLst/>
+          </a:prstGeom>
+        </p:spPr>
+      </p:pic>
     </p:spTree>
     <p:extLst>
       <p:ext uri="{BB962C8B-B14F-4D97-AF65-F5344CB8AC3E}">
-        <p14:creationId xmlns:p14="http://schemas.microsoft.com/office/powerpoint/2010/main" val="4179422408"/>
+        <p14:creationId xmlns:p14="http://schemas.microsoft.com/office/powerpoint/2010/main" val="828682486"/>
       </p:ext>
     </p:extLst>
   </p:cSld>
@@ -8027,92 +7995,12 @@
             </a:pPr>
             <a:endParaRPr lang="es-MX" dirty="0" smtClean="0"/>
           </a:p>
-          <a:p>
-            <a:pPr marL="0" indent="0">
-              <a:buNone/>
-            </a:pPr>
-            <a:endParaRPr lang="es-MX" dirty="0"/>
-          </a:p>
-          <a:p>
-            <a:pPr marL="0" indent="0">
-              <a:buNone/>
-            </a:pPr>
-            <a:endParaRPr lang="es-MX" dirty="0" smtClean="0"/>
-          </a:p>
-          <a:p>
-            <a:pPr marL="0" indent="0">
-              <a:buNone/>
-            </a:pPr>
-            <a:r>
-              <a:rPr lang="es-MX" dirty="0" smtClean="0"/>
-              <a:t>Explorar la </a:t>
-            </a:r>
-            <a:r>
-              <a:rPr lang="es-MX" dirty="0" err="1" smtClean="0"/>
-              <a:t>generalizabilidad</a:t>
-            </a:r>
-            <a:r>
-              <a:rPr lang="es-MX" dirty="0" smtClean="0"/>
-              <a:t> del Efecto Espejo a otras áreas donde se haya aplicado la TDS.</a:t>
-            </a:r>
-            <a:endParaRPr lang="es-MX" dirty="0"/>
-          </a:p>
-        </p:txBody>
-      </p:sp>
-      <p:sp>
-        <p:nvSpPr>
-          <p:cNvPr id="4" name="Título 1"/>
-          <p:cNvSpPr txBox="1">
-            <a:spLocks/>
-          </p:cNvSpPr>
-          <p:nvPr/>
-        </p:nvSpPr>
-        <p:spPr>
-          <a:xfrm>
-            <a:off x="838200" y="3737243"/>
-            <a:ext cx="10515600" cy="1325563"/>
-          </a:xfrm>
-          <a:prstGeom prst="rect">
-            <a:avLst/>
-          </a:prstGeom>
-        </p:spPr>
-        <p:txBody>
-          <a:bodyPr vert="horz" lIns="91440" tIns="45720" rIns="91440" bIns="45720" rtlCol="0" anchor="ctr">
-            <a:normAutofit/>
-          </a:bodyPr>
-          <a:lstStyle>
-            <a:lvl1pPr algn="l" defTabSz="914400" rtl="0" eaLnBrk="1" latinLnBrk="0" hangingPunct="1">
-              <a:lnSpc>
-                <a:spcPct val="90000"/>
-              </a:lnSpc>
-              <a:spcBef>
-                <a:spcPct val="0"/>
-              </a:spcBef>
-              <a:buNone/>
-              <a:defRPr sz="4400" kern="1200">
-                <a:solidFill>
-                  <a:schemeClr val="tx1"/>
-                </a:solidFill>
-                <a:latin typeface="+mj-lt"/>
-                <a:ea typeface="+mj-ea"/>
-                <a:cs typeface="+mj-cs"/>
-              </a:defRPr>
-            </a:lvl1pPr>
-          </a:lstStyle>
-          <a:p>
-            <a:pPr algn="ctr"/>
-            <a:r>
-              <a:rPr lang="es-MX" b="1" dirty="0" smtClean="0"/>
-              <a:t>Objetivo</a:t>
-            </a:r>
-            <a:endParaRPr lang="es-MX" b="1" dirty="0"/>
-          </a:p>
         </p:txBody>
       </p:sp>
     </p:spTree>
     <p:extLst>
       <p:ext uri="{BB962C8B-B14F-4D97-AF65-F5344CB8AC3E}">
-        <p14:creationId xmlns:p14="http://schemas.microsoft.com/office/powerpoint/2010/main" val="3297511352"/>
+        <p14:creationId xmlns:p14="http://schemas.microsoft.com/office/powerpoint/2010/main" val="4179422408"/>
       </p:ext>
     </p:extLst>
   </p:cSld>
@@ -8153,178 +8041,169 @@
             <a:spLocks noGrp="1"/>
           </p:cNvSpPr>
           <p:nvPr>
-            <p:ph type="ctrTitle"/>
-          </p:nvPr>
-        </p:nvSpPr>
-        <p:spPr>
-          <a:xfrm>
-            <a:off x="0" y="2267496"/>
-            <a:ext cx="8306873" cy="1480256"/>
-          </a:xfrm>
-          <a:solidFill>
-            <a:schemeClr val="tx1"/>
-          </a:solidFill>
-        </p:spPr>
-        <p:txBody>
-          <a:bodyPr>
-            <a:normAutofit/>
-          </a:bodyPr>
-          <a:lstStyle/>
-          <a:p>
-            <a:r>
-              <a:rPr lang="es-MX" sz="6700" b="1" dirty="0" smtClean="0">
-                <a:solidFill>
-                  <a:schemeClr val="bg1"/>
-                </a:solidFill>
+            <p:ph type="title"/>
+          </p:nvPr>
+        </p:nvSpPr>
+        <p:spPr/>
+        <p:txBody>
+          <a:bodyPr/>
+          <a:lstStyle/>
+          <a:p>
+            <a:pPr algn="ctr"/>
+            <a:r>
+              <a:rPr lang="es-MX" dirty="0" smtClean="0">
+                <a:effectLst>
+                  <a:outerShdw blurRad="38100" dist="38100" dir="2700000" algn="tl">
+                    <a:srgbClr val="000000">
+                      <a:alpha val="43137"/>
+                    </a:srgbClr>
+                  </a:outerShdw>
+                </a:effectLst>
               </a:rPr>
-              <a:t>Método</a:t>
-            </a:r>
-            <a:endParaRPr lang="es-MX" b="1" dirty="0">
-              <a:solidFill>
-                <a:schemeClr val="bg1"/>
-              </a:solidFill>
+              <a:t>Planteamiento del Problema</a:t>
+            </a:r>
+            <a:endParaRPr lang="es-MX" dirty="0">
+              <a:effectLst>
+                <a:outerShdw blurRad="38100" dist="38100" dir="2700000" algn="tl">
+                  <a:srgbClr val="000000">
+                    <a:alpha val="43137"/>
+                  </a:srgbClr>
+                </a:outerShdw>
+              </a:effectLst>
             </a:endParaRPr>
           </a:p>
         </p:txBody>
       </p:sp>
       <p:sp>
         <p:nvSpPr>
-          <p:cNvPr id="3" name="Subtítulo 2"/>
-          <p:cNvSpPr>
-            <a:spLocks noGrp="1"/>
-          </p:cNvSpPr>
-          <p:nvPr>
-            <p:ph type="subTitle" idx="1"/>
-          </p:nvPr>
-        </p:nvSpPr>
-        <p:spPr>
-          <a:xfrm>
-            <a:off x="1523999" y="5763622"/>
-            <a:ext cx="9144000" cy="792349"/>
+          <p:cNvPr id="3" name="Marcador de contenido 2"/>
+          <p:cNvSpPr>
+            <a:spLocks noGrp="1"/>
+          </p:cNvSpPr>
+          <p:nvPr>
+            <p:ph idx="1"/>
+          </p:nvPr>
+        </p:nvSpPr>
+        <p:spPr>
+          <a:xfrm>
+            <a:off x="838200" y="1561574"/>
+            <a:ext cx="10515600" cy="4351338"/>
           </a:xfrm>
         </p:spPr>
         <p:txBody>
           <a:bodyPr/>
           <a:lstStyle/>
           <a:p>
+            <a:pPr marL="0" indent="0">
+              <a:buNone/>
+            </a:pPr>
+            <a:r>
+              <a:rPr lang="es-MX" b="1" dirty="0" smtClean="0"/>
+              <a:t>El Efecto Espejo sólo ha sido reportado en estudios de Memoria de Reconocimiento </a:t>
+            </a:r>
             <a:r>
               <a:rPr lang="es-MX" dirty="0" smtClean="0"/>
-              <a:t>por Adriana Felisa Chávez De la Peña</a:t>
-            </a:r>
+              <a:t>que aplican la TDS para comparar el desempeño de los participantes entre las clases A y B.</a:t>
+            </a:r>
+          </a:p>
+          <a:p>
+            <a:pPr marL="0" indent="0">
+              <a:buNone/>
+            </a:pPr>
             <a:endParaRPr lang="es-MX" dirty="0"/>
           </a:p>
-        </p:txBody>
-      </p:sp>
-      <p:pic>
-        <p:nvPicPr>
-          <p:cNvPr id="4" name="Picture 4" descr="Resultado de imagen para UNAM logo"/>
-          <p:cNvPicPr>
-            <a:picLocks noChangeAspect="1" noChangeArrowheads="1"/>
-          </p:cNvPicPr>
+          <a:p>
+            <a:pPr marL="0" indent="0">
+              <a:buNone/>
+            </a:pPr>
+            <a:endParaRPr lang="es-MX" dirty="0" smtClean="0"/>
+          </a:p>
+          <a:p>
+            <a:pPr marL="0" indent="0">
+              <a:buNone/>
+            </a:pPr>
+            <a:endParaRPr lang="es-MX" dirty="0"/>
+          </a:p>
+          <a:p>
+            <a:pPr marL="0" indent="0">
+              <a:buNone/>
+            </a:pPr>
+            <a:endParaRPr lang="es-MX" dirty="0" smtClean="0"/>
+          </a:p>
+          <a:p>
+            <a:pPr marL="0" indent="0">
+              <a:buNone/>
+            </a:pPr>
+            <a:r>
+              <a:rPr lang="es-MX" dirty="0" smtClean="0"/>
+              <a:t>Explorar la </a:t>
+            </a:r>
+            <a:r>
+              <a:rPr lang="es-MX" dirty="0" err="1" smtClean="0"/>
+              <a:t>generalizabilidad</a:t>
+            </a:r>
+            <a:r>
+              <a:rPr lang="es-MX" dirty="0" smtClean="0"/>
+              <a:t> del Efecto Espejo a otras áreas donde se haya aplicado la TDS.</a:t>
+            </a:r>
+            <a:endParaRPr lang="es-MX" dirty="0"/>
+          </a:p>
+        </p:txBody>
+      </p:sp>
+      <p:sp>
+        <p:nvSpPr>
+          <p:cNvPr id="4" name="Título 1"/>
+          <p:cNvSpPr txBox="1">
+            <a:spLocks/>
+          </p:cNvSpPr>
           <p:nvPr/>
-        </p:nvPicPr>
-        <p:blipFill>
-          <a:blip r:embed="rId2">
-            <a:extLst>
-              <a:ext uri="{28A0092B-C50C-407E-A947-70E740481C1C}">
-                <a14:useLocalDpi xmlns:a14="http://schemas.microsoft.com/office/drawing/2010/main" val="0"/>
-              </a:ext>
-            </a:extLst>
-          </a:blip>
-          <a:srcRect/>
-          <a:stretch>
-            <a:fillRect/>
-          </a:stretch>
-        </p:blipFill>
-        <p:spPr bwMode="auto">
-          <a:xfrm>
-            <a:off x="91776" y="160346"/>
-            <a:ext cx="3502025" cy="1255245"/>
+        </p:nvSpPr>
+        <p:spPr>
+          <a:xfrm>
+            <a:off x="838200" y="3737243"/>
+            <a:ext cx="10515600" cy="1325563"/>
           </a:xfrm>
           <a:prstGeom prst="rect">
             <a:avLst/>
           </a:prstGeom>
-          <a:noFill/>
-          <a:extLst>
-            <a:ext uri="{909E8E84-426E-40DD-AFC4-6F175D3DCCD1}">
-              <a14:hiddenFill xmlns:a14="http://schemas.microsoft.com/office/drawing/2010/main">
+        </p:spPr>
+        <p:txBody>
+          <a:bodyPr vert="horz" lIns="91440" tIns="45720" rIns="91440" bIns="45720" rtlCol="0" anchor="ctr">
+            <a:normAutofit/>
+          </a:bodyPr>
+          <a:lstStyle>
+            <a:lvl1pPr algn="l" defTabSz="914400" rtl="0" eaLnBrk="1" latinLnBrk="0" hangingPunct="1">
+              <a:lnSpc>
+                <a:spcPct val="90000"/>
+              </a:lnSpc>
+              <a:spcBef>
+                <a:spcPct val="0"/>
+              </a:spcBef>
+              <a:buNone/>
+              <a:defRPr sz="4400" kern="1200">
                 <a:solidFill>
-                  <a:srgbClr val="FFFFFF"/>
+                  <a:schemeClr val="tx1"/>
                 </a:solidFill>
-              </a14:hiddenFill>
-            </a:ext>
-          </a:extLst>
-        </p:spPr>
-      </p:pic>
-      <p:pic>
-        <p:nvPicPr>
-          <p:cNvPr id="5" name="Picture 6" descr="Imagen relacionada"/>
-          <p:cNvPicPr>
-            <a:picLocks noChangeAspect="1" noChangeArrowheads="1"/>
-          </p:cNvPicPr>
-          <p:nvPr/>
-        </p:nvPicPr>
-        <p:blipFill>
-          <a:blip r:embed="rId3" cstate="print">
-            <a:extLst>
-              <a:ext uri="{28A0092B-C50C-407E-A947-70E740481C1C}">
-                <a14:useLocalDpi xmlns:a14="http://schemas.microsoft.com/office/drawing/2010/main" val="0"/>
-              </a:ext>
-            </a:extLst>
-          </a:blip>
-          <a:srcRect/>
-          <a:stretch>
-            <a:fillRect/>
-          </a:stretch>
-        </p:blipFill>
-        <p:spPr bwMode="auto">
-          <a:xfrm>
-            <a:off x="357113" y="5058731"/>
-            <a:ext cx="1485675" cy="1409782"/>
-          </a:xfrm>
-          <a:prstGeom prst="rect">
-            <a:avLst/>
-          </a:prstGeom>
-          <a:noFill/>
-          <a:extLst>
-            <a:ext uri="{909E8E84-426E-40DD-AFC4-6F175D3DCCD1}">
-              <a14:hiddenFill xmlns:a14="http://schemas.microsoft.com/office/drawing/2010/main">
-                <a:solidFill>
-                  <a:srgbClr val="FFFFFF"/>
-                </a:solidFill>
-              </a14:hiddenFill>
-            </a:ext>
-          </a:extLst>
-        </p:spPr>
-      </p:pic>
-      <p:pic>
-        <p:nvPicPr>
-          <p:cNvPr id="6" name="Imagen 5"/>
-          <p:cNvPicPr>
-            <a:picLocks noChangeAspect="1"/>
-          </p:cNvPicPr>
-          <p:nvPr/>
-        </p:nvPicPr>
-        <p:blipFill>
-          <a:blip r:embed="rId4"/>
-          <a:stretch>
-            <a:fillRect/>
-          </a:stretch>
-        </p:blipFill>
-        <p:spPr>
-          <a:xfrm>
-            <a:off x="8667480" y="1806901"/>
-            <a:ext cx="3258355" cy="2604101"/>
-          </a:xfrm>
-          <a:prstGeom prst="rect">
-            <a:avLst/>
-          </a:prstGeom>
-        </p:spPr>
-      </p:pic>
+                <a:latin typeface="+mj-lt"/>
+                <a:ea typeface="+mj-ea"/>
+                <a:cs typeface="+mj-cs"/>
+              </a:defRPr>
+            </a:lvl1pPr>
+          </a:lstStyle>
+          <a:p>
+            <a:pPr algn="ctr"/>
+            <a:r>
+              <a:rPr lang="es-MX" b="1" dirty="0" smtClean="0"/>
+              <a:t>Objetivo</a:t>
+            </a:r>
+            <a:endParaRPr lang="es-MX" b="1" dirty="0"/>
+          </a:p>
+        </p:txBody>
+      </p:sp>
     </p:spTree>
     <p:extLst>
       <p:ext uri="{BB962C8B-B14F-4D97-AF65-F5344CB8AC3E}">
-        <p14:creationId xmlns:p14="http://schemas.microsoft.com/office/powerpoint/2010/main" val="346496644"/>
+        <p14:creationId xmlns:p14="http://schemas.microsoft.com/office/powerpoint/2010/main" val="3297511352"/>
       </p:ext>
     </p:extLst>
   </p:cSld>
@@ -8360,107 +8239,68 @@
       </p:grpSpPr>
       <p:sp>
         <p:nvSpPr>
-          <p:cNvPr id="3" name="Marcador de contenido 2"/>
-          <p:cNvSpPr>
-            <a:spLocks noGrp="1"/>
-          </p:cNvSpPr>
-          <p:nvPr>
-            <p:ph idx="1"/>
-          </p:nvPr>
-        </p:nvSpPr>
-        <p:spPr>
-          <a:xfrm>
-            <a:off x="361682" y="1902899"/>
-            <a:ext cx="6180786" cy="4351338"/>
-          </a:xfrm>
+          <p:cNvPr id="2" name="Título 1"/>
+          <p:cNvSpPr>
+            <a:spLocks noGrp="1"/>
+          </p:cNvSpPr>
+          <p:nvPr>
+            <p:ph type="ctrTitle"/>
+          </p:nvPr>
+        </p:nvSpPr>
+        <p:spPr>
+          <a:xfrm>
+            <a:off x="0" y="2267496"/>
+            <a:ext cx="8306873" cy="1480256"/>
+          </a:xfrm>
+          <a:solidFill>
+            <a:schemeClr val="tx1"/>
+          </a:solidFill>
         </p:spPr>
         <p:txBody>
           <a:bodyPr>
-            <a:normAutofit lnSpcReduction="10000"/>
+            <a:normAutofit/>
           </a:bodyPr>
           <a:lstStyle/>
           <a:p>
             <a:r>
-              <a:rPr lang="es-MX" sz="4800" b="1" dirty="0" smtClean="0"/>
-              <a:t>OBJETIVO: </a:t>
-            </a:r>
-            <a:r>
-              <a:rPr lang="es-MX" sz="4800" dirty="0" smtClean="0"/>
-              <a:t>Buscar </a:t>
-            </a:r>
-            <a:r>
-              <a:rPr lang="es-MX" sz="4800" dirty="0"/>
-              <a:t>evidencia del Efecto Espejo fuera del área de Memoria de </a:t>
-            </a:r>
-            <a:r>
-              <a:rPr lang="es-MX" sz="4800" dirty="0" smtClean="0"/>
-              <a:t>Reconocimiento, en una </a:t>
-            </a:r>
-            <a:r>
-              <a:rPr lang="es-MX" sz="4800" b="1" dirty="0" smtClean="0"/>
-              <a:t>tarea de detección perceptual</a:t>
-            </a:r>
-            <a:r>
-              <a:rPr lang="es-MX" sz="4800" dirty="0" smtClean="0"/>
-              <a:t>.</a:t>
-            </a:r>
-          </a:p>
-          <a:p>
-            <a:endParaRPr lang="es-MX" sz="4800" dirty="0" smtClean="0"/>
-          </a:p>
-        </p:txBody>
-      </p:sp>
-      <p:sp>
-        <p:nvSpPr>
-          <p:cNvPr id="4" name="Título 1"/>
-          <p:cNvSpPr txBox="1">
-            <a:spLocks/>
-          </p:cNvSpPr>
-          <p:nvPr/>
-        </p:nvSpPr>
-        <p:spPr>
-          <a:xfrm>
-            <a:off x="5346356" y="739581"/>
-            <a:ext cx="6845643" cy="491095"/>
-          </a:xfrm>
-          <a:prstGeom prst="rect">
-            <a:avLst/>
-          </a:prstGeom>
-          <a:solidFill>
-            <a:schemeClr val="accent3">
-              <a:lumMod val="40000"/>
-              <a:lumOff val="60000"/>
-            </a:schemeClr>
-          </a:solidFill>
-        </p:spPr>
-        <p:txBody>
-          <a:bodyPr vert="horz" lIns="91440" tIns="45720" rIns="91440" bIns="45720" rtlCol="0" anchor="ctr">
-            <a:normAutofit fontScale="85000" lnSpcReduction="20000"/>
-          </a:bodyPr>
-          <a:lstStyle>
-            <a:lvl1pPr algn="l" defTabSz="914400" rtl="0" eaLnBrk="1" latinLnBrk="0" hangingPunct="1">
-              <a:lnSpc>
-                <a:spcPct val="90000"/>
-              </a:lnSpc>
-              <a:spcBef>
-                <a:spcPct val="0"/>
-              </a:spcBef>
-              <a:buNone/>
-              <a:defRPr sz="4400" kern="1200">
+              <a:rPr lang="es-MX" sz="6700" b="1" dirty="0" smtClean="0">
                 <a:solidFill>
-                  <a:schemeClr val="tx1"/>
+                  <a:schemeClr val="bg1"/>
                 </a:solidFill>
-                <a:latin typeface="+mj-lt"/>
-                <a:ea typeface="+mj-ea"/>
-                <a:cs typeface="+mj-cs"/>
-              </a:defRPr>
-            </a:lvl1pPr>
-          </a:lstStyle>
-          <a:p>
-            <a:pPr algn="r"/>
+              </a:rPr>
+              <a:t>Método</a:t>
+            </a:r>
+            <a:endParaRPr lang="es-MX" b="1" dirty="0">
+              <a:solidFill>
+                <a:schemeClr val="bg1"/>
+              </a:solidFill>
+            </a:endParaRPr>
+          </a:p>
+        </p:txBody>
+      </p:sp>
+      <p:sp>
+        <p:nvSpPr>
+          <p:cNvPr id="3" name="Subtítulo 2"/>
+          <p:cNvSpPr>
+            <a:spLocks noGrp="1"/>
+          </p:cNvSpPr>
+          <p:nvPr>
+            <p:ph type="subTitle" idx="1"/>
+          </p:nvPr>
+        </p:nvSpPr>
+        <p:spPr>
+          <a:xfrm>
+            <a:off x="1523999" y="5763622"/>
+            <a:ext cx="9144000" cy="792349"/>
+          </a:xfrm>
+        </p:spPr>
+        <p:txBody>
+          <a:bodyPr/>
+          <a:lstStyle/>
+          <a:p>
             <a:r>
               <a:rPr lang="es-MX" dirty="0" smtClean="0"/>
-              <a:t>Planteamiento general</a:t>
+              <a:t>por Adriana Felisa Chávez De la Peña</a:t>
             </a:r>
             <a:endParaRPr lang="es-MX" dirty="0"/>
           </a:p>
@@ -8468,14 +8308,14 @@
       </p:sp>
       <p:pic>
         <p:nvPicPr>
-          <p:cNvPr id="5" name="Picture 2" descr="C:\Users\Adrifelcha\Desktop\Felisa\Tesis\Tesis Template\Figures\Ebbinghaus.png"/>
+          <p:cNvPr id="4" name="Picture 4" descr="Resultado de imagen para UNAM logo"/>
           <p:cNvPicPr>
             <a:picLocks noChangeAspect="1" noChangeArrowheads="1"/>
           </p:cNvPicPr>
           <p:nvPr/>
         </p:nvPicPr>
         <p:blipFill>
-          <a:blip r:embed="rId2" cstate="print">
+          <a:blip r:embed="rId2">
             <a:extLst>
               <a:ext uri="{28A0092B-C50C-407E-A947-70E740481C1C}">
                 <a14:useLocalDpi xmlns:a14="http://schemas.microsoft.com/office/drawing/2010/main" val="0"/>
@@ -8489,8 +8329,8 @@
         </p:blipFill>
         <p:spPr bwMode="auto">
           <a:xfrm>
-            <a:off x="6883888" y="2266682"/>
-            <a:ext cx="4981057" cy="3046612"/>
+            <a:off x="91776" y="160346"/>
+            <a:ext cx="3502025" cy="1255245"/>
           </a:xfrm>
           <a:prstGeom prst="rect">
             <a:avLst/>
@@ -8507,36 +8347,75 @@
           </a:extLst>
         </p:spPr>
       </p:pic>
-      <p:sp>
-        <p:nvSpPr>
-          <p:cNvPr id="6" name="Título 5"/>
-          <p:cNvSpPr>
-            <a:spLocks noGrp="1"/>
-          </p:cNvSpPr>
-          <p:nvPr>
-            <p:ph type="title"/>
-          </p:nvPr>
-        </p:nvSpPr>
-        <p:spPr/>
-        <p:txBody>
-          <a:bodyPr/>
-          <a:lstStyle/>
-          <a:p>
-            <a:r>
-              <a:rPr lang="es-MX" dirty="0" smtClean="0"/>
-              <a:t/>
-            </a:r>
-            <a:br>
-              <a:rPr lang="es-MX" dirty="0" smtClean="0"/>
-            </a:br>
-            <a:endParaRPr lang="es-MX" dirty="0"/>
-          </a:p>
-        </p:txBody>
-      </p:sp>
+      <p:pic>
+        <p:nvPicPr>
+          <p:cNvPr id="5" name="Picture 6" descr="Imagen relacionada"/>
+          <p:cNvPicPr>
+            <a:picLocks noChangeAspect="1" noChangeArrowheads="1"/>
+          </p:cNvPicPr>
+          <p:nvPr/>
+        </p:nvPicPr>
+        <p:blipFill>
+          <a:blip r:embed="rId3" cstate="print">
+            <a:extLst>
+              <a:ext uri="{28A0092B-C50C-407E-A947-70E740481C1C}">
+                <a14:useLocalDpi xmlns:a14="http://schemas.microsoft.com/office/drawing/2010/main" val="0"/>
+              </a:ext>
+            </a:extLst>
+          </a:blip>
+          <a:srcRect/>
+          <a:stretch>
+            <a:fillRect/>
+          </a:stretch>
+        </p:blipFill>
+        <p:spPr bwMode="auto">
+          <a:xfrm>
+            <a:off x="357113" y="5058731"/>
+            <a:ext cx="1485675" cy="1409782"/>
+          </a:xfrm>
+          <a:prstGeom prst="rect">
+            <a:avLst/>
+          </a:prstGeom>
+          <a:noFill/>
+          <a:extLst>
+            <a:ext uri="{909E8E84-426E-40DD-AFC4-6F175D3DCCD1}">
+              <a14:hiddenFill xmlns:a14="http://schemas.microsoft.com/office/drawing/2010/main">
+                <a:solidFill>
+                  <a:srgbClr val="FFFFFF"/>
+                </a:solidFill>
+              </a14:hiddenFill>
+            </a:ext>
+          </a:extLst>
+        </p:spPr>
+      </p:pic>
+      <p:pic>
+        <p:nvPicPr>
+          <p:cNvPr id="6" name="Imagen 5"/>
+          <p:cNvPicPr>
+            <a:picLocks noChangeAspect="1"/>
+          </p:cNvPicPr>
+          <p:nvPr/>
+        </p:nvPicPr>
+        <p:blipFill>
+          <a:blip r:embed="rId4"/>
+          <a:stretch>
+            <a:fillRect/>
+          </a:stretch>
+        </p:blipFill>
+        <p:spPr>
+          <a:xfrm>
+            <a:off x="8667480" y="1806901"/>
+            <a:ext cx="3258355" cy="2604101"/>
+          </a:xfrm>
+          <a:prstGeom prst="rect">
+            <a:avLst/>
+          </a:prstGeom>
+        </p:spPr>
+      </p:pic>
     </p:spTree>
     <p:extLst>
       <p:ext uri="{BB962C8B-B14F-4D97-AF65-F5344CB8AC3E}">
-        <p14:creationId xmlns:p14="http://schemas.microsoft.com/office/powerpoint/2010/main" val="2527740126"/>
+        <p14:creationId xmlns:p14="http://schemas.microsoft.com/office/powerpoint/2010/main" val="346496644"/>
       </p:ext>
     </p:extLst>
   </p:cSld>
@@ -8582,59 +8461,43 @@
         </p:nvSpPr>
         <p:spPr>
           <a:xfrm>
-            <a:off x="5815913" y="1825625"/>
-            <a:ext cx="5815913" cy="4351338"/>
-          </a:xfrm>
-        </p:spPr>
-        <p:txBody>
-          <a:bodyPr/>
-          <a:lstStyle/>
-          <a:p>
-            <a:r>
-              <a:rPr lang="es-MX" dirty="0" smtClean="0"/>
-              <a:t>Las clases A y B se construyeron de acuerdo a la literatura (</a:t>
-            </a:r>
-            <a:r>
-              <a:rPr lang="es-MX" dirty="0" err="1" smtClean="0"/>
-              <a:t>Massaro</a:t>
-            </a:r>
-            <a:r>
-              <a:rPr lang="es-MX" dirty="0" smtClean="0"/>
-              <a:t> &amp; Anderson, 1971)</a:t>
-            </a:r>
-          </a:p>
-          <a:p>
-            <a:endParaRPr lang="es-MX" dirty="0"/>
-          </a:p>
-          <a:p>
-            <a:r>
-              <a:rPr lang="es-MX" dirty="0" smtClean="0"/>
-              <a:t>Clase A: “Pocos” círculos externos</a:t>
-            </a:r>
-          </a:p>
-          <a:p>
-            <a:pPr lvl="1"/>
-            <a:r>
-              <a:rPr lang="es-MX" dirty="0" smtClean="0"/>
-              <a:t>Dos Niveles : 2 y 3 círculos externos</a:t>
-            </a:r>
-          </a:p>
-          <a:p>
-            <a:endParaRPr lang="es-MX" dirty="0"/>
-          </a:p>
-          <a:p>
-            <a:r>
-              <a:rPr lang="es-MX" dirty="0" smtClean="0"/>
-              <a:t>Clase B: “Muchos” círculos externos</a:t>
-            </a:r>
-          </a:p>
-          <a:p>
-            <a:pPr lvl="1"/>
-            <a:r>
-              <a:rPr lang="es-MX" dirty="0" smtClean="0"/>
-              <a:t>Dos Niveles: 7 y 8 círculos externos</a:t>
-            </a:r>
-            <a:endParaRPr lang="es-MX" dirty="0"/>
+            <a:off x="361682" y="1902899"/>
+            <a:ext cx="6180786" cy="4351338"/>
+          </a:xfrm>
+        </p:spPr>
+        <p:txBody>
+          <a:bodyPr>
+            <a:normAutofit lnSpcReduction="10000"/>
+          </a:bodyPr>
+          <a:lstStyle/>
+          <a:p>
+            <a:r>
+              <a:rPr lang="es-MX" sz="4800" b="1" dirty="0" smtClean="0"/>
+              <a:t>OBJETIVO: </a:t>
+            </a:r>
+            <a:r>
+              <a:rPr lang="es-MX" sz="4800" dirty="0" smtClean="0"/>
+              <a:t>Buscar </a:t>
+            </a:r>
+            <a:r>
+              <a:rPr lang="es-MX" sz="4800" dirty="0"/>
+              <a:t>evidencia del Efecto Espejo fuera del área de Memoria de </a:t>
+            </a:r>
+            <a:r>
+              <a:rPr lang="es-MX" sz="4800" dirty="0" smtClean="0"/>
+              <a:t>Reconocimiento, en una </a:t>
+            </a:r>
+            <a:r>
+              <a:rPr lang="es-MX" sz="4800" b="1" dirty="0" smtClean="0"/>
+              <a:t>tarea de detección perceptual</a:t>
+            </a:r>
+            <a:r>
+              <a:rPr lang="es-MX" sz="4800" dirty="0" smtClean="0"/>
+              <a:t>.</a:t>
+            </a:r>
+          </a:p>
+          <a:p>
+            <a:endParaRPr lang="es-MX" sz="4800" dirty="0" smtClean="0"/>
           </a:p>
         </p:txBody>
       </p:sp>
@@ -8688,7 +8551,7 @@
             <a:pPr algn="r"/>
             <a:r>
               <a:rPr lang="es-MX" dirty="0" smtClean="0"/>
-              <a:t>Diseño Experimental</a:t>
+              <a:t>Planteamiento general</a:t>
             </a:r>
             <a:endParaRPr lang="es-MX" dirty="0"/>
           </a:p>
@@ -8696,26 +8559,43 @@
       </p:sp>
       <p:pic>
         <p:nvPicPr>
-          <p:cNvPr id="5" name="Imagen 4"/>
+          <p:cNvPr id="5" name="Picture 2" descr="C:\Users\Adrifelcha\Desktop\Felisa\Tesis\Tesis Template\Figures\Ebbinghaus.png"/>
           <p:cNvPicPr>
-            <a:picLocks noChangeAspect="1"/>
+            <a:picLocks noChangeAspect="1" noChangeArrowheads="1"/>
           </p:cNvPicPr>
           <p:nvPr/>
         </p:nvPicPr>
         <p:blipFill>
-          <a:blip r:embed="rId2"/>
+          <a:blip r:embed="rId2" cstate="print">
+            <a:extLst>
+              <a:ext uri="{28A0092B-C50C-407E-A947-70E740481C1C}">
+                <a14:useLocalDpi xmlns:a14="http://schemas.microsoft.com/office/drawing/2010/main" val="0"/>
+              </a:ext>
+            </a:extLst>
+          </a:blip>
+          <a:srcRect/>
           <a:stretch>
             <a:fillRect/>
           </a:stretch>
         </p:blipFill>
-        <p:spPr>
-          <a:xfrm>
-            <a:off x="201569" y="1712194"/>
-            <a:ext cx="4938842" cy="4464770"/>
+        <p:spPr bwMode="auto">
+          <a:xfrm>
+            <a:off x="6883888" y="2266682"/>
+            <a:ext cx="4981057" cy="3046612"/>
           </a:xfrm>
           <a:prstGeom prst="rect">
             <a:avLst/>
           </a:prstGeom>
+          <a:noFill/>
+          <a:extLst>
+            <a:ext uri="{909E8E84-426E-40DD-AFC4-6F175D3DCCD1}">
+              <a14:hiddenFill xmlns:a14="http://schemas.microsoft.com/office/drawing/2010/main">
+                <a:solidFill>
+                  <a:srgbClr val="FFFFFF"/>
+                </a:solidFill>
+              </a14:hiddenFill>
+            </a:ext>
+          </a:extLst>
         </p:spPr>
       </p:pic>
       <p:sp>
@@ -8747,7 +8627,7 @@
     </p:spTree>
     <p:extLst>
       <p:ext uri="{BB962C8B-B14F-4D97-AF65-F5344CB8AC3E}">
-        <p14:creationId xmlns:p14="http://schemas.microsoft.com/office/powerpoint/2010/main" val="4025472031"/>
+        <p14:creationId xmlns:p14="http://schemas.microsoft.com/office/powerpoint/2010/main" val="2527740126"/>
       </p:ext>
     </p:extLst>
   </p:cSld>
@@ -8793,6 +8673,217 @@
         </p:nvSpPr>
         <p:spPr>
           <a:xfrm>
+            <a:off x="5815913" y="1825625"/>
+            <a:ext cx="5815913" cy="4351338"/>
+          </a:xfrm>
+        </p:spPr>
+        <p:txBody>
+          <a:bodyPr/>
+          <a:lstStyle/>
+          <a:p>
+            <a:r>
+              <a:rPr lang="es-MX" dirty="0" smtClean="0"/>
+              <a:t>Las clases A y B se construyeron de acuerdo a la literatura (</a:t>
+            </a:r>
+            <a:r>
+              <a:rPr lang="es-MX" dirty="0" err="1" smtClean="0"/>
+              <a:t>Massaro</a:t>
+            </a:r>
+            <a:r>
+              <a:rPr lang="es-MX" dirty="0" smtClean="0"/>
+              <a:t> &amp; Anderson, 1971)</a:t>
+            </a:r>
+          </a:p>
+          <a:p>
+            <a:endParaRPr lang="es-MX" dirty="0"/>
+          </a:p>
+          <a:p>
+            <a:r>
+              <a:rPr lang="es-MX" dirty="0" smtClean="0"/>
+              <a:t>Clase A: “Pocos” círculos externos</a:t>
+            </a:r>
+          </a:p>
+          <a:p>
+            <a:pPr lvl="1"/>
+            <a:r>
+              <a:rPr lang="es-MX" dirty="0" smtClean="0"/>
+              <a:t>Dos Niveles : 2 y 3 círculos externos</a:t>
+            </a:r>
+          </a:p>
+          <a:p>
+            <a:endParaRPr lang="es-MX" dirty="0"/>
+          </a:p>
+          <a:p>
+            <a:r>
+              <a:rPr lang="es-MX" dirty="0" smtClean="0"/>
+              <a:t>Clase B: “Muchos” círculos externos</a:t>
+            </a:r>
+          </a:p>
+          <a:p>
+            <a:pPr lvl="1"/>
+            <a:r>
+              <a:rPr lang="es-MX" dirty="0" smtClean="0"/>
+              <a:t>Dos Niveles: 7 y 8 círculos externos</a:t>
+            </a:r>
+            <a:endParaRPr lang="es-MX" dirty="0"/>
+          </a:p>
+        </p:txBody>
+      </p:sp>
+      <p:sp>
+        <p:nvSpPr>
+          <p:cNvPr id="4" name="Título 1"/>
+          <p:cNvSpPr txBox="1">
+            <a:spLocks/>
+          </p:cNvSpPr>
+          <p:nvPr/>
+        </p:nvSpPr>
+        <p:spPr>
+          <a:xfrm>
+            <a:off x="5346356" y="739581"/>
+            <a:ext cx="6845643" cy="491095"/>
+          </a:xfrm>
+          <a:prstGeom prst="rect">
+            <a:avLst/>
+          </a:prstGeom>
+          <a:solidFill>
+            <a:schemeClr val="accent3">
+              <a:lumMod val="40000"/>
+              <a:lumOff val="60000"/>
+            </a:schemeClr>
+          </a:solidFill>
+        </p:spPr>
+        <p:txBody>
+          <a:bodyPr vert="horz" lIns="91440" tIns="45720" rIns="91440" bIns="45720" rtlCol="0" anchor="ctr">
+            <a:normAutofit fontScale="85000" lnSpcReduction="20000"/>
+          </a:bodyPr>
+          <a:lstStyle>
+            <a:lvl1pPr algn="l" defTabSz="914400" rtl="0" eaLnBrk="1" latinLnBrk="0" hangingPunct="1">
+              <a:lnSpc>
+                <a:spcPct val="90000"/>
+              </a:lnSpc>
+              <a:spcBef>
+                <a:spcPct val="0"/>
+              </a:spcBef>
+              <a:buNone/>
+              <a:defRPr sz="4400" kern="1200">
+                <a:solidFill>
+                  <a:schemeClr val="tx1"/>
+                </a:solidFill>
+                <a:latin typeface="+mj-lt"/>
+                <a:ea typeface="+mj-ea"/>
+                <a:cs typeface="+mj-cs"/>
+              </a:defRPr>
+            </a:lvl1pPr>
+          </a:lstStyle>
+          <a:p>
+            <a:pPr algn="r"/>
+            <a:r>
+              <a:rPr lang="es-MX" dirty="0" smtClean="0"/>
+              <a:t>Diseño Experimental</a:t>
+            </a:r>
+            <a:endParaRPr lang="es-MX" dirty="0"/>
+          </a:p>
+        </p:txBody>
+      </p:sp>
+      <p:pic>
+        <p:nvPicPr>
+          <p:cNvPr id="5" name="Imagen 4"/>
+          <p:cNvPicPr>
+            <a:picLocks noChangeAspect="1"/>
+          </p:cNvPicPr>
+          <p:nvPr/>
+        </p:nvPicPr>
+        <p:blipFill>
+          <a:blip r:embed="rId2"/>
+          <a:stretch>
+            <a:fillRect/>
+          </a:stretch>
+        </p:blipFill>
+        <p:spPr>
+          <a:xfrm>
+            <a:off x="201569" y="1712194"/>
+            <a:ext cx="4938842" cy="4464770"/>
+          </a:xfrm>
+          <a:prstGeom prst="rect">
+            <a:avLst/>
+          </a:prstGeom>
+        </p:spPr>
+      </p:pic>
+      <p:sp>
+        <p:nvSpPr>
+          <p:cNvPr id="6" name="Título 5"/>
+          <p:cNvSpPr>
+            <a:spLocks noGrp="1"/>
+          </p:cNvSpPr>
+          <p:nvPr>
+            <p:ph type="title"/>
+          </p:nvPr>
+        </p:nvSpPr>
+        <p:spPr/>
+        <p:txBody>
+          <a:bodyPr/>
+          <a:lstStyle/>
+          <a:p>
+            <a:r>
+              <a:rPr lang="es-MX" dirty="0" smtClean="0"/>
+              <a:t/>
+            </a:r>
+            <a:br>
+              <a:rPr lang="es-MX" dirty="0" smtClean="0"/>
+            </a:br>
+            <a:endParaRPr lang="es-MX" dirty="0"/>
+          </a:p>
+        </p:txBody>
+      </p:sp>
+    </p:spTree>
+    <p:extLst>
+      <p:ext uri="{BB962C8B-B14F-4D97-AF65-F5344CB8AC3E}">
+        <p14:creationId xmlns:p14="http://schemas.microsoft.com/office/powerpoint/2010/main" val="4025472031"/>
+      </p:ext>
+    </p:extLst>
+  </p:cSld>
+  <p:clrMapOvr>
+    <a:masterClrMapping/>
+  </p:clrMapOvr>
+  <p:timing>
+    <p:tnLst>
+      <p:par>
+        <p:cTn id="1" dur="indefinite" restart="never" nodeType="tmRoot"/>
+      </p:par>
+    </p:tnLst>
+  </p:timing>
+</p:sld>
+</file>
+
+<file path=ppt/slides/slide35.xml><?xml version="1.0" encoding="utf-8"?>
+<p:sld xmlns:a="http://schemas.openxmlformats.org/drawingml/2006/main" xmlns:r="http://schemas.openxmlformats.org/officeDocument/2006/relationships" xmlns:p="http://schemas.openxmlformats.org/presentationml/2006/main">
+  <p:cSld>
+    <p:spTree>
+      <p:nvGrpSpPr>
+        <p:cNvPr id="1" name=""/>
+        <p:cNvGrpSpPr/>
+        <p:nvPr/>
+      </p:nvGrpSpPr>
+      <p:grpSpPr>
+        <a:xfrm>
+          <a:off x="0" y="0"/>
+          <a:ext cx="0" cy="0"/>
+          <a:chOff x="0" y="0"/>
+          <a:chExt cx="0" cy="0"/>
+        </a:xfrm>
+      </p:grpSpPr>
+      <p:sp>
+        <p:nvSpPr>
+          <p:cNvPr id="3" name="Marcador de contenido 2"/>
+          <p:cNvSpPr>
+            <a:spLocks noGrp="1"/>
+          </p:cNvSpPr>
+          <p:nvPr>
+            <p:ph idx="1"/>
+          </p:nvPr>
+        </p:nvSpPr>
+        <p:spPr>
+          <a:xfrm>
             <a:off x="858982" y="651452"/>
             <a:ext cx="10515600" cy="4351338"/>
           </a:xfrm>
@@ -9193,7 +9284,7 @@
 </p:sld>
 </file>
 
-<file path=ppt/slides/slide35.xml><?xml version="1.0" encoding="utf-8"?>
+<file path=ppt/slides/slide36.xml><?xml version="1.0" encoding="utf-8"?>
 <p:sld xmlns:a="http://schemas.openxmlformats.org/drawingml/2006/main" xmlns:r="http://schemas.openxmlformats.org/officeDocument/2006/relationships" xmlns:p="http://schemas.openxmlformats.org/presentationml/2006/main">
   <p:cSld>
     <p:spTree>
@@ -9390,10 +9481,17 @@
   <p:clrMapOvr>
     <a:masterClrMapping/>
   </p:clrMapOvr>
+  <p:timing>
+    <p:tnLst>
+      <p:par>
+        <p:cTn id="1" dur="indefinite" restart="never" nodeType="tmRoot"/>
+      </p:par>
+    </p:tnLst>
+  </p:timing>
 </p:sld>
 </file>
 
-<file path=ppt/slides/slide36.xml><?xml version="1.0" encoding="utf-8"?>
+<file path=ppt/slides/slide37.xml><?xml version="1.0" encoding="utf-8"?>
 <p:sld xmlns:a="http://schemas.openxmlformats.org/drawingml/2006/main" xmlns:r="http://schemas.openxmlformats.org/officeDocument/2006/relationships" xmlns:p="http://schemas.openxmlformats.org/presentationml/2006/main">
   <p:cSld>
     <p:spTree>
@@ -9655,10 +9753,17 @@
   <p:clrMapOvr>
     <a:masterClrMapping/>
   </p:clrMapOvr>
+  <p:timing>
+    <p:tnLst>
+      <p:par>
+        <p:cTn id="1" dur="indefinite" restart="never" nodeType="tmRoot"/>
+      </p:par>
+    </p:tnLst>
+  </p:timing>
 </p:sld>
 </file>
 
-<file path=ppt/slides/slide37.xml><?xml version="1.0" encoding="utf-8"?>
+<file path=ppt/slides/slide38.xml><?xml version="1.0" encoding="utf-8"?>
 <p:sld xmlns:a="http://schemas.openxmlformats.org/drawingml/2006/main" xmlns:r="http://schemas.openxmlformats.org/officeDocument/2006/relationships" xmlns:p="http://schemas.openxmlformats.org/presentationml/2006/main">
   <p:cSld>
     <p:spTree>
@@ -9841,177 +9946,13 @@
   <p:clrMapOvr>
     <a:masterClrMapping/>
   </p:clrMapOvr>
-</p:sld>
-</file>
-
-<file path=ppt/slides/slide38.xml><?xml version="1.0" encoding="utf-8"?>
-<p:sld xmlns:a="http://schemas.openxmlformats.org/drawingml/2006/main" xmlns:r="http://schemas.openxmlformats.org/officeDocument/2006/relationships" xmlns:p="http://schemas.openxmlformats.org/presentationml/2006/main">
-  <p:cSld>
-    <p:spTree>
-      <p:nvGrpSpPr>
-        <p:cNvPr id="1" name=""/>
-        <p:cNvGrpSpPr/>
-        <p:nvPr/>
-      </p:nvGrpSpPr>
-      <p:grpSpPr>
-        <a:xfrm>
-          <a:off x="0" y="0"/>
-          <a:ext cx="0" cy="0"/>
-          <a:chOff x="0" y="0"/>
-          <a:chExt cx="0" cy="0"/>
-        </a:xfrm>
-      </p:grpSpPr>
-      <p:sp>
-        <p:nvSpPr>
-          <p:cNvPr id="2" name="1 Título"/>
-          <p:cNvSpPr>
-            <a:spLocks noGrp="1"/>
-          </p:cNvSpPr>
-          <p:nvPr>
-            <p:ph type="title"/>
-          </p:nvPr>
-        </p:nvSpPr>
-        <p:spPr/>
-        <p:txBody>
-          <a:bodyPr/>
-          <a:lstStyle/>
-          <a:p>
-            <a:r>
-              <a:rPr lang="es-MX" dirty="0" smtClean="0"/>
-              <a:t/>
-            </a:r>
-            <a:br>
-              <a:rPr lang="es-MX" dirty="0" smtClean="0"/>
-            </a:br>
-            <a:endParaRPr lang="es-MX" dirty="0"/>
-          </a:p>
-        </p:txBody>
-      </p:sp>
-      <p:sp>
-        <p:nvSpPr>
-          <p:cNvPr id="3" name="2 Marcador de contenido"/>
-          <p:cNvSpPr>
-            <a:spLocks noGrp="1"/>
-          </p:cNvSpPr>
-          <p:nvPr>
-            <p:ph idx="1"/>
-          </p:nvPr>
-        </p:nvSpPr>
-        <p:spPr/>
-        <p:txBody>
-          <a:bodyPr/>
-          <a:lstStyle/>
-          <a:p>
-            <a:r>
-              <a:rPr lang="es-MX" dirty="0" smtClean="0"/>
-              <a:t>41 estudiantes de la Facultad de Psicología</a:t>
-            </a:r>
-          </a:p>
-          <a:p>
-            <a:pPr lvl="1"/>
-            <a:r>
-              <a:rPr lang="es-MX" dirty="0" smtClean="0"/>
-              <a:t>(20 y 21 en los Experimentos 1 y 2, respectivamente)</a:t>
-            </a:r>
-          </a:p>
-          <a:p>
-            <a:pPr lvl="1"/>
-            <a:endParaRPr lang="es-MX" dirty="0"/>
-          </a:p>
-          <a:p>
-            <a:r>
-              <a:rPr lang="es-MX" dirty="0" smtClean="0"/>
-              <a:t>Tarea programada en </a:t>
-            </a:r>
-            <a:r>
-              <a:rPr lang="es-MX" dirty="0" err="1" smtClean="0"/>
-              <a:t>Psychopy</a:t>
-            </a:r>
-            <a:r>
-              <a:rPr lang="es-MX" dirty="0" smtClean="0"/>
-              <a:t> v.12</a:t>
-            </a:r>
-          </a:p>
-          <a:p>
-            <a:endParaRPr lang="es-MX" dirty="0"/>
-          </a:p>
-          <a:p>
-            <a:r>
-              <a:rPr lang="es-MX" dirty="0" smtClean="0"/>
-              <a:t>Cubículo dentro del Laboratorio 25</a:t>
-            </a:r>
-          </a:p>
-          <a:p>
-            <a:endParaRPr lang="es-MX" dirty="0"/>
-          </a:p>
-        </p:txBody>
-      </p:sp>
-      <p:sp>
-        <p:nvSpPr>
-          <p:cNvPr id="4" name="Título 1"/>
-          <p:cNvSpPr txBox="1">
-            <a:spLocks/>
-          </p:cNvSpPr>
-          <p:nvPr/>
-        </p:nvSpPr>
-        <p:spPr>
-          <a:xfrm>
-            <a:off x="5346356" y="739581"/>
-            <a:ext cx="6845643" cy="491095"/>
-          </a:xfrm>
-          <a:prstGeom prst="rect">
-            <a:avLst/>
-          </a:prstGeom>
-          <a:solidFill>
-            <a:schemeClr val="accent3">
-              <a:lumMod val="40000"/>
-              <a:lumOff val="60000"/>
-            </a:schemeClr>
-          </a:solidFill>
-        </p:spPr>
-        <p:txBody>
-          <a:bodyPr vert="horz" lIns="91440" tIns="45720" rIns="91440" bIns="45720" rtlCol="0" anchor="ctr">
-            <a:normAutofit fontScale="77500" lnSpcReduction="20000"/>
-          </a:bodyPr>
-          <a:lstStyle>
-            <a:lvl1pPr algn="l" defTabSz="914400" rtl="0" eaLnBrk="1" latinLnBrk="0" hangingPunct="1">
-              <a:lnSpc>
-                <a:spcPct val="90000"/>
-              </a:lnSpc>
-              <a:spcBef>
-                <a:spcPct val="0"/>
-              </a:spcBef>
-              <a:buNone/>
-              <a:defRPr sz="4400" kern="1200">
-                <a:solidFill>
-                  <a:schemeClr val="tx1"/>
-                </a:solidFill>
-                <a:latin typeface="+mj-lt"/>
-                <a:ea typeface="+mj-ea"/>
-                <a:cs typeface="+mj-cs"/>
-              </a:defRPr>
-            </a:lvl1pPr>
-          </a:lstStyle>
-          <a:p>
-            <a:pPr algn="r"/>
-            <a:r>
-              <a:rPr lang="es-MX" dirty="0" smtClean="0"/>
-              <a:t>Materiales y Participantes</a:t>
-            </a:r>
-            <a:endParaRPr lang="es-MX" dirty="0"/>
-          </a:p>
-        </p:txBody>
-      </p:sp>
-    </p:spTree>
-    <p:extLst>
-      <p:ext uri="{BB962C8B-B14F-4D97-AF65-F5344CB8AC3E}">
-        <p14:creationId xmlns:p14="http://schemas.microsoft.com/office/powerpoint/2010/main" val="240038291"/>
-      </p:ext>
-    </p:extLst>
-  </p:cSld>
-  <p:clrMapOvr>
-    <a:masterClrMapping/>
-  </p:clrMapOvr>
+  <p:timing>
+    <p:tnLst>
+      <p:par>
+        <p:cTn id="1" dur="indefinite" restart="never" nodeType="tmRoot"/>
+      </p:par>
+    </p:tnLst>
+  </p:timing>
 </p:sld>
 </file>
 
@@ -10032,6 +9973,91 @@
           <a:chExt cx="0" cy="0"/>
         </a:xfrm>
       </p:grpSpPr>
+      <p:sp>
+        <p:nvSpPr>
+          <p:cNvPr id="2" name="1 Título"/>
+          <p:cNvSpPr>
+            <a:spLocks noGrp="1"/>
+          </p:cNvSpPr>
+          <p:nvPr>
+            <p:ph type="title"/>
+          </p:nvPr>
+        </p:nvSpPr>
+        <p:spPr/>
+        <p:txBody>
+          <a:bodyPr/>
+          <a:lstStyle/>
+          <a:p>
+            <a:r>
+              <a:rPr lang="es-MX" dirty="0" smtClean="0"/>
+              <a:t/>
+            </a:r>
+            <a:br>
+              <a:rPr lang="es-MX" dirty="0" smtClean="0"/>
+            </a:br>
+            <a:endParaRPr lang="es-MX" dirty="0"/>
+          </a:p>
+        </p:txBody>
+      </p:sp>
+      <p:sp>
+        <p:nvSpPr>
+          <p:cNvPr id="3" name="2 Marcador de contenido"/>
+          <p:cNvSpPr>
+            <a:spLocks noGrp="1"/>
+          </p:cNvSpPr>
+          <p:nvPr>
+            <p:ph idx="1"/>
+          </p:nvPr>
+        </p:nvSpPr>
+        <p:spPr/>
+        <p:txBody>
+          <a:bodyPr/>
+          <a:lstStyle/>
+          <a:p>
+            <a:r>
+              <a:rPr lang="es-MX" dirty="0" smtClean="0"/>
+              <a:t>41 estudiantes de la Facultad de Psicología</a:t>
+            </a:r>
+          </a:p>
+          <a:p>
+            <a:pPr lvl="1"/>
+            <a:r>
+              <a:rPr lang="es-MX" dirty="0" smtClean="0"/>
+              <a:t>(20 y 21 en los Experimentos 1 y 2, respectivamente)</a:t>
+            </a:r>
+          </a:p>
+          <a:p>
+            <a:pPr lvl="1"/>
+            <a:endParaRPr lang="es-MX" dirty="0"/>
+          </a:p>
+          <a:p>
+            <a:r>
+              <a:rPr lang="es-MX" dirty="0" smtClean="0"/>
+              <a:t>Tarea programada en </a:t>
+            </a:r>
+            <a:r>
+              <a:rPr lang="es-MX" dirty="0" err="1" smtClean="0"/>
+              <a:t>Psychopy</a:t>
+            </a:r>
+            <a:r>
+              <a:rPr lang="es-MX" dirty="0" smtClean="0"/>
+              <a:t> v.12</a:t>
+            </a:r>
+          </a:p>
+          <a:p>
+            <a:endParaRPr lang="es-MX" dirty="0"/>
+          </a:p>
+          <a:p>
+            <a:r>
+              <a:rPr lang="es-MX" dirty="0" smtClean="0"/>
+              <a:t>Cubículo dentro del Laboratorio 25</a:t>
+            </a:r>
+          </a:p>
+          <a:p>
+            <a:endParaRPr lang="es-MX" dirty="0"/>
+          </a:p>
+        </p:txBody>
+      </p:sp>
       <p:sp>
         <p:nvSpPr>
           <p:cNvPr id="4" name="Título 1"/>
@@ -10082,113 +10108,8 @@
             <a:pPr algn="r"/>
             <a:r>
               <a:rPr lang="es-MX" dirty="0" smtClean="0"/>
-              <a:t>Procedimiento</a:t>
-            </a:r>
-            <a:endParaRPr lang="es-MX" dirty="0"/>
-          </a:p>
-        </p:txBody>
-      </p:sp>
-      <p:sp>
-        <p:nvSpPr>
-          <p:cNvPr id="5" name="Marcador de contenido 4"/>
-          <p:cNvSpPr>
-            <a:spLocks noGrp="1"/>
-          </p:cNvSpPr>
-          <p:nvPr>
-            <p:ph idx="1"/>
-          </p:nvPr>
-        </p:nvSpPr>
-        <p:spPr>
-          <a:xfrm>
-            <a:off x="747584" y="1619679"/>
-            <a:ext cx="10515600" cy="4351338"/>
-          </a:xfrm>
-        </p:spPr>
-        <p:txBody>
-          <a:bodyPr/>
-          <a:lstStyle/>
-          <a:p>
-            <a:pPr marL="0" indent="0">
-              <a:buNone/>
-            </a:pPr>
-            <a:r>
-              <a:rPr lang="es-MX" dirty="0" smtClean="0"/>
-              <a:t>1.- Tarea de detección binaria</a:t>
-            </a:r>
-            <a:endParaRPr lang="es-MX" dirty="0"/>
-          </a:p>
-        </p:txBody>
-      </p:sp>
-      <p:pic>
-        <p:nvPicPr>
-          <p:cNvPr id="6" name="Imagen 5"/>
-          <p:cNvPicPr>
-            <a:picLocks noChangeAspect="1"/>
-          </p:cNvPicPr>
-          <p:nvPr/>
-        </p:nvPicPr>
-        <p:blipFill>
-          <a:blip r:embed="rId2"/>
-          <a:stretch>
-            <a:fillRect/>
-          </a:stretch>
-        </p:blipFill>
-        <p:spPr>
-          <a:xfrm>
-            <a:off x="98081" y="2339932"/>
-            <a:ext cx="5248275" cy="3743325"/>
-          </a:xfrm>
-          <a:prstGeom prst="rect">
-            <a:avLst/>
-          </a:prstGeom>
-        </p:spPr>
-      </p:pic>
-      <p:pic>
-        <p:nvPicPr>
-          <p:cNvPr id="7" name="Imagen 6"/>
-          <p:cNvPicPr>
-            <a:picLocks noChangeAspect="1"/>
-          </p:cNvPicPr>
-          <p:nvPr/>
-        </p:nvPicPr>
-        <p:blipFill>
-          <a:blip r:embed="rId3"/>
-          <a:stretch>
-            <a:fillRect/>
-          </a:stretch>
-        </p:blipFill>
-        <p:spPr>
-          <a:xfrm>
-            <a:off x="6511624" y="2339932"/>
-            <a:ext cx="4638675" cy="3762375"/>
-          </a:xfrm>
-          <a:prstGeom prst="rect">
-            <a:avLst/>
-          </a:prstGeom>
-        </p:spPr>
-      </p:pic>
-      <p:sp>
-        <p:nvSpPr>
-          <p:cNvPr id="3" name="Título 2"/>
-          <p:cNvSpPr>
-            <a:spLocks noGrp="1"/>
-          </p:cNvSpPr>
-          <p:nvPr>
-            <p:ph type="title"/>
-          </p:nvPr>
-        </p:nvSpPr>
-        <p:spPr/>
-        <p:txBody>
-          <a:bodyPr/>
-          <a:lstStyle/>
-          <a:p>
-            <a:r>
-              <a:rPr lang="es-MX" dirty="0" smtClean="0"/>
-              <a:t/>
-            </a:r>
-            <a:br>
-              <a:rPr lang="es-MX" dirty="0" smtClean="0"/>
-            </a:br>
+              <a:t>Materiales y Participantes</a:t>
+            </a:r>
             <a:endParaRPr lang="es-MX" dirty="0"/>
           </a:p>
         </p:txBody>
@@ -10196,7 +10117,7 @@
     </p:spTree>
     <p:extLst>
       <p:ext uri="{BB962C8B-B14F-4D97-AF65-F5344CB8AC3E}">
-        <p14:creationId xmlns:p14="http://schemas.microsoft.com/office/powerpoint/2010/main" val="4061239914"/>
+        <p14:creationId xmlns:p14="http://schemas.microsoft.com/office/powerpoint/2010/main" val="240038291"/>
       </p:ext>
     </p:extLst>
   </p:cSld>
@@ -10355,33 +10276,63 @@
       </p:grpSpPr>
       <p:sp>
         <p:nvSpPr>
-          <p:cNvPr id="2" name="Título 1"/>
-          <p:cNvSpPr>
-            <a:spLocks noGrp="1"/>
-          </p:cNvSpPr>
-          <p:nvPr>
-            <p:ph type="title"/>
-          </p:nvPr>
-        </p:nvSpPr>
-        <p:spPr/>
-        <p:txBody>
-          <a:bodyPr/>
-          <a:lstStyle/>
-          <a:p>
+          <p:cNvPr id="4" name="Título 1"/>
+          <p:cNvSpPr txBox="1">
+            <a:spLocks/>
+          </p:cNvSpPr>
+          <p:nvPr/>
+        </p:nvSpPr>
+        <p:spPr>
+          <a:xfrm>
+            <a:off x="5346356" y="739581"/>
+            <a:ext cx="6845643" cy="491095"/>
+          </a:xfrm>
+          <a:prstGeom prst="rect">
+            <a:avLst/>
+          </a:prstGeom>
+          <a:solidFill>
+            <a:schemeClr val="accent3">
+              <a:lumMod val="40000"/>
+              <a:lumOff val="60000"/>
+            </a:schemeClr>
+          </a:solidFill>
+        </p:spPr>
+        <p:txBody>
+          <a:bodyPr vert="horz" lIns="91440" tIns="45720" rIns="91440" bIns="45720" rtlCol="0" anchor="ctr">
+            <a:normAutofit fontScale="85000" lnSpcReduction="20000"/>
+          </a:bodyPr>
+          <a:lstStyle>
+            <a:lvl1pPr algn="l" defTabSz="914400" rtl="0" eaLnBrk="1" latinLnBrk="0" hangingPunct="1">
+              <a:lnSpc>
+                <a:spcPct val="90000"/>
+              </a:lnSpc>
+              <a:spcBef>
+                <a:spcPct val="0"/>
+              </a:spcBef>
+              <a:buNone/>
+              <a:defRPr sz="4400" kern="1200">
+                <a:solidFill>
+                  <a:schemeClr val="tx1"/>
+                </a:solidFill>
+                <a:latin typeface="+mj-lt"/>
+                <a:ea typeface="+mj-ea"/>
+                <a:cs typeface="+mj-cs"/>
+              </a:defRPr>
+            </a:lvl1pPr>
+          </a:lstStyle>
+          <a:p>
+            <a:pPr algn="r"/>
             <a:r>
               <a:rPr lang="es-MX" dirty="0" smtClean="0"/>
-              <a:t/>
-            </a:r>
-            <a:br>
-              <a:rPr lang="es-MX" dirty="0" smtClean="0"/>
-            </a:br>
+              <a:t>Procedimiento</a:t>
+            </a:r>
             <a:endParaRPr lang="es-MX" dirty="0"/>
           </a:p>
         </p:txBody>
       </p:sp>
       <p:sp>
         <p:nvSpPr>
-          <p:cNvPr id="3" name="Marcador de contenido 2"/>
+          <p:cNvPr id="5" name="Marcador de contenido 4"/>
           <p:cNvSpPr>
             <a:spLocks noGrp="1"/>
           </p:cNvSpPr>
@@ -10391,8 +10342,8 @@
         </p:nvSpPr>
         <p:spPr>
           <a:xfrm>
-            <a:off x="838200" y="446809"/>
-            <a:ext cx="10515600" cy="5730154"/>
+            <a:off x="747584" y="1619679"/>
+            <a:ext cx="10515600" cy="4351338"/>
           </a:xfrm>
         </p:spPr>
         <p:txBody>
@@ -10404,7 +10355,7 @@
             </a:pPr>
             <a:r>
               <a:rPr lang="es-MX" dirty="0" smtClean="0"/>
-              <a:t>2. Tarea con Escala de Confianza</a:t>
+              <a:t>1.- Tarea de detección binaria</a:t>
             </a:r>
             <a:endParaRPr lang="es-MX" dirty="0"/>
           </a:p>
@@ -10412,7 +10363,7 @@
       </p:sp>
       <p:pic>
         <p:nvPicPr>
-          <p:cNvPr id="4" name="Imagen 3"/>
+          <p:cNvPr id="6" name="Imagen 5"/>
           <p:cNvPicPr>
             <a:picLocks noChangeAspect="1"/>
           </p:cNvPicPr>
@@ -10426,18 +10377,68 @@
         </p:blipFill>
         <p:spPr>
           <a:xfrm>
-            <a:off x="3358146" y="1946213"/>
-            <a:ext cx="5267325" cy="3095625"/>
+            <a:off x="98081" y="2339932"/>
+            <a:ext cx="5248275" cy="3743325"/>
           </a:xfrm>
           <a:prstGeom prst="rect">
             <a:avLst/>
           </a:prstGeom>
         </p:spPr>
       </p:pic>
+      <p:pic>
+        <p:nvPicPr>
+          <p:cNvPr id="7" name="Imagen 6"/>
+          <p:cNvPicPr>
+            <a:picLocks noChangeAspect="1"/>
+          </p:cNvPicPr>
+          <p:nvPr/>
+        </p:nvPicPr>
+        <p:blipFill>
+          <a:blip r:embed="rId3"/>
+          <a:stretch>
+            <a:fillRect/>
+          </a:stretch>
+        </p:blipFill>
+        <p:spPr>
+          <a:xfrm>
+            <a:off x="6511624" y="2339932"/>
+            <a:ext cx="4638675" cy="3762375"/>
+          </a:xfrm>
+          <a:prstGeom prst="rect">
+            <a:avLst/>
+          </a:prstGeom>
+        </p:spPr>
+      </p:pic>
+      <p:sp>
+        <p:nvSpPr>
+          <p:cNvPr id="3" name="Título 2"/>
+          <p:cNvSpPr>
+            <a:spLocks noGrp="1"/>
+          </p:cNvSpPr>
+          <p:nvPr>
+            <p:ph type="title"/>
+          </p:nvPr>
+        </p:nvSpPr>
+        <p:spPr/>
+        <p:txBody>
+          <a:bodyPr/>
+          <a:lstStyle/>
+          <a:p>
+            <a:r>
+              <a:rPr lang="es-MX" dirty="0" smtClean="0"/>
+              <a:t/>
+            </a:r>
+            <a:br>
+              <a:rPr lang="es-MX" dirty="0" smtClean="0"/>
+            </a:br>
+            <a:endParaRPr lang="es-MX" dirty="0"/>
+          </a:p>
+        </p:txBody>
+      </p:sp>
     </p:spTree>
     <p:extLst>
       <p:ext uri="{BB962C8B-B14F-4D97-AF65-F5344CB8AC3E}">
-        <p14:creationId xmlns:p14="http://schemas.microsoft.com/office/powerpoint/2010/main" val="520010325"/>
+        <p14:creationId xmlns:p14="http://schemas.microsoft.com/office/powerpoint/2010/main" val="4061239914"/>
       </p:ext>
     </p:extLst>
   </p:cSld>
@@ -10478,6 +10479,124 @@
             <a:spLocks noGrp="1"/>
           </p:cNvSpPr>
           <p:nvPr>
+            <p:ph type="title"/>
+          </p:nvPr>
+        </p:nvSpPr>
+        <p:spPr/>
+        <p:txBody>
+          <a:bodyPr/>
+          <a:lstStyle/>
+          <a:p>
+            <a:r>
+              <a:rPr lang="es-MX" dirty="0" smtClean="0"/>
+              <a:t/>
+            </a:r>
+            <a:br>
+              <a:rPr lang="es-MX" dirty="0" smtClean="0"/>
+            </a:br>
+            <a:endParaRPr lang="es-MX" dirty="0"/>
+          </a:p>
+        </p:txBody>
+      </p:sp>
+      <p:sp>
+        <p:nvSpPr>
+          <p:cNvPr id="3" name="Marcador de contenido 2"/>
+          <p:cNvSpPr>
+            <a:spLocks noGrp="1"/>
+          </p:cNvSpPr>
+          <p:nvPr>
+            <p:ph idx="1"/>
+          </p:nvPr>
+        </p:nvSpPr>
+        <p:spPr>
+          <a:xfrm>
+            <a:off x="838200" y="446809"/>
+            <a:ext cx="10515600" cy="5730154"/>
+          </a:xfrm>
+        </p:spPr>
+        <p:txBody>
+          <a:bodyPr/>
+          <a:lstStyle/>
+          <a:p>
+            <a:pPr marL="0" indent="0">
+              <a:buNone/>
+            </a:pPr>
+            <a:r>
+              <a:rPr lang="es-MX" dirty="0" smtClean="0"/>
+              <a:t>2. Tarea con Escala de Confianza</a:t>
+            </a:r>
+            <a:endParaRPr lang="es-MX" dirty="0"/>
+          </a:p>
+        </p:txBody>
+      </p:sp>
+      <p:pic>
+        <p:nvPicPr>
+          <p:cNvPr id="4" name="Imagen 3"/>
+          <p:cNvPicPr>
+            <a:picLocks noChangeAspect="1"/>
+          </p:cNvPicPr>
+          <p:nvPr/>
+        </p:nvPicPr>
+        <p:blipFill>
+          <a:blip r:embed="rId2"/>
+          <a:stretch>
+            <a:fillRect/>
+          </a:stretch>
+        </p:blipFill>
+        <p:spPr>
+          <a:xfrm>
+            <a:off x="3358146" y="1946213"/>
+            <a:ext cx="5267325" cy="3095625"/>
+          </a:xfrm>
+          <a:prstGeom prst="rect">
+            <a:avLst/>
+          </a:prstGeom>
+        </p:spPr>
+      </p:pic>
+    </p:spTree>
+    <p:extLst>
+      <p:ext uri="{BB962C8B-B14F-4D97-AF65-F5344CB8AC3E}">
+        <p14:creationId xmlns:p14="http://schemas.microsoft.com/office/powerpoint/2010/main" val="520010325"/>
+      </p:ext>
+    </p:extLst>
+  </p:cSld>
+  <p:clrMapOvr>
+    <a:masterClrMapping/>
+  </p:clrMapOvr>
+  <p:timing>
+    <p:tnLst>
+      <p:par>
+        <p:cTn id="1" dur="indefinite" restart="never" nodeType="tmRoot"/>
+      </p:par>
+    </p:tnLst>
+  </p:timing>
+</p:sld>
+</file>
+
+<file path=ppt/slides/slide42.xml><?xml version="1.0" encoding="utf-8"?>
+<p:sld xmlns:a="http://schemas.openxmlformats.org/drawingml/2006/main" xmlns:r="http://schemas.openxmlformats.org/officeDocument/2006/relationships" xmlns:p="http://schemas.openxmlformats.org/presentationml/2006/main">
+  <p:cSld>
+    <p:spTree>
+      <p:nvGrpSpPr>
+        <p:cNvPr id="1" name=""/>
+        <p:cNvGrpSpPr/>
+        <p:nvPr/>
+      </p:nvGrpSpPr>
+      <p:grpSpPr>
+        <a:xfrm>
+          <a:off x="0" y="0"/>
+          <a:ext cx="0" cy="0"/>
+          <a:chOff x="0" y="0"/>
+          <a:chExt cx="0" cy="0"/>
+        </a:xfrm>
+      </p:grpSpPr>
+      <p:sp>
+        <p:nvSpPr>
+          <p:cNvPr id="2" name="Título 1"/>
+          <p:cNvSpPr>
+            <a:spLocks noGrp="1"/>
+          </p:cNvSpPr>
+          <p:nvPr>
             <p:ph type="ctrTitle"/>
           </p:nvPr>
         </p:nvSpPr>
@@ -10666,7 +10785,7 @@
 </p:sld>
 </file>
 
-<file path=ppt/slides/slide42.xml><?xml version="1.0" encoding="utf-8"?>
+<file path=ppt/slides/slide43.xml><?xml version="1.0" encoding="utf-8"?>
 <p:sld xmlns:a="http://schemas.openxmlformats.org/drawingml/2006/main" xmlns:r="http://schemas.openxmlformats.org/officeDocument/2006/relationships" xmlns:p="http://schemas.openxmlformats.org/presentationml/2006/main">
   <p:cSld>
     <p:spTree>
@@ -10811,10 +10930,17 @@
   <p:clrMapOvr>
     <a:masterClrMapping/>
   </p:clrMapOvr>
+  <p:timing>
+    <p:tnLst>
+      <p:par>
+        <p:cTn id="1" dur="indefinite" restart="never" nodeType="tmRoot"/>
+      </p:par>
+    </p:tnLst>
+  </p:timing>
 </p:sld>
 </file>
 
-<file path=ppt/slides/slide43.xml><?xml version="1.0" encoding="utf-8"?>
+<file path=ppt/slides/slide44.xml><?xml version="1.0" encoding="utf-8"?>
 <p:sld xmlns:a="http://schemas.openxmlformats.org/drawingml/2006/main" xmlns:r="http://schemas.openxmlformats.org/officeDocument/2006/relationships" xmlns:p="http://schemas.openxmlformats.org/presentationml/2006/main">
   <p:cSld>
     <p:spTree>
@@ -11023,10 +11149,17 @@
   <p:clrMapOvr>
     <a:masterClrMapping/>
   </p:clrMapOvr>
+  <p:timing>
+    <p:tnLst>
+      <p:par>
+        <p:cTn id="1" dur="indefinite" restart="never" nodeType="tmRoot"/>
+      </p:par>
+    </p:tnLst>
+  </p:timing>
 </p:sld>
 </file>
 
-<file path=ppt/slides/slide44.xml><?xml version="1.0" encoding="utf-8"?>
+<file path=ppt/slides/slide45.xml><?xml version="1.0" encoding="utf-8"?>
 <p:sld xmlns:a="http://schemas.openxmlformats.org/drawingml/2006/main" xmlns:r="http://schemas.openxmlformats.org/officeDocument/2006/relationships" xmlns:p="http://schemas.openxmlformats.org/presentationml/2006/main">
   <p:cSld>
     <p:spTree>
@@ -11145,7 +11278,7 @@
 </p:sld>
 </file>
 
-<file path=ppt/slides/slide45.xml><?xml version="1.0" encoding="utf-8"?>
+<file path=ppt/slides/slide46.xml><?xml version="1.0" encoding="utf-8"?>
 <p:sld xmlns:a="http://schemas.openxmlformats.org/drawingml/2006/main" xmlns:r="http://schemas.openxmlformats.org/officeDocument/2006/relationships" xmlns:p="http://schemas.openxmlformats.org/presentationml/2006/main">
   <p:cSld>
     <p:spTree>
@@ -11637,10 +11770,17 @@
   <p:clrMapOvr>
     <a:masterClrMapping/>
   </p:clrMapOvr>
+  <p:timing>
+    <p:tnLst>
+      <p:par>
+        <p:cTn id="1" dur="indefinite" restart="never" nodeType="tmRoot"/>
+      </p:par>
+    </p:tnLst>
+  </p:timing>
 </p:sld>
 </file>
 
-<file path=ppt/slides/slide46.xml><?xml version="1.0" encoding="utf-8"?>
+<file path=ppt/slides/slide47.xml><?xml version="1.0" encoding="utf-8"?>
 <p:sld xmlns:a="http://schemas.openxmlformats.org/drawingml/2006/main" xmlns:r="http://schemas.openxmlformats.org/officeDocument/2006/relationships" xmlns:p="http://schemas.openxmlformats.org/presentationml/2006/main">
   <p:cSld>
     <p:spTree>
@@ -12156,158 +12296,6 @@
   <p:clrMapOvr>
     <a:masterClrMapping/>
   </p:clrMapOvr>
-</p:sld>
-</file>
-
-<file path=ppt/slides/slide47.xml><?xml version="1.0" encoding="utf-8"?>
-<p:sld xmlns:a="http://schemas.openxmlformats.org/drawingml/2006/main" xmlns:r="http://schemas.openxmlformats.org/officeDocument/2006/relationships" xmlns:p="http://schemas.openxmlformats.org/presentationml/2006/main">
-  <p:cSld>
-    <p:spTree>
-      <p:nvGrpSpPr>
-        <p:cNvPr id="1" name=""/>
-        <p:cNvGrpSpPr/>
-        <p:nvPr/>
-      </p:nvGrpSpPr>
-      <p:grpSpPr>
-        <a:xfrm>
-          <a:off x="0" y="0"/>
-          <a:ext cx="0" cy="0"/>
-          <a:chOff x="0" y="0"/>
-          <a:chExt cx="0" cy="0"/>
-        </a:xfrm>
-      </p:grpSpPr>
-      <p:sp>
-        <p:nvSpPr>
-          <p:cNvPr id="3" name="Marcador de contenido 2"/>
-          <p:cNvSpPr>
-            <a:spLocks noGrp="1"/>
-          </p:cNvSpPr>
-          <p:nvPr>
-            <p:ph idx="1"/>
-          </p:nvPr>
-        </p:nvSpPr>
-        <p:spPr>
-          <a:xfrm>
-            <a:off x="114664" y="1837461"/>
-            <a:ext cx="4962162" cy="4351338"/>
-          </a:xfrm>
-        </p:spPr>
-        <p:txBody>
-          <a:bodyPr>
-            <a:normAutofit/>
-          </a:bodyPr>
-          <a:lstStyle/>
-          <a:p>
-            <a:pPr marL="0" indent="0">
-              <a:buNone/>
-            </a:pPr>
-            <a:r>
-              <a:rPr lang="es-MX" dirty="0"/>
-              <a:t>	</a:t>
-            </a:r>
-            <a:endParaRPr lang="es-MX" dirty="0" smtClean="0"/>
-          </a:p>
-          <a:p>
-            <a:pPr marL="0" indent="0">
-              <a:buNone/>
-            </a:pPr>
-            <a:endParaRPr lang="es-MX" dirty="0"/>
-          </a:p>
-          <a:p>
-            <a:pPr marL="0" indent="0">
-              <a:buNone/>
-            </a:pPr>
-            <a:endParaRPr lang="es-MX" dirty="0" smtClean="0"/>
-          </a:p>
-          <a:p>
-            <a:pPr marL="0" indent="0">
-              <a:buNone/>
-            </a:pPr>
-            <a:endParaRPr lang="es-MX" dirty="0" smtClean="0"/>
-          </a:p>
-          <a:p>
-            <a:pPr marL="0" indent="0">
-              <a:buNone/>
-            </a:pPr>
-            <a:endParaRPr lang="es-MX" dirty="0" smtClean="0"/>
-          </a:p>
-          <a:p>
-            <a:pPr marL="0" indent="0">
-              <a:buNone/>
-            </a:pPr>
-            <a:endParaRPr lang="es-MX" dirty="0" smtClean="0"/>
-          </a:p>
-          <a:p>
-            <a:pPr marL="0" indent="0">
-              <a:buNone/>
-            </a:pPr>
-            <a:r>
-              <a:rPr lang="es-MX" dirty="0"/>
-              <a:t>.</a:t>
-            </a:r>
-          </a:p>
-        </p:txBody>
-      </p:sp>
-      <p:pic>
-        <p:nvPicPr>
-          <p:cNvPr id="6" name="Imagen 5"/>
-          <p:cNvPicPr>
-            <a:picLocks noChangeAspect="1"/>
-          </p:cNvPicPr>
-          <p:nvPr/>
-        </p:nvPicPr>
-        <p:blipFill>
-          <a:blip r:embed="rId2"/>
-          <a:stretch>
-            <a:fillRect/>
-          </a:stretch>
-        </p:blipFill>
-        <p:spPr>
-          <a:xfrm>
-            <a:off x="1097107" y="363272"/>
-            <a:ext cx="9636702" cy="6230960"/>
-          </a:xfrm>
-          <a:prstGeom prst="rect">
-            <a:avLst/>
-          </a:prstGeom>
-        </p:spPr>
-      </p:pic>
-      <p:sp>
-        <p:nvSpPr>
-          <p:cNvPr id="4" name="Título 3"/>
-          <p:cNvSpPr>
-            <a:spLocks noGrp="1"/>
-          </p:cNvSpPr>
-          <p:nvPr>
-            <p:ph type="title"/>
-          </p:nvPr>
-        </p:nvSpPr>
-        <p:spPr/>
-        <p:txBody>
-          <a:bodyPr/>
-          <a:lstStyle/>
-          <a:p>
-            <a:r>
-              <a:rPr lang="es-MX" dirty="0" smtClean="0"/>
-              <a:t/>
-            </a:r>
-            <a:br>
-              <a:rPr lang="es-MX" dirty="0" smtClean="0"/>
-            </a:br>
-            <a:endParaRPr lang="es-MX" dirty="0"/>
-          </a:p>
-        </p:txBody>
-      </p:sp>
-    </p:spTree>
-    <p:extLst>
-      <p:ext uri="{BB962C8B-B14F-4D97-AF65-F5344CB8AC3E}">
-        <p14:creationId xmlns:p14="http://schemas.microsoft.com/office/powerpoint/2010/main" val="1487045814"/>
-      </p:ext>
-    </p:extLst>
-  </p:cSld>
-  <p:clrMapOvr>
-    <a:masterClrMapping/>
-  </p:clrMapOvr>
   <p:timing>
     <p:tnLst>
       <p:par>
@@ -12347,13 +12335,31 @@
         </p:nvSpPr>
         <p:spPr>
           <a:xfrm>
-            <a:off x="0" y="1568414"/>
-            <a:ext cx="10515600" cy="4351338"/>
-          </a:xfrm>
-        </p:spPr>
-        <p:txBody>
-          <a:bodyPr/>
-          <a:lstStyle/>
+            <a:off x="114664" y="1837461"/>
+            <a:ext cx="4962162" cy="4351338"/>
+          </a:xfrm>
+        </p:spPr>
+        <p:txBody>
+          <a:bodyPr>
+            <a:normAutofit/>
+          </a:bodyPr>
+          <a:lstStyle/>
+          <a:p>
+            <a:pPr marL="0" indent="0">
+              <a:buNone/>
+            </a:pPr>
+            <a:r>
+              <a:rPr lang="es-MX" dirty="0"/>
+              <a:t>	</a:t>
+            </a:r>
+            <a:endParaRPr lang="es-MX" dirty="0" smtClean="0"/>
+          </a:p>
+          <a:p>
+            <a:pPr marL="0" indent="0">
+              <a:buNone/>
+            </a:pPr>
+            <a:endParaRPr lang="es-MX" dirty="0"/>
+          </a:p>
           <a:p>
             <a:pPr marL="0" indent="0">
               <a:buNone/>
@@ -12364,13 +12370,34 @@
             <a:pPr marL="0" indent="0">
               <a:buNone/>
             </a:pPr>
-            <a:endParaRPr lang="es-MX" dirty="0"/>
+            <a:endParaRPr lang="es-MX" dirty="0" smtClean="0"/>
+          </a:p>
+          <a:p>
+            <a:pPr marL="0" indent="0">
+              <a:buNone/>
+            </a:pPr>
+            <a:endParaRPr lang="es-MX" dirty="0" smtClean="0"/>
+          </a:p>
+          <a:p>
+            <a:pPr marL="0" indent="0">
+              <a:buNone/>
+            </a:pPr>
+            <a:endParaRPr lang="es-MX" dirty="0" smtClean="0"/>
+          </a:p>
+          <a:p>
+            <a:pPr marL="0" indent="0">
+              <a:buNone/>
+            </a:pPr>
+            <a:r>
+              <a:rPr lang="es-MX" dirty="0"/>
+              <a:t>.</a:t>
+            </a:r>
           </a:p>
         </p:txBody>
       </p:sp>
       <p:pic>
         <p:nvPicPr>
-          <p:cNvPr id="5" name="Imagen 4"/>
+          <p:cNvPr id="6" name="Imagen 5"/>
           <p:cNvPicPr>
             <a:picLocks noChangeAspect="1"/>
           </p:cNvPicPr>
@@ -12384,8 +12411,8 @@
         </p:blipFill>
         <p:spPr>
           <a:xfrm>
-            <a:off x="1495853" y="0"/>
-            <a:ext cx="8549173" cy="6697014"/>
+            <a:off x="1097107" y="363272"/>
+            <a:ext cx="9636702" cy="6230960"/>
           </a:xfrm>
           <a:prstGeom prst="rect">
             <a:avLst/>
@@ -12394,7 +12421,7 @@
       </p:pic>
       <p:sp>
         <p:nvSpPr>
-          <p:cNvPr id="6" name="Título 5"/>
+          <p:cNvPr id="4" name="Título 3"/>
           <p:cNvSpPr>
             <a:spLocks noGrp="1"/>
           </p:cNvSpPr>
@@ -12421,7 +12448,7 @@
     </p:spTree>
     <p:extLst>
       <p:ext uri="{BB962C8B-B14F-4D97-AF65-F5344CB8AC3E}">
-        <p14:creationId xmlns:p14="http://schemas.microsoft.com/office/powerpoint/2010/main" val="2357084799"/>
+        <p14:creationId xmlns:p14="http://schemas.microsoft.com/office/powerpoint/2010/main" val="1487045814"/>
       </p:ext>
     </p:extLst>
   </p:cSld>
@@ -12457,45 +12484,40 @@
       </p:grpSpPr>
       <p:sp>
         <p:nvSpPr>
-          <p:cNvPr id="2" name="Título 1"/>
-          <p:cNvSpPr>
-            <a:spLocks noGrp="1"/>
-          </p:cNvSpPr>
-          <p:nvPr>
-            <p:ph type="title"/>
-          </p:nvPr>
-        </p:nvSpPr>
-        <p:spPr/>
+          <p:cNvPr id="3" name="Marcador de contenido 2"/>
+          <p:cNvSpPr>
+            <a:spLocks noGrp="1"/>
+          </p:cNvSpPr>
+          <p:nvPr>
+            <p:ph idx="1"/>
+          </p:nvPr>
+        </p:nvSpPr>
+        <p:spPr>
+          <a:xfrm>
+            <a:off x="0" y="1568414"/>
+            <a:ext cx="10515600" cy="4351338"/>
+          </a:xfrm>
+        </p:spPr>
         <p:txBody>
           <a:bodyPr/>
           <a:lstStyle/>
           <a:p>
-            <a:endParaRPr lang="es-MX"/>
-          </a:p>
-        </p:txBody>
-      </p:sp>
-      <p:sp>
-        <p:nvSpPr>
-          <p:cNvPr id="3" name="Marcador de contenido 2"/>
-          <p:cNvSpPr>
-            <a:spLocks noGrp="1"/>
-          </p:cNvSpPr>
-          <p:nvPr>
-            <p:ph idx="1"/>
-          </p:nvPr>
-        </p:nvSpPr>
-        <p:spPr/>
-        <p:txBody>
-          <a:bodyPr/>
-          <a:lstStyle/>
-          <a:p>
+            <a:pPr marL="0" indent="0">
+              <a:buNone/>
+            </a:pPr>
+            <a:endParaRPr lang="es-MX" dirty="0" smtClean="0"/>
+          </a:p>
+          <a:p>
+            <a:pPr marL="0" indent="0">
+              <a:buNone/>
+            </a:pPr>
             <a:endParaRPr lang="es-MX" dirty="0"/>
           </a:p>
         </p:txBody>
       </p:sp>
       <p:pic>
         <p:nvPicPr>
-          <p:cNvPr id="6" name="Imagen 5"/>
+          <p:cNvPr id="5" name="Imagen 4"/>
           <p:cNvPicPr>
             <a:picLocks noChangeAspect="1"/>
           </p:cNvPicPr>
@@ -12509,42 +12531,44 @@
         </p:blipFill>
         <p:spPr>
           <a:xfrm>
-            <a:off x="0" y="0"/>
-            <a:ext cx="6352354" cy="4154308"/>
+            <a:off x="1495853" y="0"/>
+            <a:ext cx="8549173" cy="6697014"/>
           </a:xfrm>
           <a:prstGeom prst="rect">
             <a:avLst/>
           </a:prstGeom>
         </p:spPr>
       </p:pic>
-      <p:pic>
-        <p:nvPicPr>
-          <p:cNvPr id="7" name="Imagen 6"/>
-          <p:cNvPicPr>
-            <a:picLocks noChangeAspect="1"/>
-          </p:cNvPicPr>
-          <p:nvPr/>
-        </p:nvPicPr>
-        <p:blipFill>
-          <a:blip r:embed="rId3"/>
-          <a:stretch>
-            <a:fillRect/>
-          </a:stretch>
-        </p:blipFill>
-        <p:spPr>
-          <a:xfrm>
-            <a:off x="5955627" y="2588654"/>
-            <a:ext cx="6236373" cy="4269346"/>
-          </a:xfrm>
-          <a:prstGeom prst="rect">
-            <a:avLst/>
-          </a:prstGeom>
-        </p:spPr>
-      </p:pic>
+      <p:sp>
+        <p:nvSpPr>
+          <p:cNvPr id="6" name="Título 5"/>
+          <p:cNvSpPr>
+            <a:spLocks noGrp="1"/>
+          </p:cNvSpPr>
+          <p:nvPr>
+            <p:ph type="title"/>
+          </p:nvPr>
+        </p:nvSpPr>
+        <p:spPr/>
+        <p:txBody>
+          <a:bodyPr/>
+          <a:lstStyle/>
+          <a:p>
+            <a:r>
+              <a:rPr lang="es-MX" dirty="0" smtClean="0"/>
+              <a:t/>
+            </a:r>
+            <a:br>
+              <a:rPr lang="es-MX" dirty="0" smtClean="0"/>
+            </a:br>
+            <a:endParaRPr lang="es-MX" dirty="0"/>
+          </a:p>
+        </p:txBody>
+      </p:sp>
     </p:spTree>
     <p:extLst>
       <p:ext uri="{BB962C8B-B14F-4D97-AF65-F5344CB8AC3E}">
-        <p14:creationId xmlns:p14="http://schemas.microsoft.com/office/powerpoint/2010/main" val="1090349679"/>
+        <p14:creationId xmlns:p14="http://schemas.microsoft.com/office/powerpoint/2010/main" val="2357084799"/>
       </p:ext>
     </p:extLst>
   </p:cSld>
@@ -12709,6 +12733,129 @@
 </file>
 
 <file path=ppt/slides/slide50.xml><?xml version="1.0" encoding="utf-8"?>
+<p:sld xmlns:a="http://schemas.openxmlformats.org/drawingml/2006/main" xmlns:r="http://schemas.openxmlformats.org/officeDocument/2006/relationships" xmlns:p="http://schemas.openxmlformats.org/presentationml/2006/main">
+  <p:cSld>
+    <p:spTree>
+      <p:nvGrpSpPr>
+        <p:cNvPr id="1" name=""/>
+        <p:cNvGrpSpPr/>
+        <p:nvPr/>
+      </p:nvGrpSpPr>
+      <p:grpSpPr>
+        <a:xfrm>
+          <a:off x="0" y="0"/>
+          <a:ext cx="0" cy="0"/>
+          <a:chOff x="0" y="0"/>
+          <a:chExt cx="0" cy="0"/>
+        </a:xfrm>
+      </p:grpSpPr>
+      <p:sp>
+        <p:nvSpPr>
+          <p:cNvPr id="2" name="Título 1"/>
+          <p:cNvSpPr>
+            <a:spLocks noGrp="1"/>
+          </p:cNvSpPr>
+          <p:nvPr>
+            <p:ph type="title"/>
+          </p:nvPr>
+        </p:nvSpPr>
+        <p:spPr/>
+        <p:txBody>
+          <a:bodyPr/>
+          <a:lstStyle/>
+          <a:p>
+            <a:endParaRPr lang="es-MX"/>
+          </a:p>
+        </p:txBody>
+      </p:sp>
+      <p:sp>
+        <p:nvSpPr>
+          <p:cNvPr id="3" name="Marcador de contenido 2"/>
+          <p:cNvSpPr>
+            <a:spLocks noGrp="1"/>
+          </p:cNvSpPr>
+          <p:nvPr>
+            <p:ph idx="1"/>
+          </p:nvPr>
+        </p:nvSpPr>
+        <p:spPr/>
+        <p:txBody>
+          <a:bodyPr/>
+          <a:lstStyle/>
+          <a:p>
+            <a:endParaRPr lang="es-MX" dirty="0"/>
+          </a:p>
+        </p:txBody>
+      </p:sp>
+      <p:pic>
+        <p:nvPicPr>
+          <p:cNvPr id="6" name="Imagen 5"/>
+          <p:cNvPicPr>
+            <a:picLocks noChangeAspect="1"/>
+          </p:cNvPicPr>
+          <p:nvPr/>
+        </p:nvPicPr>
+        <p:blipFill>
+          <a:blip r:embed="rId2"/>
+          <a:stretch>
+            <a:fillRect/>
+          </a:stretch>
+        </p:blipFill>
+        <p:spPr>
+          <a:xfrm>
+            <a:off x="0" y="0"/>
+            <a:ext cx="6352354" cy="4154308"/>
+          </a:xfrm>
+          <a:prstGeom prst="rect">
+            <a:avLst/>
+          </a:prstGeom>
+        </p:spPr>
+      </p:pic>
+      <p:pic>
+        <p:nvPicPr>
+          <p:cNvPr id="7" name="Imagen 6"/>
+          <p:cNvPicPr>
+            <a:picLocks noChangeAspect="1"/>
+          </p:cNvPicPr>
+          <p:nvPr/>
+        </p:nvPicPr>
+        <p:blipFill>
+          <a:blip r:embed="rId3"/>
+          <a:stretch>
+            <a:fillRect/>
+          </a:stretch>
+        </p:blipFill>
+        <p:spPr>
+          <a:xfrm>
+            <a:off x="5955627" y="2588654"/>
+            <a:ext cx="6236373" cy="4269346"/>
+          </a:xfrm>
+          <a:prstGeom prst="rect">
+            <a:avLst/>
+          </a:prstGeom>
+        </p:spPr>
+      </p:pic>
+    </p:spTree>
+    <p:extLst>
+      <p:ext uri="{BB962C8B-B14F-4D97-AF65-F5344CB8AC3E}">
+        <p14:creationId xmlns:p14="http://schemas.microsoft.com/office/powerpoint/2010/main" val="1090349679"/>
+      </p:ext>
+    </p:extLst>
+  </p:cSld>
+  <p:clrMapOvr>
+    <a:masterClrMapping/>
+  </p:clrMapOvr>
+  <p:timing>
+    <p:tnLst>
+      <p:par>
+        <p:cTn id="1" dur="indefinite" restart="never" nodeType="tmRoot"/>
+      </p:par>
+    </p:tnLst>
+  </p:timing>
+</p:sld>
+</file>
+
+<file path=ppt/slides/slide51.xml><?xml version="1.0" encoding="utf-8"?>
 <p:sld xmlns:a="http://schemas.openxmlformats.org/drawingml/2006/main" xmlns:r="http://schemas.openxmlformats.org/officeDocument/2006/relationships" xmlns:p="http://schemas.openxmlformats.org/presentationml/2006/main">
   <p:cSld>
     <p:spTree>
@@ -13208,10 +13355,17 @@
   <p:clrMapOvr>
     <a:masterClrMapping/>
   </p:clrMapOvr>
+  <p:timing>
+    <p:tnLst>
+      <p:par>
+        <p:cTn id="1" dur="indefinite" restart="never" nodeType="tmRoot"/>
+      </p:par>
+    </p:tnLst>
+  </p:timing>
 </p:sld>
 </file>
 
-<file path=ppt/slides/slide51.xml><?xml version="1.0" encoding="utf-8"?>
+<file path=ppt/slides/slide52.xml><?xml version="1.0" encoding="utf-8"?>
 <p:sld xmlns:a="http://schemas.openxmlformats.org/drawingml/2006/main" xmlns:r="http://schemas.openxmlformats.org/officeDocument/2006/relationships" xmlns:p="http://schemas.openxmlformats.org/presentationml/2006/main">
   <p:cSld>
     <p:spTree>
@@ -13565,126 +13719,6 @@
 </p:sld>
 </file>
 
-<file path=ppt/slides/slide52.xml><?xml version="1.0" encoding="utf-8"?>
-<p:sld xmlns:a="http://schemas.openxmlformats.org/drawingml/2006/main" xmlns:r="http://schemas.openxmlformats.org/officeDocument/2006/relationships" xmlns:p="http://schemas.openxmlformats.org/presentationml/2006/main">
-  <p:cSld>
-    <p:spTree>
-      <p:nvGrpSpPr>
-        <p:cNvPr id="1" name=""/>
-        <p:cNvGrpSpPr/>
-        <p:nvPr/>
-      </p:nvGrpSpPr>
-      <p:grpSpPr>
-        <a:xfrm>
-          <a:off x="0" y="0"/>
-          <a:ext cx="0" cy="0"/>
-          <a:chOff x="0" y="0"/>
-          <a:chExt cx="0" cy="0"/>
-        </a:xfrm>
-      </p:grpSpPr>
-      <p:sp>
-        <p:nvSpPr>
-          <p:cNvPr id="3" name="Marcador de contenido 2"/>
-          <p:cNvSpPr>
-            <a:spLocks noGrp="1"/>
-          </p:cNvSpPr>
-          <p:nvPr>
-            <p:ph idx="1"/>
-          </p:nvPr>
-        </p:nvSpPr>
-        <p:spPr>
-          <a:xfrm>
-            <a:off x="146222" y="1568414"/>
-            <a:ext cx="10515600" cy="4351338"/>
-          </a:xfrm>
-        </p:spPr>
-        <p:txBody>
-          <a:bodyPr/>
-          <a:lstStyle/>
-          <a:p>
-            <a:pPr marL="0" indent="0">
-              <a:buNone/>
-            </a:pPr>
-            <a:endParaRPr lang="es-MX" dirty="0" smtClean="0"/>
-          </a:p>
-          <a:p>
-            <a:pPr marL="0" indent="0">
-              <a:buNone/>
-            </a:pPr>
-            <a:endParaRPr lang="es-MX" dirty="0"/>
-          </a:p>
-        </p:txBody>
-      </p:sp>
-      <p:pic>
-        <p:nvPicPr>
-          <p:cNvPr id="6" name="Imagen 5"/>
-          <p:cNvPicPr>
-            <a:picLocks noChangeAspect="1"/>
-          </p:cNvPicPr>
-          <p:nvPr/>
-        </p:nvPicPr>
-        <p:blipFill>
-          <a:blip r:embed="rId2"/>
-          <a:stretch>
-            <a:fillRect/>
-          </a:stretch>
-        </p:blipFill>
-        <p:spPr>
-          <a:xfrm>
-            <a:off x="1869179" y="365125"/>
-            <a:ext cx="8938865" cy="6149431"/>
-          </a:xfrm>
-          <a:prstGeom prst="rect">
-            <a:avLst/>
-          </a:prstGeom>
-        </p:spPr>
-      </p:pic>
-      <p:sp>
-        <p:nvSpPr>
-          <p:cNvPr id="5" name="Título 4"/>
-          <p:cNvSpPr>
-            <a:spLocks noGrp="1"/>
-          </p:cNvSpPr>
-          <p:nvPr>
-            <p:ph type="title"/>
-          </p:nvPr>
-        </p:nvSpPr>
-        <p:spPr/>
-        <p:txBody>
-          <a:bodyPr/>
-          <a:lstStyle/>
-          <a:p>
-            <a:r>
-              <a:rPr lang="es-MX" dirty="0" smtClean="0"/>
-              <a:t/>
-            </a:r>
-            <a:br>
-              <a:rPr lang="es-MX" dirty="0" smtClean="0"/>
-            </a:br>
-            <a:endParaRPr lang="es-MX" dirty="0"/>
-          </a:p>
-        </p:txBody>
-      </p:sp>
-    </p:spTree>
-    <p:extLst>
-      <p:ext uri="{BB962C8B-B14F-4D97-AF65-F5344CB8AC3E}">
-        <p14:creationId xmlns:p14="http://schemas.microsoft.com/office/powerpoint/2010/main" val="2056943639"/>
-      </p:ext>
-    </p:extLst>
-  </p:cSld>
-  <p:clrMapOvr>
-    <a:masterClrMapping/>
-  </p:clrMapOvr>
-  <p:timing>
-    <p:tnLst>
-      <p:par>
-        <p:cTn id="1" dur="indefinite" restart="never" nodeType="tmRoot"/>
-      </p:par>
-    </p:tnLst>
-  </p:timing>
-</p:sld>
-</file>
-
 <file path=ppt/slides/slide53.xml><?xml version="1.0" encoding="utf-8"?>
 <p:sld xmlns:a="http://schemas.openxmlformats.org/drawingml/2006/main" xmlns:r="http://schemas.openxmlformats.org/officeDocument/2006/relationships" xmlns:p="http://schemas.openxmlformats.org/presentationml/2006/main">
   <p:cSld>
@@ -13704,38 +13738,33 @@
       </p:grpSpPr>
       <p:sp>
         <p:nvSpPr>
-          <p:cNvPr id="2" name="Título 1"/>
-          <p:cNvSpPr>
-            <a:spLocks noGrp="1"/>
-          </p:cNvSpPr>
-          <p:nvPr>
-            <p:ph type="title"/>
-          </p:nvPr>
-        </p:nvSpPr>
-        <p:spPr/>
+          <p:cNvPr id="3" name="Marcador de contenido 2"/>
+          <p:cNvSpPr>
+            <a:spLocks noGrp="1"/>
+          </p:cNvSpPr>
+          <p:nvPr>
+            <p:ph idx="1"/>
+          </p:nvPr>
+        </p:nvSpPr>
+        <p:spPr>
+          <a:xfrm>
+            <a:off x="146222" y="1568414"/>
+            <a:ext cx="10515600" cy="4351338"/>
+          </a:xfrm>
+        </p:spPr>
         <p:txBody>
           <a:bodyPr/>
           <a:lstStyle/>
           <a:p>
-            <a:endParaRPr lang="es-MX"/>
-          </a:p>
-        </p:txBody>
-      </p:sp>
-      <p:sp>
-        <p:nvSpPr>
-          <p:cNvPr id="3" name="Marcador de contenido 2"/>
-          <p:cNvSpPr>
-            <a:spLocks noGrp="1"/>
-          </p:cNvSpPr>
-          <p:nvPr>
-            <p:ph idx="1"/>
-          </p:nvPr>
-        </p:nvSpPr>
-        <p:spPr/>
-        <p:txBody>
-          <a:bodyPr/>
-          <a:lstStyle/>
-          <a:p>
+            <a:pPr marL="0" indent="0">
+              <a:buNone/>
+            </a:pPr>
+            <a:endParaRPr lang="es-MX" dirty="0" smtClean="0"/>
+          </a:p>
+          <a:p>
+            <a:pPr marL="0" indent="0">
+              <a:buNone/>
+            </a:pPr>
             <a:endParaRPr lang="es-MX" dirty="0"/>
           </a:p>
         </p:txBody>
@@ -13756,42 +13785,44 @@
         </p:blipFill>
         <p:spPr>
           <a:xfrm>
-            <a:off x="6433623" y="47625"/>
-            <a:ext cx="4695825" cy="6810375"/>
+            <a:off x="1869179" y="365125"/>
+            <a:ext cx="8938865" cy="6149431"/>
           </a:xfrm>
           <a:prstGeom prst="rect">
             <a:avLst/>
           </a:prstGeom>
         </p:spPr>
       </p:pic>
-      <p:pic>
-        <p:nvPicPr>
-          <p:cNvPr id="7" name="Imagen 6"/>
-          <p:cNvPicPr>
-            <a:picLocks noChangeAspect="1"/>
-          </p:cNvPicPr>
-          <p:nvPr/>
-        </p:nvPicPr>
-        <p:blipFill>
-          <a:blip r:embed="rId3"/>
-          <a:stretch>
-            <a:fillRect/>
-          </a:stretch>
-        </p:blipFill>
-        <p:spPr>
-          <a:xfrm>
-            <a:off x="676275" y="47625"/>
-            <a:ext cx="5419725" cy="6962775"/>
-          </a:xfrm>
-          <a:prstGeom prst="rect">
-            <a:avLst/>
-          </a:prstGeom>
-        </p:spPr>
-      </p:pic>
+      <p:sp>
+        <p:nvSpPr>
+          <p:cNvPr id="5" name="Título 4"/>
+          <p:cNvSpPr>
+            <a:spLocks noGrp="1"/>
+          </p:cNvSpPr>
+          <p:nvPr>
+            <p:ph type="title"/>
+          </p:nvPr>
+        </p:nvSpPr>
+        <p:spPr/>
+        <p:txBody>
+          <a:bodyPr/>
+          <a:lstStyle/>
+          <a:p>
+            <a:r>
+              <a:rPr lang="es-MX" dirty="0" smtClean="0"/>
+              <a:t/>
+            </a:r>
+            <a:br>
+              <a:rPr lang="es-MX" dirty="0" smtClean="0"/>
+            </a:br>
+            <a:endParaRPr lang="es-MX" dirty="0"/>
+          </a:p>
+        </p:txBody>
+      </p:sp>
     </p:spTree>
     <p:extLst>
       <p:ext uri="{BB962C8B-B14F-4D97-AF65-F5344CB8AC3E}">
-        <p14:creationId xmlns:p14="http://schemas.microsoft.com/office/powerpoint/2010/main" val="3359862343"/>
+        <p14:creationId xmlns:p14="http://schemas.microsoft.com/office/powerpoint/2010/main" val="2056943639"/>
       </p:ext>
     </p:extLst>
   </p:cSld>
@@ -13840,6 +13871,129 @@
           <a:bodyPr/>
           <a:lstStyle/>
           <a:p>
+            <a:endParaRPr lang="es-MX"/>
+          </a:p>
+        </p:txBody>
+      </p:sp>
+      <p:sp>
+        <p:nvSpPr>
+          <p:cNvPr id="3" name="Marcador de contenido 2"/>
+          <p:cNvSpPr>
+            <a:spLocks noGrp="1"/>
+          </p:cNvSpPr>
+          <p:nvPr>
+            <p:ph idx="1"/>
+          </p:nvPr>
+        </p:nvSpPr>
+        <p:spPr/>
+        <p:txBody>
+          <a:bodyPr/>
+          <a:lstStyle/>
+          <a:p>
+            <a:endParaRPr lang="es-MX" dirty="0"/>
+          </a:p>
+        </p:txBody>
+      </p:sp>
+      <p:pic>
+        <p:nvPicPr>
+          <p:cNvPr id="6" name="Imagen 5"/>
+          <p:cNvPicPr>
+            <a:picLocks noChangeAspect="1"/>
+          </p:cNvPicPr>
+          <p:nvPr/>
+        </p:nvPicPr>
+        <p:blipFill>
+          <a:blip r:embed="rId2"/>
+          <a:stretch>
+            <a:fillRect/>
+          </a:stretch>
+        </p:blipFill>
+        <p:spPr>
+          <a:xfrm>
+            <a:off x="6433623" y="47625"/>
+            <a:ext cx="4695825" cy="6810375"/>
+          </a:xfrm>
+          <a:prstGeom prst="rect">
+            <a:avLst/>
+          </a:prstGeom>
+        </p:spPr>
+      </p:pic>
+      <p:pic>
+        <p:nvPicPr>
+          <p:cNvPr id="7" name="Imagen 6"/>
+          <p:cNvPicPr>
+            <a:picLocks noChangeAspect="1"/>
+          </p:cNvPicPr>
+          <p:nvPr/>
+        </p:nvPicPr>
+        <p:blipFill>
+          <a:blip r:embed="rId3"/>
+          <a:stretch>
+            <a:fillRect/>
+          </a:stretch>
+        </p:blipFill>
+        <p:spPr>
+          <a:xfrm>
+            <a:off x="676275" y="47625"/>
+            <a:ext cx="5419725" cy="6962775"/>
+          </a:xfrm>
+          <a:prstGeom prst="rect">
+            <a:avLst/>
+          </a:prstGeom>
+        </p:spPr>
+      </p:pic>
+    </p:spTree>
+    <p:extLst>
+      <p:ext uri="{BB962C8B-B14F-4D97-AF65-F5344CB8AC3E}">
+        <p14:creationId xmlns:p14="http://schemas.microsoft.com/office/powerpoint/2010/main" val="3359862343"/>
+      </p:ext>
+    </p:extLst>
+  </p:cSld>
+  <p:clrMapOvr>
+    <a:masterClrMapping/>
+  </p:clrMapOvr>
+  <p:timing>
+    <p:tnLst>
+      <p:par>
+        <p:cTn id="1" dur="indefinite" restart="never" nodeType="tmRoot"/>
+      </p:par>
+    </p:tnLst>
+  </p:timing>
+</p:sld>
+</file>
+
+<file path=ppt/slides/slide55.xml><?xml version="1.0" encoding="utf-8"?>
+<p:sld xmlns:a="http://schemas.openxmlformats.org/drawingml/2006/main" xmlns:r="http://schemas.openxmlformats.org/officeDocument/2006/relationships" xmlns:p="http://schemas.openxmlformats.org/presentationml/2006/main">
+  <p:cSld>
+    <p:spTree>
+      <p:nvGrpSpPr>
+        <p:cNvPr id="1" name=""/>
+        <p:cNvGrpSpPr/>
+        <p:nvPr/>
+      </p:nvGrpSpPr>
+      <p:grpSpPr>
+        <a:xfrm>
+          <a:off x="0" y="0"/>
+          <a:ext cx="0" cy="0"/>
+          <a:chOff x="0" y="0"/>
+          <a:chExt cx="0" cy="0"/>
+        </a:xfrm>
+      </p:grpSpPr>
+      <p:sp>
+        <p:nvSpPr>
+          <p:cNvPr id="2" name="Título 1"/>
+          <p:cNvSpPr>
+            <a:spLocks noGrp="1"/>
+          </p:cNvSpPr>
+          <p:nvPr>
+            <p:ph type="title"/>
+          </p:nvPr>
+        </p:nvSpPr>
+        <p:spPr/>
+        <p:txBody>
+          <a:bodyPr/>
+          <a:lstStyle/>
+          <a:p>
             <a:r>
               <a:rPr lang="es-MX" dirty="0" smtClean="0"/>
               <a:t/>
@@ -13941,7 +14095,7 @@
 </p:sld>
 </file>
 
-<file path=ppt/slides/slide55.xml><?xml version="1.0" encoding="utf-8"?>
+<file path=ppt/slides/slide56.xml><?xml version="1.0" encoding="utf-8"?>
 <p:sld xmlns:a="http://schemas.openxmlformats.org/drawingml/2006/main" xmlns:r="http://schemas.openxmlformats.org/officeDocument/2006/relationships" xmlns:p="http://schemas.openxmlformats.org/presentationml/2006/main">
   <p:cSld>
     <p:spTree>
@@ -14433,10 +14587,17 @@
   <p:clrMapOvr>
     <a:masterClrMapping/>
   </p:clrMapOvr>
+  <p:timing>
+    <p:tnLst>
+      <p:par>
+        <p:cTn id="1" dur="indefinite" restart="never" nodeType="tmRoot"/>
+      </p:par>
+    </p:tnLst>
+  </p:timing>
 </p:sld>
 </file>
 
-<file path=ppt/slides/slide56.xml><?xml version="1.0" encoding="utf-8"?>
+<file path=ppt/slides/slide57.xml><?xml version="1.0" encoding="utf-8"?>
 <p:sld xmlns:a="http://schemas.openxmlformats.org/drawingml/2006/main" xmlns:r="http://schemas.openxmlformats.org/officeDocument/2006/relationships" xmlns:p="http://schemas.openxmlformats.org/presentationml/2006/main">
   <p:cSld>
     <p:spTree>
@@ -14575,7 +14736,7 @@
 </p:sld>
 </file>
 
-<file path=ppt/slides/slide57.xml><?xml version="1.0" encoding="utf-8"?>
+<file path=ppt/slides/slide58.xml><?xml version="1.0" encoding="utf-8"?>
 <p:sld xmlns:a="http://schemas.openxmlformats.org/drawingml/2006/main" xmlns:r="http://schemas.openxmlformats.org/officeDocument/2006/relationships" xmlns:p="http://schemas.openxmlformats.org/presentationml/2006/main">
   <p:cSld>
     <p:spTree>
@@ -14842,7 +15003,7 @@
 </p:sld>
 </file>
 
-<file path=ppt/slides/slide58.xml><?xml version="1.0" encoding="utf-8"?>
+<file path=ppt/slides/slide59.xml><?xml version="1.0" encoding="utf-8"?>
 <p:sld xmlns:a="http://schemas.openxmlformats.org/drawingml/2006/main" xmlns:r="http://schemas.openxmlformats.org/officeDocument/2006/relationships" xmlns:p="http://schemas.openxmlformats.org/presentationml/2006/main">
   <p:cSld>
     <p:spTree>
@@ -15032,212 +15193,6 @@
     <p:extLst>
       <p:ext uri="{BB962C8B-B14F-4D97-AF65-F5344CB8AC3E}">
         <p14:creationId xmlns:p14="http://schemas.microsoft.com/office/powerpoint/2010/main" val="247137692"/>
-      </p:ext>
-    </p:extLst>
-  </p:cSld>
-  <p:clrMapOvr>
-    <a:masterClrMapping/>
-  </p:clrMapOvr>
-  <p:timing>
-    <p:tnLst>
-      <p:par>
-        <p:cTn id="1" dur="indefinite" restart="never" nodeType="tmRoot"/>
-      </p:par>
-    </p:tnLst>
-  </p:timing>
-</p:sld>
-</file>
-
-<file path=ppt/slides/slide59.xml><?xml version="1.0" encoding="utf-8"?>
-<p:sld xmlns:a="http://schemas.openxmlformats.org/drawingml/2006/main" xmlns:r="http://schemas.openxmlformats.org/officeDocument/2006/relationships" xmlns:p="http://schemas.openxmlformats.org/presentationml/2006/main">
-  <p:cSld>
-    <p:spTree>
-      <p:nvGrpSpPr>
-        <p:cNvPr id="1" name=""/>
-        <p:cNvGrpSpPr/>
-        <p:nvPr/>
-      </p:nvGrpSpPr>
-      <p:grpSpPr>
-        <a:xfrm>
-          <a:off x="0" y="0"/>
-          <a:ext cx="0" cy="0"/>
-          <a:chOff x="0" y="0"/>
-          <a:chExt cx="0" cy="0"/>
-        </a:xfrm>
-      </p:grpSpPr>
-      <p:sp>
-        <p:nvSpPr>
-          <p:cNvPr id="2" name="Título 1"/>
-          <p:cNvSpPr>
-            <a:spLocks noGrp="1"/>
-          </p:cNvSpPr>
-          <p:nvPr>
-            <p:ph type="title"/>
-          </p:nvPr>
-        </p:nvSpPr>
-        <p:spPr/>
-        <p:txBody>
-          <a:bodyPr/>
-          <a:lstStyle/>
-          <a:p>
-            <a:r>
-              <a:rPr lang="es-MX" dirty="0" smtClean="0"/>
-              <a:t/>
-            </a:r>
-            <a:br>
-              <a:rPr lang="es-MX" dirty="0" smtClean="0"/>
-            </a:br>
-            <a:endParaRPr lang="es-MX" dirty="0"/>
-          </a:p>
-        </p:txBody>
-      </p:sp>
-      <p:sp>
-        <p:nvSpPr>
-          <p:cNvPr id="3" name="Marcador de contenido 2"/>
-          <p:cNvSpPr>
-            <a:spLocks noGrp="1"/>
-          </p:cNvSpPr>
-          <p:nvPr>
-            <p:ph idx="1"/>
-          </p:nvPr>
-        </p:nvSpPr>
-        <p:spPr>
-          <a:xfrm>
-            <a:off x="838200" y="463639"/>
-            <a:ext cx="10515600" cy="5713324"/>
-          </a:xfrm>
-        </p:spPr>
-        <p:txBody>
-          <a:bodyPr/>
-          <a:lstStyle/>
-          <a:p>
-            <a:pPr marL="0" indent="0">
-              <a:buNone/>
-            </a:pPr>
-            <a:r>
-              <a:rPr lang="es-MX" dirty="0" smtClean="0"/>
-              <a:t>En estudios de Memoria de Reconocimiento donde el desempeño de los participantes se compara entre dos clases:</a:t>
-            </a:r>
-          </a:p>
-          <a:p>
-            <a:pPr marL="0" indent="0">
-              <a:buNone/>
-            </a:pPr>
-            <a:endParaRPr lang="es-MX" dirty="0"/>
-          </a:p>
-          <a:p>
-            <a:pPr marL="0" indent="0">
-              <a:buNone/>
-            </a:pPr>
-            <a:endParaRPr lang="es-MX" dirty="0" smtClean="0"/>
-          </a:p>
-          <a:p>
-            <a:pPr marL="0" indent="0">
-              <a:buNone/>
-            </a:pPr>
-            <a:r>
-              <a:rPr lang="es-MX" dirty="0" smtClean="0"/>
-              <a:t>Consistentemente se ha encontrado que las diferencias en d’ entre las clases de estímulos se reflejan tanto en la precisión con que se detectan las señales,  como en la identificación del ruido</a:t>
-            </a:r>
-            <a:endParaRPr lang="es-MX" dirty="0"/>
-          </a:p>
-        </p:txBody>
-      </p:sp>
-      <p:pic>
-        <p:nvPicPr>
-          <p:cNvPr id="4" name="Imagen 3"/>
-          <p:cNvPicPr>
-            <a:picLocks noChangeAspect="1"/>
-          </p:cNvPicPr>
-          <p:nvPr/>
-        </p:nvPicPr>
-        <p:blipFill>
-          <a:blip r:embed="rId2"/>
-          <a:stretch>
-            <a:fillRect/>
-          </a:stretch>
-        </p:blipFill>
-        <p:spPr>
-          <a:xfrm>
-            <a:off x="3557721" y="1397780"/>
-            <a:ext cx="1374887" cy="934923"/>
-          </a:xfrm>
-          <a:prstGeom prst="rect">
-            <a:avLst/>
-          </a:prstGeom>
-        </p:spPr>
-      </p:pic>
-      <p:pic>
-        <p:nvPicPr>
-          <p:cNvPr id="5" name="Imagen 4"/>
-          <p:cNvPicPr>
-            <a:picLocks noChangeAspect="1"/>
-          </p:cNvPicPr>
-          <p:nvPr/>
-        </p:nvPicPr>
-        <p:blipFill>
-          <a:blip r:embed="rId3"/>
-          <a:stretch>
-            <a:fillRect/>
-          </a:stretch>
-        </p:blipFill>
-        <p:spPr>
-          <a:xfrm>
-            <a:off x="6320516" y="1430677"/>
-            <a:ext cx="1444908" cy="866945"/>
-          </a:xfrm>
-          <a:prstGeom prst="rect">
-            <a:avLst/>
-          </a:prstGeom>
-        </p:spPr>
-      </p:pic>
-      <p:sp>
-        <p:nvSpPr>
-          <p:cNvPr id="6" name="Forma en L 5"/>
-          <p:cNvSpPr/>
-          <p:nvPr/>
-        </p:nvSpPr>
-        <p:spPr>
-          <a:xfrm rot="18579465" flipH="1">
-            <a:off x="5438714" y="1675224"/>
-            <a:ext cx="375696" cy="377851"/>
-          </a:xfrm>
-          <a:prstGeom prst="corner">
-            <a:avLst/>
-          </a:prstGeom>
-          <a:solidFill>
-            <a:srgbClr val="FF0000"/>
-          </a:solidFill>
-        </p:spPr>
-        <p:style>
-          <a:lnRef idx="2">
-            <a:schemeClr val="accent1">
-              <a:shade val="50000"/>
-            </a:schemeClr>
-          </a:lnRef>
-          <a:fillRef idx="1">
-            <a:schemeClr val="accent1"/>
-          </a:fillRef>
-          <a:effectRef idx="0">
-            <a:schemeClr val="accent1"/>
-          </a:effectRef>
-          <a:fontRef idx="minor">
-            <a:schemeClr val="lt1"/>
-          </a:fontRef>
-        </p:style>
-        <p:txBody>
-          <a:bodyPr rtlCol="0" anchor="ctr"/>
-          <a:lstStyle/>
-          <a:p>
-            <a:pPr algn="ctr"/>
-            <a:endParaRPr lang="es-MX"/>
-          </a:p>
-        </p:txBody>
-      </p:sp>
-    </p:spTree>
-    <p:extLst>
-      <p:ext uri="{BB962C8B-B14F-4D97-AF65-F5344CB8AC3E}">
-        <p14:creationId xmlns:p14="http://schemas.microsoft.com/office/powerpoint/2010/main" val="458338566"/>
       </p:ext>
     </p:extLst>
   </p:cSld>
@@ -15456,7 +15411,7 @@
         </p:nvSpPr>
         <p:spPr>
           <a:xfrm>
-            <a:off x="838200" y="557808"/>
+            <a:off x="838200" y="463639"/>
             <a:ext cx="10515600" cy="5713324"/>
           </a:xfrm>
         </p:spPr>
@@ -15587,220 +15542,10 @@
           </a:p>
         </p:txBody>
       </p:sp>
-      <p:sp>
-        <p:nvSpPr>
-          <p:cNvPr id="7" name="Forma en L 6"/>
-          <p:cNvSpPr/>
-          <p:nvPr/>
-        </p:nvSpPr>
-        <p:spPr>
-          <a:xfrm rot="18579465" flipH="1">
-            <a:off x="5307778" y="4145821"/>
-            <a:ext cx="375696" cy="377851"/>
-          </a:xfrm>
-          <a:prstGeom prst="corner">
-            <a:avLst/>
-          </a:prstGeom>
-          <a:solidFill>
-            <a:srgbClr val="FF0000"/>
-          </a:solidFill>
-        </p:spPr>
-        <p:style>
-          <a:lnRef idx="2">
-            <a:schemeClr val="accent1">
-              <a:shade val="50000"/>
-            </a:schemeClr>
-          </a:lnRef>
-          <a:fillRef idx="1">
-            <a:schemeClr val="accent1"/>
-          </a:fillRef>
-          <a:effectRef idx="0">
-            <a:schemeClr val="accent1"/>
-          </a:effectRef>
-          <a:fontRef idx="minor">
-            <a:schemeClr val="lt1"/>
-          </a:fontRef>
-        </p:style>
-        <p:txBody>
-          <a:bodyPr rtlCol="0" anchor="ctr"/>
-          <a:lstStyle/>
-          <a:p>
-            <a:pPr algn="ctr"/>
-            <a:endParaRPr lang="es-MX"/>
-          </a:p>
-        </p:txBody>
-      </p:sp>
-      <p:sp>
-        <p:nvSpPr>
-          <p:cNvPr id="8" name="Forma en L 7"/>
-          <p:cNvSpPr/>
-          <p:nvPr/>
-        </p:nvSpPr>
-        <p:spPr>
-          <a:xfrm rot="8206129" flipH="1">
-            <a:off x="5307779" y="5382193"/>
-            <a:ext cx="375696" cy="377851"/>
-          </a:xfrm>
-          <a:prstGeom prst="corner">
-            <a:avLst/>
-          </a:prstGeom>
-          <a:solidFill>
-            <a:srgbClr val="FF0000"/>
-          </a:solidFill>
-        </p:spPr>
-        <p:style>
-          <a:lnRef idx="2">
-            <a:schemeClr val="accent1">
-              <a:shade val="50000"/>
-            </a:schemeClr>
-          </a:lnRef>
-          <a:fillRef idx="1">
-            <a:schemeClr val="accent1"/>
-          </a:fillRef>
-          <a:effectRef idx="0">
-            <a:schemeClr val="accent1"/>
-          </a:effectRef>
-          <a:fontRef idx="minor">
-            <a:schemeClr val="lt1"/>
-          </a:fontRef>
-        </p:style>
-        <p:txBody>
-          <a:bodyPr rtlCol="0" anchor="ctr"/>
-          <a:lstStyle/>
-          <a:p>
-            <a:pPr algn="ctr"/>
-            <a:endParaRPr lang="es-MX"/>
-          </a:p>
-        </p:txBody>
-      </p:sp>
-      <p:sp>
-        <p:nvSpPr>
-          <p:cNvPr id="9" name="CuadroTexto 8"/>
-          <p:cNvSpPr txBox="1"/>
-          <p:nvPr/>
-        </p:nvSpPr>
-        <p:spPr>
-          <a:xfrm>
-            <a:off x="1339402" y="3892052"/>
-            <a:ext cx="3721996" cy="707886"/>
-          </a:xfrm>
-          <a:prstGeom prst="rect">
-            <a:avLst/>
-          </a:prstGeom>
-          <a:noFill/>
-        </p:spPr>
-        <p:txBody>
-          <a:bodyPr wrap="square" rtlCol="0">
-            <a:spAutoFit/>
-          </a:bodyPr>
-          <a:lstStyle/>
-          <a:p>
-            <a:pPr algn="r"/>
-            <a:r>
-              <a:rPr lang="es-MX" sz="4000" dirty="0" smtClean="0"/>
-              <a:t>Aciertos (A)</a:t>
-            </a:r>
-            <a:endParaRPr lang="es-MX" sz="4000" dirty="0"/>
-          </a:p>
-        </p:txBody>
-      </p:sp>
-      <p:sp>
-        <p:nvSpPr>
-          <p:cNvPr id="10" name="CuadroTexto 9"/>
-          <p:cNvSpPr txBox="1"/>
-          <p:nvPr/>
-        </p:nvSpPr>
-        <p:spPr>
-          <a:xfrm>
-            <a:off x="5061398" y="3883349"/>
-            <a:ext cx="3721996" cy="707886"/>
-          </a:xfrm>
-          <a:prstGeom prst="rect">
-            <a:avLst/>
-          </a:prstGeom>
-          <a:noFill/>
-        </p:spPr>
-        <p:txBody>
-          <a:bodyPr wrap="square" rtlCol="0">
-            <a:spAutoFit/>
-          </a:bodyPr>
-          <a:lstStyle/>
-          <a:p>
-            <a:pPr algn="r"/>
-            <a:r>
-              <a:rPr lang="es-MX" sz="4000" dirty="0" smtClean="0"/>
-              <a:t>Aciertos (B)</a:t>
-            </a:r>
-            <a:endParaRPr lang="es-MX" sz="4000" dirty="0"/>
-          </a:p>
-        </p:txBody>
-      </p:sp>
-      <p:sp>
-        <p:nvSpPr>
-          <p:cNvPr id="11" name="CuadroTexto 10"/>
-          <p:cNvSpPr txBox="1"/>
-          <p:nvPr/>
-        </p:nvSpPr>
-        <p:spPr>
-          <a:xfrm>
-            <a:off x="1339402" y="5138252"/>
-            <a:ext cx="3721996" cy="707886"/>
-          </a:xfrm>
-          <a:prstGeom prst="rect">
-            <a:avLst/>
-          </a:prstGeom>
-          <a:noFill/>
-        </p:spPr>
-        <p:txBody>
-          <a:bodyPr wrap="square" rtlCol="0">
-            <a:spAutoFit/>
-          </a:bodyPr>
-          <a:lstStyle/>
-          <a:p>
-            <a:pPr algn="r"/>
-            <a:r>
-              <a:rPr lang="es-MX" sz="4000" dirty="0" smtClean="0"/>
-              <a:t>Errores (A)</a:t>
-            </a:r>
-            <a:endParaRPr lang="es-MX" sz="4000" dirty="0"/>
-          </a:p>
-        </p:txBody>
-      </p:sp>
-      <p:sp>
-        <p:nvSpPr>
-          <p:cNvPr id="12" name="CuadroTexto 11"/>
-          <p:cNvSpPr txBox="1"/>
-          <p:nvPr/>
-        </p:nvSpPr>
-        <p:spPr>
-          <a:xfrm>
-            <a:off x="5061398" y="5138252"/>
-            <a:ext cx="3721996" cy="707886"/>
-          </a:xfrm>
-          <a:prstGeom prst="rect">
-            <a:avLst/>
-          </a:prstGeom>
-          <a:noFill/>
-        </p:spPr>
-        <p:txBody>
-          <a:bodyPr wrap="square" rtlCol="0">
-            <a:spAutoFit/>
-          </a:bodyPr>
-          <a:lstStyle/>
-          <a:p>
-            <a:pPr algn="r"/>
-            <a:r>
-              <a:rPr lang="es-MX" sz="4000" dirty="0" smtClean="0"/>
-              <a:t>Errores (B)</a:t>
-            </a:r>
-            <a:endParaRPr lang="es-MX" sz="4000" dirty="0"/>
-          </a:p>
-        </p:txBody>
-      </p:sp>
     </p:spTree>
     <p:extLst>
       <p:ext uri="{BB962C8B-B14F-4D97-AF65-F5344CB8AC3E}">
-        <p14:creationId xmlns:p14="http://schemas.microsoft.com/office/powerpoint/2010/main" val="1352085033"/>
+        <p14:creationId xmlns:p14="http://schemas.microsoft.com/office/powerpoint/2010/main" val="458338566"/>
       </p:ext>
     </p:extLst>
   </p:cSld>
@@ -15885,20 +15630,90 @@
             </a:pPr>
             <a:r>
               <a:rPr lang="es-MX" dirty="0" smtClean="0"/>
-              <a:t>:</a:t>
-            </a:r>
-          </a:p>
-        </p:txBody>
-      </p:sp>
-      <p:sp>
-        <p:nvSpPr>
-          <p:cNvPr id="7" name="Forma en L 6"/>
+              <a:t>En estudios de Memoria de Reconocimiento donde el desempeño de los participantes se compara entre dos clases:</a:t>
+            </a:r>
+          </a:p>
+          <a:p>
+            <a:pPr marL="0" indent="0">
+              <a:buNone/>
+            </a:pPr>
+            <a:endParaRPr lang="es-MX" dirty="0"/>
+          </a:p>
+          <a:p>
+            <a:pPr marL="0" indent="0">
+              <a:buNone/>
+            </a:pPr>
+            <a:endParaRPr lang="es-MX" dirty="0" smtClean="0"/>
+          </a:p>
+          <a:p>
+            <a:pPr marL="0" indent="0">
+              <a:buNone/>
+            </a:pPr>
+            <a:r>
+              <a:rPr lang="es-MX" dirty="0" smtClean="0"/>
+              <a:t>Consistentemente se ha encontrado que las diferencias en d’ entre las clases de estímulos se reflejan tanto en la precisión con que se detectan las señales,  como en la identificación del ruido</a:t>
+            </a:r>
+            <a:endParaRPr lang="es-MX" dirty="0"/>
+          </a:p>
+        </p:txBody>
+      </p:sp>
+      <p:pic>
+        <p:nvPicPr>
+          <p:cNvPr id="4" name="Imagen 3"/>
+          <p:cNvPicPr>
+            <a:picLocks noChangeAspect="1"/>
+          </p:cNvPicPr>
+          <p:nvPr/>
+        </p:nvPicPr>
+        <p:blipFill>
+          <a:blip r:embed="rId2"/>
+          <a:stretch>
+            <a:fillRect/>
+          </a:stretch>
+        </p:blipFill>
+        <p:spPr>
+          <a:xfrm>
+            <a:off x="3557721" y="1397780"/>
+            <a:ext cx="1374887" cy="934923"/>
+          </a:xfrm>
+          <a:prstGeom prst="rect">
+            <a:avLst/>
+          </a:prstGeom>
+        </p:spPr>
+      </p:pic>
+      <p:pic>
+        <p:nvPicPr>
+          <p:cNvPr id="5" name="Imagen 4"/>
+          <p:cNvPicPr>
+            <a:picLocks noChangeAspect="1"/>
+          </p:cNvPicPr>
+          <p:nvPr/>
+        </p:nvPicPr>
+        <p:blipFill>
+          <a:blip r:embed="rId3"/>
+          <a:stretch>
+            <a:fillRect/>
+          </a:stretch>
+        </p:blipFill>
+        <p:spPr>
+          <a:xfrm>
+            <a:off x="6320516" y="1430677"/>
+            <a:ext cx="1444908" cy="866945"/>
+          </a:xfrm>
+          <a:prstGeom prst="rect">
+            <a:avLst/>
+          </a:prstGeom>
+        </p:spPr>
+      </p:pic>
+      <p:sp>
+        <p:nvSpPr>
+          <p:cNvPr id="6" name="Forma en L 5"/>
           <p:cNvSpPr/>
           <p:nvPr/>
         </p:nvSpPr>
         <p:spPr>
           <a:xfrm rot="18579465" flipH="1">
-            <a:off x="5307778" y="4145821"/>
+            <a:off x="5438714" y="1675224"/>
             <a:ext cx="375696" cy="377851"/>
           </a:xfrm>
           <a:prstGeom prst="corner">
@@ -15935,13 +15750,13 @@
       </p:sp>
       <p:sp>
         <p:nvSpPr>
-          <p:cNvPr id="8" name="Forma en L 7"/>
+          <p:cNvPr id="7" name="Forma en L 6"/>
           <p:cNvSpPr/>
           <p:nvPr/>
         </p:nvSpPr>
         <p:spPr>
-          <a:xfrm rot="8206129" flipH="1">
-            <a:off x="5307779" y="5382193"/>
+          <a:xfrm rot="18579465" flipH="1">
+            <a:off x="5307778" y="4145821"/>
             <a:ext cx="375696" cy="377851"/>
           </a:xfrm>
           <a:prstGeom prst="corner">
@@ -15978,6 +15793,49 @@
       </p:sp>
       <p:sp>
         <p:nvSpPr>
+          <p:cNvPr id="8" name="Forma en L 7"/>
+          <p:cNvSpPr/>
+          <p:nvPr/>
+        </p:nvSpPr>
+        <p:spPr>
+          <a:xfrm rot="8206129" flipH="1">
+            <a:off x="5307779" y="5382193"/>
+            <a:ext cx="375696" cy="377851"/>
+          </a:xfrm>
+          <a:prstGeom prst="corner">
+            <a:avLst/>
+          </a:prstGeom>
+          <a:solidFill>
+            <a:srgbClr val="FF0000"/>
+          </a:solidFill>
+        </p:spPr>
+        <p:style>
+          <a:lnRef idx="2">
+            <a:schemeClr val="accent1">
+              <a:shade val="50000"/>
+            </a:schemeClr>
+          </a:lnRef>
+          <a:fillRef idx="1">
+            <a:schemeClr val="accent1"/>
+          </a:fillRef>
+          <a:effectRef idx="0">
+            <a:schemeClr val="accent1"/>
+          </a:effectRef>
+          <a:fontRef idx="minor">
+            <a:schemeClr val="lt1"/>
+          </a:fontRef>
+        </p:style>
+        <p:txBody>
+          <a:bodyPr rtlCol="0" anchor="ctr"/>
+          <a:lstStyle/>
+          <a:p>
+            <a:pPr algn="ctr"/>
+            <a:endParaRPr lang="es-MX"/>
+          </a:p>
+        </p:txBody>
+      </p:sp>
+      <p:sp>
+        <p:nvSpPr>
           <p:cNvPr id="9" name="CuadroTexto 8"/>
           <p:cNvSpPr txBox="1"/>
           <p:nvPr/>
@@ -16100,34 +15958,10 @@
           </a:p>
         </p:txBody>
       </p:sp>
-      <p:pic>
-        <p:nvPicPr>
-          <p:cNvPr id="14" name="Imagen 9"/>
-          <p:cNvPicPr>
-            <a:picLocks noChangeAspect="1"/>
-          </p:cNvPicPr>
-          <p:nvPr/>
-        </p:nvPicPr>
-        <p:blipFill>
-          <a:blip r:embed="rId2"/>
-          <a:stretch>
-            <a:fillRect/>
-          </a:stretch>
-        </p:blipFill>
-        <p:spPr>
-          <a:xfrm>
-            <a:off x="3200400" y="146024"/>
-            <a:ext cx="4781348" cy="3577652"/>
-          </a:xfrm>
-          <a:prstGeom prst="rect">
-            <a:avLst/>
-          </a:prstGeom>
-        </p:spPr>
-      </p:pic>
     </p:spTree>
     <p:extLst>
       <p:ext uri="{BB962C8B-B14F-4D97-AF65-F5344CB8AC3E}">
-        <p14:creationId xmlns:p14="http://schemas.microsoft.com/office/powerpoint/2010/main" val="3443801902"/>
+        <p14:creationId xmlns:p14="http://schemas.microsoft.com/office/powerpoint/2010/main" val="1352085033"/>
       </p:ext>
     </p:extLst>
   </p:cSld>
@@ -16171,16 +16005,9 @@
             <p:ph type="title"/>
           </p:nvPr>
         </p:nvSpPr>
-        <p:spPr>
-          <a:xfrm flipV="1">
-            <a:off x="838200" y="283336"/>
-            <a:ext cx="10515600" cy="81790"/>
-          </a:xfrm>
-        </p:spPr>
-        <p:txBody>
-          <a:bodyPr>
-            <a:normAutofit fontScale="90000"/>
-          </a:bodyPr>
+        <p:spPr/>
+        <p:txBody>
+          <a:bodyPr/>
           <a:lstStyle/>
           <a:p>
             <a:r>
@@ -16206,63 +16033,238 @@
         </p:nvSpPr>
         <p:spPr>
           <a:xfrm>
-            <a:off x="838200" y="365126"/>
-            <a:ext cx="10515600" cy="5811837"/>
-          </a:xfrm>
-        </p:spPr>
-        <p:txBody>
-          <a:bodyPr>
-            <a:normAutofit fontScale="92500"/>
+            <a:off x="838200" y="557808"/>
+            <a:ext cx="10515600" cy="5713324"/>
+          </a:xfrm>
+        </p:spPr>
+        <p:txBody>
+          <a:bodyPr/>
+          <a:lstStyle/>
+          <a:p>
+            <a:pPr marL="0" indent="0">
+              <a:buNone/>
+            </a:pPr>
+            <a:r>
+              <a:rPr lang="es-MX" dirty="0" smtClean="0"/>
+              <a:t>:</a:t>
+            </a:r>
+          </a:p>
+        </p:txBody>
+      </p:sp>
+      <p:sp>
+        <p:nvSpPr>
+          <p:cNvPr id="7" name="Forma en L 6"/>
+          <p:cNvSpPr/>
+          <p:nvPr/>
+        </p:nvSpPr>
+        <p:spPr>
+          <a:xfrm rot="18579465" flipH="1">
+            <a:off x="5307778" y="4145821"/>
+            <a:ext cx="375696" cy="377851"/>
+          </a:xfrm>
+          <a:prstGeom prst="corner">
+            <a:avLst/>
+          </a:prstGeom>
+          <a:solidFill>
+            <a:srgbClr val="FF0000"/>
+          </a:solidFill>
+        </p:spPr>
+        <p:style>
+          <a:lnRef idx="2">
+            <a:schemeClr val="accent1">
+              <a:shade val="50000"/>
+            </a:schemeClr>
+          </a:lnRef>
+          <a:fillRef idx="1">
+            <a:schemeClr val="accent1"/>
+          </a:fillRef>
+          <a:effectRef idx="0">
+            <a:schemeClr val="accent1"/>
+          </a:effectRef>
+          <a:fontRef idx="minor">
+            <a:schemeClr val="lt1"/>
+          </a:fontRef>
+        </p:style>
+        <p:txBody>
+          <a:bodyPr rtlCol="0" anchor="ctr"/>
+          <a:lstStyle/>
+          <a:p>
+            <a:pPr algn="ctr"/>
+            <a:endParaRPr lang="es-MX"/>
+          </a:p>
+        </p:txBody>
+      </p:sp>
+      <p:sp>
+        <p:nvSpPr>
+          <p:cNvPr id="8" name="Forma en L 7"/>
+          <p:cNvSpPr/>
+          <p:nvPr/>
+        </p:nvSpPr>
+        <p:spPr>
+          <a:xfrm rot="8206129" flipH="1">
+            <a:off x="5307779" y="5382193"/>
+            <a:ext cx="375696" cy="377851"/>
+          </a:xfrm>
+          <a:prstGeom prst="corner">
+            <a:avLst/>
+          </a:prstGeom>
+          <a:solidFill>
+            <a:srgbClr val="FF0000"/>
+          </a:solidFill>
+        </p:spPr>
+        <p:style>
+          <a:lnRef idx="2">
+            <a:schemeClr val="accent1">
+              <a:shade val="50000"/>
+            </a:schemeClr>
+          </a:lnRef>
+          <a:fillRef idx="1">
+            <a:schemeClr val="accent1"/>
+          </a:fillRef>
+          <a:effectRef idx="0">
+            <a:schemeClr val="accent1"/>
+          </a:effectRef>
+          <a:fontRef idx="minor">
+            <a:schemeClr val="lt1"/>
+          </a:fontRef>
+        </p:style>
+        <p:txBody>
+          <a:bodyPr rtlCol="0" anchor="ctr"/>
+          <a:lstStyle/>
+          <a:p>
+            <a:pPr algn="ctr"/>
+            <a:endParaRPr lang="es-MX"/>
+          </a:p>
+        </p:txBody>
+      </p:sp>
+      <p:sp>
+        <p:nvSpPr>
+          <p:cNvPr id="9" name="CuadroTexto 8"/>
+          <p:cNvSpPr txBox="1"/>
+          <p:nvPr/>
+        </p:nvSpPr>
+        <p:spPr>
+          <a:xfrm>
+            <a:off x="1339402" y="3892052"/>
+            <a:ext cx="3721996" cy="707886"/>
+          </a:xfrm>
+          <a:prstGeom prst="rect">
+            <a:avLst/>
+          </a:prstGeom>
+          <a:noFill/>
+        </p:spPr>
+        <p:txBody>
+          <a:bodyPr wrap="square" rtlCol="0">
+            <a:spAutoFit/>
           </a:bodyPr>
           <a:lstStyle/>
           <a:p>
-            <a:r>
-              <a:rPr lang="es-MX" dirty="0" smtClean="0"/>
-              <a:t>Explicaciones como la propuesta por la TA/V dependen de la interacción que tiene el sujeto con los estímulos en la fase de estudio.</a:t>
-            </a:r>
-          </a:p>
-          <a:p>
-            <a:endParaRPr lang="es-MX" dirty="0"/>
-          </a:p>
-          <a:p>
-            <a:r>
-              <a:rPr lang="es-MX" dirty="0" smtClean="0"/>
-              <a:t>Nuestra tarea, no tenía fase de estudio ni ningún proceso mnémico y encontramos las mismas diferencias en las respuestas de los participantes.</a:t>
-            </a:r>
-          </a:p>
-          <a:p>
-            <a:endParaRPr lang="es-MX" dirty="0"/>
-          </a:p>
-          <a:p>
-            <a:r>
-              <a:rPr lang="es-MX" dirty="0" smtClean="0"/>
-              <a:t>¿Es el Efecto Espejo un reflejo de los procesos involucrados en memoria o un artefacto de la aplicación de la SDT clásica?</a:t>
-            </a:r>
-          </a:p>
-          <a:p>
-            <a:endParaRPr lang="es-MX" dirty="0"/>
-          </a:p>
-          <a:p>
-            <a:r>
-              <a:rPr lang="es-MX" dirty="0" smtClean="0"/>
-              <a:t>El análisis bayesiano arroja conclusiones en la misma dirección, pero menos concluyentes.</a:t>
-            </a:r>
-          </a:p>
-          <a:p>
-            <a:endParaRPr lang="es-MX" dirty="0"/>
-          </a:p>
-          <a:p>
-            <a:r>
-              <a:rPr lang="es-MX" dirty="0" smtClean="0"/>
-              <a:t>¿Qué distingue los modelos bayesianos de SDT de la teoría clásica?</a:t>
-            </a:r>
+            <a:pPr algn="r"/>
+            <a:r>
+              <a:rPr lang="es-MX" sz="4000" dirty="0" smtClean="0"/>
+              <a:t>Hits (A)</a:t>
+            </a:r>
+            <a:endParaRPr lang="es-MX" sz="4000" dirty="0"/>
+          </a:p>
+        </p:txBody>
+      </p:sp>
+      <p:sp>
+        <p:nvSpPr>
+          <p:cNvPr id="10" name="CuadroTexto 9"/>
+          <p:cNvSpPr txBox="1"/>
+          <p:nvPr/>
+        </p:nvSpPr>
+        <p:spPr>
+          <a:xfrm>
+            <a:off x="5061398" y="3883349"/>
+            <a:ext cx="3721996" cy="707886"/>
+          </a:xfrm>
+          <a:prstGeom prst="rect">
+            <a:avLst/>
+          </a:prstGeom>
+          <a:noFill/>
+        </p:spPr>
+        <p:txBody>
+          <a:bodyPr wrap="square" rtlCol="0">
+            <a:spAutoFit/>
+          </a:bodyPr>
+          <a:lstStyle/>
+          <a:p>
+            <a:pPr algn="r"/>
+            <a:r>
+              <a:rPr lang="es-MX" sz="4000" dirty="0" smtClean="0"/>
+              <a:t>Hits (B)</a:t>
+            </a:r>
+            <a:endParaRPr lang="es-MX" sz="4000" dirty="0"/>
+          </a:p>
+        </p:txBody>
+      </p:sp>
+      <p:sp>
+        <p:nvSpPr>
+          <p:cNvPr id="11" name="CuadroTexto 10"/>
+          <p:cNvSpPr txBox="1"/>
+          <p:nvPr/>
+        </p:nvSpPr>
+        <p:spPr>
+          <a:xfrm>
+            <a:off x="1017037" y="5138252"/>
+            <a:ext cx="4044361" cy="707886"/>
+          </a:xfrm>
+          <a:prstGeom prst="rect">
+            <a:avLst/>
+          </a:prstGeom>
+          <a:noFill/>
+        </p:spPr>
+        <p:txBody>
+          <a:bodyPr wrap="square" rtlCol="0">
+            <a:spAutoFit/>
+          </a:bodyPr>
+          <a:lstStyle/>
+          <a:p>
+            <a:pPr algn="r"/>
+            <a:r>
+              <a:rPr lang="es-MX" sz="4000" dirty="0" smtClean="0"/>
+              <a:t>Falsas Alarmas (A)</a:t>
+            </a:r>
+            <a:endParaRPr lang="es-MX" sz="4000" dirty="0"/>
+          </a:p>
+        </p:txBody>
+      </p:sp>
+      <p:sp>
+        <p:nvSpPr>
+          <p:cNvPr id="12" name="CuadroTexto 11"/>
+          <p:cNvSpPr txBox="1"/>
+          <p:nvPr/>
+        </p:nvSpPr>
+        <p:spPr>
+          <a:xfrm>
+            <a:off x="5061398" y="5138252"/>
+            <a:ext cx="4931688" cy="707886"/>
+          </a:xfrm>
+          <a:prstGeom prst="rect">
+            <a:avLst/>
+          </a:prstGeom>
+          <a:noFill/>
+        </p:spPr>
+        <p:txBody>
+          <a:bodyPr wrap="square" rtlCol="0">
+            <a:spAutoFit/>
+          </a:bodyPr>
+          <a:lstStyle/>
+          <a:p>
+            <a:pPr algn="r"/>
+            <a:r>
+              <a:rPr lang="es-MX" sz="4000" dirty="0" smtClean="0"/>
+              <a:t>Falsas Alarmas (B)</a:t>
+            </a:r>
+            <a:endParaRPr lang="es-MX" sz="4000" dirty="0"/>
           </a:p>
         </p:txBody>
       </p:sp>
     </p:spTree>
     <p:extLst>
       <p:ext uri="{BB962C8B-B14F-4D97-AF65-F5344CB8AC3E}">
-        <p14:creationId xmlns:p14="http://schemas.microsoft.com/office/powerpoint/2010/main" val="1541881210"/>
+        <p14:creationId xmlns:p14="http://schemas.microsoft.com/office/powerpoint/2010/main" val="3443801902"/>
       </p:ext>
     </p:extLst>
   </p:cSld>
@@ -16306,16 +16308,9 @@
             <p:ph type="title"/>
           </p:nvPr>
         </p:nvSpPr>
-        <p:spPr>
-          <a:xfrm flipV="1">
-            <a:off x="838200" y="283336"/>
-            <a:ext cx="10515600" cy="81790"/>
-          </a:xfrm>
-        </p:spPr>
-        <p:txBody>
-          <a:bodyPr>
-            <a:normAutofit fontScale="90000"/>
-          </a:bodyPr>
+        <p:spPr/>
+        <p:txBody>
+          <a:bodyPr/>
           <a:lstStyle/>
           <a:p>
             <a:r>
@@ -16341,63 +16336,262 @@
         </p:nvSpPr>
         <p:spPr>
           <a:xfrm>
-            <a:off x="838200" y="365126"/>
-            <a:ext cx="10515600" cy="5811837"/>
-          </a:xfrm>
-        </p:spPr>
-        <p:txBody>
-          <a:bodyPr>
-            <a:normAutofit fontScale="92500"/>
+            <a:off x="838200" y="557808"/>
+            <a:ext cx="10515600" cy="5713324"/>
+          </a:xfrm>
+        </p:spPr>
+        <p:txBody>
+          <a:bodyPr/>
+          <a:lstStyle/>
+          <a:p>
+            <a:pPr marL="0" indent="0">
+              <a:buNone/>
+            </a:pPr>
+            <a:r>
+              <a:rPr lang="es-MX" dirty="0" smtClean="0"/>
+              <a:t>:</a:t>
+            </a:r>
+          </a:p>
+        </p:txBody>
+      </p:sp>
+      <p:sp>
+        <p:nvSpPr>
+          <p:cNvPr id="7" name="Forma en L 6"/>
+          <p:cNvSpPr/>
+          <p:nvPr/>
+        </p:nvSpPr>
+        <p:spPr>
+          <a:xfrm rot="18579465" flipH="1">
+            <a:off x="5307778" y="4145821"/>
+            <a:ext cx="375696" cy="377851"/>
+          </a:xfrm>
+          <a:prstGeom prst="corner">
+            <a:avLst/>
+          </a:prstGeom>
+          <a:solidFill>
+            <a:srgbClr val="FF0000"/>
+          </a:solidFill>
+        </p:spPr>
+        <p:style>
+          <a:lnRef idx="2">
+            <a:schemeClr val="accent1">
+              <a:shade val="50000"/>
+            </a:schemeClr>
+          </a:lnRef>
+          <a:fillRef idx="1">
+            <a:schemeClr val="accent1"/>
+          </a:fillRef>
+          <a:effectRef idx="0">
+            <a:schemeClr val="accent1"/>
+          </a:effectRef>
+          <a:fontRef idx="minor">
+            <a:schemeClr val="lt1"/>
+          </a:fontRef>
+        </p:style>
+        <p:txBody>
+          <a:bodyPr rtlCol="0" anchor="ctr"/>
+          <a:lstStyle/>
+          <a:p>
+            <a:pPr algn="ctr"/>
+            <a:endParaRPr lang="es-MX"/>
+          </a:p>
+        </p:txBody>
+      </p:sp>
+      <p:sp>
+        <p:nvSpPr>
+          <p:cNvPr id="8" name="Forma en L 7"/>
+          <p:cNvSpPr/>
+          <p:nvPr/>
+        </p:nvSpPr>
+        <p:spPr>
+          <a:xfrm rot="8206129" flipH="1">
+            <a:off x="5307779" y="5382193"/>
+            <a:ext cx="375696" cy="377851"/>
+          </a:xfrm>
+          <a:prstGeom prst="corner">
+            <a:avLst/>
+          </a:prstGeom>
+          <a:solidFill>
+            <a:srgbClr val="FF0000"/>
+          </a:solidFill>
+        </p:spPr>
+        <p:style>
+          <a:lnRef idx="2">
+            <a:schemeClr val="accent1">
+              <a:shade val="50000"/>
+            </a:schemeClr>
+          </a:lnRef>
+          <a:fillRef idx="1">
+            <a:schemeClr val="accent1"/>
+          </a:fillRef>
+          <a:effectRef idx="0">
+            <a:schemeClr val="accent1"/>
+          </a:effectRef>
+          <a:fontRef idx="minor">
+            <a:schemeClr val="lt1"/>
+          </a:fontRef>
+        </p:style>
+        <p:txBody>
+          <a:bodyPr rtlCol="0" anchor="ctr"/>
+          <a:lstStyle/>
+          <a:p>
+            <a:pPr algn="ctr"/>
+            <a:endParaRPr lang="es-MX"/>
+          </a:p>
+        </p:txBody>
+      </p:sp>
+      <p:sp>
+        <p:nvSpPr>
+          <p:cNvPr id="9" name="CuadroTexto 8"/>
+          <p:cNvSpPr txBox="1"/>
+          <p:nvPr/>
+        </p:nvSpPr>
+        <p:spPr>
+          <a:xfrm>
+            <a:off x="1339402" y="3892052"/>
+            <a:ext cx="3721996" cy="707886"/>
+          </a:xfrm>
+          <a:prstGeom prst="rect">
+            <a:avLst/>
+          </a:prstGeom>
+          <a:noFill/>
+        </p:spPr>
+        <p:txBody>
+          <a:bodyPr wrap="square" rtlCol="0">
+            <a:spAutoFit/>
           </a:bodyPr>
           <a:lstStyle/>
           <a:p>
-            <a:r>
-              <a:rPr lang="es-MX" b="1" dirty="0" smtClean="0"/>
-              <a:t>Explicaciones como la propuesta por la TA/V dependen de la interacción que tiene el sujeto con los estímulos en la fase de estudio.</a:t>
-            </a:r>
-          </a:p>
-          <a:p>
-            <a:endParaRPr lang="es-MX" dirty="0"/>
-          </a:p>
-          <a:p>
-            <a:r>
-              <a:rPr lang="es-MX" dirty="0" smtClean="0"/>
-              <a:t>Nuestra tarea, no tenía fase de estudio ni ningún proceso mnémico y encontramos las mismas diferencias en las respuestas de los participantes.</a:t>
-            </a:r>
-          </a:p>
-          <a:p>
-            <a:endParaRPr lang="es-MX" dirty="0"/>
-          </a:p>
-          <a:p>
-            <a:r>
-              <a:rPr lang="es-MX" dirty="0" smtClean="0"/>
-              <a:t>¿Es el Efecto Espejo un reflejo de los procesos involucrados en memoria o un artefacto de la aplicación de la SDT clásica?</a:t>
-            </a:r>
-          </a:p>
-          <a:p>
-            <a:endParaRPr lang="es-MX" dirty="0"/>
-          </a:p>
-          <a:p>
-            <a:r>
-              <a:rPr lang="es-MX" dirty="0" smtClean="0"/>
-              <a:t>El análisis bayesiano arroja conclusiones en la misma dirección, pero menos concluyentes.</a:t>
-            </a:r>
-          </a:p>
-          <a:p>
-            <a:endParaRPr lang="es-MX" dirty="0"/>
-          </a:p>
-          <a:p>
-            <a:r>
-              <a:rPr lang="es-MX" dirty="0" smtClean="0"/>
-              <a:t>¿Qué distingue los modelos bayesianos de SDT de la teoría clásica?</a:t>
-            </a:r>
-          </a:p>
-        </p:txBody>
-      </p:sp>
+            <a:pPr algn="r"/>
+            <a:r>
+              <a:rPr lang="es-MX" sz="4000" dirty="0" smtClean="0"/>
+              <a:t>Hits (A)</a:t>
+            </a:r>
+            <a:endParaRPr lang="es-MX" sz="4000" dirty="0"/>
+          </a:p>
+        </p:txBody>
+      </p:sp>
+      <p:sp>
+        <p:nvSpPr>
+          <p:cNvPr id="10" name="CuadroTexto 9"/>
+          <p:cNvSpPr txBox="1"/>
+          <p:nvPr/>
+        </p:nvSpPr>
+        <p:spPr>
+          <a:xfrm>
+            <a:off x="5061398" y="3883349"/>
+            <a:ext cx="3721996" cy="707886"/>
+          </a:xfrm>
+          <a:prstGeom prst="rect">
+            <a:avLst/>
+          </a:prstGeom>
+          <a:noFill/>
+        </p:spPr>
+        <p:txBody>
+          <a:bodyPr wrap="square" rtlCol="0">
+            <a:spAutoFit/>
+          </a:bodyPr>
+          <a:lstStyle/>
+          <a:p>
+            <a:pPr algn="r"/>
+            <a:r>
+              <a:rPr lang="es-MX" sz="4000" dirty="0" smtClean="0"/>
+              <a:t>Hits (B)</a:t>
+            </a:r>
+            <a:endParaRPr lang="es-MX" sz="4000" dirty="0"/>
+          </a:p>
+        </p:txBody>
+      </p:sp>
+      <p:sp>
+        <p:nvSpPr>
+          <p:cNvPr id="11" name="CuadroTexto 10"/>
+          <p:cNvSpPr txBox="1"/>
+          <p:nvPr/>
+        </p:nvSpPr>
+        <p:spPr>
+          <a:xfrm>
+            <a:off x="1017037" y="5138252"/>
+            <a:ext cx="4044361" cy="707886"/>
+          </a:xfrm>
+          <a:prstGeom prst="rect">
+            <a:avLst/>
+          </a:prstGeom>
+          <a:noFill/>
+        </p:spPr>
+        <p:txBody>
+          <a:bodyPr wrap="square" rtlCol="0">
+            <a:spAutoFit/>
+          </a:bodyPr>
+          <a:lstStyle/>
+          <a:p>
+            <a:pPr algn="r"/>
+            <a:r>
+              <a:rPr lang="es-MX" sz="4000" dirty="0" smtClean="0"/>
+              <a:t>Falsas Alarmas (A)</a:t>
+            </a:r>
+            <a:endParaRPr lang="es-MX" sz="4000" dirty="0"/>
+          </a:p>
+        </p:txBody>
+      </p:sp>
+      <p:sp>
+        <p:nvSpPr>
+          <p:cNvPr id="12" name="CuadroTexto 11"/>
+          <p:cNvSpPr txBox="1"/>
+          <p:nvPr/>
+        </p:nvSpPr>
+        <p:spPr>
+          <a:xfrm>
+            <a:off x="5061398" y="5138252"/>
+            <a:ext cx="4931688" cy="707886"/>
+          </a:xfrm>
+          <a:prstGeom prst="rect">
+            <a:avLst/>
+          </a:prstGeom>
+          <a:noFill/>
+        </p:spPr>
+        <p:txBody>
+          <a:bodyPr wrap="square" rtlCol="0">
+            <a:spAutoFit/>
+          </a:bodyPr>
+          <a:lstStyle/>
+          <a:p>
+            <a:pPr algn="r"/>
+            <a:r>
+              <a:rPr lang="es-MX" sz="4000" dirty="0" smtClean="0"/>
+              <a:t>Falsas Alarmas (B)</a:t>
+            </a:r>
+            <a:endParaRPr lang="es-MX" sz="4000" dirty="0"/>
+          </a:p>
+        </p:txBody>
+      </p:sp>
+      <p:pic>
+        <p:nvPicPr>
+          <p:cNvPr id="13" name="Imagen 9"/>
+          <p:cNvPicPr>
+            <a:picLocks noChangeAspect="1"/>
+          </p:cNvPicPr>
+          <p:nvPr/>
+        </p:nvPicPr>
+        <p:blipFill>
+          <a:blip r:embed="rId2"/>
+          <a:stretch>
+            <a:fillRect/>
+          </a:stretch>
+        </p:blipFill>
+        <p:spPr>
+          <a:xfrm>
+            <a:off x="3200400" y="146024"/>
+            <a:ext cx="4781348" cy="3577652"/>
+          </a:xfrm>
+          <a:prstGeom prst="rect">
+            <a:avLst/>
+          </a:prstGeom>
+        </p:spPr>
+      </p:pic>
     </p:spTree>
     <p:extLst>
       <p:ext uri="{BB962C8B-B14F-4D97-AF65-F5344CB8AC3E}">
-        <p14:creationId xmlns:p14="http://schemas.microsoft.com/office/powerpoint/2010/main" val="891564764"/>
+        <p14:creationId xmlns:p14="http://schemas.microsoft.com/office/powerpoint/2010/main" val="2791766427"/>
       </p:ext>
     </p:extLst>
   </p:cSld>
@@ -16482,7 +16676,7 @@
         </p:spPr>
         <p:txBody>
           <a:bodyPr>
-            <a:normAutofit fontScale="92500" lnSpcReduction="10000"/>
+            <a:normAutofit/>
           </a:bodyPr>
           <a:lstStyle/>
           <a:p>
@@ -16496,7 +16690,7 @@
           </a:p>
           <a:p>
             <a:r>
-              <a:rPr lang="es-MX" b="1" dirty="0" smtClean="0"/>
+              <a:rPr lang="es-MX" dirty="0" smtClean="0"/>
               <a:t>Nuestra tarea, no tenía fase de estudio ni ningún proceso mnémico y encontramos las mismas diferencias en las respuestas de los participantes.</a:t>
             </a:r>
           </a:p>
@@ -16507,15 +16701,6 @@
             <a:r>
               <a:rPr lang="es-MX" dirty="0" smtClean="0"/>
               <a:t>¿Es el Efecto Espejo un reflejo de los procesos involucrados en memoria o un artefacto de la aplicación de la SDT clásica?</a:t>
-            </a:r>
-          </a:p>
-          <a:p>
-            <a:endParaRPr lang="es-MX" dirty="0"/>
-          </a:p>
-          <a:p>
-            <a:r>
-              <a:rPr lang="es-MX" dirty="0" smtClean="0"/>
-              <a:t>El análisis bayesiano arroja conclusiones en la misma dirección, pero menos concluyentes.</a:t>
             </a:r>
           </a:p>
           <a:p>
@@ -16532,7 +16717,7 @@
     </p:spTree>
     <p:extLst>
       <p:ext uri="{BB962C8B-B14F-4D97-AF65-F5344CB8AC3E}">
-        <p14:creationId xmlns:p14="http://schemas.microsoft.com/office/powerpoint/2010/main" val="891564764"/>
+        <p14:creationId xmlns:p14="http://schemas.microsoft.com/office/powerpoint/2010/main" val="155825417"/>
       </p:ext>
     </p:extLst>
   </p:cSld>
@@ -16612,18 +16797,22 @@
         <p:spPr>
           <a:xfrm>
             <a:off x="838200" y="365126"/>
-            <a:ext cx="10515600" cy="5811837"/>
+            <a:ext cx="10741090" cy="5811837"/>
           </a:xfrm>
         </p:spPr>
         <p:txBody>
           <a:bodyPr>
-            <a:normAutofit fontScale="92500"/>
+            <a:normAutofit/>
           </a:bodyPr>
           <a:lstStyle/>
           <a:p>
             <a:r>
+              <a:rPr lang="es-MX" b="1" dirty="0" smtClean="0"/>
+              <a:t>Explicaciones como la propuesta por la TA/V dependen de la interacción que tiene el sujeto con los estímulos en la fase de estudio</a:t>
+            </a:r>
+            <a:r>
               <a:rPr lang="es-MX" dirty="0" smtClean="0"/>
-              <a:t>Explicaciones como la propuesta por la TA/V dependen de la interacción que tiene el sujeto con los estímulos en la fase de estudio.</a:t>
+              <a:t>.</a:t>
             </a:r>
           </a:p>
           <a:p>
@@ -16640,17 +16829,8 @@
           </a:p>
           <a:p>
             <a:r>
-              <a:rPr lang="es-MX" b="1" dirty="0" smtClean="0"/>
+              <a:rPr lang="es-MX" dirty="0" smtClean="0"/>
               <a:t>¿Es el Efecto Espejo un reflejo de los procesos involucrados en memoria o un artefacto de la aplicación de la SDT clásica?</a:t>
-            </a:r>
-          </a:p>
-          <a:p>
-            <a:endParaRPr lang="es-MX" dirty="0"/>
-          </a:p>
-          <a:p>
-            <a:r>
-              <a:rPr lang="es-MX" dirty="0" smtClean="0"/>
-              <a:t>El análisis bayesiano arroja conclusiones en la misma dirección, pero menos concluyentes.</a:t>
             </a:r>
           </a:p>
           <a:p>
@@ -16667,7 +16847,7 @@
     </p:spTree>
     <p:extLst>
       <p:ext uri="{BB962C8B-B14F-4D97-AF65-F5344CB8AC3E}">
-        <p14:creationId xmlns:p14="http://schemas.microsoft.com/office/powerpoint/2010/main" val="891564764"/>
+        <p14:creationId xmlns:p14="http://schemas.microsoft.com/office/powerpoint/2010/main" val="290433397"/>
       </p:ext>
     </p:extLst>
   </p:cSld>
@@ -16752,7 +16932,7 @@
         </p:spPr>
         <p:txBody>
           <a:bodyPr>
-            <a:normAutofit fontScale="92500"/>
+            <a:normAutofit/>
           </a:bodyPr>
           <a:lstStyle/>
           <a:p>
@@ -16766,7 +16946,7 @@
           </a:p>
           <a:p>
             <a:r>
-              <a:rPr lang="es-MX" dirty="0" smtClean="0"/>
+              <a:rPr lang="es-MX" b="1" dirty="0" smtClean="0"/>
               <a:t>Nuestra tarea, no tenía fase de estudio ni ningún proceso mnémico y encontramos las mismas diferencias en las respuestas de los participantes.</a:t>
             </a:r>
           </a:p>
@@ -16777,15 +16957,6 @@
             <a:r>
               <a:rPr lang="es-MX" dirty="0" smtClean="0"/>
               <a:t>¿Es el Efecto Espejo un reflejo de los procesos involucrados en memoria o un artefacto de la aplicación de la SDT clásica?</a:t>
-            </a:r>
-          </a:p>
-          <a:p>
-            <a:endParaRPr lang="es-MX" dirty="0"/>
-          </a:p>
-          <a:p>
-            <a:r>
-              <a:rPr lang="es-MX" b="1" dirty="0" smtClean="0"/>
-              <a:t>El análisis bayesiano arroja conclusiones en la misma dirección, pero menos concluyentes.</a:t>
             </a:r>
           </a:p>
           <a:p>
@@ -16802,7 +16973,7 @@
     </p:spTree>
     <p:extLst>
       <p:ext uri="{BB962C8B-B14F-4D97-AF65-F5344CB8AC3E}">
-        <p14:creationId xmlns:p14="http://schemas.microsoft.com/office/powerpoint/2010/main" val="891564764"/>
+        <p14:creationId xmlns:p14="http://schemas.microsoft.com/office/powerpoint/2010/main" val="2599253189"/>
       </p:ext>
     </p:extLst>
   </p:cSld>
@@ -16887,7 +17058,7 @@
         </p:spPr>
         <p:txBody>
           <a:bodyPr>
-            <a:normAutofit fontScale="92500"/>
+            <a:normAutofit/>
           </a:bodyPr>
           <a:lstStyle/>
           <a:p>
@@ -16910,25 +17081,16 @@
           </a:p>
           <a:p>
             <a:r>
+              <a:rPr lang="es-MX" b="1" dirty="0" smtClean="0"/>
+              <a:t>¿Es el Efecto Espejo un reflejo de los procesos involucrados en memoria o un artefacto de la aplicación de la SDT clásica?</a:t>
+            </a:r>
+          </a:p>
+          <a:p>
+            <a:endParaRPr lang="es-MX" dirty="0"/>
+          </a:p>
+          <a:p>
+            <a:r>
               <a:rPr lang="es-MX" dirty="0" smtClean="0"/>
-              <a:t>¿Es el Efecto Espejo un reflejo de los procesos involucrados en memoria o un artefacto de la aplicación de la SDT clásica?</a:t>
-            </a:r>
-          </a:p>
-          <a:p>
-            <a:endParaRPr lang="es-MX" dirty="0"/>
-          </a:p>
-          <a:p>
-            <a:r>
-              <a:rPr lang="es-MX" dirty="0" smtClean="0"/>
-              <a:t>El análisis bayesiano arroja conclusiones en la misma dirección, pero menos concluyentes.</a:t>
-            </a:r>
-          </a:p>
-          <a:p>
-            <a:endParaRPr lang="es-MX" dirty="0"/>
-          </a:p>
-          <a:p>
-            <a:r>
-              <a:rPr lang="es-MX" b="1" dirty="0" smtClean="0"/>
               <a:t>¿Qué distingue los modelos bayesianos de SDT de la teoría clásica?</a:t>
             </a:r>
           </a:p>
@@ -16937,7 +17099,7 @@
     </p:spTree>
     <p:extLst>
       <p:ext uri="{BB962C8B-B14F-4D97-AF65-F5344CB8AC3E}">
-        <p14:creationId xmlns:p14="http://schemas.microsoft.com/office/powerpoint/2010/main" val="891564764"/>
+        <p14:creationId xmlns:p14="http://schemas.microsoft.com/office/powerpoint/2010/main" val="3101272554"/>
       </p:ext>
     </p:extLst>
   </p:cSld>
@@ -16978,17 +17140,47 @@
             <a:spLocks noGrp="1"/>
           </p:cNvSpPr>
           <p:nvPr>
-            <p:ph type="ctrTitle"/>
-          </p:nvPr>
-        </p:nvSpPr>
-        <p:spPr>
-          <a:xfrm>
-            <a:off x="0" y="2267496"/>
-            <a:ext cx="8306873" cy="1480256"/>
-          </a:xfrm>
-          <a:solidFill>
-            <a:schemeClr val="tx1"/>
-          </a:solidFill>
+            <p:ph type="title"/>
+          </p:nvPr>
+        </p:nvSpPr>
+        <p:spPr>
+          <a:xfrm flipV="1">
+            <a:off x="838200" y="283336"/>
+            <a:ext cx="10515600" cy="81790"/>
+          </a:xfrm>
+        </p:spPr>
+        <p:txBody>
+          <a:bodyPr>
+            <a:normAutofit fontScale="90000"/>
+          </a:bodyPr>
+          <a:lstStyle/>
+          <a:p>
+            <a:r>
+              <a:rPr lang="es-MX" dirty="0" smtClean="0"/>
+              <a:t/>
+            </a:r>
+            <a:br>
+              <a:rPr lang="es-MX" dirty="0" smtClean="0"/>
+            </a:br>
+            <a:endParaRPr lang="es-MX" dirty="0"/>
+          </a:p>
+        </p:txBody>
+      </p:sp>
+      <p:sp>
+        <p:nvSpPr>
+          <p:cNvPr id="3" name="Marcador de contenido 2"/>
+          <p:cNvSpPr>
+            <a:spLocks noGrp="1"/>
+          </p:cNvSpPr>
+          <p:nvPr>
+            <p:ph idx="1"/>
+          </p:nvPr>
+        </p:nvSpPr>
+        <p:spPr>
+          <a:xfrm>
+            <a:off x="838200" y="365126"/>
+            <a:ext cx="10515600" cy="5811837"/>
+          </a:xfrm>
         </p:spPr>
         <p:txBody>
           <a:bodyPr>
@@ -16997,159 +17189,43 @@
           <a:lstStyle/>
           <a:p>
             <a:r>
-              <a:rPr lang="es-MX" sz="6700" b="1" dirty="0" smtClean="0">
-                <a:solidFill>
-                  <a:schemeClr val="bg1"/>
-                </a:solidFill>
-              </a:rPr>
-              <a:t>Conclusiones</a:t>
-            </a:r>
-            <a:endParaRPr lang="es-MX" b="1" dirty="0">
-              <a:solidFill>
-                <a:schemeClr val="bg1"/>
-              </a:solidFill>
-            </a:endParaRPr>
-          </a:p>
-        </p:txBody>
-      </p:sp>
-      <p:sp>
-        <p:nvSpPr>
-          <p:cNvPr id="3" name="Subtítulo 2"/>
-          <p:cNvSpPr>
-            <a:spLocks noGrp="1"/>
-          </p:cNvSpPr>
-          <p:nvPr>
-            <p:ph type="subTitle" idx="1"/>
-          </p:nvPr>
-        </p:nvSpPr>
-        <p:spPr>
-          <a:xfrm>
-            <a:off x="1523999" y="5763622"/>
-            <a:ext cx="9144000" cy="792349"/>
-          </a:xfrm>
-        </p:spPr>
-        <p:txBody>
-          <a:bodyPr/>
-          <a:lstStyle/>
-          <a:p>
-            <a:r>
               <a:rPr lang="es-MX" dirty="0" smtClean="0"/>
-              <a:t>por Adriana Felisa Chávez De la Peña</a:t>
-            </a:r>
+              <a:t>Explicaciones como la propuesta por la TA/V dependen de la interacción que tiene el sujeto con los estímulos en la fase de estudio.</a:t>
+            </a:r>
+          </a:p>
+          <a:p>
             <a:endParaRPr lang="es-MX" dirty="0"/>
           </a:p>
-        </p:txBody>
-      </p:sp>
-      <p:pic>
-        <p:nvPicPr>
-          <p:cNvPr id="4" name="Picture 4" descr="Resultado de imagen para UNAM logo"/>
-          <p:cNvPicPr>
-            <a:picLocks noChangeAspect="1" noChangeArrowheads="1"/>
-          </p:cNvPicPr>
-          <p:nvPr/>
-        </p:nvPicPr>
-        <p:blipFill>
-          <a:blip r:embed="rId2">
-            <a:extLst>
-              <a:ext uri="{28A0092B-C50C-407E-A947-70E740481C1C}">
-                <a14:useLocalDpi xmlns:a14="http://schemas.microsoft.com/office/drawing/2010/main" val="0"/>
-              </a:ext>
-            </a:extLst>
-          </a:blip>
-          <a:srcRect/>
-          <a:stretch>
-            <a:fillRect/>
-          </a:stretch>
-        </p:blipFill>
-        <p:spPr bwMode="auto">
-          <a:xfrm>
-            <a:off x="91776" y="160346"/>
-            <a:ext cx="3502025" cy="1255245"/>
-          </a:xfrm>
-          <a:prstGeom prst="rect">
-            <a:avLst/>
-          </a:prstGeom>
-          <a:noFill/>
-          <a:extLst>
-            <a:ext uri="{909E8E84-426E-40DD-AFC4-6F175D3DCCD1}">
-              <a14:hiddenFill xmlns:a14="http://schemas.microsoft.com/office/drawing/2010/main">
-                <a:solidFill>
-                  <a:srgbClr val="FFFFFF"/>
-                </a:solidFill>
-              </a14:hiddenFill>
-            </a:ext>
-          </a:extLst>
-        </p:spPr>
-      </p:pic>
-      <p:pic>
-        <p:nvPicPr>
-          <p:cNvPr id="5" name="Picture 6" descr="Imagen relacionada"/>
-          <p:cNvPicPr>
-            <a:picLocks noChangeAspect="1" noChangeArrowheads="1"/>
-          </p:cNvPicPr>
-          <p:nvPr/>
-        </p:nvPicPr>
-        <p:blipFill>
-          <a:blip r:embed="rId3" cstate="print">
-            <a:extLst>
-              <a:ext uri="{28A0092B-C50C-407E-A947-70E740481C1C}">
-                <a14:useLocalDpi xmlns:a14="http://schemas.microsoft.com/office/drawing/2010/main" val="0"/>
-              </a:ext>
-            </a:extLst>
-          </a:blip>
-          <a:srcRect/>
-          <a:stretch>
-            <a:fillRect/>
-          </a:stretch>
-        </p:blipFill>
-        <p:spPr bwMode="auto">
-          <a:xfrm>
-            <a:off x="357113" y="5058731"/>
-            <a:ext cx="1485675" cy="1409782"/>
-          </a:xfrm>
-          <a:prstGeom prst="rect">
-            <a:avLst/>
-          </a:prstGeom>
-          <a:noFill/>
-          <a:extLst>
-            <a:ext uri="{909E8E84-426E-40DD-AFC4-6F175D3DCCD1}">
-              <a14:hiddenFill xmlns:a14="http://schemas.microsoft.com/office/drawing/2010/main">
-                <a:solidFill>
-                  <a:srgbClr val="FFFFFF"/>
-                </a:solidFill>
-              </a14:hiddenFill>
-            </a:ext>
-          </a:extLst>
-        </p:spPr>
-      </p:pic>
-      <p:pic>
-        <p:nvPicPr>
-          <p:cNvPr id="6" name="Imagen 5"/>
-          <p:cNvPicPr>
-            <a:picLocks noChangeAspect="1"/>
-          </p:cNvPicPr>
-          <p:nvPr/>
-        </p:nvPicPr>
-        <p:blipFill>
-          <a:blip r:embed="rId4"/>
-          <a:stretch>
-            <a:fillRect/>
-          </a:stretch>
-        </p:blipFill>
-        <p:spPr>
-          <a:xfrm>
-            <a:off x="8667480" y="1806901"/>
-            <a:ext cx="3258355" cy="2604101"/>
-          </a:xfrm>
-          <a:prstGeom prst="rect">
-            <a:avLst/>
-          </a:prstGeom>
-        </p:spPr>
-      </p:pic>
+          <a:p>
+            <a:r>
+              <a:rPr lang="es-MX" dirty="0" smtClean="0"/>
+              <a:t>Nuestra tarea, no tenía fase de estudio ni ningún proceso mnémico y encontramos las mismas diferencias en las respuestas de los participantes.</a:t>
+            </a:r>
+          </a:p>
+          <a:p>
+            <a:endParaRPr lang="es-MX" dirty="0"/>
+          </a:p>
+          <a:p>
+            <a:r>
+              <a:rPr lang="es-MX" dirty="0" smtClean="0"/>
+              <a:t>¿Es el Efecto Espejo un reflejo de los procesos involucrados en memoria o un artefacto de la aplicación de la SDT clásica?</a:t>
+            </a:r>
+          </a:p>
+          <a:p>
+            <a:endParaRPr lang="es-MX" dirty="0"/>
+          </a:p>
+          <a:p>
+            <a:r>
+              <a:rPr lang="es-MX" b="1" dirty="0" smtClean="0"/>
+              <a:t>¿Qué distingue los modelos bayesianos de SDT de la teoría clásica?</a:t>
+            </a:r>
+          </a:p>
+        </p:txBody>
+      </p:sp>
     </p:spTree>
     <p:extLst>
       <p:ext uri="{BB962C8B-B14F-4D97-AF65-F5344CB8AC3E}">
-        <p14:creationId xmlns:p14="http://schemas.microsoft.com/office/powerpoint/2010/main" val="769384185"/>
+        <p14:creationId xmlns:p14="http://schemas.microsoft.com/office/powerpoint/2010/main" val="3640640631"/>
       </p:ext>
     </p:extLst>
   </p:cSld>
@@ -17185,89 +17261,183 @@
       </p:grpSpPr>
       <p:sp>
         <p:nvSpPr>
-          <p:cNvPr id="3" name="Marcador de contenido 2"/>
-          <p:cNvSpPr>
-            <a:spLocks noGrp="1"/>
-          </p:cNvSpPr>
-          <p:nvPr>
-            <p:ph idx="1"/>
-          </p:nvPr>
-        </p:nvSpPr>
-        <p:spPr>
-          <a:xfrm>
-            <a:off x="206061" y="1825625"/>
-            <a:ext cx="11719775" cy="4351338"/>
-          </a:xfrm>
+          <p:cNvPr id="2" name="Título 1"/>
+          <p:cNvSpPr>
+            <a:spLocks noGrp="1"/>
+          </p:cNvSpPr>
+          <p:nvPr>
+            <p:ph type="ctrTitle"/>
+          </p:nvPr>
+        </p:nvSpPr>
+        <p:spPr>
+          <a:xfrm>
+            <a:off x="0" y="2267496"/>
+            <a:ext cx="8306873" cy="1480256"/>
+          </a:xfrm>
+          <a:solidFill>
+            <a:schemeClr val="tx1"/>
+          </a:solidFill>
         </p:spPr>
         <p:txBody>
           <a:bodyPr>
-            <a:noAutofit/>
+            <a:normAutofit/>
           </a:bodyPr>
           <a:lstStyle/>
           <a:p>
             <a:r>
-              <a:rPr lang="es-MX" sz="3200" dirty="0" smtClean="0"/>
-              <a:t>Los resultados encontrados pueden ser interpretados en dos direcciones: </a:t>
-            </a:r>
-          </a:p>
-          <a:p>
-            <a:endParaRPr lang="es-MX" sz="3200" dirty="0" smtClean="0"/>
-          </a:p>
-          <a:p>
-            <a:pPr lvl="1"/>
-            <a:r>
-              <a:rPr lang="es-MX" sz="3200" dirty="0" smtClean="0"/>
-              <a:t>Primero, como evidencia de que </a:t>
-            </a:r>
-            <a:r>
-              <a:rPr lang="es-MX" sz="3200" b="1" dirty="0" smtClean="0">
-                <a:effectLst>
-                  <a:outerShdw blurRad="38100" dist="38100" dir="2700000" algn="tl">
-                    <a:srgbClr val="000000">
-                      <a:alpha val="43137"/>
-                    </a:srgbClr>
-                  </a:outerShdw>
-                </a:effectLst>
+              <a:rPr lang="es-MX" sz="6700" b="1" dirty="0" smtClean="0">
+                <a:solidFill>
+                  <a:schemeClr val="bg1"/>
+                </a:solidFill>
               </a:rPr>
-              <a:t>el Efecto Espejo no es un fenómeno exclusivo de la Memoria de Reconocimiento sino de la aplicación de la Teoría de Detección de Señales</a:t>
-            </a:r>
-            <a:r>
-              <a:rPr lang="es-MX" sz="3200" dirty="0" smtClean="0"/>
-              <a:t> al estudio de tareas con más de un nivel de d’. </a:t>
-            </a:r>
-          </a:p>
-        </p:txBody>
-      </p:sp>
-      <p:sp>
-        <p:nvSpPr>
-          <p:cNvPr id="6" name="Título 5"/>
-          <p:cNvSpPr>
-            <a:spLocks noGrp="1"/>
-          </p:cNvSpPr>
-          <p:nvPr>
-            <p:ph type="title"/>
-          </p:nvPr>
-        </p:nvSpPr>
-        <p:spPr/>
+              <a:t>Conclusiones</a:t>
+            </a:r>
+            <a:endParaRPr lang="es-MX" b="1" dirty="0">
+              <a:solidFill>
+                <a:schemeClr val="bg1"/>
+              </a:solidFill>
+            </a:endParaRPr>
+          </a:p>
+        </p:txBody>
+      </p:sp>
+      <p:sp>
+        <p:nvSpPr>
+          <p:cNvPr id="3" name="Subtítulo 2"/>
+          <p:cNvSpPr>
+            <a:spLocks noGrp="1"/>
+          </p:cNvSpPr>
+          <p:nvPr>
+            <p:ph type="subTitle" idx="1"/>
+          </p:nvPr>
+        </p:nvSpPr>
+        <p:spPr>
+          <a:xfrm>
+            <a:off x="1523999" y="5763622"/>
+            <a:ext cx="9144000" cy="792349"/>
+          </a:xfrm>
+        </p:spPr>
         <p:txBody>
           <a:bodyPr/>
           <a:lstStyle/>
           <a:p>
             <a:r>
               <a:rPr lang="es-MX" dirty="0" smtClean="0"/>
-              <a:t/>
-            </a:r>
-            <a:br>
-              <a:rPr lang="es-MX" dirty="0" smtClean="0"/>
-            </a:br>
+              <a:t>por Adriana Felisa Chávez De la Peña</a:t>
+            </a:r>
             <a:endParaRPr lang="es-MX" dirty="0"/>
           </a:p>
         </p:txBody>
       </p:sp>
+      <p:pic>
+        <p:nvPicPr>
+          <p:cNvPr id="4" name="Picture 4" descr="Resultado de imagen para UNAM logo"/>
+          <p:cNvPicPr>
+            <a:picLocks noChangeAspect="1" noChangeArrowheads="1"/>
+          </p:cNvPicPr>
+          <p:nvPr/>
+        </p:nvPicPr>
+        <p:blipFill>
+          <a:blip r:embed="rId2">
+            <a:extLst>
+              <a:ext uri="{28A0092B-C50C-407E-A947-70E740481C1C}">
+                <a14:useLocalDpi xmlns:a14="http://schemas.microsoft.com/office/drawing/2010/main" val="0"/>
+              </a:ext>
+            </a:extLst>
+          </a:blip>
+          <a:srcRect/>
+          <a:stretch>
+            <a:fillRect/>
+          </a:stretch>
+        </p:blipFill>
+        <p:spPr bwMode="auto">
+          <a:xfrm>
+            <a:off x="91776" y="160346"/>
+            <a:ext cx="3502025" cy="1255245"/>
+          </a:xfrm>
+          <a:prstGeom prst="rect">
+            <a:avLst/>
+          </a:prstGeom>
+          <a:noFill/>
+          <a:extLst>
+            <a:ext uri="{909E8E84-426E-40DD-AFC4-6F175D3DCCD1}">
+              <a14:hiddenFill xmlns:a14="http://schemas.microsoft.com/office/drawing/2010/main">
+                <a:solidFill>
+                  <a:srgbClr val="FFFFFF"/>
+                </a:solidFill>
+              </a14:hiddenFill>
+            </a:ext>
+          </a:extLst>
+        </p:spPr>
+      </p:pic>
+      <p:pic>
+        <p:nvPicPr>
+          <p:cNvPr id="5" name="Picture 6" descr="Imagen relacionada"/>
+          <p:cNvPicPr>
+            <a:picLocks noChangeAspect="1" noChangeArrowheads="1"/>
+          </p:cNvPicPr>
+          <p:nvPr/>
+        </p:nvPicPr>
+        <p:blipFill>
+          <a:blip r:embed="rId3" cstate="print">
+            <a:extLst>
+              <a:ext uri="{28A0092B-C50C-407E-A947-70E740481C1C}">
+                <a14:useLocalDpi xmlns:a14="http://schemas.microsoft.com/office/drawing/2010/main" val="0"/>
+              </a:ext>
+            </a:extLst>
+          </a:blip>
+          <a:srcRect/>
+          <a:stretch>
+            <a:fillRect/>
+          </a:stretch>
+        </p:blipFill>
+        <p:spPr bwMode="auto">
+          <a:xfrm>
+            <a:off x="357113" y="5058731"/>
+            <a:ext cx="1485675" cy="1409782"/>
+          </a:xfrm>
+          <a:prstGeom prst="rect">
+            <a:avLst/>
+          </a:prstGeom>
+          <a:noFill/>
+          <a:extLst>
+            <a:ext uri="{909E8E84-426E-40DD-AFC4-6F175D3DCCD1}">
+              <a14:hiddenFill xmlns:a14="http://schemas.microsoft.com/office/drawing/2010/main">
+                <a:solidFill>
+                  <a:srgbClr val="FFFFFF"/>
+                </a:solidFill>
+              </a14:hiddenFill>
+            </a:ext>
+          </a:extLst>
+        </p:spPr>
+      </p:pic>
+      <p:pic>
+        <p:nvPicPr>
+          <p:cNvPr id="6" name="Imagen 5"/>
+          <p:cNvPicPr>
+            <a:picLocks noChangeAspect="1"/>
+          </p:cNvPicPr>
+          <p:nvPr/>
+        </p:nvPicPr>
+        <p:blipFill>
+          <a:blip r:embed="rId4"/>
+          <a:stretch>
+            <a:fillRect/>
+          </a:stretch>
+        </p:blipFill>
+        <p:spPr>
+          <a:xfrm>
+            <a:off x="8667480" y="1806901"/>
+            <a:ext cx="3258355" cy="2604101"/>
+          </a:xfrm>
+          <a:prstGeom prst="rect">
+            <a:avLst/>
+          </a:prstGeom>
+        </p:spPr>
+      </p:pic>
     </p:spTree>
     <p:extLst>
       <p:ext uri="{BB962C8B-B14F-4D97-AF65-F5344CB8AC3E}">
-        <p14:creationId xmlns:p14="http://schemas.microsoft.com/office/powerpoint/2010/main" val="3672806319"/>
+        <p14:creationId xmlns:p14="http://schemas.microsoft.com/office/powerpoint/2010/main" val="769384185"/>
       </p:ext>
     </p:extLst>
   </p:cSld>
@@ -17481,8 +17651,160 @@
           <a:p>
             <a:pPr lvl="1"/>
             <a:r>
+              <a:rPr lang="es-MX" sz="3200" dirty="0" smtClean="0">
+                <a:solidFill>
+                  <a:schemeClr val="accent6">
+                    <a:lumMod val="75000"/>
+                  </a:schemeClr>
+                </a:solidFill>
+                <a:effectLst>
+                  <a:outerShdw blurRad="38100" dist="38100" dir="2700000" algn="tl">
+                    <a:srgbClr val="000000">
+                      <a:alpha val="43137"/>
+                    </a:srgbClr>
+                  </a:outerShdw>
+                </a:effectLst>
+              </a:rPr>
+              <a:t>Primero</a:t>
+            </a:r>
+            <a:r>
               <a:rPr lang="es-MX" sz="3200" dirty="0" smtClean="0"/>
-              <a:t>Segundo, como un precedente empírico de las ventajas que tiene la aplicación de </a:t>
+              <a:t>, como evidencia de que </a:t>
+            </a:r>
+            <a:r>
+              <a:rPr lang="es-MX" sz="3200" b="1" dirty="0" smtClean="0">
+                <a:effectLst>
+                  <a:outerShdw blurRad="38100" dist="38100" dir="2700000" algn="tl">
+                    <a:srgbClr val="000000">
+                      <a:alpha val="43137"/>
+                    </a:srgbClr>
+                  </a:outerShdw>
+                </a:effectLst>
+              </a:rPr>
+              <a:t>el Efecto Espejo no es un fenómeno exclusivo de la Memoria de Reconocimiento sino de la aplicación de la Teoría de Detección de Señales</a:t>
+            </a:r>
+            <a:r>
+              <a:rPr lang="es-MX" sz="3200" dirty="0" smtClean="0"/>
+              <a:t> al estudio de tareas con más de un nivel de d’. </a:t>
+            </a:r>
+          </a:p>
+        </p:txBody>
+      </p:sp>
+      <p:sp>
+        <p:nvSpPr>
+          <p:cNvPr id="6" name="Título 5"/>
+          <p:cNvSpPr>
+            <a:spLocks noGrp="1"/>
+          </p:cNvSpPr>
+          <p:nvPr>
+            <p:ph type="title"/>
+          </p:nvPr>
+        </p:nvSpPr>
+        <p:spPr/>
+        <p:txBody>
+          <a:bodyPr/>
+          <a:lstStyle/>
+          <a:p>
+            <a:r>
+              <a:rPr lang="es-MX" dirty="0" smtClean="0"/>
+              <a:t/>
+            </a:r>
+            <a:br>
+              <a:rPr lang="es-MX" dirty="0" smtClean="0"/>
+            </a:br>
+            <a:endParaRPr lang="es-MX" dirty="0"/>
+          </a:p>
+        </p:txBody>
+      </p:sp>
+    </p:spTree>
+    <p:extLst>
+      <p:ext uri="{BB962C8B-B14F-4D97-AF65-F5344CB8AC3E}">
+        <p14:creationId xmlns:p14="http://schemas.microsoft.com/office/powerpoint/2010/main" val="3672806319"/>
+      </p:ext>
+    </p:extLst>
+  </p:cSld>
+  <p:clrMapOvr>
+    <a:masterClrMapping/>
+  </p:clrMapOvr>
+  <p:timing>
+    <p:tnLst>
+      <p:par>
+        <p:cTn id="1" dur="indefinite" restart="never" nodeType="tmRoot"/>
+      </p:par>
+    </p:tnLst>
+  </p:timing>
+</p:sld>
+</file>
+
+<file path=ppt/slides/slide71.xml><?xml version="1.0" encoding="utf-8"?>
+<p:sld xmlns:a="http://schemas.openxmlformats.org/drawingml/2006/main" xmlns:r="http://schemas.openxmlformats.org/officeDocument/2006/relationships" xmlns:p="http://schemas.openxmlformats.org/presentationml/2006/main">
+  <p:cSld>
+    <p:spTree>
+      <p:nvGrpSpPr>
+        <p:cNvPr id="1" name=""/>
+        <p:cNvGrpSpPr/>
+        <p:nvPr/>
+      </p:nvGrpSpPr>
+      <p:grpSpPr>
+        <a:xfrm>
+          <a:off x="0" y="0"/>
+          <a:ext cx="0" cy="0"/>
+          <a:chOff x="0" y="0"/>
+          <a:chExt cx="0" cy="0"/>
+        </a:xfrm>
+      </p:grpSpPr>
+      <p:sp>
+        <p:nvSpPr>
+          <p:cNvPr id="3" name="Marcador de contenido 2"/>
+          <p:cNvSpPr>
+            <a:spLocks noGrp="1"/>
+          </p:cNvSpPr>
+          <p:nvPr>
+            <p:ph idx="1"/>
+          </p:nvPr>
+        </p:nvSpPr>
+        <p:spPr>
+          <a:xfrm>
+            <a:off x="206061" y="1825625"/>
+            <a:ext cx="11719775" cy="4351338"/>
+          </a:xfrm>
+        </p:spPr>
+        <p:txBody>
+          <a:bodyPr>
+            <a:noAutofit/>
+          </a:bodyPr>
+          <a:lstStyle/>
+          <a:p>
+            <a:r>
+              <a:rPr lang="es-MX" sz="3200" dirty="0" smtClean="0"/>
+              <a:t>Los resultados encontrados pueden ser interpretados en dos direcciones: </a:t>
+            </a:r>
+          </a:p>
+          <a:p>
+            <a:endParaRPr lang="es-MX" sz="3200" dirty="0" smtClean="0"/>
+          </a:p>
+          <a:p>
+            <a:pPr lvl="1"/>
+            <a:r>
+              <a:rPr lang="es-MX" sz="3200" dirty="0" smtClean="0">
+                <a:solidFill>
+                  <a:schemeClr val="accent1">
+                    <a:lumMod val="75000"/>
+                  </a:schemeClr>
+                </a:solidFill>
+                <a:effectLst>
+                  <a:outerShdw blurRad="38100" dist="38100" dir="2700000" algn="tl">
+                    <a:srgbClr val="000000">
+                      <a:alpha val="43137"/>
+                    </a:srgbClr>
+                  </a:outerShdw>
+                </a:effectLst>
+              </a:rPr>
+              <a:t>Segundo</a:t>
+            </a:r>
+            <a:r>
+              <a:rPr lang="es-MX" sz="3200" dirty="0" smtClean="0"/>
+              <a:t>, como un precedente empírico de las ventajas que tiene la aplicación de </a:t>
             </a:r>
             <a:r>
               <a:rPr lang="es-MX" sz="3200" b="1" dirty="0" smtClean="0">
@@ -17549,7 +17871,7 @@
 </p:sld>
 </file>
 
-<file path=ppt/slides/slide71.xml><?xml version="1.0" encoding="utf-8"?>
+<file path=ppt/slides/slide72.xml><?xml version="1.0" encoding="utf-8"?>
 <p:sld xmlns:a="http://schemas.openxmlformats.org/drawingml/2006/main" xmlns:r="http://schemas.openxmlformats.org/officeDocument/2006/relationships" xmlns:p="http://schemas.openxmlformats.org/presentationml/2006/main">
   <p:cSld>
     <p:spTree>
@@ -17824,7 +18146,7 @@
 </p:sld>
 </file>
 
-<file path=ppt/slides/slide72.xml><?xml version="1.0" encoding="utf-8"?>
+<file path=ppt/slides/slide73.xml><?xml version="1.0" encoding="utf-8"?>
 <p:sld xmlns:a="http://schemas.openxmlformats.org/drawingml/2006/main" xmlns:r="http://schemas.openxmlformats.org/officeDocument/2006/relationships" xmlns:p="http://schemas.openxmlformats.org/presentationml/2006/main">
   <p:cSld>
     <p:spTree>
@@ -18036,7 +18358,7 @@
 </p:sld>
 </file>
 
-<file path=ppt/slides/slide73.xml><?xml version="1.0" encoding="utf-8"?>
+<file path=ppt/slides/slide74.xml><?xml version="1.0" encoding="utf-8"?>
 <p:sld xmlns:a="http://schemas.openxmlformats.org/drawingml/2006/main" xmlns:r="http://schemas.openxmlformats.org/officeDocument/2006/relationships" xmlns:p="http://schemas.openxmlformats.org/presentationml/2006/main">
   <p:cSld>
     <p:spTree>
@@ -18377,10 +18699,17 @@
   <p:clrMapOvr>
     <a:masterClrMapping/>
   </p:clrMapOvr>
+  <p:timing>
+    <p:tnLst>
+      <p:par>
+        <p:cTn id="1" dur="indefinite" restart="never" nodeType="tmRoot"/>
+      </p:par>
+    </p:tnLst>
+  </p:timing>
 </p:sld>
 </file>
 
-<file path=ppt/slides/slide74.xml><?xml version="1.0" encoding="utf-8"?>
+<file path=ppt/slides/slide75.xml><?xml version="1.0" encoding="utf-8"?>
 <p:sld xmlns:a="http://schemas.openxmlformats.org/drawingml/2006/main" xmlns:r="http://schemas.openxmlformats.org/officeDocument/2006/relationships" xmlns:p="http://schemas.openxmlformats.org/presentationml/2006/main">
   <p:cSld>
     <p:spTree>
@@ -18580,10 +18909,17 @@
   <p:clrMapOvr>
     <a:masterClrMapping/>
   </p:clrMapOvr>
+  <p:timing>
+    <p:tnLst>
+      <p:par>
+        <p:cTn id="1" dur="indefinite" restart="never" nodeType="tmRoot"/>
+      </p:par>
+    </p:tnLst>
+  </p:timing>
 </p:sld>
 </file>
 
-<file path=ppt/slides/slide75.xml><?xml version="1.0" encoding="utf-8"?>
+<file path=ppt/slides/slide76.xml><?xml version="1.0" encoding="utf-8"?>
 <p:sld xmlns:a="http://schemas.openxmlformats.org/drawingml/2006/main" xmlns:r="http://schemas.openxmlformats.org/officeDocument/2006/relationships" xmlns:p="http://schemas.openxmlformats.org/presentationml/2006/main">
   <p:cSld>
     <p:spTree>
@@ -19396,6 +19732,13 @@
   <p:clrMapOvr>
     <a:masterClrMapping/>
   </p:clrMapOvr>
+  <p:timing>
+    <p:tnLst>
+      <p:par>
+        <p:cTn id="1" dur="indefinite" restart="never" nodeType="tmRoot"/>
+      </p:par>
+    </p:tnLst>
+  </p:timing>
 </p:sld>
 </file>
 

--- a/Tesis/Presentaciones/FINAL_Examen.pptx
+++ b/Tesis/Presentaciones/FINAL_Examen.pptx
@@ -13,74 +13,75 @@
     <p:sldId id="262" r:id="rId7"/>
     <p:sldId id="263" r:id="rId8"/>
     <p:sldId id="268" r:id="rId9"/>
-    <p:sldId id="264" r:id="rId10"/>
-    <p:sldId id="269" r:id="rId11"/>
-    <p:sldId id="265" r:id="rId12"/>
-    <p:sldId id="275" r:id="rId13"/>
-    <p:sldId id="277" r:id="rId14"/>
-    <p:sldId id="279" r:id="rId15"/>
-    <p:sldId id="281" r:id="rId16"/>
-    <p:sldId id="330" r:id="rId17"/>
-    <p:sldId id="338" r:id="rId18"/>
-    <p:sldId id="329" r:id="rId19"/>
-    <p:sldId id="284" r:id="rId20"/>
-    <p:sldId id="339" r:id="rId21"/>
-    <p:sldId id="340" r:id="rId22"/>
-    <p:sldId id="362" r:id="rId23"/>
-    <p:sldId id="308" r:id="rId24"/>
-    <p:sldId id="368" r:id="rId25"/>
-    <p:sldId id="369" r:id="rId26"/>
-    <p:sldId id="286" r:id="rId27"/>
-    <p:sldId id="313" r:id="rId28"/>
-    <p:sldId id="359" r:id="rId29"/>
-    <p:sldId id="360" r:id="rId30"/>
-    <p:sldId id="287" r:id="rId31"/>
-    <p:sldId id="314" r:id="rId32"/>
-    <p:sldId id="305" r:id="rId33"/>
-    <p:sldId id="288" r:id="rId34"/>
-    <p:sldId id="289" r:id="rId35"/>
-    <p:sldId id="290" r:id="rId36"/>
-    <p:sldId id="332" r:id="rId37"/>
-    <p:sldId id="333" r:id="rId38"/>
-    <p:sldId id="335" r:id="rId39"/>
-    <p:sldId id="331" r:id="rId40"/>
-    <p:sldId id="291" r:id="rId41"/>
-    <p:sldId id="292" r:id="rId42"/>
-    <p:sldId id="306" r:id="rId43"/>
-    <p:sldId id="336" r:id="rId44"/>
-    <p:sldId id="337" r:id="rId45"/>
-    <p:sldId id="293" r:id="rId46"/>
-    <p:sldId id="343" r:id="rId47"/>
-    <p:sldId id="349" r:id="rId48"/>
-    <p:sldId id="294" r:id="rId49"/>
-    <p:sldId id="295" r:id="rId50"/>
-    <p:sldId id="296" r:id="rId51"/>
-    <p:sldId id="350" r:id="rId52"/>
-    <p:sldId id="297" r:id="rId53"/>
-    <p:sldId id="298" r:id="rId54"/>
-    <p:sldId id="299" r:id="rId55"/>
-    <p:sldId id="300" r:id="rId56"/>
-    <p:sldId id="351" r:id="rId57"/>
-    <p:sldId id="353" r:id="rId58"/>
-    <p:sldId id="355" r:id="rId59"/>
-    <p:sldId id="309" r:id="rId60"/>
-    <p:sldId id="320" r:id="rId61"/>
-    <p:sldId id="322" r:id="rId62"/>
-    <p:sldId id="323" r:id="rId63"/>
-    <p:sldId id="372" r:id="rId64"/>
-    <p:sldId id="373" r:id="rId65"/>
-    <p:sldId id="374" r:id="rId66"/>
-    <p:sldId id="375" r:id="rId67"/>
-    <p:sldId id="376" r:id="rId68"/>
-    <p:sldId id="377" r:id="rId69"/>
-    <p:sldId id="310" r:id="rId70"/>
-    <p:sldId id="302" r:id="rId71"/>
-    <p:sldId id="318" r:id="rId72"/>
-    <p:sldId id="303" r:id="rId73"/>
-    <p:sldId id="347" r:id="rId74"/>
-    <p:sldId id="348" r:id="rId75"/>
-    <p:sldId id="358" r:id="rId76"/>
-    <p:sldId id="361" r:id="rId77"/>
+    <p:sldId id="378" r:id="rId10"/>
+    <p:sldId id="264" r:id="rId11"/>
+    <p:sldId id="269" r:id="rId12"/>
+    <p:sldId id="265" r:id="rId13"/>
+    <p:sldId id="275" r:id="rId14"/>
+    <p:sldId id="277" r:id="rId15"/>
+    <p:sldId id="279" r:id="rId16"/>
+    <p:sldId id="281" r:id="rId17"/>
+    <p:sldId id="330" r:id="rId18"/>
+    <p:sldId id="338" r:id="rId19"/>
+    <p:sldId id="329" r:id="rId20"/>
+    <p:sldId id="284" r:id="rId21"/>
+    <p:sldId id="339" r:id="rId22"/>
+    <p:sldId id="340" r:id="rId23"/>
+    <p:sldId id="362" r:id="rId24"/>
+    <p:sldId id="308" r:id="rId25"/>
+    <p:sldId id="368" r:id="rId26"/>
+    <p:sldId id="369" r:id="rId27"/>
+    <p:sldId id="286" r:id="rId28"/>
+    <p:sldId id="313" r:id="rId29"/>
+    <p:sldId id="359" r:id="rId30"/>
+    <p:sldId id="360" r:id="rId31"/>
+    <p:sldId id="287" r:id="rId32"/>
+    <p:sldId id="314" r:id="rId33"/>
+    <p:sldId id="305" r:id="rId34"/>
+    <p:sldId id="288" r:id="rId35"/>
+    <p:sldId id="289" r:id="rId36"/>
+    <p:sldId id="290" r:id="rId37"/>
+    <p:sldId id="332" r:id="rId38"/>
+    <p:sldId id="333" r:id="rId39"/>
+    <p:sldId id="335" r:id="rId40"/>
+    <p:sldId id="331" r:id="rId41"/>
+    <p:sldId id="291" r:id="rId42"/>
+    <p:sldId id="292" r:id="rId43"/>
+    <p:sldId id="306" r:id="rId44"/>
+    <p:sldId id="336" r:id="rId45"/>
+    <p:sldId id="337" r:id="rId46"/>
+    <p:sldId id="293" r:id="rId47"/>
+    <p:sldId id="343" r:id="rId48"/>
+    <p:sldId id="349" r:id="rId49"/>
+    <p:sldId id="294" r:id="rId50"/>
+    <p:sldId id="295" r:id="rId51"/>
+    <p:sldId id="296" r:id="rId52"/>
+    <p:sldId id="350" r:id="rId53"/>
+    <p:sldId id="297" r:id="rId54"/>
+    <p:sldId id="298" r:id="rId55"/>
+    <p:sldId id="299" r:id="rId56"/>
+    <p:sldId id="300" r:id="rId57"/>
+    <p:sldId id="351" r:id="rId58"/>
+    <p:sldId id="353" r:id="rId59"/>
+    <p:sldId id="355" r:id="rId60"/>
+    <p:sldId id="309" r:id="rId61"/>
+    <p:sldId id="320" r:id="rId62"/>
+    <p:sldId id="322" r:id="rId63"/>
+    <p:sldId id="323" r:id="rId64"/>
+    <p:sldId id="372" r:id="rId65"/>
+    <p:sldId id="373" r:id="rId66"/>
+    <p:sldId id="374" r:id="rId67"/>
+    <p:sldId id="375" r:id="rId68"/>
+    <p:sldId id="376" r:id="rId69"/>
+    <p:sldId id="377" r:id="rId70"/>
+    <p:sldId id="310" r:id="rId71"/>
+    <p:sldId id="302" r:id="rId72"/>
+    <p:sldId id="318" r:id="rId73"/>
+    <p:sldId id="303" r:id="rId74"/>
+    <p:sldId id="347" r:id="rId75"/>
+    <p:sldId id="348" r:id="rId76"/>
+    <p:sldId id="358" r:id="rId77"/>
+    <p:sldId id="361" r:id="rId78"/>
   </p:sldIdLst>
   <p:sldSz cx="12192000" cy="6858000"/>
   <p:notesSz cx="6858000" cy="9144000"/>
@@ -181,7 +182,7 @@
   </p:defaultTextStyle>
   <p:extLst>
     <p:ext uri="{EFAFB233-063F-42B5-8137-9DF3F51BA10A}">
-      <p15:sldGuideLst xmlns:p15="http://schemas.microsoft.com/office/powerpoint/2012/main">
+      <p15:sldGuideLst xmlns:p15="http://schemas.microsoft.com/office/powerpoint/2012/main" xmlns="">
         <p15:guide id="1" orient="horz" pos="2160">
           <p15:clr>
             <a:srgbClr val="A4A3A4"/>
@@ -3256,6 +3257,30 @@
           <a:chExt cx="0" cy="0"/>
         </a:xfrm>
       </p:grpSpPr>
+      <p:pic>
+        <p:nvPicPr>
+          <p:cNvPr id="4" name="Imagen 3"/>
+          <p:cNvPicPr>
+            <a:picLocks noChangeAspect="1"/>
+          </p:cNvPicPr>
+          <p:nvPr/>
+        </p:nvPicPr>
+        <p:blipFill>
+          <a:blip r:embed="rId2"/>
+          <a:stretch>
+            <a:fillRect/>
+          </a:stretch>
+        </p:blipFill>
+        <p:spPr>
+          <a:xfrm>
+            <a:off x="3796249" y="1284047"/>
+            <a:ext cx="8271255" cy="5239023"/>
+          </a:xfrm>
+          <a:prstGeom prst="rect">
+            <a:avLst/>
+          </a:prstGeom>
+        </p:spPr>
+      </p:pic>
       <p:sp>
         <p:nvSpPr>
           <p:cNvPr id="2" name="Título 1"/>
@@ -3318,7 +3343,7 @@
           <p:nvPr/>
         </p:nvPicPr>
         <p:blipFill>
-          <a:blip r:embed="rId2">
+          <a:blip r:embed="rId3">
             <a:extLst>
               <a:ext uri="{28A0092B-C50C-407E-A947-70E740481C1C}">
                 <a14:useLocalDpi xmlns:a14="http://schemas.microsoft.com/office/drawing/2010/main" val="0"/>
@@ -3350,34 +3375,10 @@
           </a:extLst>
         </p:spPr>
       </p:pic>
-      <p:pic>
-        <p:nvPicPr>
-          <p:cNvPr id="5" name="Imagen 4"/>
-          <p:cNvPicPr>
-            <a:picLocks noChangeAspect="1"/>
-          </p:cNvPicPr>
-          <p:nvPr/>
-        </p:nvPicPr>
-        <p:blipFill>
-          <a:blip r:embed="rId3"/>
-          <a:stretch>
-            <a:fillRect/>
-          </a:stretch>
-        </p:blipFill>
-        <p:spPr>
-          <a:xfrm>
-            <a:off x="4883172" y="1054669"/>
-            <a:ext cx="6315075" cy="5495925"/>
-          </a:xfrm>
-          <a:prstGeom prst="rect">
-            <a:avLst/>
-          </a:prstGeom>
-        </p:spPr>
-      </p:pic>
     </p:spTree>
     <p:extLst>
       <p:ext uri="{BB962C8B-B14F-4D97-AF65-F5344CB8AC3E}">
-        <p14:creationId xmlns:p14="http://schemas.microsoft.com/office/powerpoint/2010/main" val="1162528387"/>
+        <p14:creationId xmlns:p14="http://schemas.microsoft.com/office/powerpoint/2010/main" val="3244330082"/>
       </p:ext>
     </p:extLst>
   </p:cSld>
@@ -3413,7 +3414,7 @@
       </p:grpSpPr>
       <p:sp>
         <p:nvSpPr>
-          <p:cNvPr id="4" name="Título 3"/>
+          <p:cNvPr id="2" name="Título 1"/>
           <p:cNvSpPr>
             <a:spLocks noGrp="1"/>
           </p:cNvSpPr>
@@ -3423,7 +3424,7 @@
         </p:nvSpPr>
         <p:spPr>
           <a:xfrm>
-            <a:off x="593501" y="133305"/>
+            <a:off x="387439" y="296068"/>
             <a:ext cx="10515600" cy="1325563"/>
           </a:xfrm>
         </p:spPr>
@@ -3431,61 +3432,25 @@
           <a:bodyPr/>
           <a:lstStyle/>
           <a:p>
-            <a:pPr algn="ctr"/>
-            <a:r>
-              <a:rPr lang="es-MX" b="1" dirty="0" smtClean="0">
-                <a:effectLst>
-                  <a:outerShdw blurRad="38100" dist="38100" dir="2700000" algn="tl">
-                    <a:srgbClr val="000000">
-                      <a:alpha val="43137"/>
-                    </a:srgbClr>
-                  </a:outerShdw>
-                </a:effectLst>
-              </a:rPr>
-              <a:t>Teoría de Detección de Señales</a:t>
-            </a:r>
-            <a:endParaRPr lang="es-MX" b="1" dirty="0">
-              <a:effectLst>
-                <a:outerShdw blurRad="38100" dist="38100" dir="2700000" algn="tl">
-                  <a:srgbClr val="000000">
-                    <a:alpha val="43137"/>
-                  </a:srgbClr>
-                </a:outerShdw>
-              </a:effectLst>
-            </a:endParaRPr>
-          </a:p>
-        </p:txBody>
-      </p:sp>
-      <p:sp>
-        <p:nvSpPr>
-          <p:cNvPr id="7" name="Marcador de contenido 6"/>
-          <p:cNvSpPr>
-            <a:spLocks noGrp="1"/>
-          </p:cNvSpPr>
-          <p:nvPr>
-            <p:ph sz="half" idx="1"/>
-          </p:nvPr>
-        </p:nvSpPr>
-        <p:spPr/>
-        <p:txBody>
-          <a:bodyPr/>
-          <a:lstStyle/>
-          <a:p>
-            <a:endParaRPr lang="es-MX" dirty="0" smtClean="0"/>
-          </a:p>
-          <a:p>
-            <a:endParaRPr lang="es-MX" dirty="0"/>
-          </a:p>
-        </p:txBody>
-      </p:sp>
-      <p:sp>
-        <p:nvSpPr>
-          <p:cNvPr id="8" name="Marcador de contenido 7"/>
-          <p:cNvSpPr>
-            <a:spLocks noGrp="1"/>
-          </p:cNvSpPr>
-          <p:nvPr>
-            <p:ph sz="half" idx="2"/>
+            <a:r>
+              <a:rPr lang="es-MX" dirty="0" smtClean="0"/>
+              <a:t>Los aciertos pagan y los errores cuestan….</a:t>
+            </a:r>
+            <a:br>
+              <a:rPr lang="es-MX" dirty="0" smtClean="0"/>
+            </a:br>
+            <a:endParaRPr lang="es-MX" sz="2500" i="1" dirty="0"/>
+          </a:p>
+        </p:txBody>
+      </p:sp>
+      <p:sp>
+        <p:nvSpPr>
+          <p:cNvPr id="3" name="Marcador de contenido 2"/>
+          <p:cNvSpPr>
+            <a:spLocks noGrp="1"/>
+          </p:cNvSpPr>
+          <p:nvPr>
+            <p:ph idx="1"/>
           </p:nvPr>
         </p:nvSpPr>
         <p:spPr/>
@@ -3502,21 +3467,62 @@
       </p:sp>
       <p:pic>
         <p:nvPicPr>
-          <p:cNvPr id="9" name="Imagen 8"/>
+          <p:cNvPr id="1026" name="Picture 2" descr="Resultado de imagen para conejo blanco y negro dibujo"/>
+          <p:cNvPicPr>
+            <a:picLocks noChangeAspect="1" noChangeArrowheads="1"/>
+          </p:cNvPicPr>
+          <p:nvPr/>
+        </p:nvPicPr>
+        <p:blipFill>
+          <a:blip r:embed="rId2">
+            <a:extLst>
+              <a:ext uri="{28A0092B-C50C-407E-A947-70E740481C1C}">
+                <a14:useLocalDpi xmlns:a14="http://schemas.microsoft.com/office/drawing/2010/main" val="0"/>
+              </a:ext>
+            </a:extLst>
+          </a:blip>
+          <a:srcRect/>
+          <a:stretch>
+            <a:fillRect/>
+          </a:stretch>
+        </p:blipFill>
+        <p:spPr bwMode="auto">
+          <a:xfrm>
+            <a:off x="838200" y="2743200"/>
+            <a:ext cx="2820651" cy="2118864"/>
+          </a:xfrm>
+          <a:prstGeom prst="rect">
+            <a:avLst/>
+          </a:prstGeom>
+          <a:noFill/>
+          <a:extLst>
+            <a:ext uri="{909E8E84-426E-40DD-AFC4-6F175D3DCCD1}">
+              <a14:hiddenFill xmlns:a14="http://schemas.microsoft.com/office/drawing/2010/main">
+                <a:solidFill>
+                  <a:srgbClr val="FFFFFF"/>
+                </a:solidFill>
+              </a14:hiddenFill>
+            </a:ext>
+          </a:extLst>
+        </p:spPr>
+      </p:pic>
+      <p:pic>
+        <p:nvPicPr>
+          <p:cNvPr id="5" name="Imagen 4"/>
           <p:cNvPicPr>
             <a:picLocks noChangeAspect="1"/>
           </p:cNvPicPr>
           <p:nvPr/>
         </p:nvPicPr>
         <p:blipFill>
-          <a:blip r:embed="rId2"/>
+          <a:blip r:embed="rId3"/>
           <a:stretch>
             <a:fillRect/>
           </a:stretch>
         </p:blipFill>
         <p:spPr>
           <a:xfrm>
-            <a:off x="2693764" y="1362075"/>
+            <a:off x="4883172" y="1054669"/>
             <a:ext cx="6315075" cy="5495925"/>
           </a:xfrm>
           <a:prstGeom prst="rect">
@@ -3527,7 +3533,7 @@
     </p:spTree>
     <p:extLst>
       <p:ext uri="{BB962C8B-B14F-4D97-AF65-F5344CB8AC3E}">
-        <p14:creationId xmlns:p14="http://schemas.microsoft.com/office/powerpoint/2010/main" val="2560057115"/>
+        <p14:creationId xmlns:p14="http://schemas.microsoft.com/office/powerpoint/2010/main" val="1162528387"/>
       </p:ext>
     </p:extLst>
   </p:cSld>
@@ -3563,7 +3569,7 @@
       </p:grpSpPr>
       <p:sp>
         <p:nvSpPr>
-          <p:cNvPr id="2" name="Título 1"/>
+          <p:cNvPr id="4" name="Título 3"/>
           <p:cNvSpPr>
             <a:spLocks noGrp="1"/>
           </p:cNvSpPr>
@@ -3571,110 +3577,19 @@
             <p:ph type="title"/>
           </p:nvPr>
         </p:nvSpPr>
-        <p:spPr/>
+        <p:spPr>
+          <a:xfrm>
+            <a:off x="593501" y="133305"/>
+            <a:ext cx="10515600" cy="1325563"/>
+          </a:xfrm>
+        </p:spPr>
         <p:txBody>
           <a:bodyPr/>
           <a:lstStyle/>
           <a:p>
-            <a:r>
-              <a:rPr lang="es-MX" dirty="0" smtClean="0"/>
-              <a:t/>
-            </a:r>
-            <a:br>
-              <a:rPr lang="es-MX" dirty="0" smtClean="0"/>
-            </a:br>
-            <a:endParaRPr lang="es-MX" dirty="0"/>
-          </a:p>
-        </p:txBody>
-      </p:sp>
-      <p:sp>
-        <p:nvSpPr>
-          <p:cNvPr id="3" name="Marcador de contenido 2"/>
-          <p:cNvSpPr>
-            <a:spLocks noGrp="1"/>
-          </p:cNvSpPr>
-          <p:nvPr>
-            <p:ph sz="half" idx="1"/>
-          </p:nvPr>
-        </p:nvSpPr>
-        <p:spPr/>
-        <p:txBody>
-          <a:bodyPr/>
-          <a:lstStyle/>
-          <a:p>
-            <a:endParaRPr lang="es-MX" dirty="0" smtClean="0"/>
-          </a:p>
-          <a:p>
-            <a:endParaRPr lang="es-MX" dirty="0"/>
-          </a:p>
-        </p:txBody>
-      </p:sp>
-      <p:sp>
-        <p:nvSpPr>
-          <p:cNvPr id="4" name="Marcador de contenido 3"/>
-          <p:cNvSpPr>
-            <a:spLocks noGrp="1"/>
-          </p:cNvSpPr>
-          <p:nvPr>
-            <p:ph sz="half" idx="2"/>
-          </p:nvPr>
-        </p:nvSpPr>
-        <p:spPr/>
-        <p:txBody>
-          <a:bodyPr/>
-          <a:lstStyle/>
-          <a:p>
-            <a:endParaRPr lang="es-MX" dirty="0" smtClean="0"/>
-          </a:p>
-          <a:p>
-            <a:endParaRPr lang="es-MX" dirty="0"/>
-          </a:p>
-        </p:txBody>
-      </p:sp>
-      <p:sp>
-        <p:nvSpPr>
-          <p:cNvPr id="5" name="Título 3"/>
-          <p:cNvSpPr txBox="1">
-            <a:spLocks/>
-          </p:cNvSpPr>
-          <p:nvPr/>
-        </p:nvSpPr>
-        <p:spPr>
-          <a:xfrm>
-            <a:off x="709411" y="0"/>
-            <a:ext cx="10515600" cy="1325563"/>
-          </a:xfrm>
-          <a:prstGeom prst="rect">
-            <a:avLst/>
-          </a:prstGeom>
-        </p:spPr>
-        <p:txBody>
-          <a:bodyPr vert="horz" lIns="91440" tIns="45720" rIns="91440" bIns="45720" rtlCol="0" anchor="ctr">
-            <a:normAutofit/>
-          </a:bodyPr>
-          <a:lstStyle>
-            <a:lvl1pPr algn="l" defTabSz="914400" rtl="0" eaLnBrk="1" latinLnBrk="0" hangingPunct="1">
-              <a:lnSpc>
-                <a:spcPct val="90000"/>
-              </a:lnSpc>
-              <a:spcBef>
-                <a:spcPct val="0"/>
-              </a:spcBef>
-              <a:buNone/>
-              <a:defRPr sz="4400" kern="1200">
-                <a:solidFill>
-                  <a:schemeClr val="tx1"/>
-                </a:solidFill>
-                <a:latin typeface="+mj-lt"/>
-                <a:ea typeface="+mj-ea"/>
-                <a:cs typeface="+mj-cs"/>
-              </a:defRPr>
-            </a:lvl1pPr>
-          </a:lstStyle>
-          <a:p>
             <a:pPr algn="ctr"/>
             <a:r>
-              <a:rPr lang="es-MX" b="1" smtClean="0">
+              <a:rPr lang="es-MX" b="1" dirty="0" smtClean="0">
                 <a:effectLst>
                   <a:outerShdw blurRad="38100" dist="38100" dir="2700000" algn="tl">
                     <a:srgbClr val="000000">
@@ -3697,9 +3612,53 @@
           </a:p>
         </p:txBody>
       </p:sp>
+      <p:sp>
+        <p:nvSpPr>
+          <p:cNvPr id="7" name="Marcador de contenido 6"/>
+          <p:cNvSpPr>
+            <a:spLocks noGrp="1"/>
+          </p:cNvSpPr>
+          <p:nvPr>
+            <p:ph sz="half" idx="1"/>
+          </p:nvPr>
+        </p:nvSpPr>
+        <p:spPr/>
+        <p:txBody>
+          <a:bodyPr/>
+          <a:lstStyle/>
+          <a:p>
+            <a:endParaRPr lang="es-MX" dirty="0" smtClean="0"/>
+          </a:p>
+          <a:p>
+            <a:endParaRPr lang="es-MX" dirty="0"/>
+          </a:p>
+        </p:txBody>
+      </p:sp>
+      <p:sp>
+        <p:nvSpPr>
+          <p:cNvPr id="8" name="Marcador de contenido 7"/>
+          <p:cNvSpPr>
+            <a:spLocks noGrp="1"/>
+          </p:cNvSpPr>
+          <p:nvPr>
+            <p:ph sz="half" idx="2"/>
+          </p:nvPr>
+        </p:nvSpPr>
+        <p:spPr/>
+        <p:txBody>
+          <a:bodyPr/>
+          <a:lstStyle/>
+          <a:p>
+            <a:endParaRPr lang="es-MX" dirty="0" smtClean="0"/>
+          </a:p>
+          <a:p>
+            <a:endParaRPr lang="es-MX" dirty="0"/>
+          </a:p>
+        </p:txBody>
+      </p:sp>
       <p:pic>
         <p:nvPicPr>
-          <p:cNvPr id="6" name="Imagen 5"/>
+          <p:cNvPr id="9" name="Imagen 8"/>
           <p:cNvPicPr>
             <a:picLocks noChangeAspect="1"/>
           </p:cNvPicPr>
@@ -3713,8 +3672,8 @@
         </p:blipFill>
         <p:spPr>
           <a:xfrm>
-            <a:off x="567444" y="2055813"/>
-            <a:ext cx="5133975" cy="3248025"/>
+            <a:off x="2693764" y="1362075"/>
+            <a:ext cx="6315075" cy="5495925"/>
           </a:xfrm>
           <a:prstGeom prst="rect">
             <a:avLst/>
@@ -3724,7 +3683,7 @@
     </p:spTree>
     <p:extLst>
       <p:ext uri="{BB962C8B-B14F-4D97-AF65-F5344CB8AC3E}">
-        <p14:creationId xmlns:p14="http://schemas.microsoft.com/office/powerpoint/2010/main" val="341467809"/>
+        <p14:creationId xmlns:p14="http://schemas.microsoft.com/office/powerpoint/2010/main" val="2560057115"/>
       </p:ext>
     </p:extLst>
   </p:cSld>
@@ -3918,34 +3877,10 @@
           </a:prstGeom>
         </p:spPr>
       </p:pic>
-      <p:pic>
-        <p:nvPicPr>
-          <p:cNvPr id="8" name="Imagen 7"/>
-          <p:cNvPicPr>
-            <a:picLocks noChangeAspect="1"/>
-          </p:cNvPicPr>
-          <p:nvPr/>
-        </p:nvPicPr>
-        <p:blipFill>
-          <a:blip r:embed="rId3"/>
-          <a:stretch>
-            <a:fillRect/>
-          </a:stretch>
-        </p:blipFill>
-        <p:spPr>
-          <a:xfrm>
-            <a:off x="5859887" y="2125014"/>
-            <a:ext cx="5996490" cy="3662721"/>
-          </a:xfrm>
-          <a:prstGeom prst="rect">
-            <a:avLst/>
-          </a:prstGeom>
-        </p:spPr>
-      </p:pic>
     </p:spTree>
     <p:extLst>
       <p:ext uri="{BB962C8B-B14F-4D97-AF65-F5344CB8AC3E}">
-        <p14:creationId xmlns:p14="http://schemas.microsoft.com/office/powerpoint/2010/main" val="2959071091"/>
+        <p14:creationId xmlns:p14="http://schemas.microsoft.com/office/powerpoint/2010/main" val="341467809"/>
       </p:ext>
     </p:extLst>
   </p:cSld>
@@ -3994,9 +3929,105 @@
           <a:bodyPr/>
           <a:lstStyle/>
           <a:p>
+            <a:r>
+              <a:rPr lang="es-MX" dirty="0" smtClean="0"/>
+              <a:t/>
+            </a:r>
+            <a:br>
+              <a:rPr lang="es-MX" dirty="0" smtClean="0"/>
+            </a:br>
+            <a:endParaRPr lang="es-MX" dirty="0"/>
+          </a:p>
+        </p:txBody>
+      </p:sp>
+      <p:sp>
+        <p:nvSpPr>
+          <p:cNvPr id="3" name="Marcador de contenido 2"/>
+          <p:cNvSpPr>
+            <a:spLocks noGrp="1"/>
+          </p:cNvSpPr>
+          <p:nvPr>
+            <p:ph sz="half" idx="1"/>
+          </p:nvPr>
+        </p:nvSpPr>
+        <p:spPr/>
+        <p:txBody>
+          <a:bodyPr/>
+          <a:lstStyle/>
+          <a:p>
+            <a:endParaRPr lang="es-MX" dirty="0" smtClean="0"/>
+          </a:p>
+          <a:p>
+            <a:endParaRPr lang="es-MX" dirty="0"/>
+          </a:p>
+        </p:txBody>
+      </p:sp>
+      <p:sp>
+        <p:nvSpPr>
+          <p:cNvPr id="4" name="Marcador de contenido 3"/>
+          <p:cNvSpPr>
+            <a:spLocks noGrp="1"/>
+          </p:cNvSpPr>
+          <p:nvPr>
+            <p:ph sz="half" idx="2"/>
+          </p:nvPr>
+        </p:nvSpPr>
+        <p:spPr/>
+        <p:txBody>
+          <a:bodyPr/>
+          <a:lstStyle/>
+          <a:p>
+            <a:endParaRPr lang="es-MX" dirty="0" smtClean="0"/>
+          </a:p>
+          <a:p>
+            <a:endParaRPr lang="es-MX" dirty="0"/>
+          </a:p>
+        </p:txBody>
+      </p:sp>
+      <p:sp>
+        <p:nvSpPr>
+          <p:cNvPr id="5" name="Título 3"/>
+          <p:cNvSpPr txBox="1">
+            <a:spLocks/>
+          </p:cNvSpPr>
+          <p:nvPr/>
+        </p:nvSpPr>
+        <p:spPr>
+          <a:xfrm>
+            <a:off x="709411" y="0"/>
+            <a:ext cx="10515600" cy="1325563"/>
+          </a:xfrm>
+          <a:prstGeom prst="rect">
+            <a:avLst/>
+          </a:prstGeom>
+        </p:spPr>
+        <p:txBody>
+          <a:bodyPr vert="horz" lIns="91440" tIns="45720" rIns="91440" bIns="45720" rtlCol="0" anchor="ctr">
+            <a:normAutofit/>
+          </a:bodyPr>
+          <a:lstStyle>
+            <a:lvl1pPr algn="l" defTabSz="914400" rtl="0" eaLnBrk="1" latinLnBrk="0" hangingPunct="1">
+              <a:lnSpc>
+                <a:spcPct val="90000"/>
+              </a:lnSpc>
+              <a:spcBef>
+                <a:spcPct val="0"/>
+              </a:spcBef>
+              <a:buNone/>
+              <a:defRPr sz="4400" kern="1200">
+                <a:solidFill>
+                  <a:schemeClr val="tx1"/>
+                </a:solidFill>
+                <a:latin typeface="+mj-lt"/>
+                <a:ea typeface="+mj-ea"/>
+                <a:cs typeface="+mj-cs"/>
+              </a:defRPr>
+            </a:lvl1pPr>
+          </a:lstStyle>
+          <a:p>
             <a:pPr algn="ctr"/>
             <a:r>
-              <a:rPr lang="es-MX" b="1" dirty="0" smtClean="0">
+              <a:rPr lang="es-MX" b="1" smtClean="0">
                 <a:effectLst>
                   <a:outerShdw blurRad="38100" dist="38100" dir="2700000" algn="tl">
                     <a:srgbClr val="000000">
@@ -4005,7 +4036,7 @@
                   </a:outerShdw>
                 </a:effectLst>
               </a:rPr>
-              <a:t>TDS en Memoria de Reconocimiento</a:t>
+              <a:t>Teoría de Detección de Señales</a:t>
             </a:r>
             <a:endParaRPr lang="es-MX" b="1" dirty="0">
               <a:effectLst>
@@ -4016,50 +4047,6 @@
                 </a:outerShdw>
               </a:effectLst>
             </a:endParaRPr>
-          </a:p>
-        </p:txBody>
-      </p:sp>
-      <p:sp>
-        <p:nvSpPr>
-          <p:cNvPr id="3" name="Marcador de contenido 2"/>
-          <p:cNvSpPr>
-            <a:spLocks noGrp="1"/>
-          </p:cNvSpPr>
-          <p:nvPr>
-            <p:ph sz="half" idx="1"/>
-          </p:nvPr>
-        </p:nvSpPr>
-        <p:spPr/>
-        <p:txBody>
-          <a:bodyPr/>
-          <a:lstStyle/>
-          <a:p>
-            <a:endParaRPr lang="es-MX" dirty="0" smtClean="0"/>
-          </a:p>
-          <a:p>
-            <a:endParaRPr lang="es-MX" dirty="0"/>
-          </a:p>
-        </p:txBody>
-      </p:sp>
-      <p:sp>
-        <p:nvSpPr>
-          <p:cNvPr id="4" name="Marcador de contenido 3"/>
-          <p:cNvSpPr>
-            <a:spLocks noGrp="1"/>
-          </p:cNvSpPr>
-          <p:nvPr>
-            <p:ph sz="half" idx="2"/>
-          </p:nvPr>
-        </p:nvSpPr>
-        <p:spPr/>
-        <p:txBody>
-          <a:bodyPr/>
-          <a:lstStyle/>
-          <a:p>
-            <a:endParaRPr lang="es-MX" dirty="0" smtClean="0"/>
-          </a:p>
-          <a:p>
-            <a:endParaRPr lang="es-MX" dirty="0"/>
           </a:p>
         </p:txBody>
       </p:sp>
@@ -4079,8 +4066,32 @@
         </p:blipFill>
         <p:spPr>
           <a:xfrm>
-            <a:off x="2687952" y="1690688"/>
-            <a:ext cx="7291647" cy="4486275"/>
+            <a:off x="567444" y="2055813"/>
+            <a:ext cx="5133975" cy="3248025"/>
+          </a:xfrm>
+          <a:prstGeom prst="rect">
+            <a:avLst/>
+          </a:prstGeom>
+        </p:spPr>
+      </p:pic>
+      <p:pic>
+        <p:nvPicPr>
+          <p:cNvPr id="8" name="Imagen 7"/>
+          <p:cNvPicPr>
+            <a:picLocks noChangeAspect="1"/>
+          </p:cNvPicPr>
+          <p:nvPr/>
+        </p:nvPicPr>
+        <p:blipFill>
+          <a:blip r:embed="rId3"/>
+          <a:stretch>
+            <a:fillRect/>
+          </a:stretch>
+        </p:blipFill>
+        <p:spPr>
+          <a:xfrm>
+            <a:off x="5859887" y="2125014"/>
+            <a:ext cx="5996490" cy="3662721"/>
           </a:xfrm>
           <a:prstGeom prst="rect">
             <a:avLst/>
@@ -4090,7 +4101,7 @@
     </p:spTree>
     <p:extLst>
       <p:ext uri="{BB962C8B-B14F-4D97-AF65-F5344CB8AC3E}">
-        <p14:creationId xmlns:p14="http://schemas.microsoft.com/office/powerpoint/2010/main" val="1169416725"/>
+        <p14:creationId xmlns:p14="http://schemas.microsoft.com/office/powerpoint/2010/main" val="2959071091"/>
       </p:ext>
     </p:extLst>
   </p:cSld>
@@ -4126,7 +4137,7 @@
       </p:grpSpPr>
       <p:sp>
         <p:nvSpPr>
-          <p:cNvPr id="5" name="Título 4"/>
+          <p:cNvPr id="2" name="Título 1"/>
           <p:cNvSpPr>
             <a:spLocks noGrp="1"/>
           </p:cNvSpPr>
@@ -4134,61 +4145,14 @@
             <p:ph type="title"/>
           </p:nvPr>
         </p:nvSpPr>
-        <p:spPr>
-          <a:xfrm>
-            <a:off x="831850" y="447609"/>
-            <a:ext cx="10515600" cy="1110735"/>
-          </a:xfrm>
-        </p:spPr>
+        <p:spPr/>
         <p:txBody>
           <a:bodyPr/>
           <a:lstStyle/>
           <a:p>
-            <a:pPr algn="r"/>
-            <a:r>
-              <a:rPr lang="es-MX" b="1" dirty="0" smtClean="0"/>
-              <a:t>El Efecto Espejo</a:t>
-            </a:r>
-            <a:endParaRPr lang="es-MX" b="1" dirty="0"/>
-          </a:p>
-        </p:txBody>
-      </p:sp>
-      <p:sp>
-        <p:nvSpPr>
-          <p:cNvPr id="6" name="Marcador de texto 5"/>
-          <p:cNvSpPr>
-            <a:spLocks noGrp="1"/>
-          </p:cNvSpPr>
-          <p:nvPr>
-            <p:ph type="body" idx="1"/>
-          </p:nvPr>
-        </p:nvSpPr>
-        <p:spPr>
-          <a:xfrm>
-            <a:off x="922002" y="1756111"/>
-            <a:ext cx="10515600" cy="3434075"/>
-          </a:xfrm>
-        </p:spPr>
-        <p:txBody>
-          <a:bodyPr>
-            <a:noAutofit/>
-          </a:bodyPr>
-          <a:lstStyle/>
-          <a:p>
-            <a:pPr algn="just"/>
-            <a:r>
-              <a:rPr lang="es-MX" sz="4000" dirty="0" smtClean="0">
-                <a:solidFill>
-                  <a:schemeClr val="tx1"/>
-                </a:solidFill>
-              </a:rPr>
-              <a:t>Hace referencia a un </a:t>
-            </a:r>
-            <a:r>
-              <a:rPr lang="es-MX" sz="4000" b="1" dirty="0" smtClean="0">
-                <a:solidFill>
-                  <a:schemeClr val="tx1"/>
-                </a:solidFill>
+            <a:pPr algn="ctr"/>
+            <a:r>
+              <a:rPr lang="es-MX" b="1" dirty="0" smtClean="0">
                 <a:effectLst>
                   <a:outerShdw blurRad="38100" dist="38100" dir="2700000" algn="tl">
                     <a:srgbClr val="000000">
@@ -4197,53 +4161,92 @@
                   </a:outerShdw>
                 </a:effectLst>
               </a:rPr>
-              <a:t>patrón de respuestas </a:t>
-            </a:r>
-            <a:r>
-              <a:rPr lang="es-MX" sz="4000" dirty="0" smtClean="0">
-                <a:solidFill>
-                  <a:schemeClr val="tx1"/>
-                </a:solidFill>
-              </a:rPr>
-              <a:t>consistentemente reportado en estudios de memoria de reconocimiento donde </a:t>
-            </a:r>
-            <a:r>
-              <a:rPr lang="es-MX" sz="4000" b="1" dirty="0" smtClean="0">
-                <a:solidFill>
-                  <a:schemeClr val="tx1"/>
-                </a:solidFill>
-                <a:effectLst>
-                  <a:outerShdw blurRad="38100" dist="38100" dir="2700000" algn="tl">
-                    <a:srgbClr val="000000">
-                      <a:alpha val="43137"/>
-                    </a:srgbClr>
-                  </a:outerShdw>
-                </a:effectLst>
-              </a:rPr>
-              <a:t>la Teoría de Detección de Señales </a:t>
-            </a:r>
-            <a:r>
-              <a:rPr lang="es-MX" sz="4000" dirty="0" smtClean="0">
-                <a:solidFill>
-                  <a:schemeClr val="tx1"/>
-                </a:solidFill>
-                <a:effectLst>
-                  <a:outerShdw blurRad="38100" dist="38100" dir="2700000" algn="tl">
-                    <a:srgbClr val="000000">
-                      <a:alpha val="43137"/>
-                    </a:srgbClr>
-                  </a:outerShdw>
-                </a:effectLst>
-              </a:rPr>
-              <a:t>es aplicada para analizar los datos obtenidos experimentalmente</a:t>
-            </a:r>
-          </a:p>
-        </p:txBody>
-      </p:sp>
+              <a:t>TDS en Memoria de Reconocimiento</a:t>
+            </a:r>
+            <a:endParaRPr lang="es-MX" b="1" dirty="0">
+              <a:effectLst>
+                <a:outerShdw blurRad="38100" dist="38100" dir="2700000" algn="tl">
+                  <a:srgbClr val="000000">
+                    <a:alpha val="43137"/>
+                  </a:srgbClr>
+                </a:outerShdw>
+              </a:effectLst>
+            </a:endParaRPr>
+          </a:p>
+        </p:txBody>
+      </p:sp>
+      <p:sp>
+        <p:nvSpPr>
+          <p:cNvPr id="3" name="Marcador de contenido 2"/>
+          <p:cNvSpPr>
+            <a:spLocks noGrp="1"/>
+          </p:cNvSpPr>
+          <p:nvPr>
+            <p:ph sz="half" idx="1"/>
+          </p:nvPr>
+        </p:nvSpPr>
+        <p:spPr/>
+        <p:txBody>
+          <a:bodyPr/>
+          <a:lstStyle/>
+          <a:p>
+            <a:endParaRPr lang="es-MX" dirty="0" smtClean="0"/>
+          </a:p>
+          <a:p>
+            <a:endParaRPr lang="es-MX" dirty="0"/>
+          </a:p>
+        </p:txBody>
+      </p:sp>
+      <p:sp>
+        <p:nvSpPr>
+          <p:cNvPr id="4" name="Marcador de contenido 3"/>
+          <p:cNvSpPr>
+            <a:spLocks noGrp="1"/>
+          </p:cNvSpPr>
+          <p:nvPr>
+            <p:ph sz="half" idx="2"/>
+          </p:nvPr>
+        </p:nvSpPr>
+        <p:spPr/>
+        <p:txBody>
+          <a:bodyPr/>
+          <a:lstStyle/>
+          <a:p>
+            <a:endParaRPr lang="es-MX" dirty="0" smtClean="0"/>
+          </a:p>
+          <a:p>
+            <a:endParaRPr lang="es-MX" dirty="0"/>
+          </a:p>
+        </p:txBody>
+      </p:sp>
+      <p:pic>
+        <p:nvPicPr>
+          <p:cNvPr id="6" name="Imagen 5"/>
+          <p:cNvPicPr>
+            <a:picLocks noChangeAspect="1"/>
+          </p:cNvPicPr>
+          <p:nvPr/>
+        </p:nvPicPr>
+        <p:blipFill>
+          <a:blip r:embed="rId2"/>
+          <a:stretch>
+            <a:fillRect/>
+          </a:stretch>
+        </p:blipFill>
+        <p:spPr>
+          <a:xfrm>
+            <a:off x="2687952" y="1690688"/>
+            <a:ext cx="7291647" cy="4486275"/>
+          </a:xfrm>
+          <a:prstGeom prst="rect">
+            <a:avLst/>
+          </a:prstGeom>
+        </p:spPr>
+      </p:pic>
     </p:spTree>
     <p:extLst>
       <p:ext uri="{BB962C8B-B14F-4D97-AF65-F5344CB8AC3E}">
-        <p14:creationId xmlns:p14="http://schemas.microsoft.com/office/powerpoint/2010/main" val="878132932"/>
+        <p14:creationId xmlns:p14="http://schemas.microsoft.com/office/powerpoint/2010/main" val="1169416725"/>
       </p:ext>
     </p:extLst>
   </p:cSld>
@@ -4329,72 +4332,16 @@
           <a:lstStyle/>
           <a:p>
             <a:pPr algn="just"/>
-            <a:endParaRPr lang="es-MX" sz="4000" dirty="0" smtClean="0">
-              <a:solidFill>
-                <a:schemeClr val="tx1"/>
-              </a:solidFill>
-              <a:effectLst>
-                <a:outerShdw blurRad="38100" dist="38100" dir="2700000" algn="tl">
-                  <a:srgbClr val="000000">
-                    <a:alpha val="43137"/>
-                  </a:srgbClr>
-                </a:outerShdw>
-              </a:effectLst>
-            </a:endParaRPr>
-          </a:p>
-          <a:p>
-            <a:pPr algn="just"/>
-            <a:endParaRPr lang="es-MX" sz="4000" dirty="0" smtClean="0">
-              <a:solidFill>
-                <a:schemeClr val="tx1"/>
-              </a:solidFill>
-              <a:effectLst>
-                <a:outerShdw blurRad="38100" dist="38100" dir="2700000" algn="tl">
-                  <a:srgbClr val="000000">
-                    <a:alpha val="43137"/>
-                  </a:srgbClr>
-                </a:outerShdw>
-              </a:effectLst>
-            </a:endParaRPr>
-          </a:p>
-        </p:txBody>
-      </p:sp>
-      <p:sp>
-        <p:nvSpPr>
-          <p:cNvPr id="2" name="1 Rectángulo redondeado"/>
-          <p:cNvSpPr/>
-          <p:nvPr/>
-        </p:nvSpPr>
-        <p:spPr>
-          <a:xfrm>
-            <a:off x="607868" y="1818409"/>
-            <a:ext cx="3636818" cy="3636819"/>
-          </a:xfrm>
-          <a:prstGeom prst="roundRect">
-            <a:avLst/>
-          </a:prstGeom>
-        </p:spPr>
-        <p:style>
-          <a:lnRef idx="0">
-            <a:schemeClr val="accent4"/>
-          </a:lnRef>
-          <a:fillRef idx="3">
-            <a:schemeClr val="accent4"/>
-          </a:fillRef>
-          <a:effectRef idx="3">
-            <a:schemeClr val="accent4"/>
-          </a:effectRef>
-          <a:fontRef idx="minor">
-            <a:schemeClr val="lt1"/>
-          </a:fontRef>
-        </p:style>
-        <p:txBody>
-          <a:bodyPr rtlCol="0" anchor="ctr"/>
-          <a:lstStyle/>
-          <a:p>
-            <a:pPr algn="ctr"/>
-            <a:r>
-              <a:rPr lang="es-MX" sz="3200" b="1" dirty="0" smtClean="0">
+            <a:r>
+              <a:rPr lang="es-MX" sz="4000" dirty="0" smtClean="0">
+                <a:solidFill>
+                  <a:schemeClr val="tx1"/>
+                </a:solidFill>
+              </a:rPr>
+              <a:t>Hace referencia a un </a:t>
+            </a:r>
+            <a:r>
+              <a:rPr lang="es-MX" sz="4000" b="1" dirty="0" smtClean="0">
                 <a:solidFill>
                   <a:schemeClr val="tx1"/>
                 </a:solidFill>
@@ -4406,190 +4353,53 @@
                   </a:outerShdw>
                 </a:effectLst>
               </a:rPr>
-              <a:t>Fase de Estudio</a:t>
-            </a:r>
-          </a:p>
-          <a:p>
-            <a:pPr algn="ctr"/>
-            <a:endParaRPr lang="es-MX" dirty="0"/>
-          </a:p>
-          <a:p>
-            <a:pPr algn="ctr"/>
-            <a:endParaRPr lang="es-MX" dirty="0" smtClean="0"/>
-          </a:p>
-          <a:p>
-            <a:pPr algn="ctr"/>
-            <a:endParaRPr lang="es-MX" dirty="0"/>
-          </a:p>
-          <a:p>
-            <a:pPr algn="ctr"/>
-            <a:endParaRPr lang="es-MX" dirty="0" smtClean="0"/>
-          </a:p>
-          <a:p>
-            <a:pPr algn="ctr"/>
-            <a:endParaRPr lang="es-MX" dirty="0"/>
-          </a:p>
-          <a:p>
-            <a:pPr algn="ctr"/>
-            <a:endParaRPr lang="es-MX" dirty="0" smtClean="0"/>
-          </a:p>
-          <a:p>
-            <a:pPr algn="ctr"/>
-            <a:endParaRPr lang="es-MX" dirty="0"/>
-          </a:p>
-          <a:p>
-            <a:pPr algn="ctr"/>
-            <a:endParaRPr lang="es-MX" dirty="0" smtClean="0"/>
-          </a:p>
-          <a:p>
-            <a:pPr algn="ctr"/>
-            <a:endParaRPr lang="es-MX" dirty="0"/>
-          </a:p>
-          <a:p>
-            <a:pPr algn="ctr"/>
-            <a:endParaRPr lang="es-MX" dirty="0" smtClean="0"/>
-          </a:p>
-          <a:p>
-            <a:pPr algn="ctr"/>
-            <a:endParaRPr lang="es-MX" dirty="0"/>
-          </a:p>
-          <a:p>
-            <a:pPr algn="ctr"/>
-            <a:endParaRPr lang="es-MX" dirty="0" smtClean="0"/>
-          </a:p>
-          <a:p>
-            <a:pPr algn="ctr"/>
-            <a:endParaRPr lang="es-MX" dirty="0"/>
-          </a:p>
-          <a:p>
-            <a:pPr algn="ctr"/>
-            <a:endParaRPr lang="es-MX" dirty="0"/>
-          </a:p>
-        </p:txBody>
-      </p:sp>
-      <p:sp>
-        <p:nvSpPr>
-          <p:cNvPr id="3" name="2 Rectángulo redondeado"/>
-          <p:cNvSpPr/>
-          <p:nvPr/>
-        </p:nvSpPr>
-        <p:spPr>
-          <a:xfrm>
-            <a:off x="768927" y="2774373"/>
-            <a:ext cx="3314700" cy="862445"/>
-          </a:xfrm>
-          <a:prstGeom prst="roundRect">
-            <a:avLst/>
-          </a:prstGeom>
-        </p:spPr>
-        <p:style>
-          <a:lnRef idx="3">
-            <a:schemeClr val="lt1"/>
-          </a:lnRef>
-          <a:fillRef idx="1">
-            <a:schemeClr val="accent2"/>
-          </a:fillRef>
-          <a:effectRef idx="1">
-            <a:schemeClr val="accent2"/>
-          </a:effectRef>
-          <a:fontRef idx="minor">
-            <a:schemeClr val="lt1"/>
-          </a:fontRef>
-        </p:style>
-        <p:txBody>
-          <a:bodyPr rtlCol="0" anchor="ctr"/>
-          <a:lstStyle/>
-          <a:p>
-            <a:pPr algn="ctr"/>
-            <a:r>
-              <a:rPr lang="es-MX" dirty="0" smtClean="0"/>
-              <a:t>Clase A</a:t>
-            </a:r>
-          </a:p>
-          <a:p>
-            <a:pPr algn="ctr"/>
-            <a:r>
-              <a:rPr lang="es-MX" dirty="0" smtClean="0"/>
-              <a:t>&lt;&lt;palabras poco </a:t>
-            </a:r>
-            <a:r>
-              <a:rPr lang="es-MX" dirty="0" smtClean="0"/>
-              <a:t>comunes</a:t>
-            </a:r>
-            <a:r>
-              <a:rPr lang="es-MX" dirty="0" smtClean="0"/>
-              <a:t>&gt;&gt;</a:t>
-            </a:r>
-            <a:endParaRPr lang="es-MX" dirty="0"/>
-          </a:p>
-        </p:txBody>
-      </p:sp>
-      <p:sp>
-        <p:nvSpPr>
-          <p:cNvPr id="9" name="8 Rectángulo redondeado"/>
-          <p:cNvSpPr/>
-          <p:nvPr/>
-        </p:nvSpPr>
-        <p:spPr>
-          <a:xfrm>
-            <a:off x="768927" y="3825585"/>
-            <a:ext cx="3314700" cy="862445"/>
-          </a:xfrm>
-          <a:prstGeom prst="roundRect">
-            <a:avLst/>
-          </a:prstGeom>
-          <a:solidFill>
-            <a:schemeClr val="accent2">
-              <a:lumMod val="50000"/>
-            </a:schemeClr>
-          </a:solidFill>
-        </p:spPr>
-        <p:style>
-          <a:lnRef idx="3">
-            <a:schemeClr val="lt1"/>
-          </a:lnRef>
-          <a:fillRef idx="1">
-            <a:schemeClr val="accent3"/>
-          </a:fillRef>
-          <a:effectRef idx="1">
-            <a:schemeClr val="accent3"/>
-          </a:effectRef>
-          <a:fontRef idx="minor">
-            <a:schemeClr val="lt1"/>
-          </a:fontRef>
-        </p:style>
-        <p:txBody>
-          <a:bodyPr rtlCol="0" anchor="ctr"/>
-          <a:lstStyle/>
-          <a:p>
-            <a:pPr algn="ctr"/>
-            <a:r>
-              <a:rPr lang="es-MX" dirty="0" smtClean="0"/>
-              <a:t>Clase B</a:t>
-            </a:r>
-          </a:p>
-          <a:p>
-            <a:pPr algn="ctr"/>
-            <a:r>
-              <a:rPr lang="es-MX" dirty="0" smtClean="0"/>
-              <a:t>&lt;&lt;palabras muy </a:t>
-            </a:r>
-            <a:r>
-              <a:rPr lang="es-MX" dirty="0" smtClean="0"/>
-              <a:t>comunes</a:t>
-            </a:r>
-            <a:r>
-              <a:rPr lang="es-MX" dirty="0" smtClean="0"/>
-              <a:t>&gt;&gt;</a:t>
-            </a:r>
-            <a:endParaRPr lang="es-MX" dirty="0"/>
+              <a:t>patrón de respuestas </a:t>
+            </a:r>
+            <a:r>
+              <a:rPr lang="es-MX" sz="4000" dirty="0" smtClean="0">
+                <a:solidFill>
+                  <a:schemeClr val="tx1"/>
+                </a:solidFill>
+              </a:rPr>
+              <a:t>consistentemente reportado en estudios de memoria de reconocimiento donde </a:t>
+            </a:r>
+            <a:r>
+              <a:rPr lang="es-MX" sz="4000" b="1" dirty="0" smtClean="0">
+                <a:solidFill>
+                  <a:schemeClr val="tx1"/>
+                </a:solidFill>
+                <a:effectLst>
+                  <a:outerShdw blurRad="38100" dist="38100" dir="2700000" algn="tl">
+                    <a:srgbClr val="000000">
+                      <a:alpha val="43137"/>
+                    </a:srgbClr>
+                  </a:outerShdw>
+                </a:effectLst>
+              </a:rPr>
+              <a:t>la Teoría de Detección de Señales </a:t>
+            </a:r>
+            <a:r>
+              <a:rPr lang="es-MX" sz="4000" dirty="0" smtClean="0">
+                <a:solidFill>
+                  <a:schemeClr val="tx1"/>
+                </a:solidFill>
+                <a:effectLst>
+                  <a:outerShdw blurRad="38100" dist="38100" dir="2700000" algn="tl">
+                    <a:srgbClr val="000000">
+                      <a:alpha val="43137"/>
+                    </a:srgbClr>
+                  </a:outerShdw>
+                </a:effectLst>
+              </a:rPr>
+              <a:t>es aplicada para analizar los datos obtenidos experimentalmente</a:t>
+            </a:r>
           </a:p>
         </p:txBody>
       </p:sp>
     </p:spTree>
     <p:extLst>
       <p:ext uri="{BB962C8B-B14F-4D97-AF65-F5344CB8AC3E}">
-        <p14:creationId xmlns:p14="http://schemas.microsoft.com/office/powerpoint/2010/main" val="2456602322"/>
+        <p14:creationId xmlns:p14="http://schemas.microsoft.com/office/powerpoint/2010/main" val="878132932"/>
       </p:ext>
     </p:extLst>
   </p:cSld>
@@ -4856,15 +4666,7 @@
             <a:pPr algn="ctr"/>
             <a:r>
               <a:rPr lang="es-MX" dirty="0" smtClean="0"/>
-              <a:t>&lt;&lt;palabras poco </a:t>
-            </a:r>
-            <a:r>
-              <a:rPr lang="es-MX" dirty="0" smtClean="0"/>
-              <a:t>comunes</a:t>
-            </a:r>
-            <a:r>
-              <a:rPr lang="es-MX" dirty="0" smtClean="0"/>
-              <a:t>&gt;&gt;</a:t>
+              <a:t>&lt;&lt;palabras poco comunes&gt;&gt;</a:t>
             </a:r>
             <a:endParaRPr lang="es-MX" dirty="0"/>
           </a:p>
@@ -4918,370 +4720,16 @@
             <a:pPr algn="ctr"/>
             <a:r>
               <a:rPr lang="es-MX" dirty="0" smtClean="0"/>
-              <a:t>&lt;&lt;palabras muy </a:t>
-            </a:r>
-            <a:r>
-              <a:rPr lang="es-MX" dirty="0" smtClean="0"/>
-              <a:t>comunes</a:t>
-            </a:r>
-            <a:r>
-              <a:rPr lang="es-MX" dirty="0" smtClean="0"/>
-              <a:t>&gt;&gt;</a:t>
+              <a:t>&lt;&lt;palabras muy comunes&gt;&gt;</a:t>
             </a:r>
             <a:endParaRPr lang="es-MX" dirty="0"/>
-          </a:p>
-        </p:txBody>
-      </p:sp>
-      <p:sp>
-        <p:nvSpPr>
-          <p:cNvPr id="4" name="3 Flecha derecha"/>
-          <p:cNvSpPr/>
-          <p:nvPr/>
-        </p:nvSpPr>
-        <p:spPr>
-          <a:xfrm>
-            <a:off x="4707082" y="3205595"/>
-            <a:ext cx="924791" cy="619990"/>
-          </a:xfrm>
-          <a:prstGeom prst="rightArrow">
-            <a:avLst/>
-          </a:prstGeom>
-          <a:solidFill>
-            <a:schemeClr val="tx1"/>
-          </a:solidFill>
-        </p:spPr>
-        <p:style>
-          <a:lnRef idx="2">
-            <a:schemeClr val="accent1">
-              <a:shade val="50000"/>
-            </a:schemeClr>
-          </a:lnRef>
-          <a:fillRef idx="1">
-            <a:schemeClr val="accent1"/>
-          </a:fillRef>
-          <a:effectRef idx="0">
-            <a:schemeClr val="accent1"/>
-          </a:effectRef>
-          <a:fontRef idx="minor">
-            <a:schemeClr val="lt1"/>
-          </a:fontRef>
-        </p:style>
-        <p:txBody>
-          <a:bodyPr rtlCol="0" anchor="ctr"/>
-          <a:lstStyle/>
-          <a:p>
-            <a:pPr algn="ctr"/>
-            <a:endParaRPr lang="es-MX"/>
-          </a:p>
-        </p:txBody>
-      </p:sp>
-      <p:sp>
-        <p:nvSpPr>
-          <p:cNvPr id="8" name="7 Rectángulo redondeado"/>
-          <p:cNvSpPr/>
-          <p:nvPr/>
-        </p:nvSpPr>
-        <p:spPr>
-          <a:xfrm>
-            <a:off x="6153150" y="1970808"/>
-            <a:ext cx="4798868" cy="3636819"/>
-          </a:xfrm>
-          <a:prstGeom prst="roundRect">
-            <a:avLst/>
-          </a:prstGeom>
-        </p:spPr>
-        <p:style>
-          <a:lnRef idx="0">
-            <a:schemeClr val="accent4"/>
-          </a:lnRef>
-          <a:fillRef idx="3">
-            <a:schemeClr val="accent4"/>
-          </a:fillRef>
-          <a:effectRef idx="3">
-            <a:schemeClr val="accent4"/>
-          </a:effectRef>
-          <a:fontRef idx="minor">
-            <a:schemeClr val="lt1"/>
-          </a:fontRef>
-        </p:style>
-        <p:txBody>
-          <a:bodyPr rtlCol="0" anchor="ctr"/>
-          <a:lstStyle/>
-          <a:p>
-            <a:pPr algn="ctr"/>
-            <a:r>
-              <a:rPr lang="es-MX" sz="3200" b="1" dirty="0" smtClean="0">
-                <a:solidFill>
-                  <a:schemeClr val="tx1"/>
-                </a:solidFill>
-                <a:effectLst>
-                  <a:outerShdw blurRad="38100" dist="38100" dir="2700000" algn="tl">
-                    <a:srgbClr val="000000">
-                      <a:alpha val="43137"/>
-                    </a:srgbClr>
-                  </a:outerShdw>
-                </a:effectLst>
-              </a:rPr>
-              <a:t>Tarea de Reconocimiento</a:t>
-            </a:r>
-          </a:p>
-          <a:p>
-            <a:pPr algn="ctr"/>
-            <a:endParaRPr lang="es-MX" dirty="0"/>
-          </a:p>
-          <a:p>
-            <a:pPr algn="ctr"/>
-            <a:endParaRPr lang="es-MX" dirty="0" smtClean="0"/>
-          </a:p>
-          <a:p>
-            <a:pPr algn="ctr"/>
-            <a:endParaRPr lang="es-MX" dirty="0"/>
-          </a:p>
-          <a:p>
-            <a:pPr algn="ctr"/>
-            <a:endParaRPr lang="es-MX" dirty="0" smtClean="0"/>
-          </a:p>
-          <a:p>
-            <a:pPr algn="ctr"/>
-            <a:endParaRPr lang="es-MX" dirty="0"/>
-          </a:p>
-          <a:p>
-            <a:pPr algn="ctr"/>
-            <a:endParaRPr lang="es-MX" dirty="0" smtClean="0"/>
-          </a:p>
-          <a:p>
-            <a:pPr algn="ctr"/>
-            <a:endParaRPr lang="es-MX" dirty="0"/>
-          </a:p>
-          <a:p>
-            <a:pPr algn="ctr"/>
-            <a:endParaRPr lang="es-MX" dirty="0" smtClean="0"/>
-          </a:p>
-          <a:p>
-            <a:pPr algn="ctr"/>
-            <a:endParaRPr lang="es-MX" dirty="0"/>
-          </a:p>
-          <a:p>
-            <a:pPr algn="ctr"/>
-            <a:endParaRPr lang="es-MX" dirty="0" smtClean="0"/>
-          </a:p>
-          <a:p>
-            <a:pPr algn="ctr"/>
-            <a:endParaRPr lang="es-MX" dirty="0"/>
-          </a:p>
-          <a:p>
-            <a:pPr algn="ctr"/>
-            <a:endParaRPr lang="es-MX" dirty="0" smtClean="0"/>
-          </a:p>
-          <a:p>
-            <a:pPr algn="ctr"/>
-            <a:endParaRPr lang="es-MX" dirty="0"/>
-          </a:p>
-          <a:p>
-            <a:pPr algn="ctr"/>
-            <a:r>
-              <a:rPr lang="es-MX" sz="3000" b="1" dirty="0" smtClean="0">
-                <a:solidFill>
-                  <a:schemeClr val="tx1"/>
-                </a:solidFill>
-                <a:effectLst>
-                  <a:outerShdw blurRad="38100" dist="38100" dir="2700000" algn="tl">
-                    <a:srgbClr val="000000">
-                      <a:alpha val="43137"/>
-                    </a:srgbClr>
-                  </a:outerShdw>
-                </a:effectLst>
-              </a:rPr>
-              <a:t>¿Este estímulo es Viejo?</a:t>
-            </a:r>
-            <a:endParaRPr lang="es-MX" sz="3000" b="1" dirty="0">
-              <a:solidFill>
-                <a:schemeClr val="tx1"/>
-              </a:solidFill>
-              <a:effectLst>
-                <a:outerShdw blurRad="38100" dist="38100" dir="2700000" algn="tl">
-                  <a:srgbClr val="000000">
-                    <a:alpha val="43137"/>
-                  </a:srgbClr>
-                </a:outerShdw>
-              </a:effectLst>
-            </a:endParaRPr>
-          </a:p>
-        </p:txBody>
-      </p:sp>
-      <p:sp>
-        <p:nvSpPr>
-          <p:cNvPr id="10" name="9 Rectángulo redondeado"/>
-          <p:cNvSpPr/>
-          <p:nvPr/>
-        </p:nvSpPr>
-        <p:spPr>
-          <a:xfrm>
-            <a:off x="6735041" y="2774373"/>
-            <a:ext cx="1442605" cy="862445"/>
-          </a:xfrm>
-          <a:prstGeom prst="roundRect">
-            <a:avLst/>
-          </a:prstGeom>
-        </p:spPr>
-        <p:style>
-          <a:lnRef idx="3">
-            <a:schemeClr val="lt1"/>
-          </a:lnRef>
-          <a:fillRef idx="1">
-            <a:schemeClr val="accent2"/>
-          </a:fillRef>
-          <a:effectRef idx="1">
-            <a:schemeClr val="accent2"/>
-          </a:effectRef>
-          <a:fontRef idx="minor">
-            <a:schemeClr val="lt1"/>
-          </a:fontRef>
-        </p:style>
-        <p:txBody>
-          <a:bodyPr rtlCol="0" anchor="ctr"/>
-          <a:lstStyle/>
-          <a:p>
-            <a:pPr algn="ctr"/>
-            <a:r>
-              <a:rPr lang="es-MX" dirty="0" smtClean="0"/>
-              <a:t>Clase A</a:t>
-            </a:r>
-          </a:p>
-        </p:txBody>
-      </p:sp>
-      <p:sp>
-        <p:nvSpPr>
-          <p:cNvPr id="11" name="10 Rectángulo redondeado"/>
-          <p:cNvSpPr/>
-          <p:nvPr/>
-        </p:nvSpPr>
-        <p:spPr>
-          <a:xfrm>
-            <a:off x="6735041" y="3825585"/>
-            <a:ext cx="1442605" cy="862445"/>
-          </a:xfrm>
-          <a:prstGeom prst="roundRect">
-            <a:avLst/>
-          </a:prstGeom>
-          <a:solidFill>
-            <a:schemeClr val="accent2">
-              <a:lumMod val="50000"/>
-            </a:schemeClr>
-          </a:solidFill>
-        </p:spPr>
-        <p:style>
-          <a:lnRef idx="3">
-            <a:schemeClr val="lt1"/>
-          </a:lnRef>
-          <a:fillRef idx="1">
-            <a:schemeClr val="accent3"/>
-          </a:fillRef>
-          <a:effectRef idx="1">
-            <a:schemeClr val="accent3"/>
-          </a:effectRef>
-          <a:fontRef idx="minor">
-            <a:schemeClr val="lt1"/>
-          </a:fontRef>
-        </p:style>
-        <p:txBody>
-          <a:bodyPr rtlCol="0" anchor="ctr"/>
-          <a:lstStyle/>
-          <a:p>
-            <a:pPr algn="ctr"/>
-            <a:r>
-              <a:rPr lang="es-MX" dirty="0" smtClean="0"/>
-              <a:t>Clase B</a:t>
-            </a:r>
-          </a:p>
-        </p:txBody>
-      </p:sp>
-      <p:sp>
-        <p:nvSpPr>
-          <p:cNvPr id="12" name="11 Rectángulo redondeado"/>
-          <p:cNvSpPr/>
-          <p:nvPr/>
-        </p:nvSpPr>
-        <p:spPr>
-          <a:xfrm>
-            <a:off x="9038360" y="2774372"/>
-            <a:ext cx="1442605" cy="862445"/>
-          </a:xfrm>
-          <a:prstGeom prst="roundRect">
-            <a:avLst/>
-          </a:prstGeom>
-        </p:spPr>
-        <p:style>
-          <a:lnRef idx="1">
-            <a:schemeClr val="accent2"/>
-          </a:lnRef>
-          <a:fillRef idx="2">
-            <a:schemeClr val="accent2"/>
-          </a:fillRef>
-          <a:effectRef idx="1">
-            <a:schemeClr val="accent2"/>
-          </a:effectRef>
-          <a:fontRef idx="minor">
-            <a:schemeClr val="dk1"/>
-          </a:fontRef>
-        </p:style>
-        <p:txBody>
-          <a:bodyPr rtlCol="0" anchor="ctr"/>
-          <a:lstStyle/>
-          <a:p>
-            <a:pPr algn="ctr"/>
-            <a:r>
-              <a:rPr lang="es-MX" dirty="0" smtClean="0"/>
-              <a:t>Clase A</a:t>
-            </a:r>
-          </a:p>
-        </p:txBody>
-      </p:sp>
-      <p:sp>
-        <p:nvSpPr>
-          <p:cNvPr id="13" name="12 Rectángulo redondeado"/>
-          <p:cNvSpPr/>
-          <p:nvPr/>
-        </p:nvSpPr>
-        <p:spPr>
-          <a:xfrm>
-            <a:off x="9038360" y="3825584"/>
-            <a:ext cx="1442605" cy="862445"/>
-          </a:xfrm>
-          <a:prstGeom prst="roundRect">
-            <a:avLst/>
-          </a:prstGeom>
-        </p:spPr>
-        <p:style>
-          <a:lnRef idx="1">
-            <a:schemeClr val="accent2"/>
-          </a:lnRef>
-          <a:fillRef idx="2">
-            <a:schemeClr val="accent2"/>
-          </a:fillRef>
-          <a:effectRef idx="1">
-            <a:schemeClr val="accent2"/>
-          </a:effectRef>
-          <a:fontRef idx="minor">
-            <a:schemeClr val="dk1"/>
-          </a:fontRef>
-        </p:style>
-        <p:txBody>
-          <a:bodyPr rtlCol="0" anchor="ctr"/>
-          <a:lstStyle/>
-          <a:p>
-            <a:pPr algn="ctr"/>
-            <a:r>
-              <a:rPr lang="es-MX" dirty="0" smtClean="0"/>
-              <a:t>Clase B</a:t>
-            </a:r>
           </a:p>
         </p:txBody>
       </p:sp>
     </p:spTree>
     <p:extLst>
       <p:ext uri="{BB962C8B-B14F-4D97-AF65-F5344CB8AC3E}">
-        <p14:creationId xmlns:p14="http://schemas.microsoft.com/office/powerpoint/2010/main" val="161757004"/>
+        <p14:creationId xmlns:p14="http://schemas.microsoft.com/office/powerpoint/2010/main" val="2456602322"/>
       </p:ext>
     </p:extLst>
   </p:cSld>
@@ -5367,8 +4815,72 @@
           <a:lstStyle/>
           <a:p>
             <a:pPr algn="just"/>
-            <a:r>
-              <a:rPr lang="es-MX" sz="4000" b="1" dirty="0" smtClean="0">
+            <a:endParaRPr lang="es-MX" sz="4000" dirty="0" smtClean="0">
+              <a:solidFill>
+                <a:schemeClr val="tx1"/>
+              </a:solidFill>
+              <a:effectLst>
+                <a:outerShdw blurRad="38100" dist="38100" dir="2700000" algn="tl">
+                  <a:srgbClr val="000000">
+                    <a:alpha val="43137"/>
+                  </a:srgbClr>
+                </a:outerShdw>
+              </a:effectLst>
+            </a:endParaRPr>
+          </a:p>
+          <a:p>
+            <a:pPr algn="just"/>
+            <a:endParaRPr lang="es-MX" sz="4000" dirty="0" smtClean="0">
+              <a:solidFill>
+                <a:schemeClr val="tx1"/>
+              </a:solidFill>
+              <a:effectLst>
+                <a:outerShdw blurRad="38100" dist="38100" dir="2700000" algn="tl">
+                  <a:srgbClr val="000000">
+                    <a:alpha val="43137"/>
+                  </a:srgbClr>
+                </a:outerShdw>
+              </a:effectLst>
+            </a:endParaRPr>
+          </a:p>
+        </p:txBody>
+      </p:sp>
+      <p:sp>
+        <p:nvSpPr>
+          <p:cNvPr id="2" name="1 Rectángulo redondeado"/>
+          <p:cNvSpPr/>
+          <p:nvPr/>
+        </p:nvSpPr>
+        <p:spPr>
+          <a:xfrm>
+            <a:off x="607868" y="1818409"/>
+            <a:ext cx="3636818" cy="3636819"/>
+          </a:xfrm>
+          <a:prstGeom prst="roundRect">
+            <a:avLst/>
+          </a:prstGeom>
+        </p:spPr>
+        <p:style>
+          <a:lnRef idx="0">
+            <a:schemeClr val="accent4"/>
+          </a:lnRef>
+          <a:fillRef idx="3">
+            <a:schemeClr val="accent4"/>
+          </a:fillRef>
+          <a:effectRef idx="3">
+            <a:schemeClr val="accent4"/>
+          </a:effectRef>
+          <a:fontRef idx="minor">
+            <a:schemeClr val="lt1"/>
+          </a:fontRef>
+        </p:style>
+        <p:txBody>
+          <a:bodyPr rtlCol="0" anchor="ctr"/>
+          <a:lstStyle/>
+          <a:p>
+            <a:pPr algn="ctr"/>
+            <a:r>
+              <a:rPr lang="es-MX" sz="3200" b="1" dirty="0" smtClean="0">
                 <a:solidFill>
                   <a:schemeClr val="tx1"/>
                 </a:solidFill>
@@ -5380,18 +4892,249 @@
                   </a:outerShdw>
                 </a:effectLst>
               </a:rPr>
-              <a:t>Patrón de respuestas </a:t>
-            </a:r>
-            <a:r>
-              <a:rPr lang="es-MX" sz="4000" dirty="0" smtClean="0">
-                <a:solidFill>
-                  <a:schemeClr val="tx1"/>
-                </a:solidFill>
-              </a:rPr>
-              <a:t>que consistentemente señala que, al comparar el desempeño de los participantes entre una clase A y B, </a:t>
-            </a:r>
-            <a:r>
-              <a:rPr lang="es-MX" sz="4000" b="1" dirty="0" smtClean="0">
+              <a:t>Fase de Estudio</a:t>
+            </a:r>
+          </a:p>
+          <a:p>
+            <a:pPr algn="ctr"/>
+            <a:endParaRPr lang="es-MX" dirty="0"/>
+          </a:p>
+          <a:p>
+            <a:pPr algn="ctr"/>
+            <a:endParaRPr lang="es-MX" dirty="0" smtClean="0"/>
+          </a:p>
+          <a:p>
+            <a:pPr algn="ctr"/>
+            <a:endParaRPr lang="es-MX" dirty="0"/>
+          </a:p>
+          <a:p>
+            <a:pPr algn="ctr"/>
+            <a:endParaRPr lang="es-MX" dirty="0" smtClean="0"/>
+          </a:p>
+          <a:p>
+            <a:pPr algn="ctr"/>
+            <a:endParaRPr lang="es-MX" dirty="0"/>
+          </a:p>
+          <a:p>
+            <a:pPr algn="ctr"/>
+            <a:endParaRPr lang="es-MX" dirty="0" smtClean="0"/>
+          </a:p>
+          <a:p>
+            <a:pPr algn="ctr"/>
+            <a:endParaRPr lang="es-MX" dirty="0"/>
+          </a:p>
+          <a:p>
+            <a:pPr algn="ctr"/>
+            <a:endParaRPr lang="es-MX" dirty="0" smtClean="0"/>
+          </a:p>
+          <a:p>
+            <a:pPr algn="ctr"/>
+            <a:endParaRPr lang="es-MX" dirty="0"/>
+          </a:p>
+          <a:p>
+            <a:pPr algn="ctr"/>
+            <a:endParaRPr lang="es-MX" dirty="0" smtClean="0"/>
+          </a:p>
+          <a:p>
+            <a:pPr algn="ctr"/>
+            <a:endParaRPr lang="es-MX" dirty="0"/>
+          </a:p>
+          <a:p>
+            <a:pPr algn="ctr"/>
+            <a:endParaRPr lang="es-MX" dirty="0" smtClean="0"/>
+          </a:p>
+          <a:p>
+            <a:pPr algn="ctr"/>
+            <a:endParaRPr lang="es-MX" dirty="0"/>
+          </a:p>
+          <a:p>
+            <a:pPr algn="ctr"/>
+            <a:endParaRPr lang="es-MX" dirty="0"/>
+          </a:p>
+        </p:txBody>
+      </p:sp>
+      <p:sp>
+        <p:nvSpPr>
+          <p:cNvPr id="3" name="2 Rectángulo redondeado"/>
+          <p:cNvSpPr/>
+          <p:nvPr/>
+        </p:nvSpPr>
+        <p:spPr>
+          <a:xfrm>
+            <a:off x="768927" y="2774373"/>
+            <a:ext cx="3314700" cy="862445"/>
+          </a:xfrm>
+          <a:prstGeom prst="roundRect">
+            <a:avLst/>
+          </a:prstGeom>
+        </p:spPr>
+        <p:style>
+          <a:lnRef idx="3">
+            <a:schemeClr val="lt1"/>
+          </a:lnRef>
+          <a:fillRef idx="1">
+            <a:schemeClr val="accent2"/>
+          </a:fillRef>
+          <a:effectRef idx="1">
+            <a:schemeClr val="accent2"/>
+          </a:effectRef>
+          <a:fontRef idx="minor">
+            <a:schemeClr val="lt1"/>
+          </a:fontRef>
+        </p:style>
+        <p:txBody>
+          <a:bodyPr rtlCol="0" anchor="ctr"/>
+          <a:lstStyle/>
+          <a:p>
+            <a:pPr algn="ctr"/>
+            <a:r>
+              <a:rPr lang="es-MX" dirty="0" smtClean="0"/>
+              <a:t>Clase A</a:t>
+            </a:r>
+          </a:p>
+          <a:p>
+            <a:pPr algn="ctr"/>
+            <a:r>
+              <a:rPr lang="es-MX" dirty="0" smtClean="0"/>
+              <a:t>&lt;&lt;palabras poco comunes&gt;&gt;</a:t>
+            </a:r>
+            <a:endParaRPr lang="es-MX" dirty="0"/>
+          </a:p>
+        </p:txBody>
+      </p:sp>
+      <p:sp>
+        <p:nvSpPr>
+          <p:cNvPr id="9" name="8 Rectángulo redondeado"/>
+          <p:cNvSpPr/>
+          <p:nvPr/>
+        </p:nvSpPr>
+        <p:spPr>
+          <a:xfrm>
+            <a:off x="768927" y="3825585"/>
+            <a:ext cx="3314700" cy="862445"/>
+          </a:xfrm>
+          <a:prstGeom prst="roundRect">
+            <a:avLst/>
+          </a:prstGeom>
+          <a:solidFill>
+            <a:schemeClr val="accent2">
+              <a:lumMod val="50000"/>
+            </a:schemeClr>
+          </a:solidFill>
+        </p:spPr>
+        <p:style>
+          <a:lnRef idx="3">
+            <a:schemeClr val="lt1"/>
+          </a:lnRef>
+          <a:fillRef idx="1">
+            <a:schemeClr val="accent3"/>
+          </a:fillRef>
+          <a:effectRef idx="1">
+            <a:schemeClr val="accent3"/>
+          </a:effectRef>
+          <a:fontRef idx="minor">
+            <a:schemeClr val="lt1"/>
+          </a:fontRef>
+        </p:style>
+        <p:txBody>
+          <a:bodyPr rtlCol="0" anchor="ctr"/>
+          <a:lstStyle/>
+          <a:p>
+            <a:pPr algn="ctr"/>
+            <a:r>
+              <a:rPr lang="es-MX" dirty="0" smtClean="0"/>
+              <a:t>Clase B</a:t>
+            </a:r>
+          </a:p>
+          <a:p>
+            <a:pPr algn="ctr"/>
+            <a:r>
+              <a:rPr lang="es-MX" dirty="0" smtClean="0"/>
+              <a:t>&lt;&lt;palabras muy comunes&gt;&gt;</a:t>
+            </a:r>
+            <a:endParaRPr lang="es-MX" dirty="0"/>
+          </a:p>
+        </p:txBody>
+      </p:sp>
+      <p:sp>
+        <p:nvSpPr>
+          <p:cNvPr id="4" name="3 Flecha derecha"/>
+          <p:cNvSpPr/>
+          <p:nvPr/>
+        </p:nvSpPr>
+        <p:spPr>
+          <a:xfrm>
+            <a:off x="4707082" y="3205595"/>
+            <a:ext cx="924791" cy="619990"/>
+          </a:xfrm>
+          <a:prstGeom prst="rightArrow">
+            <a:avLst/>
+          </a:prstGeom>
+          <a:solidFill>
+            <a:schemeClr val="tx1"/>
+          </a:solidFill>
+        </p:spPr>
+        <p:style>
+          <a:lnRef idx="2">
+            <a:schemeClr val="accent1">
+              <a:shade val="50000"/>
+            </a:schemeClr>
+          </a:lnRef>
+          <a:fillRef idx="1">
+            <a:schemeClr val="accent1"/>
+          </a:fillRef>
+          <a:effectRef idx="0">
+            <a:schemeClr val="accent1"/>
+          </a:effectRef>
+          <a:fontRef idx="minor">
+            <a:schemeClr val="lt1"/>
+          </a:fontRef>
+        </p:style>
+        <p:txBody>
+          <a:bodyPr rtlCol="0" anchor="ctr"/>
+          <a:lstStyle/>
+          <a:p>
+            <a:pPr algn="ctr"/>
+            <a:endParaRPr lang="es-MX"/>
+          </a:p>
+        </p:txBody>
+      </p:sp>
+      <p:sp>
+        <p:nvSpPr>
+          <p:cNvPr id="8" name="7 Rectángulo redondeado"/>
+          <p:cNvSpPr/>
+          <p:nvPr/>
+        </p:nvSpPr>
+        <p:spPr>
+          <a:xfrm>
+            <a:off x="6153150" y="1970808"/>
+            <a:ext cx="4798868" cy="3636819"/>
+          </a:xfrm>
+          <a:prstGeom prst="roundRect">
+            <a:avLst/>
+          </a:prstGeom>
+        </p:spPr>
+        <p:style>
+          <a:lnRef idx="0">
+            <a:schemeClr val="accent4"/>
+          </a:lnRef>
+          <a:fillRef idx="3">
+            <a:schemeClr val="accent4"/>
+          </a:fillRef>
+          <a:effectRef idx="3">
+            <a:schemeClr val="accent4"/>
+          </a:effectRef>
+          <a:fontRef idx="minor">
+            <a:schemeClr val="lt1"/>
+          </a:fontRef>
+        </p:style>
+        <p:txBody>
+          <a:bodyPr rtlCol="0" anchor="ctr"/>
+          <a:lstStyle/>
+          <a:p>
+            <a:pPr algn="ctr"/>
+            <a:r>
+              <a:rPr lang="es-MX" sz="3200" b="1" dirty="0" smtClean="0">
                 <a:solidFill>
                   <a:schemeClr val="tx1"/>
                 </a:solidFill>
@@ -5403,10 +5146,65 @@
                   </a:outerShdw>
                 </a:effectLst>
               </a:rPr>
-              <a:t>no sólo aciertan más en la clase con mayor </a:t>
-            </a:r>
-            <a:r>
-              <a:rPr lang="es-MX" sz="4000" b="1" dirty="0" err="1" smtClean="0">
+              <a:t>Tarea de Reconocimiento</a:t>
+            </a:r>
+          </a:p>
+          <a:p>
+            <a:pPr algn="ctr"/>
+            <a:endParaRPr lang="es-MX" dirty="0"/>
+          </a:p>
+          <a:p>
+            <a:pPr algn="ctr"/>
+            <a:endParaRPr lang="es-MX" dirty="0" smtClean="0"/>
+          </a:p>
+          <a:p>
+            <a:pPr algn="ctr"/>
+            <a:endParaRPr lang="es-MX" dirty="0"/>
+          </a:p>
+          <a:p>
+            <a:pPr algn="ctr"/>
+            <a:endParaRPr lang="es-MX" dirty="0" smtClean="0"/>
+          </a:p>
+          <a:p>
+            <a:pPr algn="ctr"/>
+            <a:endParaRPr lang="es-MX" dirty="0"/>
+          </a:p>
+          <a:p>
+            <a:pPr algn="ctr"/>
+            <a:endParaRPr lang="es-MX" dirty="0" smtClean="0"/>
+          </a:p>
+          <a:p>
+            <a:pPr algn="ctr"/>
+            <a:endParaRPr lang="es-MX" dirty="0"/>
+          </a:p>
+          <a:p>
+            <a:pPr algn="ctr"/>
+            <a:endParaRPr lang="es-MX" dirty="0" smtClean="0"/>
+          </a:p>
+          <a:p>
+            <a:pPr algn="ctr"/>
+            <a:endParaRPr lang="es-MX" dirty="0"/>
+          </a:p>
+          <a:p>
+            <a:pPr algn="ctr"/>
+            <a:endParaRPr lang="es-MX" dirty="0" smtClean="0"/>
+          </a:p>
+          <a:p>
+            <a:pPr algn="ctr"/>
+            <a:endParaRPr lang="es-MX" dirty="0"/>
+          </a:p>
+          <a:p>
+            <a:pPr algn="ctr"/>
+            <a:endParaRPr lang="es-MX" dirty="0" smtClean="0"/>
+          </a:p>
+          <a:p>
+            <a:pPr algn="ctr"/>
+            <a:endParaRPr lang="es-MX" dirty="0"/>
+          </a:p>
+          <a:p>
+            <a:pPr algn="ctr"/>
+            <a:r>
+              <a:rPr lang="es-MX" sz="3000" b="1" dirty="0" smtClean="0">
                 <a:solidFill>
                   <a:schemeClr val="tx1"/>
                 </a:solidFill>
@@ -5418,22 +5216,188 @@
                   </a:outerShdw>
                 </a:effectLst>
               </a:rPr>
-              <a:t>discriminabilidad</a:t>
-            </a:r>
-            <a:r>
-              <a:rPr lang="es-MX" sz="4000" b="1" dirty="0" smtClean="0">
-                <a:solidFill>
-                  <a:schemeClr val="tx1"/>
-                </a:solidFill>
-                <a:effectLst>
-                  <a:outerShdw blurRad="38100" dist="38100" dir="2700000" algn="tl">
-                    <a:srgbClr val="000000">
-                      <a:alpha val="43137"/>
-                    </a:srgbClr>
-                  </a:outerShdw>
-                </a:effectLst>
-              </a:rPr>
-              <a:t>, sino que también se equivocan menos.</a:t>
+              <a:t>¿Este estímulo es Viejo?</a:t>
+            </a:r>
+            <a:endParaRPr lang="es-MX" sz="3000" b="1" dirty="0">
+              <a:solidFill>
+                <a:schemeClr val="tx1"/>
+              </a:solidFill>
+              <a:effectLst>
+                <a:outerShdw blurRad="38100" dist="38100" dir="2700000" algn="tl">
+                  <a:srgbClr val="000000">
+                    <a:alpha val="43137"/>
+                  </a:srgbClr>
+                </a:outerShdw>
+              </a:effectLst>
+            </a:endParaRPr>
+          </a:p>
+        </p:txBody>
+      </p:sp>
+      <p:sp>
+        <p:nvSpPr>
+          <p:cNvPr id="10" name="9 Rectángulo redondeado"/>
+          <p:cNvSpPr/>
+          <p:nvPr/>
+        </p:nvSpPr>
+        <p:spPr>
+          <a:xfrm>
+            <a:off x="6735041" y="2774373"/>
+            <a:ext cx="1442605" cy="862445"/>
+          </a:xfrm>
+          <a:prstGeom prst="roundRect">
+            <a:avLst/>
+          </a:prstGeom>
+        </p:spPr>
+        <p:style>
+          <a:lnRef idx="3">
+            <a:schemeClr val="lt1"/>
+          </a:lnRef>
+          <a:fillRef idx="1">
+            <a:schemeClr val="accent2"/>
+          </a:fillRef>
+          <a:effectRef idx="1">
+            <a:schemeClr val="accent2"/>
+          </a:effectRef>
+          <a:fontRef idx="minor">
+            <a:schemeClr val="lt1"/>
+          </a:fontRef>
+        </p:style>
+        <p:txBody>
+          <a:bodyPr rtlCol="0" anchor="ctr"/>
+          <a:lstStyle/>
+          <a:p>
+            <a:pPr algn="ctr"/>
+            <a:r>
+              <a:rPr lang="es-MX" dirty="0" smtClean="0"/>
+              <a:t>Clase A</a:t>
+            </a:r>
+          </a:p>
+        </p:txBody>
+      </p:sp>
+      <p:sp>
+        <p:nvSpPr>
+          <p:cNvPr id="11" name="10 Rectángulo redondeado"/>
+          <p:cNvSpPr/>
+          <p:nvPr/>
+        </p:nvSpPr>
+        <p:spPr>
+          <a:xfrm>
+            <a:off x="6735041" y="3825585"/>
+            <a:ext cx="1442605" cy="862445"/>
+          </a:xfrm>
+          <a:prstGeom prst="roundRect">
+            <a:avLst/>
+          </a:prstGeom>
+          <a:solidFill>
+            <a:schemeClr val="accent2">
+              <a:lumMod val="50000"/>
+            </a:schemeClr>
+          </a:solidFill>
+        </p:spPr>
+        <p:style>
+          <a:lnRef idx="3">
+            <a:schemeClr val="lt1"/>
+          </a:lnRef>
+          <a:fillRef idx="1">
+            <a:schemeClr val="accent3"/>
+          </a:fillRef>
+          <a:effectRef idx="1">
+            <a:schemeClr val="accent3"/>
+          </a:effectRef>
+          <a:fontRef idx="minor">
+            <a:schemeClr val="lt1"/>
+          </a:fontRef>
+        </p:style>
+        <p:txBody>
+          <a:bodyPr rtlCol="0" anchor="ctr"/>
+          <a:lstStyle/>
+          <a:p>
+            <a:pPr algn="ctr"/>
+            <a:r>
+              <a:rPr lang="es-MX" dirty="0" smtClean="0"/>
+              <a:t>Clase B</a:t>
+            </a:r>
+          </a:p>
+        </p:txBody>
+      </p:sp>
+      <p:sp>
+        <p:nvSpPr>
+          <p:cNvPr id="12" name="11 Rectángulo redondeado"/>
+          <p:cNvSpPr/>
+          <p:nvPr/>
+        </p:nvSpPr>
+        <p:spPr>
+          <a:xfrm>
+            <a:off x="9038360" y="2774372"/>
+            <a:ext cx="1442605" cy="862445"/>
+          </a:xfrm>
+          <a:prstGeom prst="roundRect">
+            <a:avLst/>
+          </a:prstGeom>
+        </p:spPr>
+        <p:style>
+          <a:lnRef idx="1">
+            <a:schemeClr val="accent2"/>
+          </a:lnRef>
+          <a:fillRef idx="2">
+            <a:schemeClr val="accent2"/>
+          </a:fillRef>
+          <a:effectRef idx="1">
+            <a:schemeClr val="accent2"/>
+          </a:effectRef>
+          <a:fontRef idx="minor">
+            <a:schemeClr val="dk1"/>
+          </a:fontRef>
+        </p:style>
+        <p:txBody>
+          <a:bodyPr rtlCol="0" anchor="ctr"/>
+          <a:lstStyle/>
+          <a:p>
+            <a:pPr algn="ctr"/>
+            <a:r>
+              <a:rPr lang="es-MX" dirty="0" smtClean="0"/>
+              <a:t>Clase A</a:t>
+            </a:r>
+          </a:p>
+        </p:txBody>
+      </p:sp>
+      <p:sp>
+        <p:nvSpPr>
+          <p:cNvPr id="13" name="12 Rectángulo redondeado"/>
+          <p:cNvSpPr/>
+          <p:nvPr/>
+        </p:nvSpPr>
+        <p:spPr>
+          <a:xfrm>
+            <a:off x="9038360" y="3825584"/>
+            <a:ext cx="1442605" cy="862445"/>
+          </a:xfrm>
+          <a:prstGeom prst="roundRect">
+            <a:avLst/>
+          </a:prstGeom>
+        </p:spPr>
+        <p:style>
+          <a:lnRef idx="1">
+            <a:schemeClr val="accent2"/>
+          </a:lnRef>
+          <a:fillRef idx="2">
+            <a:schemeClr val="accent2"/>
+          </a:fillRef>
+          <a:effectRef idx="1">
+            <a:schemeClr val="accent2"/>
+          </a:effectRef>
+          <a:fontRef idx="minor">
+            <a:schemeClr val="dk1"/>
+          </a:fontRef>
+        </p:style>
+        <p:txBody>
+          <a:bodyPr rtlCol="0" anchor="ctr"/>
+          <a:lstStyle/>
+          <a:p>
+            <a:pPr algn="ctr"/>
+            <a:r>
+              <a:rPr lang="es-MX" dirty="0" smtClean="0"/>
+              <a:t>Clase B</a:t>
             </a:r>
           </a:p>
         </p:txBody>
@@ -5441,7 +5405,7 @@
     </p:spTree>
     <p:extLst>
       <p:ext uri="{BB962C8B-B14F-4D97-AF65-F5344CB8AC3E}">
-        <p14:creationId xmlns:p14="http://schemas.microsoft.com/office/powerpoint/2010/main" val="3897278907"/>
+        <p14:creationId xmlns:p14="http://schemas.microsoft.com/office/powerpoint/2010/main" val="161757004"/>
       </p:ext>
     </p:extLst>
   </p:cSld>
@@ -5477,7 +5441,7 @@
       </p:grpSpPr>
       <p:sp>
         <p:nvSpPr>
-          <p:cNvPr id="8" name="Título 7"/>
+          <p:cNvPr id="5" name="Título 4"/>
           <p:cNvSpPr>
             <a:spLocks noGrp="1"/>
           </p:cNvSpPr>
@@ -5487,146 +5451,121 @@
         </p:nvSpPr>
         <p:spPr>
           <a:xfrm>
-            <a:off x="232893" y="246083"/>
-            <a:ext cx="10515600" cy="662257"/>
+            <a:off x="831850" y="447609"/>
+            <a:ext cx="10515600" cy="1110735"/>
+          </a:xfrm>
+        </p:spPr>
+        <p:txBody>
+          <a:bodyPr/>
+          <a:lstStyle/>
+          <a:p>
+            <a:pPr algn="r"/>
+            <a:r>
+              <a:rPr lang="es-MX" b="1" dirty="0" smtClean="0"/>
+              <a:t>El Efecto Espejo</a:t>
+            </a:r>
+            <a:endParaRPr lang="es-MX" b="1" dirty="0"/>
+          </a:p>
+        </p:txBody>
+      </p:sp>
+      <p:sp>
+        <p:nvSpPr>
+          <p:cNvPr id="6" name="Marcador de texto 5"/>
+          <p:cNvSpPr>
+            <a:spLocks noGrp="1"/>
+          </p:cNvSpPr>
+          <p:nvPr>
+            <p:ph type="body" idx="1"/>
+          </p:nvPr>
+        </p:nvSpPr>
+        <p:spPr>
+          <a:xfrm>
+            <a:off x="922002" y="1756111"/>
+            <a:ext cx="10515600" cy="3434075"/>
           </a:xfrm>
         </p:spPr>
         <p:txBody>
           <a:bodyPr>
-            <a:normAutofit fontScale="90000"/>
+            <a:noAutofit/>
           </a:bodyPr>
           <a:lstStyle/>
           <a:p>
-            <a:r>
-              <a:rPr lang="es-MX" b="1" dirty="0" smtClean="0"/>
-              <a:t>Tareas binarias (Sí/No)</a:t>
-            </a:r>
-            <a:endParaRPr lang="es-MX" b="1" dirty="0"/>
-          </a:p>
-        </p:txBody>
-      </p:sp>
-      <p:sp>
-        <p:nvSpPr>
-          <p:cNvPr id="9" name="Marcador de contenido 8"/>
-          <p:cNvSpPr>
-            <a:spLocks noGrp="1"/>
-          </p:cNvSpPr>
-          <p:nvPr>
-            <p:ph idx="1"/>
-          </p:nvPr>
-        </p:nvSpPr>
-        <p:spPr>
-          <a:xfrm>
-            <a:off x="812441" y="1690688"/>
-            <a:ext cx="10515600" cy="4351338"/>
-          </a:xfrm>
-        </p:spPr>
-        <p:txBody>
-          <a:bodyPr/>
-          <a:lstStyle/>
-          <a:p>
-            <a:endParaRPr lang="es-MX" dirty="0" smtClean="0"/>
-          </a:p>
-          <a:p>
-            <a:endParaRPr lang="es-MX" dirty="0"/>
-          </a:p>
-        </p:txBody>
-      </p:sp>
-      <p:sp>
-        <p:nvSpPr>
-          <p:cNvPr id="7" name="Rectángulo redondeado 6"/>
-          <p:cNvSpPr/>
-          <p:nvPr/>
-        </p:nvSpPr>
-        <p:spPr>
-          <a:xfrm>
-            <a:off x="92102" y="2858051"/>
-            <a:ext cx="3283159" cy="1972971"/>
-          </a:xfrm>
-          <a:prstGeom prst="roundRect">
-            <a:avLst/>
-          </a:prstGeom>
-          <a:solidFill>
-            <a:schemeClr val="bg2"/>
-          </a:solidFill>
-        </p:spPr>
-        <p:style>
-          <a:lnRef idx="0">
-            <a:schemeClr val="accent2"/>
-          </a:lnRef>
-          <a:fillRef idx="3">
-            <a:schemeClr val="accent2"/>
-          </a:fillRef>
-          <a:effectRef idx="3">
-            <a:schemeClr val="accent2"/>
-          </a:effectRef>
-          <a:fontRef idx="minor">
-            <a:schemeClr val="lt1"/>
-          </a:fontRef>
-        </p:style>
-        <p:txBody>
-          <a:bodyPr rtlCol="0" anchor="ctr"/>
-          <a:lstStyle/>
-          <a:p>
-            <a:pPr algn="ctr"/>
-            <a:r>
-              <a:rPr lang="es-MX" sz="2000" b="1" dirty="0" smtClean="0">
+            <a:pPr algn="just"/>
+            <a:r>
+              <a:rPr lang="es-MX" sz="4000" b="1" dirty="0" smtClean="0">
+                <a:solidFill>
+                  <a:schemeClr val="tx1"/>
+                </a:solidFill>
+                <a:effectLst>
+                  <a:outerShdw blurRad="38100" dist="38100" dir="2700000" algn="tl">
+                    <a:srgbClr val="000000">
+                      <a:alpha val="43137"/>
+                    </a:srgbClr>
+                  </a:outerShdw>
+                </a:effectLst>
+              </a:rPr>
+              <a:t>Patrón de respuestas </a:t>
+            </a:r>
+            <a:r>
+              <a:rPr lang="es-MX" sz="4000" dirty="0" smtClean="0">
                 <a:solidFill>
                   <a:schemeClr val="tx1"/>
                 </a:solidFill>
               </a:rPr>
-              <a:t>Tarea:</a:t>
-            </a:r>
-          </a:p>
-          <a:p>
-            <a:pPr algn="ctr"/>
-            <a:endParaRPr lang="es-MX" sz="1000" b="1" dirty="0">
-              <a:solidFill>
-                <a:schemeClr val="tx1"/>
-              </a:solidFill>
-            </a:endParaRPr>
-          </a:p>
-          <a:p>
-            <a:pPr algn="ctr"/>
-            <a:r>
-              <a:rPr lang="es-MX" sz="2000" b="1" dirty="0" smtClean="0">
+              <a:t>que consistentemente señala que, al comparar el desempeño de los participantes entre una clase A y B, </a:t>
+            </a:r>
+            <a:r>
+              <a:rPr lang="es-MX" sz="4000" b="1" dirty="0" smtClean="0">
                 <a:solidFill>
                   <a:schemeClr val="tx1"/>
                 </a:solidFill>
+                <a:effectLst>
+                  <a:outerShdw blurRad="38100" dist="38100" dir="2700000" algn="tl">
+                    <a:srgbClr val="000000">
+                      <a:alpha val="43137"/>
+                    </a:srgbClr>
+                  </a:outerShdw>
+                </a:effectLst>
               </a:rPr>
-              <a:t>¿Este estímulo ya se te había presentado antes?</a:t>
-            </a:r>
-          </a:p>
-          <a:p>
-            <a:pPr algn="ctr"/>
-            <a:endParaRPr lang="es-MX" sz="1000" b="1" dirty="0">
-              <a:solidFill>
-                <a:schemeClr val="tx1"/>
-              </a:solidFill>
-            </a:endParaRPr>
-          </a:p>
-          <a:p>
-            <a:pPr algn="ctr"/>
-            <a:r>
-              <a:rPr lang="es-MX" sz="2000" b="1" dirty="0" smtClean="0">
+              <a:t>no sólo aciertan más en la clase con mayor </a:t>
+            </a:r>
+            <a:r>
+              <a:rPr lang="es-MX" sz="4000" b="1" dirty="0" err="1" smtClean="0">
                 <a:solidFill>
                   <a:schemeClr val="tx1"/>
                 </a:solidFill>
+                <a:effectLst>
+                  <a:outerShdw blurRad="38100" dist="38100" dir="2700000" algn="tl">
+                    <a:srgbClr val="000000">
+                      <a:alpha val="43137"/>
+                    </a:srgbClr>
+                  </a:outerShdw>
+                </a:effectLst>
               </a:rPr>
-              <a:t>Sí / No</a:t>
-            </a:r>
-            <a:endParaRPr lang="es-MX" sz="2000" b="1" dirty="0">
-              <a:solidFill>
-                <a:schemeClr val="tx1"/>
-              </a:solidFill>
-            </a:endParaRPr>
+              <a:t>discriminabilidad</a:t>
+            </a:r>
+            <a:r>
+              <a:rPr lang="es-MX" sz="4000" b="1" dirty="0" smtClean="0">
+                <a:solidFill>
+                  <a:schemeClr val="tx1"/>
+                </a:solidFill>
+                <a:effectLst>
+                  <a:outerShdw blurRad="38100" dist="38100" dir="2700000" algn="tl">
+                    <a:srgbClr val="000000">
+                      <a:alpha val="43137"/>
+                    </a:srgbClr>
+                  </a:outerShdw>
+                </a:effectLst>
+              </a:rPr>
+              <a:t>, sino que también se equivocan menos.</a:t>
+            </a:r>
           </a:p>
         </p:txBody>
       </p:sp>
     </p:spTree>
     <p:extLst>
       <p:ext uri="{BB962C8B-B14F-4D97-AF65-F5344CB8AC3E}">
-        <p14:creationId xmlns:p14="http://schemas.microsoft.com/office/powerpoint/2010/main" val="3079453120"/>
+        <p14:creationId xmlns:p14="http://schemas.microsoft.com/office/powerpoint/2010/main" val="3897278907"/>
       </p:ext>
     </p:extLst>
   </p:cSld>
@@ -5925,7 +5864,7 @@
       </p:sp>
       <p:sp>
         <p:nvSpPr>
-          <p:cNvPr id="5" name="Rectángulo redondeado 6"/>
+          <p:cNvPr id="7" name="Rectángulo redondeado 6"/>
           <p:cNvSpPr/>
           <p:nvPr/>
         </p:nvSpPr>
@@ -6014,34 +5953,10 @@
           </a:p>
         </p:txBody>
       </p:sp>
-      <p:pic>
-        <p:nvPicPr>
-          <p:cNvPr id="6" name="Imagen 4"/>
-          <p:cNvPicPr>
-            <a:picLocks noChangeAspect="1"/>
-          </p:cNvPicPr>
-          <p:nvPr/>
-        </p:nvPicPr>
-        <p:blipFill>
-          <a:blip r:embed="rId2"/>
-          <a:stretch>
-            <a:fillRect/>
-          </a:stretch>
-        </p:blipFill>
-        <p:spPr>
-          <a:xfrm>
-            <a:off x="3557518" y="1183983"/>
-            <a:ext cx="8405882" cy="1339328"/>
-          </a:xfrm>
-          <a:prstGeom prst="rect">
-            <a:avLst/>
-          </a:prstGeom>
-        </p:spPr>
-      </p:pic>
     </p:spTree>
     <p:extLst>
       <p:ext uri="{BB962C8B-B14F-4D97-AF65-F5344CB8AC3E}">
-        <p14:creationId xmlns:p14="http://schemas.microsoft.com/office/powerpoint/2010/main" val="3725257377"/>
+        <p14:creationId xmlns:p14="http://schemas.microsoft.com/office/powerpoint/2010/main" val="3079453120"/>
       </p:ext>
     </p:extLst>
   </p:cSld>
@@ -6247,6 +6162,215 @@
           </a:prstGeom>
         </p:spPr>
       </p:pic>
+    </p:spTree>
+    <p:extLst>
+      <p:ext uri="{BB962C8B-B14F-4D97-AF65-F5344CB8AC3E}">
+        <p14:creationId xmlns:p14="http://schemas.microsoft.com/office/powerpoint/2010/main" val="3725257377"/>
+      </p:ext>
+    </p:extLst>
+  </p:cSld>
+  <p:clrMapOvr>
+    <a:masterClrMapping/>
+  </p:clrMapOvr>
+  <p:timing>
+    <p:tnLst>
+      <p:par>
+        <p:cTn id="1" dur="indefinite" restart="never" nodeType="tmRoot"/>
+      </p:par>
+    </p:tnLst>
+  </p:timing>
+</p:sld>
+</file>
+
+<file path=ppt/slides/slide22.xml><?xml version="1.0" encoding="utf-8"?>
+<p:sld xmlns:a="http://schemas.openxmlformats.org/drawingml/2006/main" xmlns:r="http://schemas.openxmlformats.org/officeDocument/2006/relationships" xmlns:p="http://schemas.openxmlformats.org/presentationml/2006/main">
+  <p:cSld>
+    <p:spTree>
+      <p:nvGrpSpPr>
+        <p:cNvPr id="1" name=""/>
+        <p:cNvGrpSpPr/>
+        <p:nvPr/>
+      </p:nvGrpSpPr>
+      <p:grpSpPr>
+        <a:xfrm>
+          <a:off x="0" y="0"/>
+          <a:ext cx="0" cy="0"/>
+          <a:chOff x="0" y="0"/>
+          <a:chExt cx="0" cy="0"/>
+        </a:xfrm>
+      </p:grpSpPr>
+      <p:sp>
+        <p:nvSpPr>
+          <p:cNvPr id="8" name="Título 7"/>
+          <p:cNvSpPr>
+            <a:spLocks noGrp="1"/>
+          </p:cNvSpPr>
+          <p:nvPr>
+            <p:ph type="title"/>
+          </p:nvPr>
+        </p:nvSpPr>
+        <p:spPr>
+          <a:xfrm>
+            <a:off x="232893" y="246083"/>
+            <a:ext cx="10515600" cy="662257"/>
+          </a:xfrm>
+        </p:spPr>
+        <p:txBody>
+          <a:bodyPr>
+            <a:normAutofit fontScale="90000"/>
+          </a:bodyPr>
+          <a:lstStyle/>
+          <a:p>
+            <a:r>
+              <a:rPr lang="es-MX" b="1" dirty="0" smtClean="0"/>
+              <a:t>Tareas binarias (Sí/No)</a:t>
+            </a:r>
+            <a:endParaRPr lang="es-MX" b="1" dirty="0"/>
+          </a:p>
+        </p:txBody>
+      </p:sp>
+      <p:sp>
+        <p:nvSpPr>
+          <p:cNvPr id="9" name="Marcador de contenido 8"/>
+          <p:cNvSpPr>
+            <a:spLocks noGrp="1"/>
+          </p:cNvSpPr>
+          <p:nvPr>
+            <p:ph idx="1"/>
+          </p:nvPr>
+        </p:nvSpPr>
+        <p:spPr>
+          <a:xfrm>
+            <a:off x="812441" y="1690688"/>
+            <a:ext cx="10515600" cy="4351338"/>
+          </a:xfrm>
+        </p:spPr>
+        <p:txBody>
+          <a:bodyPr/>
+          <a:lstStyle/>
+          <a:p>
+            <a:endParaRPr lang="es-MX" dirty="0" smtClean="0"/>
+          </a:p>
+          <a:p>
+            <a:endParaRPr lang="es-MX" dirty="0"/>
+          </a:p>
+        </p:txBody>
+      </p:sp>
+      <p:sp>
+        <p:nvSpPr>
+          <p:cNvPr id="5" name="Rectángulo redondeado 6"/>
+          <p:cNvSpPr/>
+          <p:nvPr/>
+        </p:nvSpPr>
+        <p:spPr>
+          <a:xfrm>
+            <a:off x="92102" y="2858051"/>
+            <a:ext cx="3283159" cy="1972971"/>
+          </a:xfrm>
+          <a:prstGeom prst="roundRect">
+            <a:avLst/>
+          </a:prstGeom>
+          <a:solidFill>
+            <a:schemeClr val="bg2"/>
+          </a:solidFill>
+        </p:spPr>
+        <p:style>
+          <a:lnRef idx="0">
+            <a:schemeClr val="accent2"/>
+          </a:lnRef>
+          <a:fillRef idx="3">
+            <a:schemeClr val="accent2"/>
+          </a:fillRef>
+          <a:effectRef idx="3">
+            <a:schemeClr val="accent2"/>
+          </a:effectRef>
+          <a:fontRef idx="minor">
+            <a:schemeClr val="lt1"/>
+          </a:fontRef>
+        </p:style>
+        <p:txBody>
+          <a:bodyPr rtlCol="0" anchor="ctr"/>
+          <a:lstStyle/>
+          <a:p>
+            <a:pPr algn="ctr"/>
+            <a:r>
+              <a:rPr lang="es-MX" sz="2000" b="1" dirty="0" smtClean="0">
+                <a:solidFill>
+                  <a:schemeClr val="tx1"/>
+                </a:solidFill>
+              </a:rPr>
+              <a:t>Tarea:</a:t>
+            </a:r>
+          </a:p>
+          <a:p>
+            <a:pPr algn="ctr"/>
+            <a:endParaRPr lang="es-MX" sz="1000" b="1" dirty="0">
+              <a:solidFill>
+                <a:schemeClr val="tx1"/>
+              </a:solidFill>
+            </a:endParaRPr>
+          </a:p>
+          <a:p>
+            <a:pPr algn="ctr"/>
+            <a:r>
+              <a:rPr lang="es-MX" sz="2000" b="1" dirty="0" smtClean="0">
+                <a:solidFill>
+                  <a:schemeClr val="tx1"/>
+                </a:solidFill>
+              </a:rPr>
+              <a:t>¿Este estímulo ya se te había presentado antes?</a:t>
+            </a:r>
+          </a:p>
+          <a:p>
+            <a:pPr algn="ctr"/>
+            <a:endParaRPr lang="es-MX" sz="1000" b="1" dirty="0">
+              <a:solidFill>
+                <a:schemeClr val="tx1"/>
+              </a:solidFill>
+            </a:endParaRPr>
+          </a:p>
+          <a:p>
+            <a:pPr algn="ctr"/>
+            <a:r>
+              <a:rPr lang="es-MX" sz="2000" b="1" dirty="0" smtClean="0">
+                <a:solidFill>
+                  <a:schemeClr val="tx1"/>
+                </a:solidFill>
+              </a:rPr>
+              <a:t>Sí / No</a:t>
+            </a:r>
+            <a:endParaRPr lang="es-MX" sz="2000" b="1" dirty="0">
+              <a:solidFill>
+                <a:schemeClr val="tx1"/>
+              </a:solidFill>
+            </a:endParaRPr>
+          </a:p>
+        </p:txBody>
+      </p:sp>
+      <p:pic>
+        <p:nvPicPr>
+          <p:cNvPr id="6" name="Imagen 4"/>
+          <p:cNvPicPr>
+            <a:picLocks noChangeAspect="1"/>
+          </p:cNvPicPr>
+          <p:nvPr/>
+        </p:nvPicPr>
+        <p:blipFill>
+          <a:blip r:embed="rId2"/>
+          <a:stretch>
+            <a:fillRect/>
+          </a:stretch>
+        </p:blipFill>
+        <p:spPr>
+          <a:xfrm>
+            <a:off x="3557518" y="1183983"/>
+            <a:ext cx="8405882" cy="1339328"/>
+          </a:xfrm>
+          <a:prstGeom prst="rect">
+            <a:avLst/>
+          </a:prstGeom>
+        </p:spPr>
+      </p:pic>
       <p:pic>
         <p:nvPicPr>
           <p:cNvPr id="7" name="Imagen 9"/>
@@ -6291,7 +6415,7 @@
 </p:sld>
 </file>
 
-<file path=ppt/slides/slide22.xml><?xml version="1.0" encoding="utf-8"?>
+<file path=ppt/slides/slide23.xml><?xml version="1.0" encoding="utf-8"?>
 <p:sld xmlns:a="http://schemas.openxmlformats.org/drawingml/2006/main" xmlns:r="http://schemas.openxmlformats.org/officeDocument/2006/relationships" xmlns:p="http://schemas.openxmlformats.org/presentationml/2006/main">
   <p:cSld>
     <p:spTree>
@@ -6668,114 +6792,6 @@
 </p:sld>
 </file>
 
-<file path=ppt/slides/slide23.xml><?xml version="1.0" encoding="utf-8"?>
-<p:sld xmlns:a="http://schemas.openxmlformats.org/drawingml/2006/main" xmlns:r="http://schemas.openxmlformats.org/officeDocument/2006/relationships" xmlns:p="http://schemas.openxmlformats.org/presentationml/2006/main">
-  <p:cSld>
-    <p:spTree>
-      <p:nvGrpSpPr>
-        <p:cNvPr id="1" name=""/>
-        <p:cNvGrpSpPr/>
-        <p:nvPr/>
-      </p:nvGrpSpPr>
-      <p:grpSpPr>
-        <a:xfrm>
-          <a:off x="0" y="0"/>
-          <a:ext cx="0" cy="0"/>
-          <a:chOff x="0" y="0"/>
-          <a:chExt cx="0" cy="0"/>
-        </a:xfrm>
-      </p:grpSpPr>
-      <p:sp>
-        <p:nvSpPr>
-          <p:cNvPr id="2" name="Título 1"/>
-          <p:cNvSpPr>
-            <a:spLocks noGrp="1"/>
-          </p:cNvSpPr>
-          <p:nvPr>
-            <p:ph type="title"/>
-          </p:nvPr>
-        </p:nvSpPr>
-        <p:spPr>
-          <a:xfrm>
-            <a:off x="297287" y="111113"/>
-            <a:ext cx="10515600" cy="1325563"/>
-          </a:xfrm>
-        </p:spPr>
-        <p:txBody>
-          <a:bodyPr/>
-          <a:lstStyle/>
-          <a:p>
-            <a:r>
-              <a:rPr lang="es-MX" b="1" dirty="0" smtClean="0"/>
-              <a:t>Tareas con Escala de confianza</a:t>
-            </a:r>
-            <a:endParaRPr lang="es-MX" b="1" dirty="0"/>
-          </a:p>
-        </p:txBody>
-      </p:sp>
-      <p:sp>
-        <p:nvSpPr>
-          <p:cNvPr id="3" name="Marcador de contenido 2"/>
-          <p:cNvSpPr>
-            <a:spLocks noGrp="1"/>
-          </p:cNvSpPr>
-          <p:nvPr>
-            <p:ph idx="1"/>
-          </p:nvPr>
-        </p:nvSpPr>
-        <p:spPr/>
-        <p:txBody>
-          <a:bodyPr/>
-          <a:lstStyle/>
-          <a:p>
-            <a:endParaRPr lang="es-MX" dirty="0"/>
-          </a:p>
-        </p:txBody>
-      </p:sp>
-      <p:pic>
-        <p:nvPicPr>
-          <p:cNvPr id="7" name="Imagen 6"/>
-          <p:cNvPicPr>
-            <a:picLocks noChangeAspect="1"/>
-          </p:cNvPicPr>
-          <p:nvPr/>
-        </p:nvPicPr>
-        <p:blipFill>
-          <a:blip r:embed="rId2"/>
-          <a:stretch>
-            <a:fillRect/>
-          </a:stretch>
-        </p:blipFill>
-        <p:spPr>
-          <a:xfrm>
-            <a:off x="2965261" y="2942887"/>
-            <a:ext cx="5395090" cy="3915113"/>
-          </a:xfrm>
-          <a:prstGeom prst="rect">
-            <a:avLst/>
-          </a:prstGeom>
-        </p:spPr>
-      </p:pic>
-    </p:spTree>
-    <p:extLst>
-      <p:ext uri="{BB962C8B-B14F-4D97-AF65-F5344CB8AC3E}">
-        <p14:creationId xmlns:p14="http://schemas.microsoft.com/office/powerpoint/2010/main" val="2946309661"/>
-      </p:ext>
-    </p:extLst>
-  </p:cSld>
-  <p:clrMapOvr>
-    <a:masterClrMapping/>
-  </p:clrMapOvr>
-  <p:timing>
-    <p:tnLst>
-      <p:par>
-        <p:cTn id="1" dur="indefinite" restart="never" nodeType="tmRoot"/>
-      </p:par>
-    </p:tnLst>
-  </p:timing>
-</p:sld>
-</file>
-
 <file path=ppt/slides/slide24.xml><?xml version="1.0" encoding="utf-8"?>
 <p:sld xmlns:a="http://schemas.openxmlformats.org/drawingml/2006/main" xmlns:r="http://schemas.openxmlformats.org/officeDocument/2006/relationships" xmlns:p="http://schemas.openxmlformats.org/presentationml/2006/main">
   <p:cSld>
@@ -6864,34 +6880,10 @@
           </a:prstGeom>
         </p:spPr>
       </p:pic>
-      <p:pic>
-        <p:nvPicPr>
-          <p:cNvPr id="5" name="Imagen 4"/>
-          <p:cNvPicPr>
-            <a:picLocks noChangeAspect="1"/>
-          </p:cNvPicPr>
-          <p:nvPr/>
-        </p:nvPicPr>
-        <p:blipFill>
-          <a:blip r:embed="rId3"/>
-          <a:stretch>
-            <a:fillRect/>
-          </a:stretch>
-        </p:blipFill>
-        <p:spPr>
-          <a:xfrm>
-            <a:off x="2677208" y="2565556"/>
-            <a:ext cx="5683143" cy="4292444"/>
-          </a:xfrm>
-          <a:prstGeom prst="rect">
-            <a:avLst/>
-          </a:prstGeom>
-        </p:spPr>
-      </p:pic>
     </p:spTree>
     <p:extLst>
       <p:ext uri="{BB962C8B-B14F-4D97-AF65-F5344CB8AC3E}">
-        <p14:creationId xmlns:p14="http://schemas.microsoft.com/office/powerpoint/2010/main" val="3011350234"/>
+        <p14:creationId xmlns:p14="http://schemas.microsoft.com/office/powerpoint/2010/main" val="2946309661"/>
       </p:ext>
     </p:extLst>
   </p:cSld>
@@ -7020,34 +7012,10 @@
           </a:prstGeom>
         </p:spPr>
       </p:pic>
-      <p:pic>
-        <p:nvPicPr>
-          <p:cNvPr id="6" name="Imagen 5"/>
-          <p:cNvPicPr>
-            <a:picLocks noChangeAspect="1"/>
-          </p:cNvPicPr>
-          <p:nvPr/>
-        </p:nvPicPr>
-        <p:blipFill>
-          <a:blip r:embed="rId4"/>
-          <a:stretch>
-            <a:fillRect/>
-          </a:stretch>
-        </p:blipFill>
-        <p:spPr>
-          <a:xfrm>
-            <a:off x="2862262" y="1154202"/>
-            <a:ext cx="6467475" cy="1819275"/>
-          </a:xfrm>
-          <a:prstGeom prst="rect">
-            <a:avLst/>
-          </a:prstGeom>
-        </p:spPr>
-      </p:pic>
     </p:spTree>
     <p:extLst>
       <p:ext uri="{BB962C8B-B14F-4D97-AF65-F5344CB8AC3E}">
-        <p14:creationId xmlns:p14="http://schemas.microsoft.com/office/powerpoint/2010/main" val="2076658594"/>
+        <p14:creationId xmlns:p14="http://schemas.microsoft.com/office/powerpoint/2010/main" val="3011350234"/>
       </p:ext>
     </p:extLst>
   </p:cSld>
@@ -7091,6 +7059,162 @@
             <p:ph type="title"/>
           </p:nvPr>
         </p:nvSpPr>
+        <p:spPr>
+          <a:xfrm>
+            <a:off x="297287" y="111113"/>
+            <a:ext cx="10515600" cy="1325563"/>
+          </a:xfrm>
+        </p:spPr>
+        <p:txBody>
+          <a:bodyPr/>
+          <a:lstStyle/>
+          <a:p>
+            <a:r>
+              <a:rPr lang="es-MX" b="1" dirty="0" smtClean="0"/>
+              <a:t>Tareas con Escala de confianza</a:t>
+            </a:r>
+            <a:endParaRPr lang="es-MX" b="1" dirty="0"/>
+          </a:p>
+        </p:txBody>
+      </p:sp>
+      <p:sp>
+        <p:nvSpPr>
+          <p:cNvPr id="3" name="Marcador de contenido 2"/>
+          <p:cNvSpPr>
+            <a:spLocks noGrp="1"/>
+          </p:cNvSpPr>
+          <p:nvPr>
+            <p:ph idx="1"/>
+          </p:nvPr>
+        </p:nvSpPr>
+        <p:spPr/>
+        <p:txBody>
+          <a:bodyPr/>
+          <a:lstStyle/>
+          <a:p>
+            <a:endParaRPr lang="es-MX" dirty="0"/>
+          </a:p>
+        </p:txBody>
+      </p:sp>
+      <p:pic>
+        <p:nvPicPr>
+          <p:cNvPr id="7" name="Imagen 6"/>
+          <p:cNvPicPr>
+            <a:picLocks noChangeAspect="1"/>
+          </p:cNvPicPr>
+          <p:nvPr/>
+        </p:nvPicPr>
+        <p:blipFill>
+          <a:blip r:embed="rId2"/>
+          <a:stretch>
+            <a:fillRect/>
+          </a:stretch>
+        </p:blipFill>
+        <p:spPr>
+          <a:xfrm>
+            <a:off x="2965261" y="2942887"/>
+            <a:ext cx="5395090" cy="3915113"/>
+          </a:xfrm>
+          <a:prstGeom prst="rect">
+            <a:avLst/>
+          </a:prstGeom>
+        </p:spPr>
+      </p:pic>
+      <p:pic>
+        <p:nvPicPr>
+          <p:cNvPr id="5" name="Imagen 4"/>
+          <p:cNvPicPr>
+            <a:picLocks noChangeAspect="1"/>
+          </p:cNvPicPr>
+          <p:nvPr/>
+        </p:nvPicPr>
+        <p:blipFill>
+          <a:blip r:embed="rId3"/>
+          <a:stretch>
+            <a:fillRect/>
+          </a:stretch>
+        </p:blipFill>
+        <p:spPr>
+          <a:xfrm>
+            <a:off x="2677208" y="2565556"/>
+            <a:ext cx="5683143" cy="4292444"/>
+          </a:xfrm>
+          <a:prstGeom prst="rect">
+            <a:avLst/>
+          </a:prstGeom>
+        </p:spPr>
+      </p:pic>
+      <p:pic>
+        <p:nvPicPr>
+          <p:cNvPr id="6" name="Imagen 5"/>
+          <p:cNvPicPr>
+            <a:picLocks noChangeAspect="1"/>
+          </p:cNvPicPr>
+          <p:nvPr/>
+        </p:nvPicPr>
+        <p:blipFill>
+          <a:blip r:embed="rId4"/>
+          <a:stretch>
+            <a:fillRect/>
+          </a:stretch>
+        </p:blipFill>
+        <p:spPr>
+          <a:xfrm>
+            <a:off x="2862262" y="1154202"/>
+            <a:ext cx="6467475" cy="1819275"/>
+          </a:xfrm>
+          <a:prstGeom prst="rect">
+            <a:avLst/>
+          </a:prstGeom>
+        </p:spPr>
+      </p:pic>
+    </p:spTree>
+    <p:extLst>
+      <p:ext uri="{BB962C8B-B14F-4D97-AF65-F5344CB8AC3E}">
+        <p14:creationId xmlns:p14="http://schemas.microsoft.com/office/powerpoint/2010/main" val="2076658594"/>
+      </p:ext>
+    </p:extLst>
+  </p:cSld>
+  <p:clrMapOvr>
+    <a:masterClrMapping/>
+  </p:clrMapOvr>
+  <p:timing>
+    <p:tnLst>
+      <p:par>
+        <p:cTn id="1" dur="indefinite" restart="never" nodeType="tmRoot"/>
+      </p:par>
+    </p:tnLst>
+  </p:timing>
+</p:sld>
+</file>
+
+<file path=ppt/slides/slide27.xml><?xml version="1.0" encoding="utf-8"?>
+<p:sld xmlns:a="http://schemas.openxmlformats.org/drawingml/2006/main" xmlns:r="http://schemas.openxmlformats.org/officeDocument/2006/relationships" xmlns:p="http://schemas.openxmlformats.org/presentationml/2006/main">
+  <p:cSld>
+    <p:spTree>
+      <p:nvGrpSpPr>
+        <p:cNvPr id="1" name=""/>
+        <p:cNvGrpSpPr/>
+        <p:nvPr/>
+      </p:nvGrpSpPr>
+      <p:grpSpPr>
+        <a:xfrm>
+          <a:off x="0" y="0"/>
+          <a:ext cx="0" cy="0"/>
+          <a:chOff x="0" y="0"/>
+          <a:chExt cx="0" cy="0"/>
+        </a:xfrm>
+      </p:grpSpPr>
+      <p:sp>
+        <p:nvSpPr>
+          <p:cNvPr id="2" name="Título 1"/>
+          <p:cNvSpPr>
+            <a:spLocks noGrp="1"/>
+          </p:cNvSpPr>
+          <p:nvPr>
+            <p:ph type="title"/>
+          </p:nvPr>
+        </p:nvSpPr>
         <p:spPr/>
         <p:txBody>
           <a:bodyPr/>
@@ -7193,7 +7317,7 @@
 </p:sld>
 </file>
 
-<file path=ppt/slides/slide27.xml><?xml version="1.0" encoding="utf-8"?>
+<file path=ppt/slides/slide28.xml><?xml version="1.0" encoding="utf-8"?>
 <p:sld xmlns:a="http://schemas.openxmlformats.org/drawingml/2006/main" xmlns:r="http://schemas.openxmlformats.org/officeDocument/2006/relationships" xmlns:p="http://schemas.openxmlformats.org/presentationml/2006/main">
   <p:cSld>
     <p:spTree>
@@ -7505,15 +7629,7 @@
           <a:p>
             <a:r>
               <a:rPr lang="es-MX" dirty="0" smtClean="0"/>
-              <a:t>¿Qué sugiere </a:t>
-            </a:r>
-            <a:r>
-              <a:rPr lang="es-MX" dirty="0" smtClean="0"/>
-              <a:t>el </a:t>
-            </a:r>
-            <a:r>
-              <a:rPr lang="es-MX" dirty="0" smtClean="0"/>
-              <a:t>Efecto Espejo sobre las tareas de reconocimiento?</a:t>
+              <a:t>¿Qué sugiere el Efecto Espejo sobre las tareas de reconocimiento?</a:t>
             </a:r>
             <a:endParaRPr lang="es-MX" dirty="0"/>
           </a:p>
@@ -7523,124 +7639,6 @@
     <p:extLst>
       <p:ext uri="{BB962C8B-B14F-4D97-AF65-F5344CB8AC3E}">
         <p14:creationId xmlns:p14="http://schemas.microsoft.com/office/powerpoint/2010/main" val="3798604733"/>
-      </p:ext>
-    </p:extLst>
-  </p:cSld>
-  <p:clrMapOvr>
-    <a:masterClrMapping/>
-  </p:clrMapOvr>
-  <p:timing>
-    <p:tnLst>
-      <p:par>
-        <p:cTn id="1" dur="indefinite" restart="never" nodeType="tmRoot"/>
-      </p:par>
-    </p:tnLst>
-  </p:timing>
-</p:sld>
-</file>
-
-<file path=ppt/slides/slide28.xml><?xml version="1.0" encoding="utf-8"?>
-<p:sld xmlns:a="http://schemas.openxmlformats.org/drawingml/2006/main" xmlns:r="http://schemas.openxmlformats.org/officeDocument/2006/relationships" xmlns:p="http://schemas.openxmlformats.org/presentationml/2006/main">
-  <p:cSld>
-    <p:spTree>
-      <p:nvGrpSpPr>
-        <p:cNvPr id="1" name=""/>
-        <p:cNvGrpSpPr/>
-        <p:nvPr/>
-      </p:nvGrpSpPr>
-      <p:grpSpPr>
-        <a:xfrm>
-          <a:off x="0" y="0"/>
-          <a:ext cx="0" cy="0"/>
-          <a:chOff x="0" y="0"/>
-          <a:chExt cx="0" cy="0"/>
-        </a:xfrm>
-      </p:grpSpPr>
-      <p:sp>
-        <p:nvSpPr>
-          <p:cNvPr id="2" name="Título 1"/>
-          <p:cNvSpPr>
-            <a:spLocks noGrp="1"/>
-          </p:cNvSpPr>
-          <p:nvPr>
-            <p:ph type="title"/>
-          </p:nvPr>
-        </p:nvSpPr>
-        <p:spPr/>
-        <p:txBody>
-          <a:bodyPr/>
-          <a:lstStyle/>
-          <a:p>
-            <a:r>
-              <a:rPr lang="es-MX" dirty="0" smtClean="0"/>
-              <a:t/>
-            </a:r>
-            <a:br>
-              <a:rPr lang="es-MX" dirty="0" smtClean="0"/>
-            </a:br>
-            <a:endParaRPr lang="es-MX" dirty="0"/>
-          </a:p>
-        </p:txBody>
-      </p:sp>
-      <p:sp>
-        <p:nvSpPr>
-          <p:cNvPr id="3" name="Marcador de contenido 2"/>
-          <p:cNvSpPr>
-            <a:spLocks noGrp="1"/>
-          </p:cNvSpPr>
-          <p:nvPr>
-            <p:ph idx="1"/>
-          </p:nvPr>
-        </p:nvSpPr>
-        <p:spPr>
-          <a:xfrm>
-            <a:off x="7876309" y="1539071"/>
-            <a:ext cx="3656038" cy="4351338"/>
-          </a:xfrm>
-        </p:spPr>
-        <p:txBody>
-          <a:bodyPr/>
-          <a:lstStyle/>
-          <a:p>
-            <a:pPr marL="0" indent="0" algn="ctr">
-              <a:buNone/>
-            </a:pPr>
-            <a:r>
-              <a:rPr lang="es-MX" b="1" dirty="0" smtClean="0"/>
-              <a:t>Efecto de la Frecuencia de uso en las palabras</a:t>
-            </a:r>
-            <a:endParaRPr lang="es-MX" b="1" dirty="0"/>
-          </a:p>
-        </p:txBody>
-      </p:sp>
-      <p:pic>
-        <p:nvPicPr>
-          <p:cNvPr id="4" name="Imagen 3"/>
-          <p:cNvPicPr>
-            <a:picLocks noChangeAspect="1"/>
-          </p:cNvPicPr>
-          <p:nvPr/>
-        </p:nvPicPr>
-        <p:blipFill>
-          <a:blip r:embed="rId2"/>
-          <a:stretch>
-            <a:fillRect/>
-          </a:stretch>
-        </p:blipFill>
-        <p:spPr>
-          <a:xfrm>
-            <a:off x="334851" y="847601"/>
-            <a:ext cx="7431110" cy="5540612"/>
-          </a:xfrm>
-          <a:prstGeom prst="rect">
-            <a:avLst/>
-          </a:prstGeom>
-        </p:spPr>
-      </p:pic>
-    </p:spTree>
-    <p:extLst>
-      <p:ext uri="{BB962C8B-B14F-4D97-AF65-F5344CB8AC3E}">
-        <p14:creationId xmlns:p14="http://schemas.microsoft.com/office/powerpoint/2010/main" val="1047482687"/>
       </p:ext>
     </p:extLst>
   </p:cSld>
@@ -7712,8 +7710,8 @@
         </p:nvSpPr>
         <p:spPr>
           <a:xfrm>
-            <a:off x="6800044" y="2370343"/>
-            <a:ext cx="4940121" cy="4351338"/>
+            <a:off x="7876309" y="1539071"/>
+            <a:ext cx="3656038" cy="4351338"/>
           </a:xfrm>
         </p:spPr>
         <p:txBody>
@@ -7725,7 +7723,7 @@
             </a:pPr>
             <a:r>
               <a:rPr lang="es-MX" b="1" dirty="0" smtClean="0"/>
-              <a:t>Teoría de Atención / Verosimilitud</a:t>
+              <a:t>Efecto de la Frecuencia de uso en las palabras</a:t>
             </a:r>
             <a:endParaRPr lang="es-MX" b="1" dirty="0"/>
           </a:p>
@@ -7758,7 +7756,7 @@
     </p:spTree>
     <p:extLst>
       <p:ext uri="{BB962C8B-B14F-4D97-AF65-F5344CB8AC3E}">
-        <p14:creationId xmlns:p14="http://schemas.microsoft.com/office/powerpoint/2010/main" val="828682486"/>
+        <p14:creationId xmlns:p14="http://schemas.microsoft.com/office/powerpoint/2010/main" val="1047482687"/>
       </p:ext>
     </p:extLst>
   </p:cSld>
@@ -7926,28 +7924,14 @@
           <a:bodyPr/>
           <a:lstStyle/>
           <a:p>
-            <a:pPr algn="ctr"/>
-            <a:r>
-              <a:rPr lang="es-MX" dirty="0" smtClean="0">
-                <a:effectLst>
-                  <a:outerShdw blurRad="38100" dist="38100" dir="2700000" algn="tl">
-                    <a:srgbClr val="000000">
-                      <a:alpha val="43137"/>
-                    </a:srgbClr>
-                  </a:outerShdw>
-                </a:effectLst>
-              </a:rPr>
-              <a:t>Planteamiento del Problema</a:t>
-            </a:r>
-            <a:endParaRPr lang="es-MX" dirty="0">
-              <a:effectLst>
-                <a:outerShdw blurRad="38100" dist="38100" dir="2700000" algn="tl">
-                  <a:srgbClr val="000000">
-                    <a:alpha val="43137"/>
-                  </a:srgbClr>
-                </a:outerShdw>
-              </a:effectLst>
-            </a:endParaRPr>
+            <a:r>
+              <a:rPr lang="es-MX" dirty="0" smtClean="0"/>
+              <a:t/>
+            </a:r>
+            <a:br>
+              <a:rPr lang="es-MX" dirty="0" smtClean="0"/>
+            </a:br>
+            <a:endParaRPr lang="es-MX" dirty="0"/>
           </a:p>
         </p:txBody>
       </p:sp>
@@ -7963,44 +7947,53 @@
         </p:nvSpPr>
         <p:spPr>
           <a:xfrm>
-            <a:off x="838200" y="1561574"/>
-            <a:ext cx="10515600" cy="4351338"/>
+            <a:off x="6800044" y="2370343"/>
+            <a:ext cx="4940121" cy="4351338"/>
           </a:xfrm>
         </p:spPr>
         <p:txBody>
           <a:bodyPr/>
           <a:lstStyle/>
           <a:p>
-            <a:pPr marL="0" indent="0">
+            <a:pPr marL="0" indent="0" algn="ctr">
               <a:buNone/>
             </a:pPr>
             <a:r>
               <a:rPr lang="es-MX" b="1" dirty="0" smtClean="0"/>
-              <a:t>El Efecto Espejo sólo ha sido reportado en estudios de Memoria de Reconocimiento </a:t>
-            </a:r>
-            <a:r>
-              <a:rPr lang="es-MX" dirty="0" smtClean="0"/>
-              <a:t>que aplican la TDS para comparar el desempeño de los participantes entre las clases A y B.</a:t>
-            </a:r>
-          </a:p>
-          <a:p>
-            <a:pPr marL="0" indent="0">
-              <a:buNone/>
-            </a:pPr>
-            <a:endParaRPr lang="es-MX" dirty="0"/>
-          </a:p>
-          <a:p>
-            <a:pPr marL="0" indent="0">
-              <a:buNone/>
-            </a:pPr>
-            <a:endParaRPr lang="es-MX" dirty="0" smtClean="0"/>
-          </a:p>
-        </p:txBody>
-      </p:sp>
+              <a:t>Teoría de Atención / Verosimilitud</a:t>
+            </a:r>
+            <a:endParaRPr lang="es-MX" b="1" dirty="0"/>
+          </a:p>
+        </p:txBody>
+      </p:sp>
+      <p:pic>
+        <p:nvPicPr>
+          <p:cNvPr id="4" name="Imagen 3"/>
+          <p:cNvPicPr>
+            <a:picLocks noChangeAspect="1"/>
+          </p:cNvPicPr>
+          <p:nvPr/>
+        </p:nvPicPr>
+        <p:blipFill>
+          <a:blip r:embed="rId2"/>
+          <a:stretch>
+            <a:fillRect/>
+          </a:stretch>
+        </p:blipFill>
+        <p:spPr>
+          <a:xfrm>
+            <a:off x="334851" y="847601"/>
+            <a:ext cx="7431110" cy="5540612"/>
+          </a:xfrm>
+          <a:prstGeom prst="rect">
+            <a:avLst/>
+          </a:prstGeom>
+        </p:spPr>
+      </p:pic>
     </p:spTree>
     <p:extLst>
       <p:ext uri="{BB962C8B-B14F-4D97-AF65-F5344CB8AC3E}">
-        <p14:creationId xmlns:p14="http://schemas.microsoft.com/office/powerpoint/2010/main" val="4179422408"/>
+        <p14:creationId xmlns:p14="http://schemas.microsoft.com/office/powerpoint/2010/main" val="828682486"/>
       </p:ext>
     </p:extLst>
   </p:cSld>
@@ -8118,92 +8111,12 @@
             </a:pPr>
             <a:endParaRPr lang="es-MX" dirty="0" smtClean="0"/>
           </a:p>
-          <a:p>
-            <a:pPr marL="0" indent="0">
-              <a:buNone/>
-            </a:pPr>
-            <a:endParaRPr lang="es-MX" dirty="0"/>
-          </a:p>
-          <a:p>
-            <a:pPr marL="0" indent="0">
-              <a:buNone/>
-            </a:pPr>
-            <a:endParaRPr lang="es-MX" dirty="0" smtClean="0"/>
-          </a:p>
-          <a:p>
-            <a:pPr marL="0" indent="0">
-              <a:buNone/>
-            </a:pPr>
-            <a:r>
-              <a:rPr lang="es-MX" dirty="0" smtClean="0"/>
-              <a:t>Explorar la </a:t>
-            </a:r>
-            <a:r>
-              <a:rPr lang="es-MX" dirty="0" err="1" smtClean="0"/>
-              <a:t>generalizabilidad</a:t>
-            </a:r>
-            <a:r>
-              <a:rPr lang="es-MX" dirty="0" smtClean="0"/>
-              <a:t> del Efecto Espejo a otras áreas donde se haya aplicado la TDS.</a:t>
-            </a:r>
-            <a:endParaRPr lang="es-MX" dirty="0"/>
-          </a:p>
-        </p:txBody>
-      </p:sp>
-      <p:sp>
-        <p:nvSpPr>
-          <p:cNvPr id="4" name="Título 1"/>
-          <p:cNvSpPr txBox="1">
-            <a:spLocks/>
-          </p:cNvSpPr>
-          <p:nvPr/>
-        </p:nvSpPr>
-        <p:spPr>
-          <a:xfrm>
-            <a:off x="838200" y="3737243"/>
-            <a:ext cx="10515600" cy="1325563"/>
-          </a:xfrm>
-          <a:prstGeom prst="rect">
-            <a:avLst/>
-          </a:prstGeom>
-        </p:spPr>
-        <p:txBody>
-          <a:bodyPr vert="horz" lIns="91440" tIns="45720" rIns="91440" bIns="45720" rtlCol="0" anchor="ctr">
-            <a:normAutofit/>
-          </a:bodyPr>
-          <a:lstStyle>
-            <a:lvl1pPr algn="l" defTabSz="914400" rtl="0" eaLnBrk="1" latinLnBrk="0" hangingPunct="1">
-              <a:lnSpc>
-                <a:spcPct val="90000"/>
-              </a:lnSpc>
-              <a:spcBef>
-                <a:spcPct val="0"/>
-              </a:spcBef>
-              <a:buNone/>
-              <a:defRPr sz="4400" kern="1200">
-                <a:solidFill>
-                  <a:schemeClr val="tx1"/>
-                </a:solidFill>
-                <a:latin typeface="+mj-lt"/>
-                <a:ea typeface="+mj-ea"/>
-                <a:cs typeface="+mj-cs"/>
-              </a:defRPr>
-            </a:lvl1pPr>
-          </a:lstStyle>
-          <a:p>
-            <a:pPr algn="ctr"/>
-            <a:r>
-              <a:rPr lang="es-MX" b="1" dirty="0" smtClean="0"/>
-              <a:t>Objetivo</a:t>
-            </a:r>
-            <a:endParaRPr lang="es-MX" b="1" dirty="0"/>
-          </a:p>
         </p:txBody>
       </p:sp>
     </p:spTree>
     <p:extLst>
       <p:ext uri="{BB962C8B-B14F-4D97-AF65-F5344CB8AC3E}">
-        <p14:creationId xmlns:p14="http://schemas.microsoft.com/office/powerpoint/2010/main" val="3297511352"/>
+        <p14:creationId xmlns:p14="http://schemas.microsoft.com/office/powerpoint/2010/main" val="4179422408"/>
       </p:ext>
     </p:extLst>
   </p:cSld>
@@ -8244,178 +8157,169 @@
             <a:spLocks noGrp="1"/>
           </p:cNvSpPr>
           <p:nvPr>
-            <p:ph type="ctrTitle"/>
-          </p:nvPr>
-        </p:nvSpPr>
-        <p:spPr>
-          <a:xfrm>
-            <a:off x="0" y="2267496"/>
-            <a:ext cx="8306873" cy="1480256"/>
-          </a:xfrm>
-          <a:solidFill>
-            <a:schemeClr val="tx1"/>
-          </a:solidFill>
-        </p:spPr>
-        <p:txBody>
-          <a:bodyPr>
-            <a:normAutofit/>
-          </a:bodyPr>
-          <a:lstStyle/>
-          <a:p>
-            <a:r>
-              <a:rPr lang="es-MX" sz="6700" b="1" dirty="0" smtClean="0">
-                <a:solidFill>
-                  <a:schemeClr val="bg1"/>
-                </a:solidFill>
+            <p:ph type="title"/>
+          </p:nvPr>
+        </p:nvSpPr>
+        <p:spPr/>
+        <p:txBody>
+          <a:bodyPr/>
+          <a:lstStyle/>
+          <a:p>
+            <a:pPr algn="ctr"/>
+            <a:r>
+              <a:rPr lang="es-MX" dirty="0" smtClean="0">
+                <a:effectLst>
+                  <a:outerShdw blurRad="38100" dist="38100" dir="2700000" algn="tl">
+                    <a:srgbClr val="000000">
+                      <a:alpha val="43137"/>
+                    </a:srgbClr>
+                  </a:outerShdw>
+                </a:effectLst>
               </a:rPr>
-              <a:t>Método</a:t>
-            </a:r>
-            <a:endParaRPr lang="es-MX" b="1" dirty="0">
-              <a:solidFill>
-                <a:schemeClr val="bg1"/>
-              </a:solidFill>
+              <a:t>Planteamiento del Problema</a:t>
+            </a:r>
+            <a:endParaRPr lang="es-MX" dirty="0">
+              <a:effectLst>
+                <a:outerShdw blurRad="38100" dist="38100" dir="2700000" algn="tl">
+                  <a:srgbClr val="000000">
+                    <a:alpha val="43137"/>
+                  </a:srgbClr>
+                </a:outerShdw>
+              </a:effectLst>
             </a:endParaRPr>
           </a:p>
         </p:txBody>
       </p:sp>
       <p:sp>
         <p:nvSpPr>
-          <p:cNvPr id="3" name="Subtítulo 2"/>
-          <p:cNvSpPr>
-            <a:spLocks noGrp="1"/>
-          </p:cNvSpPr>
-          <p:nvPr>
-            <p:ph type="subTitle" idx="1"/>
-          </p:nvPr>
-        </p:nvSpPr>
-        <p:spPr>
-          <a:xfrm>
-            <a:off x="1523999" y="5763622"/>
-            <a:ext cx="9144000" cy="792349"/>
+          <p:cNvPr id="3" name="Marcador de contenido 2"/>
+          <p:cNvSpPr>
+            <a:spLocks noGrp="1"/>
+          </p:cNvSpPr>
+          <p:nvPr>
+            <p:ph idx="1"/>
+          </p:nvPr>
+        </p:nvSpPr>
+        <p:spPr>
+          <a:xfrm>
+            <a:off x="838200" y="1561574"/>
+            <a:ext cx="10515600" cy="4351338"/>
           </a:xfrm>
         </p:spPr>
         <p:txBody>
           <a:bodyPr/>
           <a:lstStyle/>
           <a:p>
+            <a:pPr marL="0" indent="0">
+              <a:buNone/>
+            </a:pPr>
+            <a:r>
+              <a:rPr lang="es-MX" b="1" dirty="0" smtClean="0"/>
+              <a:t>El Efecto Espejo sólo ha sido reportado en estudios de Memoria de Reconocimiento </a:t>
+            </a:r>
             <a:r>
               <a:rPr lang="es-MX" dirty="0" smtClean="0"/>
-              <a:t>por Adriana Felisa Chávez De la Peña</a:t>
-            </a:r>
+              <a:t>que aplican la TDS para comparar el desempeño de los participantes entre las clases A y B.</a:t>
+            </a:r>
+          </a:p>
+          <a:p>
+            <a:pPr marL="0" indent="0">
+              <a:buNone/>
+            </a:pPr>
             <a:endParaRPr lang="es-MX" dirty="0"/>
           </a:p>
-        </p:txBody>
-      </p:sp>
-      <p:pic>
-        <p:nvPicPr>
-          <p:cNvPr id="4" name="Picture 4" descr="Resultado de imagen para UNAM logo"/>
-          <p:cNvPicPr>
-            <a:picLocks noChangeAspect="1" noChangeArrowheads="1"/>
-          </p:cNvPicPr>
+          <a:p>
+            <a:pPr marL="0" indent="0">
+              <a:buNone/>
+            </a:pPr>
+            <a:endParaRPr lang="es-MX" dirty="0" smtClean="0"/>
+          </a:p>
+          <a:p>
+            <a:pPr marL="0" indent="0">
+              <a:buNone/>
+            </a:pPr>
+            <a:endParaRPr lang="es-MX" dirty="0"/>
+          </a:p>
+          <a:p>
+            <a:pPr marL="0" indent="0">
+              <a:buNone/>
+            </a:pPr>
+            <a:endParaRPr lang="es-MX" dirty="0" smtClean="0"/>
+          </a:p>
+          <a:p>
+            <a:pPr marL="0" indent="0">
+              <a:buNone/>
+            </a:pPr>
+            <a:r>
+              <a:rPr lang="es-MX" dirty="0" smtClean="0"/>
+              <a:t>Explorar la </a:t>
+            </a:r>
+            <a:r>
+              <a:rPr lang="es-MX" dirty="0" err="1" smtClean="0"/>
+              <a:t>generalizabilidad</a:t>
+            </a:r>
+            <a:r>
+              <a:rPr lang="es-MX" dirty="0" smtClean="0"/>
+              <a:t> del Efecto Espejo a otras áreas donde se haya aplicado la TDS.</a:t>
+            </a:r>
+            <a:endParaRPr lang="es-MX" dirty="0"/>
+          </a:p>
+        </p:txBody>
+      </p:sp>
+      <p:sp>
+        <p:nvSpPr>
+          <p:cNvPr id="4" name="Título 1"/>
+          <p:cNvSpPr txBox="1">
+            <a:spLocks/>
+          </p:cNvSpPr>
           <p:nvPr/>
-        </p:nvPicPr>
-        <p:blipFill>
-          <a:blip r:embed="rId2">
-            <a:extLst>
-              <a:ext uri="{28A0092B-C50C-407E-A947-70E740481C1C}">
-                <a14:useLocalDpi xmlns:a14="http://schemas.microsoft.com/office/drawing/2010/main" val="0"/>
-              </a:ext>
-            </a:extLst>
-          </a:blip>
-          <a:srcRect/>
-          <a:stretch>
-            <a:fillRect/>
-          </a:stretch>
-        </p:blipFill>
-        <p:spPr bwMode="auto">
-          <a:xfrm>
-            <a:off x="91776" y="160346"/>
-            <a:ext cx="3502025" cy="1255245"/>
+        </p:nvSpPr>
+        <p:spPr>
+          <a:xfrm>
+            <a:off x="838200" y="3737243"/>
+            <a:ext cx="10515600" cy="1325563"/>
           </a:xfrm>
           <a:prstGeom prst="rect">
             <a:avLst/>
           </a:prstGeom>
-          <a:noFill/>
-          <a:extLst>
-            <a:ext uri="{909E8E84-426E-40DD-AFC4-6F175D3DCCD1}">
-              <a14:hiddenFill xmlns:a14="http://schemas.microsoft.com/office/drawing/2010/main">
+        </p:spPr>
+        <p:txBody>
+          <a:bodyPr vert="horz" lIns="91440" tIns="45720" rIns="91440" bIns="45720" rtlCol="0" anchor="ctr">
+            <a:normAutofit/>
+          </a:bodyPr>
+          <a:lstStyle>
+            <a:lvl1pPr algn="l" defTabSz="914400" rtl="0" eaLnBrk="1" latinLnBrk="0" hangingPunct="1">
+              <a:lnSpc>
+                <a:spcPct val="90000"/>
+              </a:lnSpc>
+              <a:spcBef>
+                <a:spcPct val="0"/>
+              </a:spcBef>
+              <a:buNone/>
+              <a:defRPr sz="4400" kern="1200">
                 <a:solidFill>
-                  <a:srgbClr val="FFFFFF"/>
+                  <a:schemeClr val="tx1"/>
                 </a:solidFill>
-              </a14:hiddenFill>
-            </a:ext>
-          </a:extLst>
-        </p:spPr>
-      </p:pic>
-      <p:pic>
-        <p:nvPicPr>
-          <p:cNvPr id="5" name="Picture 6" descr="Imagen relacionada"/>
-          <p:cNvPicPr>
-            <a:picLocks noChangeAspect="1" noChangeArrowheads="1"/>
-          </p:cNvPicPr>
-          <p:nvPr/>
-        </p:nvPicPr>
-        <p:blipFill>
-          <a:blip r:embed="rId3" cstate="print">
-            <a:extLst>
-              <a:ext uri="{28A0092B-C50C-407E-A947-70E740481C1C}">
-                <a14:useLocalDpi xmlns:a14="http://schemas.microsoft.com/office/drawing/2010/main" val="0"/>
-              </a:ext>
-            </a:extLst>
-          </a:blip>
-          <a:srcRect/>
-          <a:stretch>
-            <a:fillRect/>
-          </a:stretch>
-        </p:blipFill>
-        <p:spPr bwMode="auto">
-          <a:xfrm>
-            <a:off x="357113" y="5058731"/>
-            <a:ext cx="1485675" cy="1409782"/>
-          </a:xfrm>
-          <a:prstGeom prst="rect">
-            <a:avLst/>
-          </a:prstGeom>
-          <a:noFill/>
-          <a:extLst>
-            <a:ext uri="{909E8E84-426E-40DD-AFC4-6F175D3DCCD1}">
-              <a14:hiddenFill xmlns:a14="http://schemas.microsoft.com/office/drawing/2010/main">
-                <a:solidFill>
-                  <a:srgbClr val="FFFFFF"/>
-                </a:solidFill>
-              </a14:hiddenFill>
-            </a:ext>
-          </a:extLst>
-        </p:spPr>
-      </p:pic>
-      <p:pic>
-        <p:nvPicPr>
-          <p:cNvPr id="6" name="Imagen 5"/>
-          <p:cNvPicPr>
-            <a:picLocks noChangeAspect="1"/>
-          </p:cNvPicPr>
-          <p:nvPr/>
-        </p:nvPicPr>
-        <p:blipFill>
-          <a:blip r:embed="rId4"/>
-          <a:stretch>
-            <a:fillRect/>
-          </a:stretch>
-        </p:blipFill>
-        <p:spPr>
-          <a:xfrm>
-            <a:off x="8667480" y="1806901"/>
-            <a:ext cx="3258355" cy="2604101"/>
-          </a:xfrm>
-          <a:prstGeom prst="rect">
-            <a:avLst/>
-          </a:prstGeom>
-        </p:spPr>
-      </p:pic>
+                <a:latin typeface="+mj-lt"/>
+                <a:ea typeface="+mj-ea"/>
+                <a:cs typeface="+mj-cs"/>
+              </a:defRPr>
+            </a:lvl1pPr>
+          </a:lstStyle>
+          <a:p>
+            <a:pPr algn="ctr"/>
+            <a:r>
+              <a:rPr lang="es-MX" b="1" dirty="0" smtClean="0"/>
+              <a:t>Objetivo</a:t>
+            </a:r>
+            <a:endParaRPr lang="es-MX" b="1" dirty="0"/>
+          </a:p>
+        </p:txBody>
+      </p:sp>
     </p:spTree>
     <p:extLst>
       <p:ext uri="{BB962C8B-B14F-4D97-AF65-F5344CB8AC3E}">
-        <p14:creationId xmlns:p14="http://schemas.microsoft.com/office/powerpoint/2010/main" val="346496644"/>
+        <p14:creationId xmlns:p14="http://schemas.microsoft.com/office/powerpoint/2010/main" val="3297511352"/>
       </p:ext>
     </p:extLst>
   </p:cSld>
@@ -8451,107 +8355,68 @@
       </p:grpSpPr>
       <p:sp>
         <p:nvSpPr>
-          <p:cNvPr id="3" name="Marcador de contenido 2"/>
-          <p:cNvSpPr>
-            <a:spLocks noGrp="1"/>
-          </p:cNvSpPr>
-          <p:nvPr>
-            <p:ph idx="1"/>
-          </p:nvPr>
-        </p:nvSpPr>
-        <p:spPr>
-          <a:xfrm>
-            <a:off x="361682" y="1902899"/>
-            <a:ext cx="6180786" cy="4351338"/>
-          </a:xfrm>
+          <p:cNvPr id="2" name="Título 1"/>
+          <p:cNvSpPr>
+            <a:spLocks noGrp="1"/>
+          </p:cNvSpPr>
+          <p:nvPr>
+            <p:ph type="ctrTitle"/>
+          </p:nvPr>
+        </p:nvSpPr>
+        <p:spPr>
+          <a:xfrm>
+            <a:off x="0" y="2267496"/>
+            <a:ext cx="8306873" cy="1480256"/>
+          </a:xfrm>
+          <a:solidFill>
+            <a:schemeClr val="tx1"/>
+          </a:solidFill>
         </p:spPr>
         <p:txBody>
           <a:bodyPr>
-            <a:normAutofit lnSpcReduction="10000"/>
+            <a:normAutofit/>
           </a:bodyPr>
           <a:lstStyle/>
           <a:p>
             <a:r>
-              <a:rPr lang="es-MX" sz="4800" b="1" dirty="0" smtClean="0"/>
-              <a:t>OBJETIVO: </a:t>
-            </a:r>
-            <a:r>
-              <a:rPr lang="es-MX" sz="4800" dirty="0" smtClean="0"/>
-              <a:t>Buscar </a:t>
-            </a:r>
-            <a:r>
-              <a:rPr lang="es-MX" sz="4800" dirty="0"/>
-              <a:t>evidencia del Efecto Espejo fuera del área de Memoria de </a:t>
-            </a:r>
-            <a:r>
-              <a:rPr lang="es-MX" sz="4800" dirty="0" smtClean="0"/>
-              <a:t>Reconocimiento, en una </a:t>
-            </a:r>
-            <a:r>
-              <a:rPr lang="es-MX" sz="4800" b="1" dirty="0" smtClean="0"/>
-              <a:t>tarea de detección perceptual</a:t>
-            </a:r>
-            <a:r>
-              <a:rPr lang="es-MX" sz="4800" dirty="0" smtClean="0"/>
-              <a:t>.</a:t>
-            </a:r>
-          </a:p>
-          <a:p>
-            <a:endParaRPr lang="es-MX" sz="4800" dirty="0" smtClean="0"/>
-          </a:p>
-        </p:txBody>
-      </p:sp>
-      <p:sp>
-        <p:nvSpPr>
-          <p:cNvPr id="4" name="Título 1"/>
-          <p:cNvSpPr txBox="1">
-            <a:spLocks/>
-          </p:cNvSpPr>
-          <p:nvPr/>
-        </p:nvSpPr>
-        <p:spPr>
-          <a:xfrm>
-            <a:off x="5346356" y="739581"/>
-            <a:ext cx="6845643" cy="491095"/>
-          </a:xfrm>
-          <a:prstGeom prst="rect">
-            <a:avLst/>
-          </a:prstGeom>
-          <a:solidFill>
-            <a:schemeClr val="accent3">
-              <a:lumMod val="40000"/>
-              <a:lumOff val="60000"/>
-            </a:schemeClr>
-          </a:solidFill>
-        </p:spPr>
-        <p:txBody>
-          <a:bodyPr vert="horz" lIns="91440" tIns="45720" rIns="91440" bIns="45720" rtlCol="0" anchor="ctr">
-            <a:normAutofit fontScale="85000" lnSpcReduction="20000"/>
-          </a:bodyPr>
-          <a:lstStyle>
-            <a:lvl1pPr algn="l" defTabSz="914400" rtl="0" eaLnBrk="1" latinLnBrk="0" hangingPunct="1">
-              <a:lnSpc>
-                <a:spcPct val="90000"/>
-              </a:lnSpc>
-              <a:spcBef>
-                <a:spcPct val="0"/>
-              </a:spcBef>
-              <a:buNone/>
-              <a:defRPr sz="4400" kern="1200">
+              <a:rPr lang="es-MX" sz="6700" b="1" dirty="0" smtClean="0">
                 <a:solidFill>
-                  <a:schemeClr val="tx1"/>
+                  <a:schemeClr val="bg1"/>
                 </a:solidFill>
-                <a:latin typeface="+mj-lt"/>
-                <a:ea typeface="+mj-ea"/>
-                <a:cs typeface="+mj-cs"/>
-              </a:defRPr>
-            </a:lvl1pPr>
-          </a:lstStyle>
-          <a:p>
-            <a:pPr algn="r"/>
+              </a:rPr>
+              <a:t>Método</a:t>
+            </a:r>
+            <a:endParaRPr lang="es-MX" b="1" dirty="0">
+              <a:solidFill>
+                <a:schemeClr val="bg1"/>
+              </a:solidFill>
+            </a:endParaRPr>
+          </a:p>
+        </p:txBody>
+      </p:sp>
+      <p:sp>
+        <p:nvSpPr>
+          <p:cNvPr id="3" name="Subtítulo 2"/>
+          <p:cNvSpPr>
+            <a:spLocks noGrp="1"/>
+          </p:cNvSpPr>
+          <p:nvPr>
+            <p:ph type="subTitle" idx="1"/>
+          </p:nvPr>
+        </p:nvSpPr>
+        <p:spPr>
+          <a:xfrm>
+            <a:off x="1523999" y="5763622"/>
+            <a:ext cx="9144000" cy="792349"/>
+          </a:xfrm>
+        </p:spPr>
+        <p:txBody>
+          <a:bodyPr/>
+          <a:lstStyle/>
+          <a:p>
             <a:r>
               <a:rPr lang="es-MX" dirty="0" smtClean="0"/>
-              <a:t>Planteamiento general</a:t>
+              <a:t>por Adriana Felisa Chávez De la Peña</a:t>
             </a:r>
             <a:endParaRPr lang="es-MX" dirty="0"/>
           </a:p>
@@ -8559,14 +8424,14 @@
       </p:sp>
       <p:pic>
         <p:nvPicPr>
-          <p:cNvPr id="5" name="Picture 2" descr="C:\Users\Adrifelcha\Desktop\Felisa\Tesis\Tesis Template\Figures\Ebbinghaus.png"/>
+          <p:cNvPr id="4" name="Picture 4" descr="Resultado de imagen para UNAM logo"/>
           <p:cNvPicPr>
             <a:picLocks noChangeAspect="1" noChangeArrowheads="1"/>
           </p:cNvPicPr>
           <p:nvPr/>
         </p:nvPicPr>
         <p:blipFill>
-          <a:blip r:embed="rId2" cstate="print">
+          <a:blip r:embed="rId2">
             <a:extLst>
               <a:ext uri="{28A0092B-C50C-407E-A947-70E740481C1C}">
                 <a14:useLocalDpi xmlns:a14="http://schemas.microsoft.com/office/drawing/2010/main" val="0"/>
@@ -8580,8 +8445,8 @@
         </p:blipFill>
         <p:spPr bwMode="auto">
           <a:xfrm>
-            <a:off x="6883888" y="2266682"/>
-            <a:ext cx="4981057" cy="3046612"/>
+            <a:off x="91776" y="160346"/>
+            <a:ext cx="3502025" cy="1255245"/>
           </a:xfrm>
           <a:prstGeom prst="rect">
             <a:avLst/>
@@ -8598,36 +8463,75 @@
           </a:extLst>
         </p:spPr>
       </p:pic>
-      <p:sp>
-        <p:nvSpPr>
-          <p:cNvPr id="6" name="Título 5"/>
-          <p:cNvSpPr>
-            <a:spLocks noGrp="1"/>
-          </p:cNvSpPr>
-          <p:nvPr>
-            <p:ph type="title"/>
-          </p:nvPr>
-        </p:nvSpPr>
-        <p:spPr/>
-        <p:txBody>
-          <a:bodyPr/>
-          <a:lstStyle/>
-          <a:p>
-            <a:r>
-              <a:rPr lang="es-MX" dirty="0" smtClean="0"/>
-              <a:t/>
-            </a:r>
-            <a:br>
-              <a:rPr lang="es-MX" dirty="0" smtClean="0"/>
-            </a:br>
-            <a:endParaRPr lang="es-MX" dirty="0"/>
-          </a:p>
-        </p:txBody>
-      </p:sp>
+      <p:pic>
+        <p:nvPicPr>
+          <p:cNvPr id="5" name="Picture 6" descr="Imagen relacionada"/>
+          <p:cNvPicPr>
+            <a:picLocks noChangeAspect="1" noChangeArrowheads="1"/>
+          </p:cNvPicPr>
+          <p:nvPr/>
+        </p:nvPicPr>
+        <p:blipFill>
+          <a:blip r:embed="rId3" cstate="print">
+            <a:extLst>
+              <a:ext uri="{28A0092B-C50C-407E-A947-70E740481C1C}">
+                <a14:useLocalDpi xmlns:a14="http://schemas.microsoft.com/office/drawing/2010/main" val="0"/>
+              </a:ext>
+            </a:extLst>
+          </a:blip>
+          <a:srcRect/>
+          <a:stretch>
+            <a:fillRect/>
+          </a:stretch>
+        </p:blipFill>
+        <p:spPr bwMode="auto">
+          <a:xfrm>
+            <a:off x="357113" y="5058731"/>
+            <a:ext cx="1485675" cy="1409782"/>
+          </a:xfrm>
+          <a:prstGeom prst="rect">
+            <a:avLst/>
+          </a:prstGeom>
+          <a:noFill/>
+          <a:extLst>
+            <a:ext uri="{909E8E84-426E-40DD-AFC4-6F175D3DCCD1}">
+              <a14:hiddenFill xmlns:a14="http://schemas.microsoft.com/office/drawing/2010/main">
+                <a:solidFill>
+                  <a:srgbClr val="FFFFFF"/>
+                </a:solidFill>
+              </a14:hiddenFill>
+            </a:ext>
+          </a:extLst>
+        </p:spPr>
+      </p:pic>
+      <p:pic>
+        <p:nvPicPr>
+          <p:cNvPr id="6" name="Imagen 5"/>
+          <p:cNvPicPr>
+            <a:picLocks noChangeAspect="1"/>
+          </p:cNvPicPr>
+          <p:nvPr/>
+        </p:nvPicPr>
+        <p:blipFill>
+          <a:blip r:embed="rId4"/>
+          <a:stretch>
+            <a:fillRect/>
+          </a:stretch>
+        </p:blipFill>
+        <p:spPr>
+          <a:xfrm>
+            <a:off x="8667480" y="1806901"/>
+            <a:ext cx="3258355" cy="2604101"/>
+          </a:xfrm>
+          <a:prstGeom prst="rect">
+            <a:avLst/>
+          </a:prstGeom>
+        </p:spPr>
+      </p:pic>
     </p:spTree>
     <p:extLst>
       <p:ext uri="{BB962C8B-B14F-4D97-AF65-F5344CB8AC3E}">
-        <p14:creationId xmlns:p14="http://schemas.microsoft.com/office/powerpoint/2010/main" val="2527740126"/>
+        <p14:creationId xmlns:p14="http://schemas.microsoft.com/office/powerpoint/2010/main" val="346496644"/>
       </p:ext>
     </p:extLst>
   </p:cSld>
@@ -8673,59 +8577,43 @@
         </p:nvSpPr>
         <p:spPr>
           <a:xfrm>
-            <a:off x="5815913" y="1825625"/>
-            <a:ext cx="5815913" cy="4351338"/>
-          </a:xfrm>
-        </p:spPr>
-        <p:txBody>
-          <a:bodyPr/>
-          <a:lstStyle/>
-          <a:p>
-            <a:r>
-              <a:rPr lang="es-MX" dirty="0" smtClean="0"/>
-              <a:t>Las clases A y B se construyeron de acuerdo a la literatura (</a:t>
-            </a:r>
-            <a:r>
-              <a:rPr lang="es-MX" dirty="0" err="1" smtClean="0"/>
-              <a:t>Massaro</a:t>
-            </a:r>
-            <a:r>
-              <a:rPr lang="es-MX" dirty="0" smtClean="0"/>
-              <a:t> &amp; Anderson, 1971)</a:t>
-            </a:r>
-          </a:p>
-          <a:p>
-            <a:endParaRPr lang="es-MX" dirty="0"/>
-          </a:p>
-          <a:p>
-            <a:r>
-              <a:rPr lang="es-MX" dirty="0" smtClean="0"/>
-              <a:t>Clase A: “Pocos” círculos externos</a:t>
-            </a:r>
-          </a:p>
-          <a:p>
-            <a:pPr lvl="1"/>
-            <a:r>
-              <a:rPr lang="es-MX" dirty="0" smtClean="0"/>
-              <a:t>Dos Niveles : 2 y 3 círculos externos</a:t>
-            </a:r>
-          </a:p>
-          <a:p>
-            <a:endParaRPr lang="es-MX" dirty="0"/>
-          </a:p>
-          <a:p>
-            <a:r>
-              <a:rPr lang="es-MX" dirty="0" smtClean="0"/>
-              <a:t>Clase B: “Muchos” círculos externos</a:t>
-            </a:r>
-          </a:p>
-          <a:p>
-            <a:pPr lvl="1"/>
-            <a:r>
-              <a:rPr lang="es-MX" dirty="0" smtClean="0"/>
-              <a:t>Dos Niveles: 7 y 8 círculos externos</a:t>
-            </a:r>
-            <a:endParaRPr lang="es-MX" dirty="0"/>
+            <a:off x="361682" y="1902899"/>
+            <a:ext cx="6180786" cy="4351338"/>
+          </a:xfrm>
+        </p:spPr>
+        <p:txBody>
+          <a:bodyPr>
+            <a:normAutofit lnSpcReduction="10000"/>
+          </a:bodyPr>
+          <a:lstStyle/>
+          <a:p>
+            <a:r>
+              <a:rPr lang="es-MX" sz="4800" b="1" dirty="0" smtClean="0"/>
+              <a:t>OBJETIVO: </a:t>
+            </a:r>
+            <a:r>
+              <a:rPr lang="es-MX" sz="4800" dirty="0" smtClean="0"/>
+              <a:t>Buscar </a:t>
+            </a:r>
+            <a:r>
+              <a:rPr lang="es-MX" sz="4800" dirty="0"/>
+              <a:t>evidencia del Efecto Espejo fuera del área de Memoria de </a:t>
+            </a:r>
+            <a:r>
+              <a:rPr lang="es-MX" sz="4800" dirty="0" smtClean="0"/>
+              <a:t>Reconocimiento, en una </a:t>
+            </a:r>
+            <a:r>
+              <a:rPr lang="es-MX" sz="4800" b="1" dirty="0" smtClean="0"/>
+              <a:t>tarea de detección perceptual</a:t>
+            </a:r>
+            <a:r>
+              <a:rPr lang="es-MX" sz="4800" dirty="0" smtClean="0"/>
+              <a:t>.</a:t>
+            </a:r>
+          </a:p>
+          <a:p>
+            <a:endParaRPr lang="es-MX" sz="4800" dirty="0" smtClean="0"/>
           </a:p>
         </p:txBody>
       </p:sp>
@@ -8779,7 +8667,7 @@
             <a:pPr algn="r"/>
             <a:r>
               <a:rPr lang="es-MX" dirty="0" smtClean="0"/>
-              <a:t>Diseño Experimental</a:t>
+              <a:t>Planteamiento general</a:t>
             </a:r>
             <a:endParaRPr lang="es-MX" dirty="0"/>
           </a:p>
@@ -8787,26 +8675,43 @@
       </p:sp>
       <p:pic>
         <p:nvPicPr>
-          <p:cNvPr id="5" name="Imagen 4"/>
+          <p:cNvPr id="5" name="Picture 2" descr="C:\Users\Adrifelcha\Desktop\Felisa\Tesis\Tesis Template\Figures\Ebbinghaus.png"/>
           <p:cNvPicPr>
-            <a:picLocks noChangeAspect="1"/>
+            <a:picLocks noChangeAspect="1" noChangeArrowheads="1"/>
           </p:cNvPicPr>
           <p:nvPr/>
         </p:nvPicPr>
         <p:blipFill>
-          <a:blip r:embed="rId2"/>
+          <a:blip r:embed="rId2" cstate="print">
+            <a:extLst>
+              <a:ext uri="{28A0092B-C50C-407E-A947-70E740481C1C}">
+                <a14:useLocalDpi xmlns:a14="http://schemas.microsoft.com/office/drawing/2010/main" val="0"/>
+              </a:ext>
+            </a:extLst>
+          </a:blip>
+          <a:srcRect/>
           <a:stretch>
             <a:fillRect/>
           </a:stretch>
         </p:blipFill>
-        <p:spPr>
-          <a:xfrm>
-            <a:off x="201569" y="1712194"/>
-            <a:ext cx="4938842" cy="4464770"/>
+        <p:spPr bwMode="auto">
+          <a:xfrm>
+            <a:off x="6883888" y="2266682"/>
+            <a:ext cx="4981057" cy="3046612"/>
           </a:xfrm>
           <a:prstGeom prst="rect">
             <a:avLst/>
           </a:prstGeom>
+          <a:noFill/>
+          <a:extLst>
+            <a:ext uri="{909E8E84-426E-40DD-AFC4-6F175D3DCCD1}">
+              <a14:hiddenFill xmlns:a14="http://schemas.microsoft.com/office/drawing/2010/main">
+                <a:solidFill>
+                  <a:srgbClr val="FFFFFF"/>
+                </a:solidFill>
+              </a14:hiddenFill>
+            </a:ext>
+          </a:extLst>
         </p:spPr>
       </p:pic>
       <p:sp>
@@ -8838,7 +8743,7 @@
     </p:spTree>
     <p:extLst>
       <p:ext uri="{BB962C8B-B14F-4D97-AF65-F5344CB8AC3E}">
-        <p14:creationId xmlns:p14="http://schemas.microsoft.com/office/powerpoint/2010/main" val="4025472031"/>
+        <p14:creationId xmlns:p14="http://schemas.microsoft.com/office/powerpoint/2010/main" val="2527740126"/>
       </p:ext>
     </p:extLst>
   </p:cSld>
@@ -8884,6 +8789,217 @@
         </p:nvSpPr>
         <p:spPr>
           <a:xfrm>
+            <a:off x="5815913" y="1825625"/>
+            <a:ext cx="5815913" cy="4351338"/>
+          </a:xfrm>
+        </p:spPr>
+        <p:txBody>
+          <a:bodyPr/>
+          <a:lstStyle/>
+          <a:p>
+            <a:r>
+              <a:rPr lang="es-MX" dirty="0" smtClean="0"/>
+              <a:t>Las clases A y B se construyeron de acuerdo a la literatura (</a:t>
+            </a:r>
+            <a:r>
+              <a:rPr lang="es-MX" dirty="0" err="1" smtClean="0"/>
+              <a:t>Massaro</a:t>
+            </a:r>
+            <a:r>
+              <a:rPr lang="es-MX" dirty="0" smtClean="0"/>
+              <a:t> &amp; Anderson, 1971)</a:t>
+            </a:r>
+          </a:p>
+          <a:p>
+            <a:endParaRPr lang="es-MX" dirty="0"/>
+          </a:p>
+          <a:p>
+            <a:r>
+              <a:rPr lang="es-MX" dirty="0" smtClean="0"/>
+              <a:t>Clase A: “Pocos” círculos externos</a:t>
+            </a:r>
+          </a:p>
+          <a:p>
+            <a:pPr lvl="1"/>
+            <a:r>
+              <a:rPr lang="es-MX" dirty="0" smtClean="0"/>
+              <a:t>Dos Niveles : 2 y 3 círculos externos</a:t>
+            </a:r>
+          </a:p>
+          <a:p>
+            <a:endParaRPr lang="es-MX" dirty="0"/>
+          </a:p>
+          <a:p>
+            <a:r>
+              <a:rPr lang="es-MX" dirty="0" smtClean="0"/>
+              <a:t>Clase B: “Muchos” círculos externos</a:t>
+            </a:r>
+          </a:p>
+          <a:p>
+            <a:pPr lvl="1"/>
+            <a:r>
+              <a:rPr lang="es-MX" dirty="0" smtClean="0"/>
+              <a:t>Dos Niveles: 7 y 8 círculos externos</a:t>
+            </a:r>
+            <a:endParaRPr lang="es-MX" dirty="0"/>
+          </a:p>
+        </p:txBody>
+      </p:sp>
+      <p:sp>
+        <p:nvSpPr>
+          <p:cNvPr id="4" name="Título 1"/>
+          <p:cNvSpPr txBox="1">
+            <a:spLocks/>
+          </p:cNvSpPr>
+          <p:nvPr/>
+        </p:nvSpPr>
+        <p:spPr>
+          <a:xfrm>
+            <a:off x="5346356" y="739581"/>
+            <a:ext cx="6845643" cy="491095"/>
+          </a:xfrm>
+          <a:prstGeom prst="rect">
+            <a:avLst/>
+          </a:prstGeom>
+          <a:solidFill>
+            <a:schemeClr val="accent3">
+              <a:lumMod val="40000"/>
+              <a:lumOff val="60000"/>
+            </a:schemeClr>
+          </a:solidFill>
+        </p:spPr>
+        <p:txBody>
+          <a:bodyPr vert="horz" lIns="91440" tIns="45720" rIns="91440" bIns="45720" rtlCol="0" anchor="ctr">
+            <a:normAutofit fontScale="85000" lnSpcReduction="20000"/>
+          </a:bodyPr>
+          <a:lstStyle>
+            <a:lvl1pPr algn="l" defTabSz="914400" rtl="0" eaLnBrk="1" latinLnBrk="0" hangingPunct="1">
+              <a:lnSpc>
+                <a:spcPct val="90000"/>
+              </a:lnSpc>
+              <a:spcBef>
+                <a:spcPct val="0"/>
+              </a:spcBef>
+              <a:buNone/>
+              <a:defRPr sz="4400" kern="1200">
+                <a:solidFill>
+                  <a:schemeClr val="tx1"/>
+                </a:solidFill>
+                <a:latin typeface="+mj-lt"/>
+                <a:ea typeface="+mj-ea"/>
+                <a:cs typeface="+mj-cs"/>
+              </a:defRPr>
+            </a:lvl1pPr>
+          </a:lstStyle>
+          <a:p>
+            <a:pPr algn="r"/>
+            <a:r>
+              <a:rPr lang="es-MX" dirty="0" smtClean="0"/>
+              <a:t>Diseño Experimental</a:t>
+            </a:r>
+            <a:endParaRPr lang="es-MX" dirty="0"/>
+          </a:p>
+        </p:txBody>
+      </p:sp>
+      <p:pic>
+        <p:nvPicPr>
+          <p:cNvPr id="5" name="Imagen 4"/>
+          <p:cNvPicPr>
+            <a:picLocks noChangeAspect="1"/>
+          </p:cNvPicPr>
+          <p:nvPr/>
+        </p:nvPicPr>
+        <p:blipFill>
+          <a:blip r:embed="rId2"/>
+          <a:stretch>
+            <a:fillRect/>
+          </a:stretch>
+        </p:blipFill>
+        <p:spPr>
+          <a:xfrm>
+            <a:off x="201569" y="1712194"/>
+            <a:ext cx="4938842" cy="4464770"/>
+          </a:xfrm>
+          <a:prstGeom prst="rect">
+            <a:avLst/>
+          </a:prstGeom>
+        </p:spPr>
+      </p:pic>
+      <p:sp>
+        <p:nvSpPr>
+          <p:cNvPr id="6" name="Título 5"/>
+          <p:cNvSpPr>
+            <a:spLocks noGrp="1"/>
+          </p:cNvSpPr>
+          <p:nvPr>
+            <p:ph type="title"/>
+          </p:nvPr>
+        </p:nvSpPr>
+        <p:spPr/>
+        <p:txBody>
+          <a:bodyPr/>
+          <a:lstStyle/>
+          <a:p>
+            <a:r>
+              <a:rPr lang="es-MX" dirty="0" smtClean="0"/>
+              <a:t/>
+            </a:r>
+            <a:br>
+              <a:rPr lang="es-MX" dirty="0" smtClean="0"/>
+            </a:br>
+            <a:endParaRPr lang="es-MX" dirty="0"/>
+          </a:p>
+        </p:txBody>
+      </p:sp>
+    </p:spTree>
+    <p:extLst>
+      <p:ext uri="{BB962C8B-B14F-4D97-AF65-F5344CB8AC3E}">
+        <p14:creationId xmlns:p14="http://schemas.microsoft.com/office/powerpoint/2010/main" val="4025472031"/>
+      </p:ext>
+    </p:extLst>
+  </p:cSld>
+  <p:clrMapOvr>
+    <a:masterClrMapping/>
+  </p:clrMapOvr>
+  <p:timing>
+    <p:tnLst>
+      <p:par>
+        <p:cTn id="1" dur="indefinite" restart="never" nodeType="tmRoot"/>
+      </p:par>
+    </p:tnLst>
+  </p:timing>
+</p:sld>
+</file>
+
+<file path=ppt/slides/slide36.xml><?xml version="1.0" encoding="utf-8"?>
+<p:sld xmlns:a="http://schemas.openxmlformats.org/drawingml/2006/main" xmlns:r="http://schemas.openxmlformats.org/officeDocument/2006/relationships" xmlns:p="http://schemas.openxmlformats.org/presentationml/2006/main">
+  <p:cSld>
+    <p:spTree>
+      <p:nvGrpSpPr>
+        <p:cNvPr id="1" name=""/>
+        <p:cNvGrpSpPr/>
+        <p:nvPr/>
+      </p:nvGrpSpPr>
+      <p:grpSpPr>
+        <a:xfrm>
+          <a:off x="0" y="0"/>
+          <a:ext cx="0" cy="0"/>
+          <a:chOff x="0" y="0"/>
+          <a:chExt cx="0" cy="0"/>
+        </a:xfrm>
+      </p:grpSpPr>
+      <p:sp>
+        <p:nvSpPr>
+          <p:cNvPr id="3" name="Marcador de contenido 2"/>
+          <p:cNvSpPr>
+            <a:spLocks noGrp="1"/>
+          </p:cNvSpPr>
+          <p:nvPr>
+            <p:ph idx="1"/>
+          </p:nvPr>
+        </p:nvSpPr>
+        <p:spPr>
+          <a:xfrm>
             <a:off x="858982" y="651452"/>
             <a:ext cx="10515600" cy="4351338"/>
           </a:xfrm>
@@ -9284,7 +9400,7 @@
 </p:sld>
 </file>
 
-<file path=ppt/slides/slide36.xml><?xml version="1.0" encoding="utf-8"?>
+<file path=ppt/slides/slide37.xml><?xml version="1.0" encoding="utf-8"?>
 <p:sld xmlns:a="http://schemas.openxmlformats.org/drawingml/2006/main" xmlns:r="http://schemas.openxmlformats.org/officeDocument/2006/relationships" xmlns:p="http://schemas.openxmlformats.org/presentationml/2006/main">
   <p:cSld>
     <p:spTree>
@@ -9491,7 +9607,7 @@
 </p:sld>
 </file>
 
-<file path=ppt/slides/slide37.xml><?xml version="1.0" encoding="utf-8"?>
+<file path=ppt/slides/slide38.xml><?xml version="1.0" encoding="utf-8"?>
 <p:sld xmlns:a="http://schemas.openxmlformats.org/drawingml/2006/main" xmlns:r="http://schemas.openxmlformats.org/officeDocument/2006/relationships" xmlns:p="http://schemas.openxmlformats.org/presentationml/2006/main">
   <p:cSld>
     <p:spTree>
@@ -9763,7 +9879,7 @@
 </p:sld>
 </file>
 
-<file path=ppt/slides/slide38.xml><?xml version="1.0" encoding="utf-8"?>
+<file path=ppt/slides/slide39.xml><?xml version="1.0" encoding="utf-8"?>
 <p:sld xmlns:a="http://schemas.openxmlformats.org/drawingml/2006/main" xmlns:r="http://schemas.openxmlformats.org/officeDocument/2006/relationships" xmlns:p="http://schemas.openxmlformats.org/presentationml/2006/main">
   <p:cSld>
     <p:spTree>
@@ -9940,184 +10056,6 @@
     <p:extLst>
       <p:ext uri="{BB962C8B-B14F-4D97-AF65-F5344CB8AC3E}">
         <p14:creationId xmlns:p14="http://schemas.microsoft.com/office/powerpoint/2010/main" val="102489494"/>
-      </p:ext>
-    </p:extLst>
-  </p:cSld>
-  <p:clrMapOvr>
-    <a:masterClrMapping/>
-  </p:clrMapOvr>
-  <p:timing>
-    <p:tnLst>
-      <p:par>
-        <p:cTn id="1" dur="indefinite" restart="never" nodeType="tmRoot"/>
-      </p:par>
-    </p:tnLst>
-  </p:timing>
-</p:sld>
-</file>
-
-<file path=ppt/slides/slide39.xml><?xml version="1.0" encoding="utf-8"?>
-<p:sld xmlns:a="http://schemas.openxmlformats.org/drawingml/2006/main" xmlns:r="http://schemas.openxmlformats.org/officeDocument/2006/relationships" xmlns:p="http://schemas.openxmlformats.org/presentationml/2006/main">
-  <p:cSld>
-    <p:spTree>
-      <p:nvGrpSpPr>
-        <p:cNvPr id="1" name=""/>
-        <p:cNvGrpSpPr/>
-        <p:nvPr/>
-      </p:nvGrpSpPr>
-      <p:grpSpPr>
-        <a:xfrm>
-          <a:off x="0" y="0"/>
-          <a:ext cx="0" cy="0"/>
-          <a:chOff x="0" y="0"/>
-          <a:chExt cx="0" cy="0"/>
-        </a:xfrm>
-      </p:grpSpPr>
-      <p:sp>
-        <p:nvSpPr>
-          <p:cNvPr id="2" name="1 Título"/>
-          <p:cNvSpPr>
-            <a:spLocks noGrp="1"/>
-          </p:cNvSpPr>
-          <p:nvPr>
-            <p:ph type="title"/>
-          </p:nvPr>
-        </p:nvSpPr>
-        <p:spPr/>
-        <p:txBody>
-          <a:bodyPr/>
-          <a:lstStyle/>
-          <a:p>
-            <a:r>
-              <a:rPr lang="es-MX" dirty="0" smtClean="0"/>
-              <a:t/>
-            </a:r>
-            <a:br>
-              <a:rPr lang="es-MX" dirty="0" smtClean="0"/>
-            </a:br>
-            <a:endParaRPr lang="es-MX" dirty="0"/>
-          </a:p>
-        </p:txBody>
-      </p:sp>
-      <p:sp>
-        <p:nvSpPr>
-          <p:cNvPr id="3" name="2 Marcador de contenido"/>
-          <p:cNvSpPr>
-            <a:spLocks noGrp="1"/>
-          </p:cNvSpPr>
-          <p:nvPr>
-            <p:ph idx="1"/>
-          </p:nvPr>
-        </p:nvSpPr>
-        <p:spPr/>
-        <p:txBody>
-          <a:bodyPr/>
-          <a:lstStyle/>
-          <a:p>
-            <a:r>
-              <a:rPr lang="es-MX" dirty="0" smtClean="0"/>
-              <a:t>41 estudiantes de la Facultad de Psicología</a:t>
-            </a:r>
-          </a:p>
-          <a:p>
-            <a:pPr lvl="1"/>
-            <a:r>
-              <a:rPr lang="es-MX" dirty="0" smtClean="0"/>
-              <a:t>(20 y 21 en los Experimentos 1 y 2, respectivamente)</a:t>
-            </a:r>
-          </a:p>
-          <a:p>
-            <a:pPr lvl="1"/>
-            <a:endParaRPr lang="es-MX" dirty="0"/>
-          </a:p>
-          <a:p>
-            <a:r>
-              <a:rPr lang="es-MX" dirty="0" smtClean="0"/>
-              <a:t>Tarea programada en </a:t>
-            </a:r>
-            <a:r>
-              <a:rPr lang="es-MX" dirty="0" err="1" smtClean="0"/>
-              <a:t>Psychopy</a:t>
-            </a:r>
-            <a:r>
-              <a:rPr lang="es-MX" dirty="0" smtClean="0"/>
-              <a:t> v.12</a:t>
-            </a:r>
-          </a:p>
-          <a:p>
-            <a:endParaRPr lang="es-MX" dirty="0"/>
-          </a:p>
-          <a:p>
-            <a:r>
-              <a:rPr lang="es-MX" dirty="0" smtClean="0"/>
-              <a:t>Cubículo dentro del Laboratorio 25</a:t>
-            </a:r>
-          </a:p>
-          <a:p>
-            <a:endParaRPr lang="es-MX" dirty="0"/>
-          </a:p>
-        </p:txBody>
-      </p:sp>
-      <p:sp>
-        <p:nvSpPr>
-          <p:cNvPr id="4" name="Título 1"/>
-          <p:cNvSpPr txBox="1">
-            <a:spLocks/>
-          </p:cNvSpPr>
-          <p:nvPr/>
-        </p:nvSpPr>
-        <p:spPr>
-          <a:xfrm>
-            <a:off x="5346356" y="739581"/>
-            <a:ext cx="6845643" cy="491095"/>
-          </a:xfrm>
-          <a:prstGeom prst="rect">
-            <a:avLst/>
-          </a:prstGeom>
-          <a:solidFill>
-            <a:schemeClr val="accent3">
-              <a:lumMod val="40000"/>
-              <a:lumOff val="60000"/>
-            </a:schemeClr>
-          </a:solidFill>
-        </p:spPr>
-        <p:txBody>
-          <a:bodyPr vert="horz" lIns="91440" tIns="45720" rIns="91440" bIns="45720" rtlCol="0" anchor="ctr">
-            <a:normAutofit fontScale="85000" lnSpcReduction="20000"/>
-          </a:bodyPr>
-          <a:lstStyle>
-            <a:lvl1pPr algn="l" defTabSz="914400" rtl="0" eaLnBrk="1" latinLnBrk="0" hangingPunct="1">
-              <a:lnSpc>
-                <a:spcPct val="90000"/>
-              </a:lnSpc>
-              <a:spcBef>
-                <a:spcPct val="0"/>
-              </a:spcBef>
-              <a:buNone/>
-              <a:defRPr sz="4400" kern="1200">
-                <a:solidFill>
-                  <a:schemeClr val="tx1"/>
-                </a:solidFill>
-                <a:latin typeface="+mj-lt"/>
-                <a:ea typeface="+mj-ea"/>
-                <a:cs typeface="+mj-cs"/>
-              </a:defRPr>
-            </a:lvl1pPr>
-          </a:lstStyle>
-          <a:p>
-            <a:pPr algn="r"/>
-            <a:r>
-              <a:rPr lang="es-MX" dirty="0" smtClean="0"/>
-              <a:t>Materiales y Participantes</a:t>
-            </a:r>
-            <a:endParaRPr lang="es-MX" dirty="0"/>
-          </a:p>
-        </p:txBody>
-      </p:sp>
-    </p:spTree>
-    <p:extLst>
-      <p:ext uri="{BB962C8B-B14F-4D97-AF65-F5344CB8AC3E}">
-        <p14:creationId xmlns:p14="http://schemas.microsoft.com/office/powerpoint/2010/main" val="240038291"/>
       </p:ext>
     </p:extLst>
   </p:cSld>
@@ -10276,6 +10214,91 @@
       </p:grpSpPr>
       <p:sp>
         <p:nvSpPr>
+          <p:cNvPr id="2" name="1 Título"/>
+          <p:cNvSpPr>
+            <a:spLocks noGrp="1"/>
+          </p:cNvSpPr>
+          <p:nvPr>
+            <p:ph type="title"/>
+          </p:nvPr>
+        </p:nvSpPr>
+        <p:spPr/>
+        <p:txBody>
+          <a:bodyPr/>
+          <a:lstStyle/>
+          <a:p>
+            <a:r>
+              <a:rPr lang="es-MX" dirty="0" smtClean="0"/>
+              <a:t/>
+            </a:r>
+            <a:br>
+              <a:rPr lang="es-MX" dirty="0" smtClean="0"/>
+            </a:br>
+            <a:endParaRPr lang="es-MX" dirty="0"/>
+          </a:p>
+        </p:txBody>
+      </p:sp>
+      <p:sp>
+        <p:nvSpPr>
+          <p:cNvPr id="3" name="2 Marcador de contenido"/>
+          <p:cNvSpPr>
+            <a:spLocks noGrp="1"/>
+          </p:cNvSpPr>
+          <p:nvPr>
+            <p:ph idx="1"/>
+          </p:nvPr>
+        </p:nvSpPr>
+        <p:spPr/>
+        <p:txBody>
+          <a:bodyPr/>
+          <a:lstStyle/>
+          <a:p>
+            <a:r>
+              <a:rPr lang="es-MX" dirty="0" smtClean="0"/>
+              <a:t>41 estudiantes de la Facultad de Psicología</a:t>
+            </a:r>
+          </a:p>
+          <a:p>
+            <a:pPr lvl="1"/>
+            <a:r>
+              <a:rPr lang="es-MX" dirty="0" smtClean="0"/>
+              <a:t>(20 y 21 en los Experimentos 1 y 2, respectivamente)</a:t>
+            </a:r>
+          </a:p>
+          <a:p>
+            <a:pPr lvl="1"/>
+            <a:endParaRPr lang="es-MX" dirty="0"/>
+          </a:p>
+          <a:p>
+            <a:r>
+              <a:rPr lang="es-MX" dirty="0" smtClean="0"/>
+              <a:t>Tarea programada en </a:t>
+            </a:r>
+            <a:r>
+              <a:rPr lang="es-MX" dirty="0" err="1" smtClean="0"/>
+              <a:t>Psychopy</a:t>
+            </a:r>
+            <a:r>
+              <a:rPr lang="es-MX" dirty="0" smtClean="0"/>
+              <a:t> v.12</a:t>
+            </a:r>
+          </a:p>
+          <a:p>
+            <a:endParaRPr lang="es-MX" dirty="0"/>
+          </a:p>
+          <a:p>
+            <a:r>
+              <a:rPr lang="es-MX" dirty="0" smtClean="0"/>
+              <a:t>Cubículo dentro del Laboratorio 25</a:t>
+            </a:r>
+          </a:p>
+          <a:p>
+            <a:endParaRPr lang="es-MX" dirty="0"/>
+          </a:p>
+        </p:txBody>
+      </p:sp>
+      <p:sp>
+        <p:nvSpPr>
           <p:cNvPr id="4" name="Título 1"/>
           <p:cNvSpPr txBox="1">
             <a:spLocks/>
@@ -10324,113 +10347,8 @@
             <a:pPr algn="r"/>
             <a:r>
               <a:rPr lang="es-MX" dirty="0" smtClean="0"/>
-              <a:t>Procedimiento</a:t>
-            </a:r>
-            <a:endParaRPr lang="es-MX" dirty="0"/>
-          </a:p>
-        </p:txBody>
-      </p:sp>
-      <p:sp>
-        <p:nvSpPr>
-          <p:cNvPr id="5" name="Marcador de contenido 4"/>
-          <p:cNvSpPr>
-            <a:spLocks noGrp="1"/>
-          </p:cNvSpPr>
-          <p:nvPr>
-            <p:ph idx="1"/>
-          </p:nvPr>
-        </p:nvSpPr>
-        <p:spPr>
-          <a:xfrm>
-            <a:off x="747584" y="1619679"/>
-            <a:ext cx="10515600" cy="4351338"/>
-          </a:xfrm>
-        </p:spPr>
-        <p:txBody>
-          <a:bodyPr/>
-          <a:lstStyle/>
-          <a:p>
-            <a:pPr marL="0" indent="0">
-              <a:buNone/>
-            </a:pPr>
-            <a:r>
-              <a:rPr lang="es-MX" dirty="0" smtClean="0"/>
-              <a:t>1.- Tarea de detección binaria</a:t>
-            </a:r>
-            <a:endParaRPr lang="es-MX" dirty="0"/>
-          </a:p>
-        </p:txBody>
-      </p:sp>
-      <p:pic>
-        <p:nvPicPr>
-          <p:cNvPr id="6" name="Imagen 5"/>
-          <p:cNvPicPr>
-            <a:picLocks noChangeAspect="1"/>
-          </p:cNvPicPr>
-          <p:nvPr/>
-        </p:nvPicPr>
-        <p:blipFill>
-          <a:blip r:embed="rId2"/>
-          <a:stretch>
-            <a:fillRect/>
-          </a:stretch>
-        </p:blipFill>
-        <p:spPr>
-          <a:xfrm>
-            <a:off x="98081" y="2339932"/>
-            <a:ext cx="5248275" cy="3743325"/>
-          </a:xfrm>
-          <a:prstGeom prst="rect">
-            <a:avLst/>
-          </a:prstGeom>
-        </p:spPr>
-      </p:pic>
-      <p:pic>
-        <p:nvPicPr>
-          <p:cNvPr id="7" name="Imagen 6"/>
-          <p:cNvPicPr>
-            <a:picLocks noChangeAspect="1"/>
-          </p:cNvPicPr>
-          <p:nvPr/>
-        </p:nvPicPr>
-        <p:blipFill>
-          <a:blip r:embed="rId3"/>
-          <a:stretch>
-            <a:fillRect/>
-          </a:stretch>
-        </p:blipFill>
-        <p:spPr>
-          <a:xfrm>
-            <a:off x="6511624" y="2339932"/>
-            <a:ext cx="4638675" cy="3762375"/>
-          </a:xfrm>
-          <a:prstGeom prst="rect">
-            <a:avLst/>
-          </a:prstGeom>
-        </p:spPr>
-      </p:pic>
-      <p:sp>
-        <p:nvSpPr>
-          <p:cNvPr id="3" name="Título 2"/>
-          <p:cNvSpPr>
-            <a:spLocks noGrp="1"/>
-          </p:cNvSpPr>
-          <p:nvPr>
-            <p:ph type="title"/>
-          </p:nvPr>
-        </p:nvSpPr>
-        <p:spPr/>
-        <p:txBody>
-          <a:bodyPr/>
-          <a:lstStyle/>
-          <a:p>
-            <a:r>
-              <a:rPr lang="es-MX" dirty="0" smtClean="0"/>
-              <a:t/>
-            </a:r>
-            <a:br>
-              <a:rPr lang="es-MX" dirty="0" smtClean="0"/>
-            </a:br>
+              <a:t>Materiales y Participantes</a:t>
+            </a:r>
             <a:endParaRPr lang="es-MX" dirty="0"/>
           </a:p>
         </p:txBody>
@@ -10438,7 +10356,7 @@
     </p:spTree>
     <p:extLst>
       <p:ext uri="{BB962C8B-B14F-4D97-AF65-F5344CB8AC3E}">
-        <p14:creationId xmlns:p14="http://schemas.microsoft.com/office/powerpoint/2010/main" val="4061239914"/>
+        <p14:creationId xmlns:p14="http://schemas.microsoft.com/office/powerpoint/2010/main" val="240038291"/>
       </p:ext>
     </p:extLst>
   </p:cSld>
@@ -10474,33 +10392,63 @@
       </p:grpSpPr>
       <p:sp>
         <p:nvSpPr>
-          <p:cNvPr id="2" name="Título 1"/>
-          <p:cNvSpPr>
-            <a:spLocks noGrp="1"/>
-          </p:cNvSpPr>
-          <p:nvPr>
-            <p:ph type="title"/>
-          </p:nvPr>
-        </p:nvSpPr>
-        <p:spPr/>
-        <p:txBody>
-          <a:bodyPr/>
-          <a:lstStyle/>
-          <a:p>
+          <p:cNvPr id="4" name="Título 1"/>
+          <p:cNvSpPr txBox="1">
+            <a:spLocks/>
+          </p:cNvSpPr>
+          <p:nvPr/>
+        </p:nvSpPr>
+        <p:spPr>
+          <a:xfrm>
+            <a:off x="5346356" y="739581"/>
+            <a:ext cx="6845643" cy="491095"/>
+          </a:xfrm>
+          <a:prstGeom prst="rect">
+            <a:avLst/>
+          </a:prstGeom>
+          <a:solidFill>
+            <a:schemeClr val="accent3">
+              <a:lumMod val="40000"/>
+              <a:lumOff val="60000"/>
+            </a:schemeClr>
+          </a:solidFill>
+        </p:spPr>
+        <p:txBody>
+          <a:bodyPr vert="horz" lIns="91440" tIns="45720" rIns="91440" bIns="45720" rtlCol="0" anchor="ctr">
+            <a:normAutofit fontScale="85000" lnSpcReduction="20000"/>
+          </a:bodyPr>
+          <a:lstStyle>
+            <a:lvl1pPr algn="l" defTabSz="914400" rtl="0" eaLnBrk="1" latinLnBrk="0" hangingPunct="1">
+              <a:lnSpc>
+                <a:spcPct val="90000"/>
+              </a:lnSpc>
+              <a:spcBef>
+                <a:spcPct val="0"/>
+              </a:spcBef>
+              <a:buNone/>
+              <a:defRPr sz="4400" kern="1200">
+                <a:solidFill>
+                  <a:schemeClr val="tx1"/>
+                </a:solidFill>
+                <a:latin typeface="+mj-lt"/>
+                <a:ea typeface="+mj-ea"/>
+                <a:cs typeface="+mj-cs"/>
+              </a:defRPr>
+            </a:lvl1pPr>
+          </a:lstStyle>
+          <a:p>
+            <a:pPr algn="r"/>
             <a:r>
               <a:rPr lang="es-MX" dirty="0" smtClean="0"/>
-              <a:t/>
-            </a:r>
-            <a:br>
-              <a:rPr lang="es-MX" dirty="0" smtClean="0"/>
-            </a:br>
+              <a:t>Procedimiento</a:t>
+            </a:r>
             <a:endParaRPr lang="es-MX" dirty="0"/>
           </a:p>
         </p:txBody>
       </p:sp>
       <p:sp>
         <p:nvSpPr>
-          <p:cNvPr id="3" name="Marcador de contenido 2"/>
+          <p:cNvPr id="5" name="Marcador de contenido 4"/>
           <p:cNvSpPr>
             <a:spLocks noGrp="1"/>
           </p:cNvSpPr>
@@ -10510,8 +10458,8 @@
         </p:nvSpPr>
         <p:spPr>
           <a:xfrm>
-            <a:off x="838200" y="446809"/>
-            <a:ext cx="10515600" cy="5730154"/>
+            <a:off x="747584" y="1619679"/>
+            <a:ext cx="10515600" cy="4351338"/>
           </a:xfrm>
         </p:spPr>
         <p:txBody>
@@ -10523,7 +10471,7 @@
             </a:pPr>
             <a:r>
               <a:rPr lang="es-MX" dirty="0" smtClean="0"/>
-              <a:t>2. Tarea con Escala de Confianza</a:t>
+              <a:t>1.- Tarea de detección binaria</a:t>
             </a:r>
             <a:endParaRPr lang="es-MX" dirty="0"/>
           </a:p>
@@ -10531,7 +10479,7 @@
       </p:sp>
       <p:pic>
         <p:nvPicPr>
-          <p:cNvPr id="4" name="Imagen 3"/>
+          <p:cNvPr id="6" name="Imagen 5"/>
           <p:cNvPicPr>
             <a:picLocks noChangeAspect="1"/>
           </p:cNvPicPr>
@@ -10545,18 +10493,68 @@
         </p:blipFill>
         <p:spPr>
           <a:xfrm>
-            <a:off x="3358146" y="1946213"/>
-            <a:ext cx="5267325" cy="3095625"/>
+            <a:off x="98081" y="2339932"/>
+            <a:ext cx="5248275" cy="3743325"/>
           </a:xfrm>
           <a:prstGeom prst="rect">
             <a:avLst/>
           </a:prstGeom>
         </p:spPr>
       </p:pic>
+      <p:pic>
+        <p:nvPicPr>
+          <p:cNvPr id="7" name="Imagen 6"/>
+          <p:cNvPicPr>
+            <a:picLocks noChangeAspect="1"/>
+          </p:cNvPicPr>
+          <p:nvPr/>
+        </p:nvPicPr>
+        <p:blipFill>
+          <a:blip r:embed="rId3"/>
+          <a:stretch>
+            <a:fillRect/>
+          </a:stretch>
+        </p:blipFill>
+        <p:spPr>
+          <a:xfrm>
+            <a:off x="6511624" y="2339932"/>
+            <a:ext cx="4638675" cy="3762375"/>
+          </a:xfrm>
+          <a:prstGeom prst="rect">
+            <a:avLst/>
+          </a:prstGeom>
+        </p:spPr>
+      </p:pic>
+      <p:sp>
+        <p:nvSpPr>
+          <p:cNvPr id="3" name="Título 2"/>
+          <p:cNvSpPr>
+            <a:spLocks noGrp="1"/>
+          </p:cNvSpPr>
+          <p:nvPr>
+            <p:ph type="title"/>
+          </p:nvPr>
+        </p:nvSpPr>
+        <p:spPr/>
+        <p:txBody>
+          <a:bodyPr/>
+          <a:lstStyle/>
+          <a:p>
+            <a:r>
+              <a:rPr lang="es-MX" dirty="0" smtClean="0"/>
+              <a:t/>
+            </a:r>
+            <a:br>
+              <a:rPr lang="es-MX" dirty="0" smtClean="0"/>
+            </a:br>
+            <a:endParaRPr lang="es-MX" dirty="0"/>
+          </a:p>
+        </p:txBody>
+      </p:sp>
     </p:spTree>
     <p:extLst>
       <p:ext uri="{BB962C8B-B14F-4D97-AF65-F5344CB8AC3E}">
-        <p14:creationId xmlns:p14="http://schemas.microsoft.com/office/powerpoint/2010/main" val="520010325"/>
+        <p14:creationId xmlns:p14="http://schemas.microsoft.com/office/powerpoint/2010/main" val="4061239914"/>
       </p:ext>
     </p:extLst>
   </p:cSld>
@@ -10597,6 +10595,124 @@
             <a:spLocks noGrp="1"/>
           </p:cNvSpPr>
           <p:nvPr>
+            <p:ph type="title"/>
+          </p:nvPr>
+        </p:nvSpPr>
+        <p:spPr/>
+        <p:txBody>
+          <a:bodyPr/>
+          <a:lstStyle/>
+          <a:p>
+            <a:r>
+              <a:rPr lang="es-MX" dirty="0" smtClean="0"/>
+              <a:t/>
+            </a:r>
+            <a:br>
+              <a:rPr lang="es-MX" dirty="0" smtClean="0"/>
+            </a:br>
+            <a:endParaRPr lang="es-MX" dirty="0"/>
+          </a:p>
+        </p:txBody>
+      </p:sp>
+      <p:sp>
+        <p:nvSpPr>
+          <p:cNvPr id="3" name="Marcador de contenido 2"/>
+          <p:cNvSpPr>
+            <a:spLocks noGrp="1"/>
+          </p:cNvSpPr>
+          <p:nvPr>
+            <p:ph idx="1"/>
+          </p:nvPr>
+        </p:nvSpPr>
+        <p:spPr>
+          <a:xfrm>
+            <a:off x="838200" y="446809"/>
+            <a:ext cx="10515600" cy="5730154"/>
+          </a:xfrm>
+        </p:spPr>
+        <p:txBody>
+          <a:bodyPr/>
+          <a:lstStyle/>
+          <a:p>
+            <a:pPr marL="0" indent="0">
+              <a:buNone/>
+            </a:pPr>
+            <a:r>
+              <a:rPr lang="es-MX" dirty="0" smtClean="0"/>
+              <a:t>2. Tarea con Escala de Confianza</a:t>
+            </a:r>
+            <a:endParaRPr lang="es-MX" dirty="0"/>
+          </a:p>
+        </p:txBody>
+      </p:sp>
+      <p:pic>
+        <p:nvPicPr>
+          <p:cNvPr id="4" name="Imagen 3"/>
+          <p:cNvPicPr>
+            <a:picLocks noChangeAspect="1"/>
+          </p:cNvPicPr>
+          <p:nvPr/>
+        </p:nvPicPr>
+        <p:blipFill>
+          <a:blip r:embed="rId2"/>
+          <a:stretch>
+            <a:fillRect/>
+          </a:stretch>
+        </p:blipFill>
+        <p:spPr>
+          <a:xfrm>
+            <a:off x="3358146" y="1946213"/>
+            <a:ext cx="5267325" cy="3095625"/>
+          </a:xfrm>
+          <a:prstGeom prst="rect">
+            <a:avLst/>
+          </a:prstGeom>
+        </p:spPr>
+      </p:pic>
+    </p:spTree>
+    <p:extLst>
+      <p:ext uri="{BB962C8B-B14F-4D97-AF65-F5344CB8AC3E}">
+        <p14:creationId xmlns:p14="http://schemas.microsoft.com/office/powerpoint/2010/main" val="520010325"/>
+      </p:ext>
+    </p:extLst>
+  </p:cSld>
+  <p:clrMapOvr>
+    <a:masterClrMapping/>
+  </p:clrMapOvr>
+  <p:timing>
+    <p:tnLst>
+      <p:par>
+        <p:cTn id="1" dur="indefinite" restart="never" nodeType="tmRoot"/>
+      </p:par>
+    </p:tnLst>
+  </p:timing>
+</p:sld>
+</file>
+
+<file path=ppt/slides/slide43.xml><?xml version="1.0" encoding="utf-8"?>
+<p:sld xmlns:a="http://schemas.openxmlformats.org/drawingml/2006/main" xmlns:r="http://schemas.openxmlformats.org/officeDocument/2006/relationships" xmlns:p="http://schemas.openxmlformats.org/presentationml/2006/main">
+  <p:cSld>
+    <p:spTree>
+      <p:nvGrpSpPr>
+        <p:cNvPr id="1" name=""/>
+        <p:cNvGrpSpPr/>
+        <p:nvPr/>
+      </p:nvGrpSpPr>
+      <p:grpSpPr>
+        <a:xfrm>
+          <a:off x="0" y="0"/>
+          <a:ext cx="0" cy="0"/>
+          <a:chOff x="0" y="0"/>
+          <a:chExt cx="0" cy="0"/>
+        </a:xfrm>
+      </p:grpSpPr>
+      <p:sp>
+        <p:nvSpPr>
+          <p:cNvPr id="2" name="Título 1"/>
+          <p:cNvSpPr>
+            <a:spLocks noGrp="1"/>
+          </p:cNvSpPr>
+          <p:nvPr>
             <p:ph type="ctrTitle"/>
           </p:nvPr>
         </p:nvSpPr>
@@ -10785,7 +10901,7 @@
 </p:sld>
 </file>
 
-<file path=ppt/slides/slide43.xml><?xml version="1.0" encoding="utf-8"?>
+<file path=ppt/slides/slide44.xml><?xml version="1.0" encoding="utf-8"?>
 <p:sld xmlns:a="http://schemas.openxmlformats.org/drawingml/2006/main" xmlns:r="http://schemas.openxmlformats.org/officeDocument/2006/relationships" xmlns:p="http://schemas.openxmlformats.org/presentationml/2006/main">
   <p:cSld>
     <p:spTree>
@@ -10940,7 +11056,7 @@
 </p:sld>
 </file>
 
-<file path=ppt/slides/slide44.xml><?xml version="1.0" encoding="utf-8"?>
+<file path=ppt/slides/slide45.xml><?xml version="1.0" encoding="utf-8"?>
 <p:sld xmlns:a="http://schemas.openxmlformats.org/drawingml/2006/main" xmlns:r="http://schemas.openxmlformats.org/officeDocument/2006/relationships" xmlns:p="http://schemas.openxmlformats.org/presentationml/2006/main">
   <p:cSld>
     <p:spTree>
@@ -11159,7 +11275,7 @@
 </p:sld>
 </file>
 
-<file path=ppt/slides/slide45.xml><?xml version="1.0" encoding="utf-8"?>
+<file path=ppt/slides/slide46.xml><?xml version="1.0" encoding="utf-8"?>
 <p:sld xmlns:a="http://schemas.openxmlformats.org/drawingml/2006/main" xmlns:r="http://schemas.openxmlformats.org/officeDocument/2006/relationships" xmlns:p="http://schemas.openxmlformats.org/presentationml/2006/main">
   <p:cSld>
     <p:spTree>
@@ -11278,7 +11394,7 @@
 </p:sld>
 </file>
 
-<file path=ppt/slides/slide46.xml><?xml version="1.0" encoding="utf-8"?>
+<file path=ppt/slides/slide47.xml><?xml version="1.0" encoding="utf-8"?>
 <p:sld xmlns:a="http://schemas.openxmlformats.org/drawingml/2006/main" xmlns:r="http://schemas.openxmlformats.org/officeDocument/2006/relationships" xmlns:p="http://schemas.openxmlformats.org/presentationml/2006/main">
   <p:cSld>
     <p:spTree>
@@ -11780,7 +11896,7 @@
 </p:sld>
 </file>
 
-<file path=ppt/slides/slide47.xml><?xml version="1.0" encoding="utf-8"?>
+<file path=ppt/slides/slide48.xml><?xml version="1.0" encoding="utf-8"?>
 <p:sld xmlns:a="http://schemas.openxmlformats.org/drawingml/2006/main" xmlns:r="http://schemas.openxmlformats.org/officeDocument/2006/relationships" xmlns:p="http://schemas.openxmlformats.org/presentationml/2006/main">
   <p:cSld>
     <p:spTree>
@@ -12306,165 +12422,6 @@
 </p:sld>
 </file>
 
-<file path=ppt/slides/slide48.xml><?xml version="1.0" encoding="utf-8"?>
-<p:sld xmlns:a="http://schemas.openxmlformats.org/drawingml/2006/main" xmlns:r="http://schemas.openxmlformats.org/officeDocument/2006/relationships" xmlns:p="http://schemas.openxmlformats.org/presentationml/2006/main">
-  <p:cSld>
-    <p:spTree>
-      <p:nvGrpSpPr>
-        <p:cNvPr id="1" name=""/>
-        <p:cNvGrpSpPr/>
-        <p:nvPr/>
-      </p:nvGrpSpPr>
-      <p:grpSpPr>
-        <a:xfrm>
-          <a:off x="0" y="0"/>
-          <a:ext cx="0" cy="0"/>
-          <a:chOff x="0" y="0"/>
-          <a:chExt cx="0" cy="0"/>
-        </a:xfrm>
-      </p:grpSpPr>
-      <p:sp>
-        <p:nvSpPr>
-          <p:cNvPr id="3" name="Marcador de contenido 2"/>
-          <p:cNvSpPr>
-            <a:spLocks noGrp="1"/>
-          </p:cNvSpPr>
-          <p:nvPr>
-            <p:ph idx="1"/>
-          </p:nvPr>
-        </p:nvSpPr>
-        <p:spPr>
-          <a:xfrm>
-            <a:off x="114664" y="1837461"/>
-            <a:ext cx="4962162" cy="4351338"/>
-          </a:xfrm>
-        </p:spPr>
-        <p:txBody>
-          <a:bodyPr>
-            <a:normAutofit/>
-          </a:bodyPr>
-          <a:lstStyle/>
-          <a:p>
-            <a:pPr marL="0" indent="0">
-              <a:buNone/>
-            </a:pPr>
-            <a:r>
-              <a:rPr lang="es-MX" dirty="0"/>
-              <a:t>	</a:t>
-            </a:r>
-            <a:endParaRPr lang="es-MX" dirty="0" smtClean="0"/>
-          </a:p>
-          <a:p>
-            <a:pPr marL="0" indent="0">
-              <a:buNone/>
-            </a:pPr>
-            <a:endParaRPr lang="es-MX" dirty="0"/>
-          </a:p>
-          <a:p>
-            <a:pPr marL="0" indent="0">
-              <a:buNone/>
-            </a:pPr>
-            <a:endParaRPr lang="es-MX" dirty="0" smtClean="0"/>
-          </a:p>
-          <a:p>
-            <a:pPr marL="0" indent="0">
-              <a:buNone/>
-            </a:pPr>
-            <a:endParaRPr lang="es-MX" dirty="0" smtClean="0"/>
-          </a:p>
-          <a:p>
-            <a:pPr marL="0" indent="0">
-              <a:buNone/>
-            </a:pPr>
-            <a:endParaRPr lang="es-MX" dirty="0" smtClean="0"/>
-          </a:p>
-          <a:p>
-            <a:pPr marL="0" indent="0">
-              <a:buNone/>
-            </a:pPr>
-            <a:endParaRPr lang="es-MX" dirty="0" smtClean="0"/>
-          </a:p>
-          <a:p>
-            <a:pPr marL="0" indent="0">
-              <a:buNone/>
-            </a:pPr>
-            <a:r>
-              <a:rPr lang="es-MX" dirty="0"/>
-              <a:t>.</a:t>
-            </a:r>
-          </a:p>
-        </p:txBody>
-      </p:sp>
-      <p:pic>
-        <p:nvPicPr>
-          <p:cNvPr id="6" name="Imagen 5"/>
-          <p:cNvPicPr>
-            <a:picLocks noChangeAspect="1"/>
-          </p:cNvPicPr>
-          <p:nvPr/>
-        </p:nvPicPr>
-        <p:blipFill>
-          <a:blip r:embed="rId2"/>
-          <a:stretch>
-            <a:fillRect/>
-          </a:stretch>
-        </p:blipFill>
-        <p:spPr>
-          <a:xfrm>
-            <a:off x="1097107" y="363272"/>
-            <a:ext cx="9636702" cy="6230960"/>
-          </a:xfrm>
-          <a:prstGeom prst="rect">
-            <a:avLst/>
-          </a:prstGeom>
-        </p:spPr>
-      </p:pic>
-      <p:sp>
-        <p:nvSpPr>
-          <p:cNvPr id="4" name="Título 3"/>
-          <p:cNvSpPr>
-            <a:spLocks noGrp="1"/>
-          </p:cNvSpPr>
-          <p:nvPr>
-            <p:ph type="title"/>
-          </p:nvPr>
-        </p:nvSpPr>
-        <p:spPr/>
-        <p:txBody>
-          <a:bodyPr/>
-          <a:lstStyle/>
-          <a:p>
-            <a:r>
-              <a:rPr lang="es-MX" dirty="0" smtClean="0"/>
-              <a:t/>
-            </a:r>
-            <a:br>
-              <a:rPr lang="es-MX" dirty="0" smtClean="0"/>
-            </a:br>
-            <a:endParaRPr lang="es-MX" dirty="0"/>
-          </a:p>
-        </p:txBody>
-      </p:sp>
-    </p:spTree>
-    <p:extLst>
-      <p:ext uri="{BB962C8B-B14F-4D97-AF65-F5344CB8AC3E}">
-        <p14:creationId xmlns:p14="http://schemas.microsoft.com/office/powerpoint/2010/main" val="1487045814"/>
-      </p:ext>
-    </p:extLst>
-  </p:cSld>
-  <p:clrMapOvr>
-    <a:masterClrMapping/>
-  </p:clrMapOvr>
-  <p:timing>
-    <p:tnLst>
-      <p:par>
-        <p:cTn id="1" dur="indefinite" restart="never" nodeType="tmRoot"/>
-      </p:par>
-    </p:tnLst>
-  </p:timing>
-</p:sld>
-</file>
-
 <file path=ppt/slides/slide49.xml><?xml version="1.0" encoding="utf-8"?>
 <p:sld xmlns:a="http://schemas.openxmlformats.org/drawingml/2006/main" xmlns:r="http://schemas.openxmlformats.org/officeDocument/2006/relationships" xmlns:p="http://schemas.openxmlformats.org/presentationml/2006/main">
   <p:cSld>
@@ -12494,13 +12451,31 @@
         </p:nvSpPr>
         <p:spPr>
           <a:xfrm>
-            <a:off x="0" y="1568414"/>
-            <a:ext cx="10515600" cy="4351338"/>
-          </a:xfrm>
-        </p:spPr>
-        <p:txBody>
-          <a:bodyPr/>
-          <a:lstStyle/>
+            <a:off x="114664" y="1837461"/>
+            <a:ext cx="4962162" cy="4351338"/>
+          </a:xfrm>
+        </p:spPr>
+        <p:txBody>
+          <a:bodyPr>
+            <a:normAutofit/>
+          </a:bodyPr>
+          <a:lstStyle/>
+          <a:p>
+            <a:pPr marL="0" indent="0">
+              <a:buNone/>
+            </a:pPr>
+            <a:r>
+              <a:rPr lang="es-MX" dirty="0"/>
+              <a:t>	</a:t>
+            </a:r>
+            <a:endParaRPr lang="es-MX" dirty="0" smtClean="0"/>
+          </a:p>
+          <a:p>
+            <a:pPr marL="0" indent="0">
+              <a:buNone/>
+            </a:pPr>
+            <a:endParaRPr lang="es-MX" dirty="0"/>
+          </a:p>
           <a:p>
             <a:pPr marL="0" indent="0">
               <a:buNone/>
@@ -12511,13 +12486,34 @@
             <a:pPr marL="0" indent="0">
               <a:buNone/>
             </a:pPr>
-            <a:endParaRPr lang="es-MX" dirty="0"/>
+            <a:endParaRPr lang="es-MX" dirty="0" smtClean="0"/>
+          </a:p>
+          <a:p>
+            <a:pPr marL="0" indent="0">
+              <a:buNone/>
+            </a:pPr>
+            <a:endParaRPr lang="es-MX" dirty="0" smtClean="0"/>
+          </a:p>
+          <a:p>
+            <a:pPr marL="0" indent="0">
+              <a:buNone/>
+            </a:pPr>
+            <a:endParaRPr lang="es-MX" dirty="0" smtClean="0"/>
+          </a:p>
+          <a:p>
+            <a:pPr marL="0" indent="0">
+              <a:buNone/>
+            </a:pPr>
+            <a:r>
+              <a:rPr lang="es-MX" dirty="0"/>
+              <a:t>.</a:t>
+            </a:r>
           </a:p>
         </p:txBody>
       </p:sp>
       <p:pic>
         <p:nvPicPr>
-          <p:cNvPr id="5" name="Imagen 4"/>
+          <p:cNvPr id="6" name="Imagen 5"/>
           <p:cNvPicPr>
             <a:picLocks noChangeAspect="1"/>
           </p:cNvPicPr>
@@ -12531,8 +12527,8 @@
         </p:blipFill>
         <p:spPr>
           <a:xfrm>
-            <a:off x="1495853" y="0"/>
-            <a:ext cx="8549173" cy="6697014"/>
+            <a:off x="1097107" y="363272"/>
+            <a:ext cx="9636702" cy="6230960"/>
           </a:xfrm>
           <a:prstGeom prst="rect">
             <a:avLst/>
@@ -12541,7 +12537,7 @@
       </p:pic>
       <p:sp>
         <p:nvSpPr>
-          <p:cNvPr id="6" name="Título 5"/>
+          <p:cNvPr id="4" name="Título 3"/>
           <p:cNvSpPr>
             <a:spLocks noGrp="1"/>
           </p:cNvSpPr>
@@ -12568,7 +12564,7 @@
     </p:spTree>
     <p:extLst>
       <p:ext uri="{BB962C8B-B14F-4D97-AF65-F5344CB8AC3E}">
-        <p14:creationId xmlns:p14="http://schemas.microsoft.com/office/powerpoint/2010/main" val="2357084799"/>
+        <p14:creationId xmlns:p14="http://schemas.microsoft.com/office/powerpoint/2010/main" val="1487045814"/>
       </p:ext>
     </p:extLst>
   </p:cSld>
@@ -12751,6 +12747,126 @@
       </p:grpSpPr>
       <p:sp>
         <p:nvSpPr>
+          <p:cNvPr id="3" name="Marcador de contenido 2"/>
+          <p:cNvSpPr>
+            <a:spLocks noGrp="1"/>
+          </p:cNvSpPr>
+          <p:nvPr>
+            <p:ph idx="1"/>
+          </p:nvPr>
+        </p:nvSpPr>
+        <p:spPr>
+          <a:xfrm>
+            <a:off x="0" y="1568414"/>
+            <a:ext cx="10515600" cy="4351338"/>
+          </a:xfrm>
+        </p:spPr>
+        <p:txBody>
+          <a:bodyPr/>
+          <a:lstStyle/>
+          <a:p>
+            <a:pPr marL="0" indent="0">
+              <a:buNone/>
+            </a:pPr>
+            <a:endParaRPr lang="es-MX" dirty="0" smtClean="0"/>
+          </a:p>
+          <a:p>
+            <a:pPr marL="0" indent="0">
+              <a:buNone/>
+            </a:pPr>
+            <a:endParaRPr lang="es-MX" dirty="0"/>
+          </a:p>
+        </p:txBody>
+      </p:sp>
+      <p:pic>
+        <p:nvPicPr>
+          <p:cNvPr id="5" name="Imagen 4"/>
+          <p:cNvPicPr>
+            <a:picLocks noChangeAspect="1"/>
+          </p:cNvPicPr>
+          <p:nvPr/>
+        </p:nvPicPr>
+        <p:blipFill>
+          <a:blip r:embed="rId2"/>
+          <a:stretch>
+            <a:fillRect/>
+          </a:stretch>
+        </p:blipFill>
+        <p:spPr>
+          <a:xfrm>
+            <a:off x="1495853" y="0"/>
+            <a:ext cx="8549173" cy="6697014"/>
+          </a:xfrm>
+          <a:prstGeom prst="rect">
+            <a:avLst/>
+          </a:prstGeom>
+        </p:spPr>
+      </p:pic>
+      <p:sp>
+        <p:nvSpPr>
+          <p:cNvPr id="6" name="Título 5"/>
+          <p:cNvSpPr>
+            <a:spLocks noGrp="1"/>
+          </p:cNvSpPr>
+          <p:nvPr>
+            <p:ph type="title"/>
+          </p:nvPr>
+        </p:nvSpPr>
+        <p:spPr/>
+        <p:txBody>
+          <a:bodyPr/>
+          <a:lstStyle/>
+          <a:p>
+            <a:r>
+              <a:rPr lang="es-MX" dirty="0" smtClean="0"/>
+              <a:t/>
+            </a:r>
+            <a:br>
+              <a:rPr lang="es-MX" dirty="0" smtClean="0"/>
+            </a:br>
+            <a:endParaRPr lang="es-MX" dirty="0"/>
+          </a:p>
+        </p:txBody>
+      </p:sp>
+    </p:spTree>
+    <p:extLst>
+      <p:ext uri="{BB962C8B-B14F-4D97-AF65-F5344CB8AC3E}">
+        <p14:creationId xmlns:p14="http://schemas.microsoft.com/office/powerpoint/2010/main" val="2357084799"/>
+      </p:ext>
+    </p:extLst>
+  </p:cSld>
+  <p:clrMapOvr>
+    <a:masterClrMapping/>
+  </p:clrMapOvr>
+  <p:timing>
+    <p:tnLst>
+      <p:par>
+        <p:cTn id="1" dur="indefinite" restart="never" nodeType="tmRoot"/>
+      </p:par>
+    </p:tnLst>
+  </p:timing>
+</p:sld>
+</file>
+
+<file path=ppt/slides/slide51.xml><?xml version="1.0" encoding="utf-8"?>
+<p:sld xmlns:a="http://schemas.openxmlformats.org/drawingml/2006/main" xmlns:r="http://schemas.openxmlformats.org/officeDocument/2006/relationships" xmlns:p="http://schemas.openxmlformats.org/presentationml/2006/main">
+  <p:cSld>
+    <p:spTree>
+      <p:nvGrpSpPr>
+        <p:cNvPr id="1" name=""/>
+        <p:cNvGrpSpPr/>
+        <p:nvPr/>
+      </p:nvGrpSpPr>
+      <p:grpSpPr>
+        <a:xfrm>
+          <a:off x="0" y="0"/>
+          <a:ext cx="0" cy="0"/>
+          <a:chOff x="0" y="0"/>
+          <a:chExt cx="0" cy="0"/>
+        </a:xfrm>
+      </p:grpSpPr>
+      <p:sp>
+        <p:nvSpPr>
           <p:cNvPr id="2" name="Título 1"/>
           <p:cNvSpPr>
             <a:spLocks noGrp="1"/>
@@ -12855,7 +12971,7 @@
 </p:sld>
 </file>
 
-<file path=ppt/slides/slide51.xml><?xml version="1.0" encoding="utf-8"?>
+<file path=ppt/slides/slide52.xml><?xml version="1.0" encoding="utf-8"?>
 <p:sld xmlns:a="http://schemas.openxmlformats.org/drawingml/2006/main" xmlns:r="http://schemas.openxmlformats.org/officeDocument/2006/relationships" xmlns:p="http://schemas.openxmlformats.org/presentationml/2006/main">
   <p:cSld>
     <p:spTree>
@@ -13365,7 +13481,7 @@
 </p:sld>
 </file>
 
-<file path=ppt/slides/slide52.xml><?xml version="1.0" encoding="utf-8"?>
+<file path=ppt/slides/slide53.xml><?xml version="1.0" encoding="utf-8"?>
 <p:sld xmlns:a="http://schemas.openxmlformats.org/drawingml/2006/main" xmlns:r="http://schemas.openxmlformats.org/officeDocument/2006/relationships" xmlns:p="http://schemas.openxmlformats.org/presentationml/2006/main">
   <p:cSld>
     <p:spTree>
@@ -13719,126 +13835,6 @@
 </p:sld>
 </file>
 
-<file path=ppt/slides/slide53.xml><?xml version="1.0" encoding="utf-8"?>
-<p:sld xmlns:a="http://schemas.openxmlformats.org/drawingml/2006/main" xmlns:r="http://schemas.openxmlformats.org/officeDocument/2006/relationships" xmlns:p="http://schemas.openxmlformats.org/presentationml/2006/main">
-  <p:cSld>
-    <p:spTree>
-      <p:nvGrpSpPr>
-        <p:cNvPr id="1" name=""/>
-        <p:cNvGrpSpPr/>
-        <p:nvPr/>
-      </p:nvGrpSpPr>
-      <p:grpSpPr>
-        <a:xfrm>
-          <a:off x="0" y="0"/>
-          <a:ext cx="0" cy="0"/>
-          <a:chOff x="0" y="0"/>
-          <a:chExt cx="0" cy="0"/>
-        </a:xfrm>
-      </p:grpSpPr>
-      <p:sp>
-        <p:nvSpPr>
-          <p:cNvPr id="3" name="Marcador de contenido 2"/>
-          <p:cNvSpPr>
-            <a:spLocks noGrp="1"/>
-          </p:cNvSpPr>
-          <p:nvPr>
-            <p:ph idx="1"/>
-          </p:nvPr>
-        </p:nvSpPr>
-        <p:spPr>
-          <a:xfrm>
-            <a:off x="146222" y="1568414"/>
-            <a:ext cx="10515600" cy="4351338"/>
-          </a:xfrm>
-        </p:spPr>
-        <p:txBody>
-          <a:bodyPr/>
-          <a:lstStyle/>
-          <a:p>
-            <a:pPr marL="0" indent="0">
-              <a:buNone/>
-            </a:pPr>
-            <a:endParaRPr lang="es-MX" dirty="0" smtClean="0"/>
-          </a:p>
-          <a:p>
-            <a:pPr marL="0" indent="0">
-              <a:buNone/>
-            </a:pPr>
-            <a:endParaRPr lang="es-MX" dirty="0"/>
-          </a:p>
-        </p:txBody>
-      </p:sp>
-      <p:pic>
-        <p:nvPicPr>
-          <p:cNvPr id="6" name="Imagen 5"/>
-          <p:cNvPicPr>
-            <a:picLocks noChangeAspect="1"/>
-          </p:cNvPicPr>
-          <p:nvPr/>
-        </p:nvPicPr>
-        <p:blipFill>
-          <a:blip r:embed="rId2"/>
-          <a:stretch>
-            <a:fillRect/>
-          </a:stretch>
-        </p:blipFill>
-        <p:spPr>
-          <a:xfrm>
-            <a:off x="1869179" y="365125"/>
-            <a:ext cx="8938865" cy="6149431"/>
-          </a:xfrm>
-          <a:prstGeom prst="rect">
-            <a:avLst/>
-          </a:prstGeom>
-        </p:spPr>
-      </p:pic>
-      <p:sp>
-        <p:nvSpPr>
-          <p:cNvPr id="5" name="Título 4"/>
-          <p:cNvSpPr>
-            <a:spLocks noGrp="1"/>
-          </p:cNvSpPr>
-          <p:nvPr>
-            <p:ph type="title"/>
-          </p:nvPr>
-        </p:nvSpPr>
-        <p:spPr/>
-        <p:txBody>
-          <a:bodyPr/>
-          <a:lstStyle/>
-          <a:p>
-            <a:r>
-              <a:rPr lang="es-MX" dirty="0" smtClean="0"/>
-              <a:t/>
-            </a:r>
-            <a:br>
-              <a:rPr lang="es-MX" dirty="0" smtClean="0"/>
-            </a:br>
-            <a:endParaRPr lang="es-MX" dirty="0"/>
-          </a:p>
-        </p:txBody>
-      </p:sp>
-    </p:spTree>
-    <p:extLst>
-      <p:ext uri="{BB962C8B-B14F-4D97-AF65-F5344CB8AC3E}">
-        <p14:creationId xmlns:p14="http://schemas.microsoft.com/office/powerpoint/2010/main" val="2056943639"/>
-      </p:ext>
-    </p:extLst>
-  </p:cSld>
-  <p:clrMapOvr>
-    <a:masterClrMapping/>
-  </p:clrMapOvr>
-  <p:timing>
-    <p:tnLst>
-      <p:par>
-        <p:cTn id="1" dur="indefinite" restart="never" nodeType="tmRoot"/>
-      </p:par>
-    </p:tnLst>
-  </p:timing>
-</p:sld>
-</file>
-
 <file path=ppt/slides/slide54.xml><?xml version="1.0" encoding="utf-8"?>
 <p:sld xmlns:a="http://schemas.openxmlformats.org/drawingml/2006/main" xmlns:r="http://schemas.openxmlformats.org/officeDocument/2006/relationships" xmlns:p="http://schemas.openxmlformats.org/presentationml/2006/main">
   <p:cSld>
@@ -13858,38 +13854,33 @@
       </p:grpSpPr>
       <p:sp>
         <p:nvSpPr>
-          <p:cNvPr id="2" name="Título 1"/>
-          <p:cNvSpPr>
-            <a:spLocks noGrp="1"/>
-          </p:cNvSpPr>
-          <p:nvPr>
-            <p:ph type="title"/>
-          </p:nvPr>
-        </p:nvSpPr>
-        <p:spPr/>
+          <p:cNvPr id="3" name="Marcador de contenido 2"/>
+          <p:cNvSpPr>
+            <a:spLocks noGrp="1"/>
+          </p:cNvSpPr>
+          <p:nvPr>
+            <p:ph idx="1"/>
+          </p:nvPr>
+        </p:nvSpPr>
+        <p:spPr>
+          <a:xfrm>
+            <a:off x="146222" y="1568414"/>
+            <a:ext cx="10515600" cy="4351338"/>
+          </a:xfrm>
+        </p:spPr>
         <p:txBody>
           <a:bodyPr/>
           <a:lstStyle/>
           <a:p>
-            <a:endParaRPr lang="es-MX"/>
-          </a:p>
-        </p:txBody>
-      </p:sp>
-      <p:sp>
-        <p:nvSpPr>
-          <p:cNvPr id="3" name="Marcador de contenido 2"/>
-          <p:cNvSpPr>
-            <a:spLocks noGrp="1"/>
-          </p:cNvSpPr>
-          <p:nvPr>
-            <p:ph idx="1"/>
-          </p:nvPr>
-        </p:nvSpPr>
-        <p:spPr/>
-        <p:txBody>
-          <a:bodyPr/>
-          <a:lstStyle/>
-          <a:p>
+            <a:pPr marL="0" indent="0">
+              <a:buNone/>
+            </a:pPr>
+            <a:endParaRPr lang="es-MX" dirty="0" smtClean="0"/>
+          </a:p>
+          <a:p>
+            <a:pPr marL="0" indent="0">
+              <a:buNone/>
+            </a:pPr>
             <a:endParaRPr lang="es-MX" dirty="0"/>
           </a:p>
         </p:txBody>
@@ -13910,42 +13901,44 @@
         </p:blipFill>
         <p:spPr>
           <a:xfrm>
-            <a:off x="6433623" y="47625"/>
-            <a:ext cx="4695825" cy="6810375"/>
+            <a:off x="1869179" y="365125"/>
+            <a:ext cx="8938865" cy="6149431"/>
           </a:xfrm>
           <a:prstGeom prst="rect">
             <a:avLst/>
           </a:prstGeom>
         </p:spPr>
       </p:pic>
-      <p:pic>
-        <p:nvPicPr>
-          <p:cNvPr id="7" name="Imagen 6"/>
-          <p:cNvPicPr>
-            <a:picLocks noChangeAspect="1"/>
-          </p:cNvPicPr>
-          <p:nvPr/>
-        </p:nvPicPr>
-        <p:blipFill>
-          <a:blip r:embed="rId3"/>
-          <a:stretch>
-            <a:fillRect/>
-          </a:stretch>
-        </p:blipFill>
-        <p:spPr>
-          <a:xfrm>
-            <a:off x="676275" y="47625"/>
-            <a:ext cx="5419725" cy="6962775"/>
-          </a:xfrm>
-          <a:prstGeom prst="rect">
-            <a:avLst/>
-          </a:prstGeom>
-        </p:spPr>
-      </p:pic>
+      <p:sp>
+        <p:nvSpPr>
+          <p:cNvPr id="5" name="Título 4"/>
+          <p:cNvSpPr>
+            <a:spLocks noGrp="1"/>
+          </p:cNvSpPr>
+          <p:nvPr>
+            <p:ph type="title"/>
+          </p:nvPr>
+        </p:nvSpPr>
+        <p:spPr/>
+        <p:txBody>
+          <a:bodyPr/>
+          <a:lstStyle/>
+          <a:p>
+            <a:r>
+              <a:rPr lang="es-MX" dirty="0" smtClean="0"/>
+              <a:t/>
+            </a:r>
+            <a:br>
+              <a:rPr lang="es-MX" dirty="0" smtClean="0"/>
+            </a:br>
+            <a:endParaRPr lang="es-MX" dirty="0"/>
+          </a:p>
+        </p:txBody>
+      </p:sp>
     </p:spTree>
     <p:extLst>
       <p:ext uri="{BB962C8B-B14F-4D97-AF65-F5344CB8AC3E}">
-        <p14:creationId xmlns:p14="http://schemas.microsoft.com/office/powerpoint/2010/main" val="3359862343"/>
+        <p14:creationId xmlns:p14="http://schemas.microsoft.com/office/powerpoint/2010/main" val="2056943639"/>
       </p:ext>
     </p:extLst>
   </p:cSld>
@@ -13994,6 +13987,129 @@
           <a:bodyPr/>
           <a:lstStyle/>
           <a:p>
+            <a:endParaRPr lang="es-MX"/>
+          </a:p>
+        </p:txBody>
+      </p:sp>
+      <p:sp>
+        <p:nvSpPr>
+          <p:cNvPr id="3" name="Marcador de contenido 2"/>
+          <p:cNvSpPr>
+            <a:spLocks noGrp="1"/>
+          </p:cNvSpPr>
+          <p:nvPr>
+            <p:ph idx="1"/>
+          </p:nvPr>
+        </p:nvSpPr>
+        <p:spPr/>
+        <p:txBody>
+          <a:bodyPr/>
+          <a:lstStyle/>
+          <a:p>
+            <a:endParaRPr lang="es-MX" dirty="0"/>
+          </a:p>
+        </p:txBody>
+      </p:sp>
+      <p:pic>
+        <p:nvPicPr>
+          <p:cNvPr id="6" name="Imagen 5"/>
+          <p:cNvPicPr>
+            <a:picLocks noChangeAspect="1"/>
+          </p:cNvPicPr>
+          <p:nvPr/>
+        </p:nvPicPr>
+        <p:blipFill>
+          <a:blip r:embed="rId2"/>
+          <a:stretch>
+            <a:fillRect/>
+          </a:stretch>
+        </p:blipFill>
+        <p:spPr>
+          <a:xfrm>
+            <a:off x="6433623" y="47625"/>
+            <a:ext cx="4695825" cy="6810375"/>
+          </a:xfrm>
+          <a:prstGeom prst="rect">
+            <a:avLst/>
+          </a:prstGeom>
+        </p:spPr>
+      </p:pic>
+      <p:pic>
+        <p:nvPicPr>
+          <p:cNvPr id="7" name="Imagen 6"/>
+          <p:cNvPicPr>
+            <a:picLocks noChangeAspect="1"/>
+          </p:cNvPicPr>
+          <p:nvPr/>
+        </p:nvPicPr>
+        <p:blipFill>
+          <a:blip r:embed="rId3"/>
+          <a:stretch>
+            <a:fillRect/>
+          </a:stretch>
+        </p:blipFill>
+        <p:spPr>
+          <a:xfrm>
+            <a:off x="676275" y="47625"/>
+            <a:ext cx="5419725" cy="6962775"/>
+          </a:xfrm>
+          <a:prstGeom prst="rect">
+            <a:avLst/>
+          </a:prstGeom>
+        </p:spPr>
+      </p:pic>
+    </p:spTree>
+    <p:extLst>
+      <p:ext uri="{BB962C8B-B14F-4D97-AF65-F5344CB8AC3E}">
+        <p14:creationId xmlns:p14="http://schemas.microsoft.com/office/powerpoint/2010/main" val="3359862343"/>
+      </p:ext>
+    </p:extLst>
+  </p:cSld>
+  <p:clrMapOvr>
+    <a:masterClrMapping/>
+  </p:clrMapOvr>
+  <p:timing>
+    <p:tnLst>
+      <p:par>
+        <p:cTn id="1" dur="indefinite" restart="never" nodeType="tmRoot"/>
+      </p:par>
+    </p:tnLst>
+  </p:timing>
+</p:sld>
+</file>
+
+<file path=ppt/slides/slide56.xml><?xml version="1.0" encoding="utf-8"?>
+<p:sld xmlns:a="http://schemas.openxmlformats.org/drawingml/2006/main" xmlns:r="http://schemas.openxmlformats.org/officeDocument/2006/relationships" xmlns:p="http://schemas.openxmlformats.org/presentationml/2006/main">
+  <p:cSld>
+    <p:spTree>
+      <p:nvGrpSpPr>
+        <p:cNvPr id="1" name=""/>
+        <p:cNvGrpSpPr/>
+        <p:nvPr/>
+      </p:nvGrpSpPr>
+      <p:grpSpPr>
+        <a:xfrm>
+          <a:off x="0" y="0"/>
+          <a:ext cx="0" cy="0"/>
+          <a:chOff x="0" y="0"/>
+          <a:chExt cx="0" cy="0"/>
+        </a:xfrm>
+      </p:grpSpPr>
+      <p:sp>
+        <p:nvSpPr>
+          <p:cNvPr id="2" name="Título 1"/>
+          <p:cNvSpPr>
+            <a:spLocks noGrp="1"/>
+          </p:cNvSpPr>
+          <p:nvPr>
+            <p:ph type="title"/>
+          </p:nvPr>
+        </p:nvSpPr>
+        <p:spPr/>
+        <p:txBody>
+          <a:bodyPr/>
+          <a:lstStyle/>
+          <a:p>
             <a:r>
               <a:rPr lang="es-MX" dirty="0" smtClean="0"/>
               <a:t/>
@@ -14095,7 +14211,7 @@
 </p:sld>
 </file>
 
-<file path=ppt/slides/slide56.xml><?xml version="1.0" encoding="utf-8"?>
+<file path=ppt/slides/slide57.xml><?xml version="1.0" encoding="utf-8"?>
 <p:sld xmlns:a="http://schemas.openxmlformats.org/drawingml/2006/main" xmlns:r="http://schemas.openxmlformats.org/officeDocument/2006/relationships" xmlns:p="http://schemas.openxmlformats.org/presentationml/2006/main">
   <p:cSld>
     <p:spTree>
@@ -14597,7 +14713,7 @@
 </p:sld>
 </file>
 
-<file path=ppt/slides/slide57.xml><?xml version="1.0" encoding="utf-8"?>
+<file path=ppt/slides/slide58.xml><?xml version="1.0" encoding="utf-8"?>
 <p:sld xmlns:a="http://schemas.openxmlformats.org/drawingml/2006/main" xmlns:r="http://schemas.openxmlformats.org/officeDocument/2006/relationships" xmlns:p="http://schemas.openxmlformats.org/presentationml/2006/main">
   <p:cSld>
     <p:spTree>
@@ -14736,7 +14852,7 @@
 </p:sld>
 </file>
 
-<file path=ppt/slides/slide58.xml><?xml version="1.0" encoding="utf-8"?>
+<file path=ppt/slides/slide59.xml><?xml version="1.0" encoding="utf-8"?>
 <p:sld xmlns:a="http://schemas.openxmlformats.org/drawingml/2006/main" xmlns:r="http://schemas.openxmlformats.org/officeDocument/2006/relationships" xmlns:p="http://schemas.openxmlformats.org/presentationml/2006/main">
   <p:cSld>
     <p:spTree>
@@ -14987,212 +15103,6 @@
     <p:extLst>
       <p:ext uri="{BB962C8B-B14F-4D97-AF65-F5344CB8AC3E}">
         <p14:creationId xmlns:p14="http://schemas.microsoft.com/office/powerpoint/2010/main" val="1820391644"/>
-      </p:ext>
-    </p:extLst>
-  </p:cSld>
-  <p:clrMapOvr>
-    <a:masterClrMapping/>
-  </p:clrMapOvr>
-  <p:timing>
-    <p:tnLst>
-      <p:par>
-        <p:cTn id="1" dur="indefinite" restart="never" nodeType="tmRoot"/>
-      </p:par>
-    </p:tnLst>
-  </p:timing>
-</p:sld>
-</file>
-
-<file path=ppt/slides/slide59.xml><?xml version="1.0" encoding="utf-8"?>
-<p:sld xmlns:a="http://schemas.openxmlformats.org/drawingml/2006/main" xmlns:r="http://schemas.openxmlformats.org/officeDocument/2006/relationships" xmlns:p="http://schemas.openxmlformats.org/presentationml/2006/main">
-  <p:cSld>
-    <p:spTree>
-      <p:nvGrpSpPr>
-        <p:cNvPr id="1" name=""/>
-        <p:cNvGrpSpPr/>
-        <p:nvPr/>
-      </p:nvGrpSpPr>
-      <p:grpSpPr>
-        <a:xfrm>
-          <a:off x="0" y="0"/>
-          <a:ext cx="0" cy="0"/>
-          <a:chOff x="0" y="0"/>
-          <a:chExt cx="0" cy="0"/>
-        </a:xfrm>
-      </p:grpSpPr>
-      <p:sp>
-        <p:nvSpPr>
-          <p:cNvPr id="2" name="Título 1"/>
-          <p:cNvSpPr>
-            <a:spLocks noGrp="1"/>
-          </p:cNvSpPr>
-          <p:nvPr>
-            <p:ph type="ctrTitle"/>
-          </p:nvPr>
-        </p:nvSpPr>
-        <p:spPr>
-          <a:xfrm>
-            <a:off x="0" y="2267496"/>
-            <a:ext cx="8306873" cy="1480256"/>
-          </a:xfrm>
-          <a:solidFill>
-            <a:schemeClr val="tx1"/>
-          </a:solidFill>
-        </p:spPr>
-        <p:txBody>
-          <a:bodyPr>
-            <a:normAutofit/>
-          </a:bodyPr>
-          <a:lstStyle/>
-          <a:p>
-            <a:r>
-              <a:rPr lang="es-MX" sz="6700" b="1" dirty="0" smtClean="0">
-                <a:solidFill>
-                  <a:schemeClr val="bg1"/>
-                </a:solidFill>
-              </a:rPr>
-              <a:t>Discusión</a:t>
-            </a:r>
-            <a:endParaRPr lang="es-MX" b="1" dirty="0">
-              <a:solidFill>
-                <a:schemeClr val="bg1"/>
-              </a:solidFill>
-            </a:endParaRPr>
-          </a:p>
-        </p:txBody>
-      </p:sp>
-      <p:pic>
-        <p:nvPicPr>
-          <p:cNvPr id="4" name="Picture 4" descr="Resultado de imagen para UNAM logo"/>
-          <p:cNvPicPr>
-            <a:picLocks noChangeAspect="1" noChangeArrowheads="1"/>
-          </p:cNvPicPr>
-          <p:nvPr/>
-        </p:nvPicPr>
-        <p:blipFill>
-          <a:blip r:embed="rId2">
-            <a:extLst>
-              <a:ext uri="{28A0092B-C50C-407E-A947-70E740481C1C}">
-                <a14:useLocalDpi xmlns:a14="http://schemas.microsoft.com/office/drawing/2010/main" val="0"/>
-              </a:ext>
-            </a:extLst>
-          </a:blip>
-          <a:srcRect/>
-          <a:stretch>
-            <a:fillRect/>
-          </a:stretch>
-        </p:blipFill>
-        <p:spPr bwMode="auto">
-          <a:xfrm>
-            <a:off x="91776" y="160346"/>
-            <a:ext cx="3502025" cy="1255245"/>
-          </a:xfrm>
-          <a:prstGeom prst="rect">
-            <a:avLst/>
-          </a:prstGeom>
-          <a:noFill/>
-          <a:extLst>
-            <a:ext uri="{909E8E84-426E-40DD-AFC4-6F175D3DCCD1}">
-              <a14:hiddenFill xmlns:a14="http://schemas.microsoft.com/office/drawing/2010/main">
-                <a:solidFill>
-                  <a:srgbClr val="FFFFFF"/>
-                </a:solidFill>
-              </a14:hiddenFill>
-            </a:ext>
-          </a:extLst>
-        </p:spPr>
-      </p:pic>
-      <p:pic>
-        <p:nvPicPr>
-          <p:cNvPr id="5" name="Picture 6" descr="Imagen relacionada"/>
-          <p:cNvPicPr>
-            <a:picLocks noChangeAspect="1" noChangeArrowheads="1"/>
-          </p:cNvPicPr>
-          <p:nvPr/>
-        </p:nvPicPr>
-        <p:blipFill>
-          <a:blip r:embed="rId3" cstate="print">
-            <a:extLst>
-              <a:ext uri="{28A0092B-C50C-407E-A947-70E740481C1C}">
-                <a14:useLocalDpi xmlns:a14="http://schemas.microsoft.com/office/drawing/2010/main" val="0"/>
-              </a:ext>
-            </a:extLst>
-          </a:blip>
-          <a:srcRect/>
-          <a:stretch>
-            <a:fillRect/>
-          </a:stretch>
-        </p:blipFill>
-        <p:spPr bwMode="auto">
-          <a:xfrm>
-            <a:off x="357113" y="5058731"/>
-            <a:ext cx="1485675" cy="1409782"/>
-          </a:xfrm>
-          <a:prstGeom prst="rect">
-            <a:avLst/>
-          </a:prstGeom>
-          <a:noFill/>
-          <a:extLst>
-            <a:ext uri="{909E8E84-426E-40DD-AFC4-6F175D3DCCD1}">
-              <a14:hiddenFill xmlns:a14="http://schemas.microsoft.com/office/drawing/2010/main">
-                <a:solidFill>
-                  <a:srgbClr val="FFFFFF"/>
-                </a:solidFill>
-              </a14:hiddenFill>
-            </a:ext>
-          </a:extLst>
-        </p:spPr>
-      </p:pic>
-      <p:pic>
-        <p:nvPicPr>
-          <p:cNvPr id="6" name="Imagen 5"/>
-          <p:cNvPicPr>
-            <a:picLocks noChangeAspect="1"/>
-          </p:cNvPicPr>
-          <p:nvPr/>
-        </p:nvPicPr>
-        <p:blipFill>
-          <a:blip r:embed="rId4"/>
-          <a:stretch>
-            <a:fillRect/>
-          </a:stretch>
-        </p:blipFill>
-        <p:spPr>
-          <a:xfrm>
-            <a:off x="8667480" y="1806901"/>
-            <a:ext cx="3258355" cy="2604101"/>
-          </a:xfrm>
-          <a:prstGeom prst="rect">
-            <a:avLst/>
-          </a:prstGeom>
-        </p:spPr>
-      </p:pic>
-      <p:sp>
-        <p:nvSpPr>
-          <p:cNvPr id="7" name="Subtítulo 6"/>
-          <p:cNvSpPr>
-            <a:spLocks noGrp="1"/>
-          </p:cNvSpPr>
-          <p:nvPr>
-            <p:ph type="subTitle" idx="1"/>
-          </p:nvPr>
-        </p:nvSpPr>
-        <p:spPr/>
-        <p:txBody>
-          <a:bodyPr/>
-          <a:lstStyle/>
-          <a:p>
-            <a:endParaRPr lang="es-MX" dirty="0" smtClean="0"/>
-          </a:p>
-          <a:p>
-            <a:endParaRPr lang="es-MX" dirty="0"/>
-          </a:p>
-        </p:txBody>
-      </p:sp>
-    </p:spTree>
-    <p:extLst>
-      <p:ext uri="{BB962C8B-B14F-4D97-AF65-F5344CB8AC3E}">
-        <p14:creationId xmlns:p14="http://schemas.microsoft.com/office/powerpoint/2010/main" val="247137692"/>
       </p:ext>
     </p:extLst>
   </p:cSld>
@@ -15380,172 +15290,172 @@
             <a:spLocks noGrp="1"/>
           </p:cNvSpPr>
           <p:nvPr>
-            <p:ph type="title"/>
-          </p:nvPr>
-        </p:nvSpPr>
-        <p:spPr/>
-        <p:txBody>
-          <a:bodyPr/>
-          <a:lstStyle/>
-          <a:p>
-            <a:r>
-              <a:rPr lang="es-MX" dirty="0" smtClean="0"/>
-              <a:t/>
-            </a:r>
-            <a:br>
-              <a:rPr lang="es-MX" dirty="0" smtClean="0"/>
-            </a:br>
-            <a:endParaRPr lang="es-MX" dirty="0"/>
-          </a:p>
-        </p:txBody>
-      </p:sp>
-      <p:sp>
-        <p:nvSpPr>
-          <p:cNvPr id="3" name="Marcador de contenido 2"/>
-          <p:cNvSpPr>
-            <a:spLocks noGrp="1"/>
-          </p:cNvSpPr>
-          <p:nvPr>
-            <p:ph idx="1"/>
-          </p:nvPr>
-        </p:nvSpPr>
-        <p:spPr>
-          <a:xfrm>
-            <a:off x="838200" y="463639"/>
-            <a:ext cx="10515600" cy="5713324"/>
-          </a:xfrm>
-        </p:spPr>
-        <p:txBody>
-          <a:bodyPr/>
-          <a:lstStyle/>
-          <a:p>
-            <a:pPr marL="0" indent="0">
-              <a:buNone/>
-            </a:pPr>
-            <a:r>
-              <a:rPr lang="es-MX" dirty="0" smtClean="0"/>
-              <a:t>En estudios de Memoria de Reconocimiento donde el desempeño de los participantes se compara entre dos clases:</a:t>
-            </a:r>
-          </a:p>
-          <a:p>
-            <a:pPr marL="0" indent="0">
-              <a:buNone/>
-            </a:pPr>
-            <a:endParaRPr lang="es-MX" dirty="0"/>
-          </a:p>
-          <a:p>
-            <a:pPr marL="0" indent="0">
-              <a:buNone/>
-            </a:pPr>
-            <a:endParaRPr lang="es-MX" dirty="0" smtClean="0"/>
-          </a:p>
-          <a:p>
-            <a:pPr marL="0" indent="0">
-              <a:buNone/>
-            </a:pPr>
-            <a:r>
-              <a:rPr lang="es-MX" dirty="0" smtClean="0"/>
-              <a:t>Consistentemente se ha encontrado que las diferencias en d’ entre las clases de estímulos se reflejan tanto en la precisión con que se detectan las señales,  como en la identificación del ruido</a:t>
-            </a:r>
-            <a:endParaRPr lang="es-MX" dirty="0"/>
+            <p:ph type="ctrTitle"/>
+          </p:nvPr>
+        </p:nvSpPr>
+        <p:spPr>
+          <a:xfrm>
+            <a:off x="0" y="2267496"/>
+            <a:ext cx="8306873" cy="1480256"/>
+          </a:xfrm>
+          <a:solidFill>
+            <a:schemeClr val="tx1"/>
+          </a:solidFill>
+        </p:spPr>
+        <p:txBody>
+          <a:bodyPr>
+            <a:normAutofit/>
+          </a:bodyPr>
+          <a:lstStyle/>
+          <a:p>
+            <a:r>
+              <a:rPr lang="es-MX" sz="6700" b="1" dirty="0" smtClean="0">
+                <a:solidFill>
+                  <a:schemeClr val="bg1"/>
+                </a:solidFill>
+              </a:rPr>
+              <a:t>Discusión</a:t>
+            </a:r>
+            <a:endParaRPr lang="es-MX" b="1" dirty="0">
+              <a:solidFill>
+                <a:schemeClr val="bg1"/>
+              </a:solidFill>
+            </a:endParaRPr>
           </a:p>
         </p:txBody>
       </p:sp>
       <p:pic>
         <p:nvPicPr>
-          <p:cNvPr id="4" name="Imagen 3"/>
+          <p:cNvPr id="4" name="Picture 4" descr="Resultado de imagen para UNAM logo"/>
+          <p:cNvPicPr>
+            <a:picLocks noChangeAspect="1" noChangeArrowheads="1"/>
+          </p:cNvPicPr>
+          <p:nvPr/>
+        </p:nvPicPr>
+        <p:blipFill>
+          <a:blip r:embed="rId2">
+            <a:extLst>
+              <a:ext uri="{28A0092B-C50C-407E-A947-70E740481C1C}">
+                <a14:useLocalDpi xmlns:a14="http://schemas.microsoft.com/office/drawing/2010/main" val="0"/>
+              </a:ext>
+            </a:extLst>
+          </a:blip>
+          <a:srcRect/>
+          <a:stretch>
+            <a:fillRect/>
+          </a:stretch>
+        </p:blipFill>
+        <p:spPr bwMode="auto">
+          <a:xfrm>
+            <a:off x="91776" y="160346"/>
+            <a:ext cx="3502025" cy="1255245"/>
+          </a:xfrm>
+          <a:prstGeom prst="rect">
+            <a:avLst/>
+          </a:prstGeom>
+          <a:noFill/>
+          <a:extLst>
+            <a:ext uri="{909E8E84-426E-40DD-AFC4-6F175D3DCCD1}">
+              <a14:hiddenFill xmlns:a14="http://schemas.microsoft.com/office/drawing/2010/main">
+                <a:solidFill>
+                  <a:srgbClr val="FFFFFF"/>
+                </a:solidFill>
+              </a14:hiddenFill>
+            </a:ext>
+          </a:extLst>
+        </p:spPr>
+      </p:pic>
+      <p:pic>
+        <p:nvPicPr>
+          <p:cNvPr id="5" name="Picture 6" descr="Imagen relacionada"/>
+          <p:cNvPicPr>
+            <a:picLocks noChangeAspect="1" noChangeArrowheads="1"/>
+          </p:cNvPicPr>
+          <p:nvPr/>
+        </p:nvPicPr>
+        <p:blipFill>
+          <a:blip r:embed="rId3" cstate="print">
+            <a:extLst>
+              <a:ext uri="{28A0092B-C50C-407E-A947-70E740481C1C}">
+                <a14:useLocalDpi xmlns:a14="http://schemas.microsoft.com/office/drawing/2010/main" val="0"/>
+              </a:ext>
+            </a:extLst>
+          </a:blip>
+          <a:srcRect/>
+          <a:stretch>
+            <a:fillRect/>
+          </a:stretch>
+        </p:blipFill>
+        <p:spPr bwMode="auto">
+          <a:xfrm>
+            <a:off x="357113" y="5058731"/>
+            <a:ext cx="1485675" cy="1409782"/>
+          </a:xfrm>
+          <a:prstGeom prst="rect">
+            <a:avLst/>
+          </a:prstGeom>
+          <a:noFill/>
+          <a:extLst>
+            <a:ext uri="{909E8E84-426E-40DD-AFC4-6F175D3DCCD1}">
+              <a14:hiddenFill xmlns:a14="http://schemas.microsoft.com/office/drawing/2010/main">
+                <a:solidFill>
+                  <a:srgbClr val="FFFFFF"/>
+                </a:solidFill>
+              </a14:hiddenFill>
+            </a:ext>
+          </a:extLst>
+        </p:spPr>
+      </p:pic>
+      <p:pic>
+        <p:nvPicPr>
+          <p:cNvPr id="6" name="Imagen 5"/>
           <p:cNvPicPr>
             <a:picLocks noChangeAspect="1"/>
           </p:cNvPicPr>
           <p:nvPr/>
         </p:nvPicPr>
         <p:blipFill>
-          <a:blip r:embed="rId2"/>
+          <a:blip r:embed="rId4"/>
           <a:stretch>
             <a:fillRect/>
           </a:stretch>
         </p:blipFill>
         <p:spPr>
           <a:xfrm>
-            <a:off x="3557721" y="1397780"/>
-            <a:ext cx="1374887" cy="934923"/>
+            <a:off x="8667480" y="1806901"/>
+            <a:ext cx="3258355" cy="2604101"/>
           </a:xfrm>
           <a:prstGeom prst="rect">
             <a:avLst/>
           </a:prstGeom>
         </p:spPr>
       </p:pic>
-      <p:pic>
-        <p:nvPicPr>
-          <p:cNvPr id="5" name="Imagen 4"/>
-          <p:cNvPicPr>
-            <a:picLocks noChangeAspect="1"/>
-          </p:cNvPicPr>
-          <p:nvPr/>
-        </p:nvPicPr>
-        <p:blipFill>
-          <a:blip r:embed="rId3"/>
-          <a:stretch>
-            <a:fillRect/>
-          </a:stretch>
-        </p:blipFill>
-        <p:spPr>
-          <a:xfrm>
-            <a:off x="6320516" y="1430677"/>
-            <a:ext cx="1444908" cy="866945"/>
-          </a:xfrm>
-          <a:prstGeom prst="rect">
-            <a:avLst/>
-          </a:prstGeom>
-        </p:spPr>
-      </p:pic>
-      <p:sp>
-        <p:nvSpPr>
-          <p:cNvPr id="6" name="Forma en L 5"/>
-          <p:cNvSpPr/>
-          <p:nvPr/>
-        </p:nvSpPr>
-        <p:spPr>
-          <a:xfrm rot="18579465" flipH="1">
-            <a:off x="5438714" y="1675224"/>
-            <a:ext cx="375696" cy="377851"/>
-          </a:xfrm>
-          <a:prstGeom prst="corner">
-            <a:avLst/>
-          </a:prstGeom>
-          <a:solidFill>
-            <a:srgbClr val="FF0000"/>
-          </a:solidFill>
-        </p:spPr>
-        <p:style>
-          <a:lnRef idx="2">
-            <a:schemeClr val="accent1">
-              <a:shade val="50000"/>
-            </a:schemeClr>
-          </a:lnRef>
-          <a:fillRef idx="1">
-            <a:schemeClr val="accent1"/>
-          </a:fillRef>
-          <a:effectRef idx="0">
-            <a:schemeClr val="accent1"/>
-          </a:effectRef>
-          <a:fontRef idx="minor">
-            <a:schemeClr val="lt1"/>
-          </a:fontRef>
-        </p:style>
-        <p:txBody>
-          <a:bodyPr rtlCol="0" anchor="ctr"/>
-          <a:lstStyle/>
-          <a:p>
-            <a:pPr algn="ctr"/>
-            <a:endParaRPr lang="es-MX"/>
+      <p:sp>
+        <p:nvSpPr>
+          <p:cNvPr id="7" name="Subtítulo 6"/>
+          <p:cNvSpPr>
+            <a:spLocks noGrp="1"/>
+          </p:cNvSpPr>
+          <p:nvPr>
+            <p:ph type="subTitle" idx="1"/>
+          </p:nvPr>
+        </p:nvSpPr>
+        <p:spPr/>
+        <p:txBody>
+          <a:bodyPr/>
+          <a:lstStyle/>
+          <a:p>
+            <a:endParaRPr lang="es-MX" dirty="0" smtClean="0"/>
+          </a:p>
+          <a:p>
+            <a:endParaRPr lang="es-MX" dirty="0"/>
           </a:p>
         </p:txBody>
       </p:sp>
     </p:spTree>
     <p:extLst>
       <p:ext uri="{BB962C8B-B14F-4D97-AF65-F5344CB8AC3E}">
-        <p14:creationId xmlns:p14="http://schemas.microsoft.com/office/powerpoint/2010/main" val="458338566"/>
+        <p14:creationId xmlns:p14="http://schemas.microsoft.com/office/powerpoint/2010/main" val="247137692"/>
       </p:ext>
     </p:extLst>
   </p:cSld>
@@ -15617,7 +15527,7 @@
         </p:nvSpPr>
         <p:spPr>
           <a:xfrm>
-            <a:off x="838200" y="557808"/>
+            <a:off x="838200" y="463639"/>
             <a:ext cx="10515600" cy="5713324"/>
           </a:xfrm>
         </p:spPr>
@@ -15748,220 +15658,10 @@
           </a:p>
         </p:txBody>
       </p:sp>
-      <p:sp>
-        <p:nvSpPr>
-          <p:cNvPr id="7" name="Forma en L 6"/>
-          <p:cNvSpPr/>
-          <p:nvPr/>
-        </p:nvSpPr>
-        <p:spPr>
-          <a:xfrm rot="18579465" flipH="1">
-            <a:off x="5307778" y="4145821"/>
-            <a:ext cx="375696" cy="377851"/>
-          </a:xfrm>
-          <a:prstGeom prst="corner">
-            <a:avLst/>
-          </a:prstGeom>
-          <a:solidFill>
-            <a:srgbClr val="FF0000"/>
-          </a:solidFill>
-        </p:spPr>
-        <p:style>
-          <a:lnRef idx="2">
-            <a:schemeClr val="accent1">
-              <a:shade val="50000"/>
-            </a:schemeClr>
-          </a:lnRef>
-          <a:fillRef idx="1">
-            <a:schemeClr val="accent1"/>
-          </a:fillRef>
-          <a:effectRef idx="0">
-            <a:schemeClr val="accent1"/>
-          </a:effectRef>
-          <a:fontRef idx="minor">
-            <a:schemeClr val="lt1"/>
-          </a:fontRef>
-        </p:style>
-        <p:txBody>
-          <a:bodyPr rtlCol="0" anchor="ctr"/>
-          <a:lstStyle/>
-          <a:p>
-            <a:pPr algn="ctr"/>
-            <a:endParaRPr lang="es-MX"/>
-          </a:p>
-        </p:txBody>
-      </p:sp>
-      <p:sp>
-        <p:nvSpPr>
-          <p:cNvPr id="8" name="Forma en L 7"/>
-          <p:cNvSpPr/>
-          <p:nvPr/>
-        </p:nvSpPr>
-        <p:spPr>
-          <a:xfrm rot="8206129" flipH="1">
-            <a:off x="5307779" y="5382193"/>
-            <a:ext cx="375696" cy="377851"/>
-          </a:xfrm>
-          <a:prstGeom prst="corner">
-            <a:avLst/>
-          </a:prstGeom>
-          <a:solidFill>
-            <a:srgbClr val="FF0000"/>
-          </a:solidFill>
-        </p:spPr>
-        <p:style>
-          <a:lnRef idx="2">
-            <a:schemeClr val="accent1">
-              <a:shade val="50000"/>
-            </a:schemeClr>
-          </a:lnRef>
-          <a:fillRef idx="1">
-            <a:schemeClr val="accent1"/>
-          </a:fillRef>
-          <a:effectRef idx="0">
-            <a:schemeClr val="accent1"/>
-          </a:effectRef>
-          <a:fontRef idx="minor">
-            <a:schemeClr val="lt1"/>
-          </a:fontRef>
-        </p:style>
-        <p:txBody>
-          <a:bodyPr rtlCol="0" anchor="ctr"/>
-          <a:lstStyle/>
-          <a:p>
-            <a:pPr algn="ctr"/>
-            <a:endParaRPr lang="es-MX"/>
-          </a:p>
-        </p:txBody>
-      </p:sp>
-      <p:sp>
-        <p:nvSpPr>
-          <p:cNvPr id="9" name="CuadroTexto 8"/>
-          <p:cNvSpPr txBox="1"/>
-          <p:nvPr/>
-        </p:nvSpPr>
-        <p:spPr>
-          <a:xfrm>
-            <a:off x="1339402" y="3892052"/>
-            <a:ext cx="3721996" cy="707886"/>
-          </a:xfrm>
-          <a:prstGeom prst="rect">
-            <a:avLst/>
-          </a:prstGeom>
-          <a:noFill/>
-        </p:spPr>
-        <p:txBody>
-          <a:bodyPr wrap="square" rtlCol="0">
-            <a:spAutoFit/>
-          </a:bodyPr>
-          <a:lstStyle/>
-          <a:p>
-            <a:pPr algn="r"/>
-            <a:r>
-              <a:rPr lang="es-MX" sz="4000" dirty="0" smtClean="0"/>
-              <a:t>Aciertos (A)</a:t>
-            </a:r>
-            <a:endParaRPr lang="es-MX" sz="4000" dirty="0"/>
-          </a:p>
-        </p:txBody>
-      </p:sp>
-      <p:sp>
-        <p:nvSpPr>
-          <p:cNvPr id="10" name="CuadroTexto 9"/>
-          <p:cNvSpPr txBox="1"/>
-          <p:nvPr/>
-        </p:nvSpPr>
-        <p:spPr>
-          <a:xfrm>
-            <a:off x="5061398" y="3883349"/>
-            <a:ext cx="3721996" cy="707886"/>
-          </a:xfrm>
-          <a:prstGeom prst="rect">
-            <a:avLst/>
-          </a:prstGeom>
-          <a:noFill/>
-        </p:spPr>
-        <p:txBody>
-          <a:bodyPr wrap="square" rtlCol="0">
-            <a:spAutoFit/>
-          </a:bodyPr>
-          <a:lstStyle/>
-          <a:p>
-            <a:pPr algn="r"/>
-            <a:r>
-              <a:rPr lang="es-MX" sz="4000" dirty="0" smtClean="0"/>
-              <a:t>Aciertos (B)</a:t>
-            </a:r>
-            <a:endParaRPr lang="es-MX" sz="4000" dirty="0"/>
-          </a:p>
-        </p:txBody>
-      </p:sp>
-      <p:sp>
-        <p:nvSpPr>
-          <p:cNvPr id="11" name="CuadroTexto 10"/>
-          <p:cNvSpPr txBox="1"/>
-          <p:nvPr/>
-        </p:nvSpPr>
-        <p:spPr>
-          <a:xfrm>
-            <a:off x="1339402" y="5138252"/>
-            <a:ext cx="3721996" cy="707886"/>
-          </a:xfrm>
-          <a:prstGeom prst="rect">
-            <a:avLst/>
-          </a:prstGeom>
-          <a:noFill/>
-        </p:spPr>
-        <p:txBody>
-          <a:bodyPr wrap="square" rtlCol="0">
-            <a:spAutoFit/>
-          </a:bodyPr>
-          <a:lstStyle/>
-          <a:p>
-            <a:pPr algn="r"/>
-            <a:r>
-              <a:rPr lang="es-MX" sz="4000" dirty="0" smtClean="0"/>
-              <a:t>Errores (A)</a:t>
-            </a:r>
-            <a:endParaRPr lang="es-MX" sz="4000" dirty="0"/>
-          </a:p>
-        </p:txBody>
-      </p:sp>
-      <p:sp>
-        <p:nvSpPr>
-          <p:cNvPr id="12" name="CuadroTexto 11"/>
-          <p:cNvSpPr txBox="1"/>
-          <p:nvPr/>
-        </p:nvSpPr>
-        <p:spPr>
-          <a:xfrm>
-            <a:off x="5061398" y="5138252"/>
-            <a:ext cx="3721996" cy="707886"/>
-          </a:xfrm>
-          <a:prstGeom prst="rect">
-            <a:avLst/>
-          </a:prstGeom>
-          <a:noFill/>
-        </p:spPr>
-        <p:txBody>
-          <a:bodyPr wrap="square" rtlCol="0">
-            <a:spAutoFit/>
-          </a:bodyPr>
-          <a:lstStyle/>
-          <a:p>
-            <a:pPr algn="r"/>
-            <a:r>
-              <a:rPr lang="es-MX" sz="4000" dirty="0" smtClean="0"/>
-              <a:t>Errores (B)</a:t>
-            </a:r>
-            <a:endParaRPr lang="es-MX" sz="4000" dirty="0"/>
-          </a:p>
-        </p:txBody>
-      </p:sp>
     </p:spTree>
     <p:extLst>
       <p:ext uri="{BB962C8B-B14F-4D97-AF65-F5344CB8AC3E}">
-        <p14:creationId xmlns:p14="http://schemas.microsoft.com/office/powerpoint/2010/main" val="1352085033"/>
+        <p14:creationId xmlns:p14="http://schemas.microsoft.com/office/powerpoint/2010/main" val="458338566"/>
       </p:ext>
     </p:extLst>
   </p:cSld>
@@ -16046,20 +15746,90 @@
             </a:pPr>
             <a:r>
               <a:rPr lang="es-MX" dirty="0" smtClean="0"/>
-              <a:t>:</a:t>
-            </a:r>
-          </a:p>
-        </p:txBody>
-      </p:sp>
-      <p:sp>
-        <p:nvSpPr>
-          <p:cNvPr id="7" name="Forma en L 6"/>
+              <a:t>En estudios de Memoria de Reconocimiento donde el desempeño de los participantes se compara entre dos clases:</a:t>
+            </a:r>
+          </a:p>
+          <a:p>
+            <a:pPr marL="0" indent="0">
+              <a:buNone/>
+            </a:pPr>
+            <a:endParaRPr lang="es-MX" dirty="0"/>
+          </a:p>
+          <a:p>
+            <a:pPr marL="0" indent="0">
+              <a:buNone/>
+            </a:pPr>
+            <a:endParaRPr lang="es-MX" dirty="0" smtClean="0"/>
+          </a:p>
+          <a:p>
+            <a:pPr marL="0" indent="0">
+              <a:buNone/>
+            </a:pPr>
+            <a:r>
+              <a:rPr lang="es-MX" dirty="0" smtClean="0"/>
+              <a:t>Consistentemente se ha encontrado que las diferencias en d’ entre las clases de estímulos se reflejan tanto en la precisión con que se detectan las señales,  como en la identificación del ruido</a:t>
+            </a:r>
+            <a:endParaRPr lang="es-MX" dirty="0"/>
+          </a:p>
+        </p:txBody>
+      </p:sp>
+      <p:pic>
+        <p:nvPicPr>
+          <p:cNvPr id="4" name="Imagen 3"/>
+          <p:cNvPicPr>
+            <a:picLocks noChangeAspect="1"/>
+          </p:cNvPicPr>
+          <p:nvPr/>
+        </p:nvPicPr>
+        <p:blipFill>
+          <a:blip r:embed="rId2"/>
+          <a:stretch>
+            <a:fillRect/>
+          </a:stretch>
+        </p:blipFill>
+        <p:spPr>
+          <a:xfrm>
+            <a:off x="3557721" y="1397780"/>
+            <a:ext cx="1374887" cy="934923"/>
+          </a:xfrm>
+          <a:prstGeom prst="rect">
+            <a:avLst/>
+          </a:prstGeom>
+        </p:spPr>
+      </p:pic>
+      <p:pic>
+        <p:nvPicPr>
+          <p:cNvPr id="5" name="Imagen 4"/>
+          <p:cNvPicPr>
+            <a:picLocks noChangeAspect="1"/>
+          </p:cNvPicPr>
+          <p:nvPr/>
+        </p:nvPicPr>
+        <p:blipFill>
+          <a:blip r:embed="rId3"/>
+          <a:stretch>
+            <a:fillRect/>
+          </a:stretch>
+        </p:blipFill>
+        <p:spPr>
+          <a:xfrm>
+            <a:off x="6320516" y="1430677"/>
+            <a:ext cx="1444908" cy="866945"/>
+          </a:xfrm>
+          <a:prstGeom prst="rect">
+            <a:avLst/>
+          </a:prstGeom>
+        </p:spPr>
+      </p:pic>
+      <p:sp>
+        <p:nvSpPr>
+          <p:cNvPr id="6" name="Forma en L 5"/>
           <p:cNvSpPr/>
           <p:nvPr/>
         </p:nvSpPr>
         <p:spPr>
           <a:xfrm rot="18579465" flipH="1">
-            <a:off x="5307778" y="4145821"/>
+            <a:off x="5438714" y="1675224"/>
             <a:ext cx="375696" cy="377851"/>
           </a:xfrm>
           <a:prstGeom prst="corner">
@@ -16096,13 +15866,13 @@
       </p:sp>
       <p:sp>
         <p:nvSpPr>
-          <p:cNvPr id="8" name="Forma en L 7"/>
+          <p:cNvPr id="7" name="Forma en L 6"/>
           <p:cNvSpPr/>
           <p:nvPr/>
         </p:nvSpPr>
         <p:spPr>
-          <a:xfrm rot="8206129" flipH="1">
-            <a:off x="5307779" y="5382193"/>
+          <a:xfrm rot="18579465" flipH="1">
+            <a:off x="5307778" y="4145821"/>
             <a:ext cx="375696" cy="377851"/>
           </a:xfrm>
           <a:prstGeom prst="corner">
@@ -16139,6 +15909,49 @@
       </p:sp>
       <p:sp>
         <p:nvSpPr>
+          <p:cNvPr id="8" name="Forma en L 7"/>
+          <p:cNvSpPr/>
+          <p:nvPr/>
+        </p:nvSpPr>
+        <p:spPr>
+          <a:xfrm rot="8206129" flipH="1">
+            <a:off x="5307779" y="5382193"/>
+            <a:ext cx="375696" cy="377851"/>
+          </a:xfrm>
+          <a:prstGeom prst="corner">
+            <a:avLst/>
+          </a:prstGeom>
+          <a:solidFill>
+            <a:srgbClr val="FF0000"/>
+          </a:solidFill>
+        </p:spPr>
+        <p:style>
+          <a:lnRef idx="2">
+            <a:schemeClr val="accent1">
+              <a:shade val="50000"/>
+            </a:schemeClr>
+          </a:lnRef>
+          <a:fillRef idx="1">
+            <a:schemeClr val="accent1"/>
+          </a:fillRef>
+          <a:effectRef idx="0">
+            <a:schemeClr val="accent1"/>
+          </a:effectRef>
+          <a:fontRef idx="minor">
+            <a:schemeClr val="lt1"/>
+          </a:fontRef>
+        </p:style>
+        <p:txBody>
+          <a:bodyPr rtlCol="0" anchor="ctr"/>
+          <a:lstStyle/>
+          <a:p>
+            <a:pPr algn="ctr"/>
+            <a:endParaRPr lang="es-MX"/>
+          </a:p>
+        </p:txBody>
+      </p:sp>
+      <p:sp>
+        <p:nvSpPr>
           <p:cNvPr id="9" name="CuadroTexto 8"/>
           <p:cNvSpPr txBox="1"/>
           <p:nvPr/>
@@ -16162,7 +15975,7 @@
             <a:pPr algn="r"/>
             <a:r>
               <a:rPr lang="es-MX" sz="4000" dirty="0" smtClean="0"/>
-              <a:t>Hits (A)</a:t>
+              <a:t>Aciertos (A)</a:t>
             </a:r>
             <a:endParaRPr lang="es-MX" sz="4000" dirty="0"/>
           </a:p>
@@ -16193,7 +16006,7 @@
             <a:pPr algn="r"/>
             <a:r>
               <a:rPr lang="es-MX" sz="4000" dirty="0" smtClean="0"/>
-              <a:t>Hits (B)</a:t>
+              <a:t>Aciertos (B)</a:t>
             </a:r>
             <a:endParaRPr lang="es-MX" sz="4000" dirty="0"/>
           </a:p>
@@ -16207,8 +16020,8 @@
         </p:nvSpPr>
         <p:spPr>
           <a:xfrm>
-            <a:off x="1017037" y="5138252"/>
-            <a:ext cx="4044361" cy="707886"/>
+            <a:off x="1339402" y="5138252"/>
+            <a:ext cx="3721996" cy="707886"/>
           </a:xfrm>
           <a:prstGeom prst="rect">
             <a:avLst/>
@@ -16224,7 +16037,7 @@
             <a:pPr algn="r"/>
             <a:r>
               <a:rPr lang="es-MX" sz="4000" dirty="0" smtClean="0"/>
-              <a:t>Falsas Alarmas (A)</a:t>
+              <a:t>Errores (A)</a:t>
             </a:r>
             <a:endParaRPr lang="es-MX" sz="4000" dirty="0"/>
           </a:p>
@@ -16239,7 +16052,7 @@
         <p:spPr>
           <a:xfrm>
             <a:off x="5061398" y="5138252"/>
-            <a:ext cx="4931688" cy="707886"/>
+            <a:ext cx="3721996" cy="707886"/>
           </a:xfrm>
           <a:prstGeom prst="rect">
             <a:avLst/>
@@ -16255,7 +16068,7 @@
             <a:pPr algn="r"/>
             <a:r>
               <a:rPr lang="es-MX" sz="4000" dirty="0" smtClean="0"/>
-              <a:t>Falsas Alarmas (B)</a:t>
+              <a:t>Errores (B)</a:t>
             </a:r>
             <a:endParaRPr lang="es-MX" sz="4000" dirty="0"/>
           </a:p>
@@ -16264,7 +16077,7 @@
     </p:spTree>
     <p:extLst>
       <p:ext uri="{BB962C8B-B14F-4D97-AF65-F5344CB8AC3E}">
-        <p14:creationId xmlns:p14="http://schemas.microsoft.com/office/powerpoint/2010/main" val="3443801902"/>
+        <p14:creationId xmlns:p14="http://schemas.microsoft.com/office/powerpoint/2010/main" val="1352085033"/>
       </p:ext>
     </p:extLst>
   </p:cSld>
@@ -16564,34 +16377,10 @@
           </a:p>
         </p:txBody>
       </p:sp>
-      <p:pic>
-        <p:nvPicPr>
-          <p:cNvPr id="13" name="Imagen 9"/>
-          <p:cNvPicPr>
-            <a:picLocks noChangeAspect="1"/>
-          </p:cNvPicPr>
-          <p:nvPr/>
-        </p:nvPicPr>
-        <p:blipFill>
-          <a:blip r:embed="rId2"/>
-          <a:stretch>
-            <a:fillRect/>
-          </a:stretch>
-        </p:blipFill>
-        <p:spPr>
-          <a:xfrm>
-            <a:off x="3200400" y="146024"/>
-            <a:ext cx="4781348" cy="3577652"/>
-          </a:xfrm>
-          <a:prstGeom prst="rect">
-            <a:avLst/>
-          </a:prstGeom>
-        </p:spPr>
-      </p:pic>
     </p:spTree>
     <p:extLst>
       <p:ext uri="{BB962C8B-B14F-4D97-AF65-F5344CB8AC3E}">
-        <p14:creationId xmlns:p14="http://schemas.microsoft.com/office/powerpoint/2010/main" val="2791766427"/>
+        <p14:creationId xmlns:p14="http://schemas.microsoft.com/office/powerpoint/2010/main" val="3443801902"/>
       </p:ext>
     </p:extLst>
   </p:cSld>
@@ -16635,16 +16424,9 @@
             <p:ph type="title"/>
           </p:nvPr>
         </p:nvSpPr>
-        <p:spPr>
-          <a:xfrm flipV="1">
-            <a:off x="838200" y="283336"/>
-            <a:ext cx="10515600" cy="81790"/>
-          </a:xfrm>
-        </p:spPr>
-        <p:txBody>
-          <a:bodyPr>
-            <a:normAutofit fontScale="90000"/>
-          </a:bodyPr>
+        <p:spPr/>
+        <p:txBody>
+          <a:bodyPr/>
           <a:lstStyle/>
           <a:p>
             <a:r>
@@ -16670,54 +16452,262 @@
         </p:nvSpPr>
         <p:spPr>
           <a:xfrm>
-            <a:off x="838200" y="365126"/>
-            <a:ext cx="10515600" cy="5811837"/>
-          </a:xfrm>
-        </p:spPr>
-        <p:txBody>
-          <a:bodyPr>
-            <a:normAutofit/>
+            <a:off x="838200" y="557808"/>
+            <a:ext cx="10515600" cy="5713324"/>
+          </a:xfrm>
+        </p:spPr>
+        <p:txBody>
+          <a:bodyPr/>
+          <a:lstStyle/>
+          <a:p>
+            <a:pPr marL="0" indent="0">
+              <a:buNone/>
+            </a:pPr>
+            <a:r>
+              <a:rPr lang="es-MX" dirty="0" smtClean="0"/>
+              <a:t>:</a:t>
+            </a:r>
+          </a:p>
+        </p:txBody>
+      </p:sp>
+      <p:sp>
+        <p:nvSpPr>
+          <p:cNvPr id="7" name="Forma en L 6"/>
+          <p:cNvSpPr/>
+          <p:nvPr/>
+        </p:nvSpPr>
+        <p:spPr>
+          <a:xfrm rot="18579465" flipH="1">
+            <a:off x="5307778" y="4145821"/>
+            <a:ext cx="375696" cy="377851"/>
+          </a:xfrm>
+          <a:prstGeom prst="corner">
+            <a:avLst/>
+          </a:prstGeom>
+          <a:solidFill>
+            <a:srgbClr val="FF0000"/>
+          </a:solidFill>
+        </p:spPr>
+        <p:style>
+          <a:lnRef idx="2">
+            <a:schemeClr val="accent1">
+              <a:shade val="50000"/>
+            </a:schemeClr>
+          </a:lnRef>
+          <a:fillRef idx="1">
+            <a:schemeClr val="accent1"/>
+          </a:fillRef>
+          <a:effectRef idx="0">
+            <a:schemeClr val="accent1"/>
+          </a:effectRef>
+          <a:fontRef idx="minor">
+            <a:schemeClr val="lt1"/>
+          </a:fontRef>
+        </p:style>
+        <p:txBody>
+          <a:bodyPr rtlCol="0" anchor="ctr"/>
+          <a:lstStyle/>
+          <a:p>
+            <a:pPr algn="ctr"/>
+            <a:endParaRPr lang="es-MX"/>
+          </a:p>
+        </p:txBody>
+      </p:sp>
+      <p:sp>
+        <p:nvSpPr>
+          <p:cNvPr id="8" name="Forma en L 7"/>
+          <p:cNvSpPr/>
+          <p:nvPr/>
+        </p:nvSpPr>
+        <p:spPr>
+          <a:xfrm rot="8206129" flipH="1">
+            <a:off x="5307779" y="5382193"/>
+            <a:ext cx="375696" cy="377851"/>
+          </a:xfrm>
+          <a:prstGeom prst="corner">
+            <a:avLst/>
+          </a:prstGeom>
+          <a:solidFill>
+            <a:srgbClr val="FF0000"/>
+          </a:solidFill>
+        </p:spPr>
+        <p:style>
+          <a:lnRef idx="2">
+            <a:schemeClr val="accent1">
+              <a:shade val="50000"/>
+            </a:schemeClr>
+          </a:lnRef>
+          <a:fillRef idx="1">
+            <a:schemeClr val="accent1"/>
+          </a:fillRef>
+          <a:effectRef idx="0">
+            <a:schemeClr val="accent1"/>
+          </a:effectRef>
+          <a:fontRef idx="minor">
+            <a:schemeClr val="lt1"/>
+          </a:fontRef>
+        </p:style>
+        <p:txBody>
+          <a:bodyPr rtlCol="0" anchor="ctr"/>
+          <a:lstStyle/>
+          <a:p>
+            <a:pPr algn="ctr"/>
+            <a:endParaRPr lang="es-MX"/>
+          </a:p>
+        </p:txBody>
+      </p:sp>
+      <p:sp>
+        <p:nvSpPr>
+          <p:cNvPr id="9" name="CuadroTexto 8"/>
+          <p:cNvSpPr txBox="1"/>
+          <p:nvPr/>
+        </p:nvSpPr>
+        <p:spPr>
+          <a:xfrm>
+            <a:off x="1339402" y="3892052"/>
+            <a:ext cx="3721996" cy="707886"/>
+          </a:xfrm>
+          <a:prstGeom prst="rect">
+            <a:avLst/>
+          </a:prstGeom>
+          <a:noFill/>
+        </p:spPr>
+        <p:txBody>
+          <a:bodyPr wrap="square" rtlCol="0">
+            <a:spAutoFit/>
           </a:bodyPr>
           <a:lstStyle/>
           <a:p>
-            <a:r>
-              <a:rPr lang="es-MX" dirty="0" smtClean="0"/>
-              <a:t>Explicaciones como la propuesta por la TA/V dependen de la interacción que tiene el sujeto con los estímulos en la fase de estudio.</a:t>
-            </a:r>
-          </a:p>
-          <a:p>
-            <a:endParaRPr lang="es-MX" dirty="0"/>
-          </a:p>
-          <a:p>
-            <a:r>
-              <a:rPr lang="es-MX" dirty="0" smtClean="0"/>
-              <a:t>Nuestra tarea, no tenía fase de estudio ni ningún proceso mnémico y encontramos las mismas diferencias en las respuestas de los participantes.</a:t>
-            </a:r>
-          </a:p>
-          <a:p>
-            <a:endParaRPr lang="es-MX" dirty="0"/>
-          </a:p>
-          <a:p>
-            <a:r>
-              <a:rPr lang="es-MX" dirty="0" smtClean="0"/>
-              <a:t>¿Es el Efecto Espejo un reflejo de los procesos involucrados en memoria o un artefacto de la aplicación de la SDT clásica?</a:t>
-            </a:r>
-          </a:p>
-          <a:p>
-            <a:endParaRPr lang="es-MX" dirty="0"/>
-          </a:p>
-          <a:p>
-            <a:r>
-              <a:rPr lang="es-MX" dirty="0" smtClean="0"/>
-              <a:t>¿Qué distingue los modelos bayesianos de SDT de la teoría clásica?</a:t>
-            </a:r>
-          </a:p>
-        </p:txBody>
-      </p:sp>
+            <a:pPr algn="r"/>
+            <a:r>
+              <a:rPr lang="es-MX" sz="4000" dirty="0" smtClean="0"/>
+              <a:t>Hits (A)</a:t>
+            </a:r>
+            <a:endParaRPr lang="es-MX" sz="4000" dirty="0"/>
+          </a:p>
+        </p:txBody>
+      </p:sp>
+      <p:sp>
+        <p:nvSpPr>
+          <p:cNvPr id="10" name="CuadroTexto 9"/>
+          <p:cNvSpPr txBox="1"/>
+          <p:nvPr/>
+        </p:nvSpPr>
+        <p:spPr>
+          <a:xfrm>
+            <a:off x="5061398" y="3883349"/>
+            <a:ext cx="3721996" cy="707886"/>
+          </a:xfrm>
+          <a:prstGeom prst="rect">
+            <a:avLst/>
+          </a:prstGeom>
+          <a:noFill/>
+        </p:spPr>
+        <p:txBody>
+          <a:bodyPr wrap="square" rtlCol="0">
+            <a:spAutoFit/>
+          </a:bodyPr>
+          <a:lstStyle/>
+          <a:p>
+            <a:pPr algn="r"/>
+            <a:r>
+              <a:rPr lang="es-MX" sz="4000" dirty="0" smtClean="0"/>
+              <a:t>Hits (B)</a:t>
+            </a:r>
+            <a:endParaRPr lang="es-MX" sz="4000" dirty="0"/>
+          </a:p>
+        </p:txBody>
+      </p:sp>
+      <p:sp>
+        <p:nvSpPr>
+          <p:cNvPr id="11" name="CuadroTexto 10"/>
+          <p:cNvSpPr txBox="1"/>
+          <p:nvPr/>
+        </p:nvSpPr>
+        <p:spPr>
+          <a:xfrm>
+            <a:off x="1017037" y="5138252"/>
+            <a:ext cx="4044361" cy="707886"/>
+          </a:xfrm>
+          <a:prstGeom prst="rect">
+            <a:avLst/>
+          </a:prstGeom>
+          <a:noFill/>
+        </p:spPr>
+        <p:txBody>
+          <a:bodyPr wrap="square" rtlCol="0">
+            <a:spAutoFit/>
+          </a:bodyPr>
+          <a:lstStyle/>
+          <a:p>
+            <a:pPr algn="r"/>
+            <a:r>
+              <a:rPr lang="es-MX" sz="4000" dirty="0" smtClean="0"/>
+              <a:t>Falsas Alarmas (A)</a:t>
+            </a:r>
+            <a:endParaRPr lang="es-MX" sz="4000" dirty="0"/>
+          </a:p>
+        </p:txBody>
+      </p:sp>
+      <p:sp>
+        <p:nvSpPr>
+          <p:cNvPr id="12" name="CuadroTexto 11"/>
+          <p:cNvSpPr txBox="1"/>
+          <p:nvPr/>
+        </p:nvSpPr>
+        <p:spPr>
+          <a:xfrm>
+            <a:off x="5061398" y="5138252"/>
+            <a:ext cx="4931688" cy="707886"/>
+          </a:xfrm>
+          <a:prstGeom prst="rect">
+            <a:avLst/>
+          </a:prstGeom>
+          <a:noFill/>
+        </p:spPr>
+        <p:txBody>
+          <a:bodyPr wrap="square" rtlCol="0">
+            <a:spAutoFit/>
+          </a:bodyPr>
+          <a:lstStyle/>
+          <a:p>
+            <a:pPr algn="r"/>
+            <a:r>
+              <a:rPr lang="es-MX" sz="4000" dirty="0" smtClean="0"/>
+              <a:t>Falsas Alarmas (B)</a:t>
+            </a:r>
+            <a:endParaRPr lang="es-MX" sz="4000" dirty="0"/>
+          </a:p>
+        </p:txBody>
+      </p:sp>
+      <p:pic>
+        <p:nvPicPr>
+          <p:cNvPr id="13" name="Imagen 9"/>
+          <p:cNvPicPr>
+            <a:picLocks noChangeAspect="1"/>
+          </p:cNvPicPr>
+          <p:nvPr/>
+        </p:nvPicPr>
+        <p:blipFill>
+          <a:blip r:embed="rId2"/>
+          <a:stretch>
+            <a:fillRect/>
+          </a:stretch>
+        </p:blipFill>
+        <p:spPr>
+          <a:xfrm>
+            <a:off x="3200400" y="146024"/>
+            <a:ext cx="4781348" cy="3577652"/>
+          </a:xfrm>
+          <a:prstGeom prst="rect">
+            <a:avLst/>
+          </a:prstGeom>
+        </p:spPr>
+      </p:pic>
     </p:spTree>
     <p:extLst>
       <p:ext uri="{BB962C8B-B14F-4D97-AF65-F5344CB8AC3E}">
-        <p14:creationId xmlns:p14="http://schemas.microsoft.com/office/powerpoint/2010/main" val="155825417"/>
+        <p14:creationId xmlns:p14="http://schemas.microsoft.com/office/powerpoint/2010/main" val="2791766427"/>
       </p:ext>
     </p:extLst>
   </p:cSld>
@@ -16797,7 +16787,7 @@
         <p:spPr>
           <a:xfrm>
             <a:off x="838200" y="365126"/>
-            <a:ext cx="10741090" cy="5811837"/>
+            <a:ext cx="10515600" cy="5811837"/>
           </a:xfrm>
         </p:spPr>
         <p:txBody>
@@ -16807,12 +16797,8 @@
           <a:lstStyle/>
           <a:p>
             <a:r>
-              <a:rPr lang="es-MX" b="1" dirty="0" smtClean="0"/>
-              <a:t>Explicaciones como la propuesta por la TA/V dependen de la interacción que tiene el sujeto con los estímulos en la fase de estudio</a:t>
-            </a:r>
-            <a:r>
               <a:rPr lang="es-MX" dirty="0" smtClean="0"/>
-              <a:t>.</a:t>
+              <a:t>Explicaciones como la propuesta por la TA/V dependen de la interacción que tiene el sujeto con los estímulos en la fase de estudio.</a:t>
             </a:r>
           </a:p>
           <a:p>
@@ -16847,7 +16833,7 @@
     </p:spTree>
     <p:extLst>
       <p:ext uri="{BB962C8B-B14F-4D97-AF65-F5344CB8AC3E}">
-        <p14:creationId xmlns:p14="http://schemas.microsoft.com/office/powerpoint/2010/main" val="290433397"/>
+        <p14:creationId xmlns:p14="http://schemas.microsoft.com/office/powerpoint/2010/main" val="155825417"/>
       </p:ext>
     </p:extLst>
   </p:cSld>
@@ -16927,7 +16913,7 @@
         <p:spPr>
           <a:xfrm>
             <a:off x="838200" y="365126"/>
-            <a:ext cx="10515600" cy="5811837"/>
+            <a:ext cx="10741090" cy="5811837"/>
           </a:xfrm>
         </p:spPr>
         <p:txBody>
@@ -16937,8 +16923,12 @@
           <a:lstStyle/>
           <a:p>
             <a:r>
+              <a:rPr lang="es-MX" b="1" dirty="0" smtClean="0"/>
+              <a:t>Explicaciones como la propuesta por la TA/V dependen de la interacción que tiene el sujeto con los estímulos en la fase de estudio</a:t>
+            </a:r>
+            <a:r>
               <a:rPr lang="es-MX" dirty="0" smtClean="0"/>
-              <a:t>Explicaciones como la propuesta por la TA/V dependen de la interacción que tiene el sujeto con los estímulos en la fase de estudio.</a:t>
+              <a:t>.</a:t>
             </a:r>
           </a:p>
           <a:p>
@@ -16946,7 +16936,7 @@
           </a:p>
           <a:p>
             <a:r>
-              <a:rPr lang="es-MX" b="1" dirty="0" smtClean="0"/>
+              <a:rPr lang="es-MX" dirty="0" smtClean="0"/>
               <a:t>Nuestra tarea, no tenía fase de estudio ni ningún proceso mnémico y encontramos las mismas diferencias en las respuestas de los participantes.</a:t>
             </a:r>
           </a:p>
@@ -16973,7 +16963,7 @@
     </p:spTree>
     <p:extLst>
       <p:ext uri="{BB962C8B-B14F-4D97-AF65-F5344CB8AC3E}">
-        <p14:creationId xmlns:p14="http://schemas.microsoft.com/office/powerpoint/2010/main" val="2599253189"/>
+        <p14:creationId xmlns:p14="http://schemas.microsoft.com/office/powerpoint/2010/main" val="290433397"/>
       </p:ext>
     </p:extLst>
   </p:cSld>
@@ -17072,16 +17062,16 @@
           </a:p>
           <a:p>
             <a:r>
+              <a:rPr lang="es-MX" b="1" dirty="0" smtClean="0"/>
+              <a:t>Nuestra tarea, no tenía fase de estudio ni ningún proceso mnémico y encontramos las mismas diferencias en las respuestas de los participantes.</a:t>
+            </a:r>
+          </a:p>
+          <a:p>
+            <a:endParaRPr lang="es-MX" dirty="0"/>
+          </a:p>
+          <a:p>
+            <a:r>
               <a:rPr lang="es-MX" dirty="0" smtClean="0"/>
-              <a:t>Nuestra tarea, no tenía fase de estudio ni ningún proceso mnémico y encontramos las mismas diferencias en las respuestas de los participantes.</a:t>
-            </a:r>
-          </a:p>
-          <a:p>
-            <a:endParaRPr lang="es-MX" dirty="0"/>
-          </a:p>
-          <a:p>
-            <a:r>
-              <a:rPr lang="es-MX" b="1" dirty="0" smtClean="0"/>
               <a:t>¿Es el Efecto Espejo un reflejo de los procesos involucrados en memoria o un artefacto de la aplicación de la SDT clásica?</a:t>
             </a:r>
           </a:p>
@@ -17099,7 +17089,7 @@
     </p:spTree>
     <p:extLst>
       <p:ext uri="{BB962C8B-B14F-4D97-AF65-F5344CB8AC3E}">
-        <p14:creationId xmlns:p14="http://schemas.microsoft.com/office/powerpoint/2010/main" val="3101272554"/>
+        <p14:creationId xmlns:p14="http://schemas.microsoft.com/office/powerpoint/2010/main" val="2599253189"/>
       </p:ext>
     </p:extLst>
   </p:cSld>
@@ -17207,16 +17197,16 @@
           </a:p>
           <a:p>
             <a:r>
+              <a:rPr lang="es-MX" b="1" dirty="0" smtClean="0"/>
+              <a:t>¿Es el Efecto Espejo un reflejo de los procesos involucrados en memoria o un artefacto de la aplicación de la SDT clásica?</a:t>
+            </a:r>
+          </a:p>
+          <a:p>
+            <a:endParaRPr lang="es-MX" dirty="0"/>
+          </a:p>
+          <a:p>
+            <a:r>
               <a:rPr lang="es-MX" dirty="0" smtClean="0"/>
-              <a:t>¿Es el Efecto Espejo un reflejo de los procesos involucrados en memoria o un artefacto de la aplicación de la SDT clásica?</a:t>
-            </a:r>
-          </a:p>
-          <a:p>
-            <a:endParaRPr lang="es-MX" dirty="0"/>
-          </a:p>
-          <a:p>
-            <a:r>
-              <a:rPr lang="es-MX" b="1" dirty="0" smtClean="0"/>
               <a:t>¿Qué distingue los modelos bayesianos de SDT de la teoría clásica?</a:t>
             </a:r>
           </a:p>
@@ -17225,7 +17215,7 @@
     </p:spTree>
     <p:extLst>
       <p:ext uri="{BB962C8B-B14F-4D97-AF65-F5344CB8AC3E}">
-        <p14:creationId xmlns:p14="http://schemas.microsoft.com/office/powerpoint/2010/main" val="3640640631"/>
+        <p14:creationId xmlns:p14="http://schemas.microsoft.com/office/powerpoint/2010/main" val="3101272554"/>
       </p:ext>
     </p:extLst>
   </p:cSld>
@@ -17266,17 +17256,47 @@
             <a:spLocks noGrp="1"/>
           </p:cNvSpPr>
           <p:nvPr>
-            <p:ph type="ctrTitle"/>
-          </p:nvPr>
-        </p:nvSpPr>
-        <p:spPr>
-          <a:xfrm>
-            <a:off x="0" y="2267496"/>
-            <a:ext cx="8306873" cy="1480256"/>
-          </a:xfrm>
-          <a:solidFill>
-            <a:schemeClr val="tx1"/>
-          </a:solidFill>
+            <p:ph type="title"/>
+          </p:nvPr>
+        </p:nvSpPr>
+        <p:spPr>
+          <a:xfrm flipV="1">
+            <a:off x="838200" y="283336"/>
+            <a:ext cx="10515600" cy="81790"/>
+          </a:xfrm>
+        </p:spPr>
+        <p:txBody>
+          <a:bodyPr>
+            <a:normAutofit fontScale="90000"/>
+          </a:bodyPr>
+          <a:lstStyle/>
+          <a:p>
+            <a:r>
+              <a:rPr lang="es-MX" dirty="0" smtClean="0"/>
+              <a:t/>
+            </a:r>
+            <a:br>
+              <a:rPr lang="es-MX" dirty="0" smtClean="0"/>
+            </a:br>
+            <a:endParaRPr lang="es-MX" dirty="0"/>
+          </a:p>
+        </p:txBody>
+      </p:sp>
+      <p:sp>
+        <p:nvSpPr>
+          <p:cNvPr id="3" name="Marcador de contenido 2"/>
+          <p:cNvSpPr>
+            <a:spLocks noGrp="1"/>
+          </p:cNvSpPr>
+          <p:nvPr>
+            <p:ph idx="1"/>
+          </p:nvPr>
+        </p:nvSpPr>
+        <p:spPr>
+          <a:xfrm>
+            <a:off x="838200" y="365126"/>
+            <a:ext cx="10515600" cy="5811837"/>
+          </a:xfrm>
         </p:spPr>
         <p:txBody>
           <a:bodyPr>
@@ -17285,159 +17305,43 @@
           <a:lstStyle/>
           <a:p>
             <a:r>
-              <a:rPr lang="es-MX" sz="6700" b="1" dirty="0" smtClean="0">
-                <a:solidFill>
-                  <a:schemeClr val="bg1"/>
-                </a:solidFill>
-              </a:rPr>
-              <a:t>Conclusiones</a:t>
-            </a:r>
-            <a:endParaRPr lang="es-MX" b="1" dirty="0">
-              <a:solidFill>
-                <a:schemeClr val="bg1"/>
-              </a:solidFill>
-            </a:endParaRPr>
-          </a:p>
-        </p:txBody>
-      </p:sp>
-      <p:sp>
-        <p:nvSpPr>
-          <p:cNvPr id="3" name="Subtítulo 2"/>
-          <p:cNvSpPr>
-            <a:spLocks noGrp="1"/>
-          </p:cNvSpPr>
-          <p:nvPr>
-            <p:ph type="subTitle" idx="1"/>
-          </p:nvPr>
-        </p:nvSpPr>
-        <p:spPr>
-          <a:xfrm>
-            <a:off x="1523999" y="5763622"/>
-            <a:ext cx="9144000" cy="792349"/>
-          </a:xfrm>
-        </p:spPr>
-        <p:txBody>
-          <a:bodyPr/>
-          <a:lstStyle/>
-          <a:p>
-            <a:r>
               <a:rPr lang="es-MX" dirty="0" smtClean="0"/>
-              <a:t>por Adriana Felisa Chávez De la Peña</a:t>
-            </a:r>
+              <a:t>Explicaciones como la propuesta por la TA/V dependen de la interacción que tiene el sujeto con los estímulos en la fase de estudio.</a:t>
+            </a:r>
+          </a:p>
+          <a:p>
             <a:endParaRPr lang="es-MX" dirty="0"/>
           </a:p>
-        </p:txBody>
-      </p:sp>
-      <p:pic>
-        <p:nvPicPr>
-          <p:cNvPr id="4" name="Picture 4" descr="Resultado de imagen para UNAM logo"/>
-          <p:cNvPicPr>
-            <a:picLocks noChangeAspect="1" noChangeArrowheads="1"/>
-          </p:cNvPicPr>
-          <p:nvPr/>
-        </p:nvPicPr>
-        <p:blipFill>
-          <a:blip r:embed="rId2">
-            <a:extLst>
-              <a:ext uri="{28A0092B-C50C-407E-A947-70E740481C1C}">
-                <a14:useLocalDpi xmlns:a14="http://schemas.microsoft.com/office/drawing/2010/main" val="0"/>
-              </a:ext>
-            </a:extLst>
-          </a:blip>
-          <a:srcRect/>
-          <a:stretch>
-            <a:fillRect/>
-          </a:stretch>
-        </p:blipFill>
-        <p:spPr bwMode="auto">
-          <a:xfrm>
-            <a:off x="91776" y="160346"/>
-            <a:ext cx="3502025" cy="1255245"/>
-          </a:xfrm>
-          <a:prstGeom prst="rect">
-            <a:avLst/>
-          </a:prstGeom>
-          <a:noFill/>
-          <a:extLst>
-            <a:ext uri="{909E8E84-426E-40DD-AFC4-6F175D3DCCD1}">
-              <a14:hiddenFill xmlns:a14="http://schemas.microsoft.com/office/drawing/2010/main">
-                <a:solidFill>
-                  <a:srgbClr val="FFFFFF"/>
-                </a:solidFill>
-              </a14:hiddenFill>
-            </a:ext>
-          </a:extLst>
-        </p:spPr>
-      </p:pic>
-      <p:pic>
-        <p:nvPicPr>
-          <p:cNvPr id="5" name="Picture 6" descr="Imagen relacionada"/>
-          <p:cNvPicPr>
-            <a:picLocks noChangeAspect="1" noChangeArrowheads="1"/>
-          </p:cNvPicPr>
-          <p:nvPr/>
-        </p:nvPicPr>
-        <p:blipFill>
-          <a:blip r:embed="rId3" cstate="print">
-            <a:extLst>
-              <a:ext uri="{28A0092B-C50C-407E-A947-70E740481C1C}">
-                <a14:useLocalDpi xmlns:a14="http://schemas.microsoft.com/office/drawing/2010/main" val="0"/>
-              </a:ext>
-            </a:extLst>
-          </a:blip>
-          <a:srcRect/>
-          <a:stretch>
-            <a:fillRect/>
-          </a:stretch>
-        </p:blipFill>
-        <p:spPr bwMode="auto">
-          <a:xfrm>
-            <a:off x="357113" y="5058731"/>
-            <a:ext cx="1485675" cy="1409782"/>
-          </a:xfrm>
-          <a:prstGeom prst="rect">
-            <a:avLst/>
-          </a:prstGeom>
-          <a:noFill/>
-          <a:extLst>
-            <a:ext uri="{909E8E84-426E-40DD-AFC4-6F175D3DCCD1}">
-              <a14:hiddenFill xmlns:a14="http://schemas.microsoft.com/office/drawing/2010/main">
-                <a:solidFill>
-                  <a:srgbClr val="FFFFFF"/>
-                </a:solidFill>
-              </a14:hiddenFill>
-            </a:ext>
-          </a:extLst>
-        </p:spPr>
-      </p:pic>
-      <p:pic>
-        <p:nvPicPr>
-          <p:cNvPr id="6" name="Imagen 5"/>
-          <p:cNvPicPr>
-            <a:picLocks noChangeAspect="1"/>
-          </p:cNvPicPr>
-          <p:nvPr/>
-        </p:nvPicPr>
-        <p:blipFill>
-          <a:blip r:embed="rId4"/>
-          <a:stretch>
-            <a:fillRect/>
-          </a:stretch>
-        </p:blipFill>
-        <p:spPr>
-          <a:xfrm>
-            <a:off x="8667480" y="1806901"/>
-            <a:ext cx="3258355" cy="2604101"/>
-          </a:xfrm>
-          <a:prstGeom prst="rect">
-            <a:avLst/>
-          </a:prstGeom>
-        </p:spPr>
-      </p:pic>
+          <a:p>
+            <a:r>
+              <a:rPr lang="es-MX" dirty="0" smtClean="0"/>
+              <a:t>Nuestra tarea, no tenía fase de estudio ni ningún proceso mnémico y encontramos las mismas diferencias en las respuestas de los participantes.</a:t>
+            </a:r>
+          </a:p>
+          <a:p>
+            <a:endParaRPr lang="es-MX" dirty="0"/>
+          </a:p>
+          <a:p>
+            <a:r>
+              <a:rPr lang="es-MX" dirty="0" smtClean="0"/>
+              <a:t>¿Es el Efecto Espejo un reflejo de los procesos involucrados en memoria o un artefacto de la aplicación de la SDT clásica?</a:t>
+            </a:r>
+          </a:p>
+          <a:p>
+            <a:endParaRPr lang="es-MX" dirty="0"/>
+          </a:p>
+          <a:p>
+            <a:r>
+              <a:rPr lang="es-MX" b="1" dirty="0" smtClean="0"/>
+              <a:t>¿Qué distingue los modelos bayesianos de SDT de la teoría clásica?</a:t>
+            </a:r>
+          </a:p>
+        </p:txBody>
+      </p:sp>
     </p:spTree>
     <p:extLst>
       <p:ext uri="{BB962C8B-B14F-4D97-AF65-F5344CB8AC3E}">
-        <p14:creationId xmlns:p14="http://schemas.microsoft.com/office/powerpoint/2010/main" val="769384185"/>
+        <p14:creationId xmlns:p14="http://schemas.microsoft.com/office/powerpoint/2010/main" val="3640640631"/>
       </p:ext>
     </p:extLst>
   </p:cSld>
@@ -17620,106 +17524,183 @@
       </p:grpSpPr>
       <p:sp>
         <p:nvSpPr>
-          <p:cNvPr id="3" name="Marcador de contenido 2"/>
-          <p:cNvSpPr>
-            <a:spLocks noGrp="1"/>
-          </p:cNvSpPr>
-          <p:nvPr>
-            <p:ph idx="1"/>
-          </p:nvPr>
-        </p:nvSpPr>
-        <p:spPr>
-          <a:xfrm>
-            <a:off x="206061" y="1825625"/>
-            <a:ext cx="11719775" cy="4351338"/>
-          </a:xfrm>
+          <p:cNvPr id="2" name="Título 1"/>
+          <p:cNvSpPr>
+            <a:spLocks noGrp="1"/>
+          </p:cNvSpPr>
+          <p:nvPr>
+            <p:ph type="ctrTitle"/>
+          </p:nvPr>
+        </p:nvSpPr>
+        <p:spPr>
+          <a:xfrm>
+            <a:off x="0" y="2267496"/>
+            <a:ext cx="8306873" cy="1480256"/>
+          </a:xfrm>
+          <a:solidFill>
+            <a:schemeClr val="tx1"/>
+          </a:solidFill>
         </p:spPr>
         <p:txBody>
           <a:bodyPr>
-            <a:noAutofit/>
+            <a:normAutofit/>
           </a:bodyPr>
           <a:lstStyle/>
           <a:p>
             <a:r>
-              <a:rPr lang="es-MX" sz="3200" dirty="0" smtClean="0"/>
-              <a:t>Los resultados encontrados pueden ser interpretados en dos direcciones: </a:t>
-            </a:r>
-          </a:p>
-          <a:p>
-            <a:endParaRPr lang="es-MX" sz="3200" dirty="0" smtClean="0"/>
-          </a:p>
-          <a:p>
-            <a:pPr lvl="1"/>
-            <a:r>
-              <a:rPr lang="es-MX" sz="3200" dirty="0" smtClean="0">
+              <a:rPr lang="es-MX" sz="6700" b="1" dirty="0" smtClean="0">
                 <a:solidFill>
-                  <a:schemeClr val="accent6">
-                    <a:lumMod val="75000"/>
-                  </a:schemeClr>
+                  <a:schemeClr val="bg1"/>
                 </a:solidFill>
-                <a:effectLst>
-                  <a:outerShdw blurRad="38100" dist="38100" dir="2700000" algn="tl">
-                    <a:srgbClr val="000000">
-                      <a:alpha val="43137"/>
-                    </a:srgbClr>
-                  </a:outerShdw>
-                </a:effectLst>
               </a:rPr>
-              <a:t>Primero</a:t>
-            </a:r>
-            <a:r>
-              <a:rPr lang="es-MX" sz="3200" dirty="0" smtClean="0"/>
-              <a:t>, como evidencia de que </a:t>
-            </a:r>
-            <a:r>
-              <a:rPr lang="es-MX" sz="3200" b="1" dirty="0" smtClean="0">
-                <a:effectLst>
-                  <a:outerShdw blurRad="38100" dist="38100" dir="2700000" algn="tl">
-                    <a:srgbClr val="000000">
-                      <a:alpha val="43137"/>
-                    </a:srgbClr>
-                  </a:outerShdw>
-                </a:effectLst>
-              </a:rPr>
-              <a:t>el Efecto Espejo no es un fenómeno exclusivo de la Memoria de Reconocimiento sino de la aplicación de la Teoría de Detección de Señales</a:t>
-            </a:r>
-            <a:r>
-              <a:rPr lang="es-MX" sz="3200" dirty="0" smtClean="0"/>
-              <a:t> al estudio de tareas con más de un nivel de d’. </a:t>
-            </a:r>
-          </a:p>
-        </p:txBody>
-      </p:sp>
-      <p:sp>
-        <p:nvSpPr>
-          <p:cNvPr id="6" name="Título 5"/>
-          <p:cNvSpPr>
-            <a:spLocks noGrp="1"/>
-          </p:cNvSpPr>
-          <p:nvPr>
-            <p:ph type="title"/>
-          </p:nvPr>
-        </p:nvSpPr>
-        <p:spPr/>
+              <a:t>Conclusiones</a:t>
+            </a:r>
+            <a:endParaRPr lang="es-MX" b="1" dirty="0">
+              <a:solidFill>
+                <a:schemeClr val="bg1"/>
+              </a:solidFill>
+            </a:endParaRPr>
+          </a:p>
+        </p:txBody>
+      </p:sp>
+      <p:sp>
+        <p:nvSpPr>
+          <p:cNvPr id="3" name="Subtítulo 2"/>
+          <p:cNvSpPr>
+            <a:spLocks noGrp="1"/>
+          </p:cNvSpPr>
+          <p:nvPr>
+            <p:ph type="subTitle" idx="1"/>
+          </p:nvPr>
+        </p:nvSpPr>
+        <p:spPr>
+          <a:xfrm>
+            <a:off x="1523999" y="5763622"/>
+            <a:ext cx="9144000" cy="792349"/>
+          </a:xfrm>
+        </p:spPr>
         <p:txBody>
           <a:bodyPr/>
           <a:lstStyle/>
           <a:p>
             <a:r>
               <a:rPr lang="es-MX" dirty="0" smtClean="0"/>
-              <a:t/>
-            </a:r>
-            <a:br>
-              <a:rPr lang="es-MX" dirty="0" smtClean="0"/>
-            </a:br>
+              <a:t>por Adriana Felisa Chávez De la Peña</a:t>
+            </a:r>
             <a:endParaRPr lang="es-MX" dirty="0"/>
           </a:p>
         </p:txBody>
       </p:sp>
+      <p:pic>
+        <p:nvPicPr>
+          <p:cNvPr id="4" name="Picture 4" descr="Resultado de imagen para UNAM logo"/>
+          <p:cNvPicPr>
+            <a:picLocks noChangeAspect="1" noChangeArrowheads="1"/>
+          </p:cNvPicPr>
+          <p:nvPr/>
+        </p:nvPicPr>
+        <p:blipFill>
+          <a:blip r:embed="rId2">
+            <a:extLst>
+              <a:ext uri="{28A0092B-C50C-407E-A947-70E740481C1C}">
+                <a14:useLocalDpi xmlns:a14="http://schemas.microsoft.com/office/drawing/2010/main" val="0"/>
+              </a:ext>
+            </a:extLst>
+          </a:blip>
+          <a:srcRect/>
+          <a:stretch>
+            <a:fillRect/>
+          </a:stretch>
+        </p:blipFill>
+        <p:spPr bwMode="auto">
+          <a:xfrm>
+            <a:off x="91776" y="160346"/>
+            <a:ext cx="3502025" cy="1255245"/>
+          </a:xfrm>
+          <a:prstGeom prst="rect">
+            <a:avLst/>
+          </a:prstGeom>
+          <a:noFill/>
+          <a:extLst>
+            <a:ext uri="{909E8E84-426E-40DD-AFC4-6F175D3DCCD1}">
+              <a14:hiddenFill xmlns:a14="http://schemas.microsoft.com/office/drawing/2010/main">
+                <a:solidFill>
+                  <a:srgbClr val="FFFFFF"/>
+                </a:solidFill>
+              </a14:hiddenFill>
+            </a:ext>
+          </a:extLst>
+        </p:spPr>
+      </p:pic>
+      <p:pic>
+        <p:nvPicPr>
+          <p:cNvPr id="5" name="Picture 6" descr="Imagen relacionada"/>
+          <p:cNvPicPr>
+            <a:picLocks noChangeAspect="1" noChangeArrowheads="1"/>
+          </p:cNvPicPr>
+          <p:nvPr/>
+        </p:nvPicPr>
+        <p:blipFill>
+          <a:blip r:embed="rId3" cstate="print">
+            <a:extLst>
+              <a:ext uri="{28A0092B-C50C-407E-A947-70E740481C1C}">
+                <a14:useLocalDpi xmlns:a14="http://schemas.microsoft.com/office/drawing/2010/main" val="0"/>
+              </a:ext>
+            </a:extLst>
+          </a:blip>
+          <a:srcRect/>
+          <a:stretch>
+            <a:fillRect/>
+          </a:stretch>
+        </p:blipFill>
+        <p:spPr bwMode="auto">
+          <a:xfrm>
+            <a:off x="357113" y="5058731"/>
+            <a:ext cx="1485675" cy="1409782"/>
+          </a:xfrm>
+          <a:prstGeom prst="rect">
+            <a:avLst/>
+          </a:prstGeom>
+          <a:noFill/>
+          <a:extLst>
+            <a:ext uri="{909E8E84-426E-40DD-AFC4-6F175D3DCCD1}">
+              <a14:hiddenFill xmlns:a14="http://schemas.microsoft.com/office/drawing/2010/main">
+                <a:solidFill>
+                  <a:srgbClr val="FFFFFF"/>
+                </a:solidFill>
+              </a14:hiddenFill>
+            </a:ext>
+          </a:extLst>
+        </p:spPr>
+      </p:pic>
+      <p:pic>
+        <p:nvPicPr>
+          <p:cNvPr id="6" name="Imagen 5"/>
+          <p:cNvPicPr>
+            <a:picLocks noChangeAspect="1"/>
+          </p:cNvPicPr>
+          <p:nvPr/>
+        </p:nvPicPr>
+        <p:blipFill>
+          <a:blip r:embed="rId4"/>
+          <a:stretch>
+            <a:fillRect/>
+          </a:stretch>
+        </p:blipFill>
+        <p:spPr>
+          <a:xfrm>
+            <a:off x="8667480" y="1806901"/>
+            <a:ext cx="3258355" cy="2604101"/>
+          </a:xfrm>
+          <a:prstGeom prst="rect">
+            <a:avLst/>
+          </a:prstGeom>
+        </p:spPr>
+      </p:pic>
     </p:spTree>
     <p:extLst>
       <p:ext uri="{BB962C8B-B14F-4D97-AF65-F5344CB8AC3E}">
-        <p14:creationId xmlns:p14="http://schemas.microsoft.com/office/powerpoint/2010/main" val="3672806319"/>
+        <p14:creationId xmlns:p14="http://schemas.microsoft.com/office/powerpoint/2010/main" val="769384185"/>
       </p:ext>
     </p:extLst>
   </p:cSld>
@@ -17788,6 +17769,141 @@
             <a:r>
               <a:rPr lang="es-MX" sz="3200" dirty="0" smtClean="0">
                 <a:solidFill>
+                  <a:schemeClr val="accent6">
+                    <a:lumMod val="75000"/>
+                  </a:schemeClr>
+                </a:solidFill>
+                <a:effectLst>
+                  <a:outerShdw blurRad="38100" dist="38100" dir="2700000" algn="tl">
+                    <a:srgbClr val="000000">
+                      <a:alpha val="43137"/>
+                    </a:srgbClr>
+                  </a:outerShdw>
+                </a:effectLst>
+              </a:rPr>
+              <a:t>Primero</a:t>
+            </a:r>
+            <a:r>
+              <a:rPr lang="es-MX" sz="3200" dirty="0" smtClean="0"/>
+              <a:t>, como evidencia de que </a:t>
+            </a:r>
+            <a:r>
+              <a:rPr lang="es-MX" sz="3200" b="1" dirty="0" smtClean="0">
+                <a:effectLst>
+                  <a:outerShdw blurRad="38100" dist="38100" dir="2700000" algn="tl">
+                    <a:srgbClr val="000000">
+                      <a:alpha val="43137"/>
+                    </a:srgbClr>
+                  </a:outerShdw>
+                </a:effectLst>
+              </a:rPr>
+              <a:t>el Efecto Espejo no es un fenómeno exclusivo de la Memoria de Reconocimiento sino de la aplicación de la Teoría de Detección de Señales</a:t>
+            </a:r>
+            <a:r>
+              <a:rPr lang="es-MX" sz="3200" dirty="0" smtClean="0"/>
+              <a:t> al estudio de tareas con más de un nivel de d’. </a:t>
+            </a:r>
+          </a:p>
+        </p:txBody>
+      </p:sp>
+      <p:sp>
+        <p:nvSpPr>
+          <p:cNvPr id="6" name="Título 5"/>
+          <p:cNvSpPr>
+            <a:spLocks noGrp="1"/>
+          </p:cNvSpPr>
+          <p:nvPr>
+            <p:ph type="title"/>
+          </p:nvPr>
+        </p:nvSpPr>
+        <p:spPr/>
+        <p:txBody>
+          <a:bodyPr/>
+          <a:lstStyle/>
+          <a:p>
+            <a:r>
+              <a:rPr lang="es-MX" dirty="0" smtClean="0"/>
+              <a:t/>
+            </a:r>
+            <a:br>
+              <a:rPr lang="es-MX" dirty="0" smtClean="0"/>
+            </a:br>
+            <a:endParaRPr lang="es-MX" dirty="0"/>
+          </a:p>
+        </p:txBody>
+      </p:sp>
+    </p:spTree>
+    <p:extLst>
+      <p:ext uri="{BB962C8B-B14F-4D97-AF65-F5344CB8AC3E}">
+        <p14:creationId xmlns:p14="http://schemas.microsoft.com/office/powerpoint/2010/main" val="3672806319"/>
+      </p:ext>
+    </p:extLst>
+  </p:cSld>
+  <p:clrMapOvr>
+    <a:masterClrMapping/>
+  </p:clrMapOvr>
+  <p:timing>
+    <p:tnLst>
+      <p:par>
+        <p:cTn id="1" dur="indefinite" restart="never" nodeType="tmRoot"/>
+      </p:par>
+    </p:tnLst>
+  </p:timing>
+</p:sld>
+</file>
+
+<file path=ppt/slides/slide72.xml><?xml version="1.0" encoding="utf-8"?>
+<p:sld xmlns:a="http://schemas.openxmlformats.org/drawingml/2006/main" xmlns:r="http://schemas.openxmlformats.org/officeDocument/2006/relationships" xmlns:p="http://schemas.openxmlformats.org/presentationml/2006/main">
+  <p:cSld>
+    <p:spTree>
+      <p:nvGrpSpPr>
+        <p:cNvPr id="1" name=""/>
+        <p:cNvGrpSpPr/>
+        <p:nvPr/>
+      </p:nvGrpSpPr>
+      <p:grpSpPr>
+        <a:xfrm>
+          <a:off x="0" y="0"/>
+          <a:ext cx="0" cy="0"/>
+          <a:chOff x="0" y="0"/>
+          <a:chExt cx="0" cy="0"/>
+        </a:xfrm>
+      </p:grpSpPr>
+      <p:sp>
+        <p:nvSpPr>
+          <p:cNvPr id="3" name="Marcador de contenido 2"/>
+          <p:cNvSpPr>
+            <a:spLocks noGrp="1"/>
+          </p:cNvSpPr>
+          <p:nvPr>
+            <p:ph idx="1"/>
+          </p:nvPr>
+        </p:nvSpPr>
+        <p:spPr>
+          <a:xfrm>
+            <a:off x="206061" y="1825625"/>
+            <a:ext cx="11719775" cy="4351338"/>
+          </a:xfrm>
+        </p:spPr>
+        <p:txBody>
+          <a:bodyPr>
+            <a:noAutofit/>
+          </a:bodyPr>
+          <a:lstStyle/>
+          <a:p>
+            <a:r>
+              <a:rPr lang="es-MX" sz="3200" dirty="0" smtClean="0"/>
+              <a:t>Los resultados encontrados pueden ser interpretados en dos direcciones: </a:t>
+            </a:r>
+          </a:p>
+          <a:p>
+            <a:endParaRPr lang="es-MX" sz="3200" dirty="0" smtClean="0"/>
+          </a:p>
+          <a:p>
+            <a:pPr lvl="1"/>
+            <a:r>
+              <a:rPr lang="es-MX" sz="3200" dirty="0" smtClean="0">
+                <a:solidFill>
                   <a:schemeClr val="accent1">
                     <a:lumMod val="75000"/>
                   </a:schemeClr>
@@ -17871,7 +17987,7 @@
 </p:sld>
 </file>
 
-<file path=ppt/slides/slide72.xml><?xml version="1.0" encoding="utf-8"?>
+<file path=ppt/slides/slide73.xml><?xml version="1.0" encoding="utf-8"?>
 <p:sld xmlns:a="http://schemas.openxmlformats.org/drawingml/2006/main" xmlns:r="http://schemas.openxmlformats.org/officeDocument/2006/relationships" xmlns:p="http://schemas.openxmlformats.org/presentationml/2006/main">
   <p:cSld>
     <p:spTree>
@@ -18146,7 +18262,7 @@
 </p:sld>
 </file>
 
-<file path=ppt/slides/slide73.xml><?xml version="1.0" encoding="utf-8"?>
+<file path=ppt/slides/slide74.xml><?xml version="1.0" encoding="utf-8"?>
 <p:sld xmlns:a="http://schemas.openxmlformats.org/drawingml/2006/main" xmlns:r="http://schemas.openxmlformats.org/officeDocument/2006/relationships" xmlns:p="http://schemas.openxmlformats.org/presentationml/2006/main">
   <p:cSld>
     <p:spTree>
@@ -18358,7 +18474,7 @@
 </p:sld>
 </file>
 
-<file path=ppt/slides/slide74.xml><?xml version="1.0" encoding="utf-8"?>
+<file path=ppt/slides/slide75.xml><?xml version="1.0" encoding="utf-8"?>
 <p:sld xmlns:a="http://schemas.openxmlformats.org/drawingml/2006/main" xmlns:r="http://schemas.openxmlformats.org/officeDocument/2006/relationships" xmlns:p="http://schemas.openxmlformats.org/presentationml/2006/main">
   <p:cSld>
     <p:spTree>
@@ -18709,7 +18825,7 @@
 </p:sld>
 </file>
 
-<file path=ppt/slides/slide75.xml><?xml version="1.0" encoding="utf-8"?>
+<file path=ppt/slides/slide76.xml><?xml version="1.0" encoding="utf-8"?>
 <p:sld xmlns:a="http://schemas.openxmlformats.org/drawingml/2006/main" xmlns:r="http://schemas.openxmlformats.org/officeDocument/2006/relationships" xmlns:p="http://schemas.openxmlformats.org/presentationml/2006/main">
   <p:cSld>
     <p:spTree>
@@ -18919,7 +19035,7 @@
 </p:sld>
 </file>
 
-<file path=ppt/slides/slide76.xml><?xml version="1.0" encoding="utf-8"?>
+<file path=ppt/slides/slide77.xml><?xml version="1.0" encoding="utf-8"?>
 <p:sld xmlns:a="http://schemas.openxmlformats.org/drawingml/2006/main" xmlns:r="http://schemas.openxmlformats.org/officeDocument/2006/relationships" xmlns:p="http://schemas.openxmlformats.org/presentationml/2006/main">
   <p:cSld>
     <p:spTree>
@@ -19906,86 +20022,73 @@
           <a:chExt cx="0" cy="0"/>
         </a:xfrm>
       </p:grpSpPr>
+      <p:sp>
+        <p:nvSpPr>
+          <p:cNvPr id="2" name="Título 1"/>
+          <p:cNvSpPr>
+            <a:spLocks noGrp="1"/>
+          </p:cNvSpPr>
+          <p:nvPr>
+            <p:ph type="title"/>
+          </p:nvPr>
+        </p:nvSpPr>
+        <p:spPr/>
+        <p:txBody>
+          <a:bodyPr/>
+          <a:lstStyle/>
+          <a:p>
+            <a:r>
+              <a:rPr lang="es-MX" b="1" dirty="0" smtClean="0"/>
+              <a:t>El mundo está cargado de ruido e incertidumbre….</a:t>
+            </a:r>
+            <a:endParaRPr lang="es-MX" b="1" dirty="0"/>
+          </a:p>
+        </p:txBody>
+      </p:sp>
       <p:pic>
         <p:nvPicPr>
-          <p:cNvPr id="4" name="Imagen 3"/>
+          <p:cNvPr id="1026" name="Picture 2" descr="Resultado de imagen para conejo blanco y negro dibujo"/>
           <p:cNvPicPr>
-            <a:picLocks noChangeAspect="1"/>
+            <a:picLocks noChangeAspect="1" noChangeArrowheads="1"/>
           </p:cNvPicPr>
           <p:nvPr/>
         </p:nvPicPr>
         <p:blipFill>
-          <a:blip r:embed="rId2"/>
+          <a:blip r:embed="rId2">
+            <a:extLst>
+              <a:ext uri="{28A0092B-C50C-407E-A947-70E740481C1C}">
+                <a14:useLocalDpi xmlns:a14="http://schemas.microsoft.com/office/drawing/2010/main" val="0"/>
+              </a:ext>
+            </a:extLst>
+          </a:blip>
+          <a:srcRect/>
           <a:stretch>
             <a:fillRect/>
           </a:stretch>
         </p:blipFill>
-        <p:spPr>
-          <a:xfrm>
-            <a:off x="3796249" y="1284047"/>
-            <a:ext cx="8271255" cy="5239023"/>
+        <p:spPr bwMode="auto">
+          <a:xfrm>
+            <a:off x="838200" y="2743200"/>
+            <a:ext cx="2820651" cy="2118864"/>
           </a:xfrm>
           <a:prstGeom prst="rect">
             <a:avLst/>
           </a:prstGeom>
+          <a:noFill/>
+          <a:extLst>
+            <a:ext uri="{909E8E84-426E-40DD-AFC4-6F175D3DCCD1}">
+              <a14:hiddenFill xmlns:a14="http://schemas.microsoft.com/office/drawing/2010/main">
+                <a:solidFill>
+                  <a:srgbClr val="FFFFFF"/>
+                </a:solidFill>
+              </a14:hiddenFill>
+            </a:ext>
+          </a:extLst>
         </p:spPr>
       </p:pic>
-      <p:sp>
-        <p:nvSpPr>
-          <p:cNvPr id="2" name="Título 1"/>
-          <p:cNvSpPr>
-            <a:spLocks noGrp="1"/>
-          </p:cNvSpPr>
-          <p:nvPr>
-            <p:ph type="title"/>
-          </p:nvPr>
-        </p:nvSpPr>
-        <p:spPr>
-          <a:xfrm>
-            <a:off x="387439" y="296068"/>
-            <a:ext cx="10515600" cy="1325563"/>
-          </a:xfrm>
-        </p:spPr>
-        <p:txBody>
-          <a:bodyPr/>
-          <a:lstStyle/>
-          <a:p>
-            <a:r>
-              <a:rPr lang="es-MX" dirty="0" smtClean="0"/>
-              <a:t>Los aciertos pagan y los errores cuestan….</a:t>
-            </a:r>
-            <a:br>
-              <a:rPr lang="es-MX" dirty="0" smtClean="0"/>
-            </a:br>
-            <a:endParaRPr lang="es-MX" sz="2500" i="1" dirty="0"/>
-          </a:p>
-        </p:txBody>
-      </p:sp>
-      <p:sp>
-        <p:nvSpPr>
-          <p:cNvPr id="3" name="Marcador de contenido 2"/>
-          <p:cNvSpPr>
-            <a:spLocks noGrp="1"/>
-          </p:cNvSpPr>
-          <p:nvPr>
-            <p:ph idx="1"/>
-          </p:nvPr>
-        </p:nvSpPr>
-        <p:spPr/>
-        <p:txBody>
-          <a:bodyPr/>
-          <a:lstStyle/>
-          <a:p>
-            <a:endParaRPr lang="es-MX" dirty="0" smtClean="0"/>
-          </a:p>
-          <a:p>
-            <a:endParaRPr lang="es-MX" dirty="0"/>
-          </a:p>
-        </p:txBody>
-      </p:sp>
       <p:pic>
         <p:nvPicPr>
-          <p:cNvPr id="1026" name="Picture 2" descr="Resultado de imagen para conejo blanco y negro dibujo"/>
+          <p:cNvPr id="4" name="Picture 2"/>
           <p:cNvPicPr>
             <a:picLocks noChangeAspect="1" noChangeArrowheads="1"/>
           </p:cNvPicPr>
@@ -20006,28 +20109,70 @@
         </p:blipFill>
         <p:spPr bwMode="auto">
           <a:xfrm>
-            <a:off x="838200" y="2743200"/>
-            <a:ext cx="2820651" cy="2118864"/>
+            <a:off x="4959496" y="1346914"/>
+            <a:ext cx="6429375" cy="5410200"/>
           </a:xfrm>
           <a:prstGeom prst="rect">
             <a:avLst/>
           </a:prstGeom>
           <a:noFill/>
+          <a:ln>
+            <a:noFill/>
+          </a:ln>
+          <a:effectLst/>
           <a:extLst>
             <a:ext uri="{909E8E84-426E-40DD-AFC4-6F175D3DCCD1}">
               <a14:hiddenFill xmlns:a14="http://schemas.microsoft.com/office/drawing/2010/main">
                 <a:solidFill>
-                  <a:srgbClr val="FFFFFF"/>
+                  <a:schemeClr val="accent1"/>
                 </a:solidFill>
               </a14:hiddenFill>
             </a:ext>
+            <a:ext uri="{91240B29-F687-4F45-9708-019B960494DF}">
+              <a14:hiddenLine xmlns:a14="http://schemas.microsoft.com/office/drawing/2010/main" w="9525">
+                <a:solidFill>
+                  <a:schemeClr val="tx1"/>
+                </a:solidFill>
+                <a:miter lim="800000"/>
+                <a:headEnd/>
+                <a:tailEnd/>
+              </a14:hiddenLine>
+            </a:ext>
+            <a:ext uri="{AF507438-7753-43E0-B8FC-AC1667EBCBE1}">
+              <a14:hiddenEffects xmlns:a14="http://schemas.microsoft.com/office/drawing/2010/main">
+                <a:effectLst>
+                  <a:outerShdw dist="35921" dir="2700000" algn="ctr" rotWithShape="0">
+                    <a:schemeClr val="bg2"/>
+                  </a:outerShdw>
+                </a:effectLst>
+              </a14:hiddenEffects>
+            </a:ext>
           </a:extLst>
         </p:spPr>
       </p:pic>
+      <p:sp>
+        <p:nvSpPr>
+          <p:cNvPr id="5" name="4 Marcador de contenido"/>
+          <p:cNvSpPr>
+            <a:spLocks noGrp="1"/>
+          </p:cNvSpPr>
+          <p:nvPr>
+            <p:ph idx="1"/>
+          </p:nvPr>
+        </p:nvSpPr>
+        <p:spPr/>
+        <p:txBody>
+          <a:bodyPr/>
+          <a:lstStyle/>
+          <a:p>
+            <a:endParaRPr lang="es-MX" dirty="0"/>
+          </a:p>
+        </p:txBody>
+      </p:sp>
     </p:spTree>
     <p:extLst>
       <p:ext uri="{BB962C8B-B14F-4D97-AF65-F5344CB8AC3E}">
-        <p14:creationId xmlns:p14="http://schemas.microsoft.com/office/powerpoint/2010/main" val="3244330082"/>
+        <p14:creationId xmlns:p14="http://schemas.microsoft.com/office/powerpoint/2010/main" val="3221941185"/>
       </p:ext>
     </p:extLst>
   </p:cSld>
@@ -20299,7 +20444,7 @@
   <a:extraClrSchemeLst/>
   <a:extLst>
     <a:ext uri="{05A4C25C-085E-4340-85A3-A5531E510DB2}">
-      <thm15:themeFamily xmlns:thm15="http://schemas.microsoft.com/office/thememl/2012/main" name="Office Theme" id="{62F939B6-93AF-4DB8-9C6B-D6C7DFDC589F}" vid="{4A3C46E8-61CC-4603-A589-7422A47A8E4A}"/>
+      <thm15:themeFamily xmlns:thm15="http://schemas.microsoft.com/office/thememl/2012/main" xmlns="" name="Office Theme" id="{62F939B6-93AF-4DB8-9C6B-D6C7DFDC589F}" vid="{4A3C46E8-61CC-4603-A589-7422A47A8E4A}"/>
     </a:ext>
   </a:extLst>
 </a:theme>

--- a/Tesis/Presentaciones/FINAL_Examen.pptx
+++ b/Tesis/Presentaciones/FINAL_Examen.pptx
@@ -182,7 +182,7 @@
   </p:defaultTextStyle>
   <p:extLst>
     <p:ext uri="{EFAFB233-063F-42B5-8137-9DF3F51BA10A}">
-      <p15:sldGuideLst xmlns:p15="http://schemas.microsoft.com/office/powerpoint/2012/main" xmlns="">
+      <p15:sldGuideLst xmlns="" xmlns:p15="http://schemas.microsoft.com/office/powerpoint/2012/main">
         <p15:guide id="1" orient="horz" pos="2160">
           <p15:clr>
             <a:srgbClr val="A4A3A4"/>
@@ -330,7 +330,7 @@
           <a:p>
             <a:fld id="{CFA7C8EE-915B-494D-892E-1894E2A93FCC}" type="datetimeFigureOut">
               <a:rPr lang="es-MX" smtClean="0"/>
-              <a:t>12/03/2018</a:t>
+              <a:t>13/03/2018</a:t>
             </a:fld>
             <a:endParaRPr lang="es-MX"/>
           </a:p>
@@ -500,7 +500,7 @@
           <a:p>
             <a:fld id="{CFA7C8EE-915B-494D-892E-1894E2A93FCC}" type="datetimeFigureOut">
               <a:rPr lang="es-MX" smtClean="0"/>
-              <a:t>12/03/2018</a:t>
+              <a:t>13/03/2018</a:t>
             </a:fld>
             <a:endParaRPr lang="es-MX"/>
           </a:p>
@@ -680,7 +680,7 @@
           <a:p>
             <a:fld id="{CFA7C8EE-915B-494D-892E-1894E2A93FCC}" type="datetimeFigureOut">
               <a:rPr lang="es-MX" smtClean="0"/>
-              <a:t>12/03/2018</a:t>
+              <a:t>13/03/2018</a:t>
             </a:fld>
             <a:endParaRPr lang="es-MX"/>
           </a:p>
@@ -850,7 +850,7 @@
           <a:p>
             <a:fld id="{CFA7C8EE-915B-494D-892E-1894E2A93FCC}" type="datetimeFigureOut">
               <a:rPr lang="es-MX" smtClean="0"/>
-              <a:t>12/03/2018</a:t>
+              <a:t>13/03/2018</a:t>
             </a:fld>
             <a:endParaRPr lang="es-MX"/>
           </a:p>
@@ -1096,7 +1096,7 @@
           <a:p>
             <a:fld id="{CFA7C8EE-915B-494D-892E-1894E2A93FCC}" type="datetimeFigureOut">
               <a:rPr lang="es-MX" smtClean="0"/>
-              <a:t>12/03/2018</a:t>
+              <a:t>13/03/2018</a:t>
             </a:fld>
             <a:endParaRPr lang="es-MX"/>
           </a:p>
@@ -1328,7 +1328,7 @@
           <a:p>
             <a:fld id="{CFA7C8EE-915B-494D-892E-1894E2A93FCC}" type="datetimeFigureOut">
               <a:rPr lang="es-MX" smtClean="0"/>
-              <a:t>12/03/2018</a:t>
+              <a:t>13/03/2018</a:t>
             </a:fld>
             <a:endParaRPr lang="es-MX"/>
           </a:p>
@@ -1695,7 +1695,7 @@
           <a:p>
             <a:fld id="{CFA7C8EE-915B-494D-892E-1894E2A93FCC}" type="datetimeFigureOut">
               <a:rPr lang="es-MX" smtClean="0"/>
-              <a:t>12/03/2018</a:t>
+              <a:t>13/03/2018</a:t>
             </a:fld>
             <a:endParaRPr lang="es-MX"/>
           </a:p>
@@ -1813,7 +1813,7 @@
           <a:p>
             <a:fld id="{CFA7C8EE-915B-494D-892E-1894E2A93FCC}" type="datetimeFigureOut">
               <a:rPr lang="es-MX" smtClean="0"/>
-              <a:t>12/03/2018</a:t>
+              <a:t>13/03/2018</a:t>
             </a:fld>
             <a:endParaRPr lang="es-MX"/>
           </a:p>
@@ -1908,7 +1908,7 @@
           <a:p>
             <a:fld id="{CFA7C8EE-915B-494D-892E-1894E2A93FCC}" type="datetimeFigureOut">
               <a:rPr lang="es-MX" smtClean="0"/>
-              <a:t>12/03/2018</a:t>
+              <a:t>13/03/2018</a:t>
             </a:fld>
             <a:endParaRPr lang="es-MX"/>
           </a:p>
@@ -2185,7 +2185,7 @@
           <a:p>
             <a:fld id="{CFA7C8EE-915B-494D-892E-1894E2A93FCC}" type="datetimeFigureOut">
               <a:rPr lang="es-MX" smtClean="0"/>
-              <a:t>12/03/2018</a:t>
+              <a:t>13/03/2018</a:t>
             </a:fld>
             <a:endParaRPr lang="es-MX"/>
           </a:p>
@@ -2438,7 +2438,7 @@
           <a:p>
             <a:fld id="{CFA7C8EE-915B-494D-892E-1894E2A93FCC}" type="datetimeFigureOut">
               <a:rPr lang="es-MX" smtClean="0"/>
-              <a:t>12/03/2018</a:t>
+              <a:t>13/03/2018</a:t>
             </a:fld>
             <a:endParaRPr lang="es-MX"/>
           </a:p>
@@ -2651,7 +2651,7 @@
           <a:p>
             <a:fld id="{CFA7C8EE-915B-494D-892E-1894E2A93FCC}" type="datetimeFigureOut">
               <a:rPr lang="es-MX" smtClean="0"/>
-              <a:t>12/03/2018</a:t>
+              <a:t>13/03/2018</a:t>
             </a:fld>
             <a:endParaRPr lang="es-MX"/>
           </a:p>
@@ -20444,7 +20444,7 @@
   <a:extraClrSchemeLst/>
   <a:extLst>
     <a:ext uri="{05A4C25C-085E-4340-85A3-A5531E510DB2}">
-      <thm15:themeFamily xmlns:thm15="http://schemas.microsoft.com/office/thememl/2012/main" xmlns="" name="Office Theme" id="{62F939B6-93AF-4DB8-9C6B-D6C7DFDC589F}" vid="{4A3C46E8-61CC-4603-A589-7422A47A8E4A}"/>
+      <thm15:themeFamily xmlns="" xmlns:thm15="http://schemas.microsoft.com/office/thememl/2012/main" name="Office Theme" id="{62F939B6-93AF-4DB8-9C6B-D6C7DFDC589F}" vid="{4A3C46E8-61CC-4603-A589-7422A47A8E4A}"/>
     </a:ext>
   </a:extLst>
 </a:theme>
